--- a/Cars price.pptx
+++ b/Cars price.pptx
@@ -8859,7 +8859,7 @@
         </p:blipFill>
         <p:spPr>
           <a:xfrm>
-            <a:off x="5825877" y="851778"/>
+            <a:off x="5825877" y="871874"/>
             <a:ext cx="5794623" cy="4320489"/>
           </a:xfrm>
           <a:prstGeom prst="rect">

--- a/Cars price.pptx
+++ b/Cars price.pptx
@@ -279,7 +279,7 @@
           <a:p>
             <a:fld id="{1C8322F6-1C60-46CF-968C-BC20E470F443}" type="datetimeFigureOut">
               <a:rPr lang="en-US" smtClean="0"/>
-              <a:t>4/30/2025</a:t>
+              <a:t>5/1/2025</a:t>
             </a:fld>
             <a:endParaRPr lang="en-US"/>
           </a:p>
@@ -613,7 +613,7 @@
           <a:p>
             <a:fld id="{1C8322F6-1C60-46CF-968C-BC20E470F443}" type="datetimeFigureOut">
               <a:rPr lang="en-US" smtClean="0"/>
-              <a:t>4/30/2025</a:t>
+              <a:t>5/1/2025</a:t>
             </a:fld>
             <a:endParaRPr lang="en-US"/>
           </a:p>
@@ -866,7 +866,7 @@
           <a:p>
             <a:fld id="{1C8322F6-1C60-46CF-968C-BC20E470F443}" type="datetimeFigureOut">
               <a:rPr lang="en-US" smtClean="0"/>
-              <a:t>4/30/2025</a:t>
+              <a:t>5/1/2025</a:t>
             </a:fld>
             <a:endParaRPr lang="en-US"/>
           </a:p>
@@ -1200,7 +1200,7 @@
           <a:p>
             <a:fld id="{1C8322F6-1C60-46CF-968C-BC20E470F443}" type="datetimeFigureOut">
               <a:rPr lang="en-US" smtClean="0"/>
-              <a:t>4/30/2025</a:t>
+              <a:t>5/1/2025</a:t>
             </a:fld>
             <a:endParaRPr lang="en-US"/>
           </a:p>
@@ -1481,7 +1481,7 @@
           <a:p>
             <a:fld id="{1C8322F6-1C60-46CF-968C-BC20E470F443}" type="datetimeFigureOut">
               <a:rPr lang="en-US" smtClean="0"/>
-              <a:t>4/30/2025</a:t>
+              <a:t>5/1/2025</a:t>
             </a:fld>
             <a:endParaRPr lang="en-US"/>
           </a:p>
@@ -1883,7 +1883,7 @@
           <a:p>
             <a:fld id="{1C8322F6-1C60-46CF-968C-BC20E470F443}" type="datetimeFigureOut">
               <a:rPr lang="en-US" smtClean="0"/>
-              <a:t>4/30/2025</a:t>
+              <a:t>5/1/2025</a:t>
             </a:fld>
             <a:endParaRPr lang="en-US"/>
           </a:p>
@@ -2344,7 +2344,7 @@
           <a:p>
             <a:fld id="{1C8322F6-1C60-46CF-968C-BC20E470F443}" type="datetimeFigureOut">
               <a:rPr lang="en-US" smtClean="0"/>
-              <a:t>4/30/2025</a:t>
+              <a:t>5/1/2025</a:t>
             </a:fld>
             <a:endParaRPr lang="en-US"/>
           </a:p>
@@ -2577,7 +2577,7 @@
           <a:p>
             <a:fld id="{1C8322F6-1C60-46CF-968C-BC20E470F443}" type="datetimeFigureOut">
               <a:rPr lang="en-US" smtClean="0"/>
-              <a:t>4/30/2025</a:t>
+              <a:t>5/1/2025</a:t>
             </a:fld>
             <a:endParaRPr lang="en-US"/>
           </a:p>
@@ -2776,7 +2776,7 @@
           <a:p>
             <a:fld id="{1C8322F6-1C60-46CF-968C-BC20E470F443}" type="datetimeFigureOut">
               <a:rPr lang="en-US" smtClean="0"/>
-              <a:t>4/30/2025</a:t>
+              <a:t>5/1/2025</a:t>
             </a:fld>
             <a:endParaRPr lang="en-US"/>
           </a:p>
@@ -3089,7 +3089,7 @@
           <a:p>
             <a:fld id="{1C8322F6-1C60-46CF-968C-BC20E470F443}" type="datetimeFigureOut">
               <a:rPr lang="en-US" smtClean="0"/>
-              <a:t>4/30/2025</a:t>
+              <a:t>5/1/2025</a:t>
             </a:fld>
             <a:endParaRPr lang="en-US"/>
           </a:p>
@@ -3553,7 +3553,7 @@
           <a:p>
             <a:fld id="{1C8322F6-1C60-46CF-968C-BC20E470F443}" type="datetimeFigureOut">
               <a:rPr lang="en-US" smtClean="0"/>
-              <a:t>4/30/2025</a:t>
+              <a:t>5/1/2025</a:t>
             </a:fld>
             <a:endParaRPr lang="en-US"/>
           </a:p>
@@ -3966,7 +3966,7 @@
           <a:p>
             <a:fld id="{1C8322F6-1C60-46CF-968C-BC20E470F443}" type="datetimeFigureOut">
               <a:rPr lang="en-US" smtClean="0"/>
-              <a:t>4/30/2025</a:t>
+              <a:t>5/1/2025</a:t>
             </a:fld>
             <a:endParaRPr lang="en-US"/>
           </a:p>
@@ -9369,8 +9369,8 @@
         </p:blipFill>
         <p:spPr>
           <a:xfrm>
-            <a:off x="6905284" y="1821792"/>
-            <a:ext cx="4714892" cy="3206126"/>
+            <a:off x="6905283" y="668593"/>
+            <a:ext cx="5129399" cy="5388076"/>
           </a:xfrm>
           <a:prstGeom prst="rect">
             <a:avLst/>
@@ -9963,7 +9963,7 @@
       </p:grpSpPr>
       <p:cxnSp>
         <p:nvCxnSpPr>
-          <p:cNvPr id="10" name="Straight Connector 9">
+          <p:cNvPr id="27" name="Straight Connector 26">
             <a:extLst>
               <a:ext uri="{FF2B5EF4-FFF2-40B4-BE49-F238E27FC236}">
                 <a16:creationId xmlns:a16="http://schemas.microsoft.com/office/drawing/2014/main" id="{A240FCEE-B6E2-46D0-9BB0-F45F79545E9D}"/>
@@ -10015,7 +10015,7 @@
       </p:cxnSp>
       <p:cxnSp>
         <p:nvCxnSpPr>
-          <p:cNvPr id="12" name="Straight Connector 11">
+          <p:cNvPr id="29" name="Straight Connector 28">
             <a:extLst>
               <a:ext uri="{FF2B5EF4-FFF2-40B4-BE49-F238E27FC236}">
                 <a16:creationId xmlns:a16="http://schemas.microsoft.com/office/drawing/2014/main" id="{3BD2FB83-3783-4477-80B5-DA5BF10BAF57}"/>
@@ -10067,7 +10067,7 @@
       </p:cxnSp>
       <p:cxnSp>
         <p:nvCxnSpPr>
-          <p:cNvPr id="14" name="Straight Connector 13">
+          <p:cNvPr id="31" name="Straight Connector 30">
             <a:extLst>
               <a:ext uri="{FF2B5EF4-FFF2-40B4-BE49-F238E27FC236}">
                 <a16:creationId xmlns:a16="http://schemas.microsoft.com/office/drawing/2014/main" id="{E83EA203-71D5-49C0-9626-FFA8E46787B0}"/>
@@ -10119,7 +10119,7 @@
       </p:cxnSp>
       <p:sp useBgFill="1">
         <p:nvSpPr>
-          <p:cNvPr id="16" name="Rectangle 15">
+          <p:cNvPr id="33" name="Rectangle 32">
             <a:extLst>
               <a:ext uri="{FF2B5EF4-FFF2-40B4-BE49-F238E27FC236}">
                 <a16:creationId xmlns:a16="http://schemas.microsoft.com/office/drawing/2014/main" id="{D26BC87E-DCC8-4E66-972D-A587756DF30A}"/>
@@ -10225,7 +10225,7 @@
       </p:sp>
       <p:cxnSp>
         <p:nvCxnSpPr>
-          <p:cNvPr id="18" name="Straight Connector 17">
+          <p:cNvPr id="35" name="Straight Connector 34">
             <a:extLst>
               <a:ext uri="{FF2B5EF4-FFF2-40B4-BE49-F238E27FC236}">
                 <a16:creationId xmlns:a16="http://schemas.microsoft.com/office/drawing/2014/main" id="{8B45C962-0D68-4A01-9627-70DEBBC363C7}"/>
@@ -10277,7 +10277,7 @@
       </p:cxnSp>
       <p:cxnSp>
         <p:nvCxnSpPr>
-          <p:cNvPr id="20" name="Straight Connector 19">
+          <p:cNvPr id="37" name="Straight Connector 36">
             <a:extLst>
               <a:ext uri="{FF2B5EF4-FFF2-40B4-BE49-F238E27FC236}">
                 <a16:creationId xmlns:a16="http://schemas.microsoft.com/office/drawing/2014/main" id="{F1D89FBF-493B-4E7D-B511-7E40674F6323}"/>
@@ -10329,10 +10329,10 @@
       </p:cxnSp>
       <p:pic>
         <p:nvPicPr>
-          <p:cNvPr id="5" name="Content Placeholder 4" descr="A screen shot of a graph&#10;&#10;AI-generated content may be incorrect.">
-            <a:extLst>
-              <a:ext uri="{FF2B5EF4-FFF2-40B4-BE49-F238E27FC236}">
-                <a16:creationId xmlns:a16="http://schemas.microsoft.com/office/drawing/2014/main" id="{1111665E-5AD7-5480-1BF5-2B71099509C8}"/>
+          <p:cNvPr id="7" name="Content Placeholder 6">
+            <a:extLst>
+              <a:ext uri="{FF2B5EF4-FFF2-40B4-BE49-F238E27FC236}">
+                <a16:creationId xmlns:a16="http://schemas.microsoft.com/office/drawing/2014/main" id="{CB9DB76F-76E5-D455-AE38-BB2FB827A30E}"/>
               </a:ext>
             </a:extLst>
           </p:cNvPr>
@@ -10344,21 +10344,15 @@
           </p:nvPr>
         </p:nvPicPr>
         <p:blipFill>
-          <a:blip r:embed="rId2">
-            <a:extLst>
-              <a:ext uri="{28A0092B-C50C-407E-A947-70E740481C1C}">
-                <a14:useLocalDpi xmlns:a14="http://schemas.microsoft.com/office/drawing/2010/main" val="0"/>
-              </a:ext>
-            </a:extLst>
-          </a:blip>
+          <a:blip r:embed="rId2"/>
           <a:stretch>
             <a:fillRect/>
           </a:stretch>
         </p:blipFill>
         <p:spPr>
           <a:xfrm>
-            <a:off x="5800384" y="1036646"/>
-            <a:ext cx="5820112" cy="4001327"/>
+            <a:off x="5800383" y="930404"/>
+            <a:ext cx="6168095" cy="4788792"/>
           </a:xfrm>
           <a:prstGeom prst="rect">
             <a:avLst/>
@@ -10367,7 +10361,7 @@
       </p:pic>
       <p:cxnSp>
         <p:nvCxnSpPr>
-          <p:cNvPr id="22" name="Straight Connector 21">
+          <p:cNvPr id="39" name="Straight Connector 38">
             <a:extLst>
               <a:ext uri="{FF2B5EF4-FFF2-40B4-BE49-F238E27FC236}">
                 <a16:creationId xmlns:a16="http://schemas.microsoft.com/office/drawing/2014/main" id="{4BCC744E-5590-4542-B37F-B764470BF05E}"/>

--- a/Cars price.pptx
+++ b/Cars price.pptx
@@ -8959,7 +8959,7 @@
       </p:grpSpPr>
       <p:cxnSp>
         <p:nvCxnSpPr>
-          <p:cNvPr id="10" name="Straight Connector 9">
+          <p:cNvPr id="27" name="Straight Connector 26">
             <a:extLst>
               <a:ext uri="{FF2B5EF4-FFF2-40B4-BE49-F238E27FC236}">
                 <a16:creationId xmlns:a16="http://schemas.microsoft.com/office/drawing/2014/main" id="{A240FCEE-B6E2-46D0-9BB0-F45F79545E9D}"/>
@@ -9011,7 +9011,7 @@
       </p:cxnSp>
       <p:cxnSp>
         <p:nvCxnSpPr>
-          <p:cNvPr id="12" name="Straight Connector 11">
+          <p:cNvPr id="29" name="Straight Connector 28">
             <a:extLst>
               <a:ext uri="{FF2B5EF4-FFF2-40B4-BE49-F238E27FC236}">
                 <a16:creationId xmlns:a16="http://schemas.microsoft.com/office/drawing/2014/main" id="{3BD2FB83-3783-4477-80B5-DA5BF10BAF57}"/>
@@ -9063,7 +9063,7 @@
       </p:cxnSp>
       <p:cxnSp>
         <p:nvCxnSpPr>
-          <p:cNvPr id="14" name="Straight Connector 13">
+          <p:cNvPr id="31" name="Straight Connector 30">
             <a:extLst>
               <a:ext uri="{FF2B5EF4-FFF2-40B4-BE49-F238E27FC236}">
                 <a16:creationId xmlns:a16="http://schemas.microsoft.com/office/drawing/2014/main" id="{E83EA203-71D5-49C0-9626-FFA8E46787B0}"/>
@@ -9115,10 +9115,10 @@
       </p:cxnSp>
       <p:sp useBgFill="1">
         <p:nvSpPr>
-          <p:cNvPr id="16" name="Rectangle 15">
-            <a:extLst>
-              <a:ext uri="{FF2B5EF4-FFF2-40B4-BE49-F238E27FC236}">
-                <a16:creationId xmlns:a16="http://schemas.microsoft.com/office/drawing/2014/main" id="{7D2EF33D-68BD-428C-B26E-2F4962407A12}"/>
+          <p:cNvPr id="33" name="Rectangle 32">
+            <a:extLst>
+              <a:ext uri="{FF2B5EF4-FFF2-40B4-BE49-F238E27FC236}">
+                <a16:creationId xmlns:a16="http://schemas.microsoft.com/office/drawing/2014/main" id="{D26BC87E-DCC8-4E66-972D-A587756DF30A}"/>
               </a:ext>
               <a:ext uri="{C183D7F6-B498-43B3-948B-1728B52AA6E4}">
                 <adec:decorative xmlns:adec="http://schemas.microsoft.com/office/drawing/2017/decorative" val="1"/>
@@ -9191,8 +9191,8 @@
         </p:nvSpPr>
         <p:spPr>
           <a:xfrm>
-            <a:off x="521208" y="822961"/>
-            <a:ext cx="5003290" cy="4282440"/>
+            <a:off x="521208" y="822960"/>
+            <a:ext cx="3898392" cy="5049781"/>
           </a:xfrm>
         </p:spPr>
         <p:txBody>
@@ -9202,32 +9202,12 @@
           <a:lstStyle/>
           <a:p>
             <a:r>
-              <a:rPr lang="en-US" sz="2300" b="1" dirty="0"/>
-              <a:t>EDA: </a:t>
-            </a:r>
-            <a:r>
-              <a:rPr lang="en-US" sz="2300" b="1" dirty="0" err="1"/>
-              <a:t>OfferType</a:t>
-            </a:r>
-            <a:r>
-              <a:rPr lang="en-US" sz="2300" b="1" dirty="0"/>
-              <a:t> Distribution</a:t>
+              <a:rPr lang="en-US" sz="2300"/>
+              <a:t>This image displays a pie chart illustrating the distribution of gear types in car offers. The percentages show that 70.7% of the cars have a Manual gear, 29.2% have an Automatic gear, and only 0.1% have a Semi-automatic gear. The chart was created using Python with the pandas and matplotlib libraries.</a:t>
             </a:r>
             <a:br>
-              <a:rPr lang="en-US" sz="2300" dirty="0"/>
+              <a:rPr lang="en-US" sz="2300"/>
             </a:br>
-            <a:r>
-              <a:rPr lang="en-US" sz="2300" dirty="0"/>
-              <a:t>This slide visualizes the distribution of the "</a:t>
-            </a:r>
-            <a:r>
-              <a:rPr lang="en-US" sz="2300" dirty="0" err="1"/>
-              <a:t>offerType</a:t>
-            </a:r>
-            <a:r>
-              <a:rPr lang="en-US" sz="2300" dirty="0"/>
-              <a:t>" column using a pie chart. The chart, generated with matplotlib and seaborn, shows that 87.7% of cars are "Used," 5.1% are "Demonstration," 4.7% are "Pre-registered," 2.5% are "New," and 0.0% are "Employee's car," highlighting the predominance of used cars.</a:t>
-            </a:r>
             <a:br>
               <a:rPr lang="en-US" sz="2300" dirty="0"/>
             </a:br>
@@ -9237,10 +9217,10 @@
       </p:sp>
       <p:cxnSp>
         <p:nvCxnSpPr>
-          <p:cNvPr id="18" name="Straight Connector 17">
-            <a:extLst>
-              <a:ext uri="{FF2B5EF4-FFF2-40B4-BE49-F238E27FC236}">
-                <a16:creationId xmlns:a16="http://schemas.microsoft.com/office/drawing/2014/main" id="{BB0822C5-45F8-48C5-867F-0DE853868476}"/>
+          <p:cNvPr id="35" name="Straight Connector 34">
+            <a:extLst>
+              <a:ext uri="{FF2B5EF4-FFF2-40B4-BE49-F238E27FC236}">
+                <a16:creationId xmlns:a16="http://schemas.microsoft.com/office/drawing/2014/main" id="{8B45C962-0D68-4A01-9627-70DEBBC363C7}"/>
               </a:ext>
               <a:ext uri="{C183D7F6-B498-43B3-948B-1728B52AA6E4}">
                 <adec:decorative xmlns:adec="http://schemas.microsoft.com/office/drawing/2017/decorative" val="1"/>
@@ -9259,9 +9239,9 @@
           </p:nvPr>
         </p:nvCxnSpPr>
         <p:spPr>
-          <a:xfrm>
-            <a:off x="6629400" y="573488"/>
-            <a:ext cx="0" cy="5717041"/>
+          <a:xfrm flipH="1">
+            <a:off x="577175" y="571500"/>
+            <a:ext cx="11054799" cy="0"/>
           </a:xfrm>
           <a:prstGeom prst="line">
             <a:avLst/>
@@ -9289,10 +9269,10 @@
       </p:cxnSp>
       <p:cxnSp>
         <p:nvCxnSpPr>
-          <p:cNvPr id="20" name="Straight Connector 19">
-            <a:extLst>
-              <a:ext uri="{FF2B5EF4-FFF2-40B4-BE49-F238E27FC236}">
-                <a16:creationId xmlns:a16="http://schemas.microsoft.com/office/drawing/2014/main" id="{A91E38C7-3164-416B-A453-D3B6F612D325}"/>
+          <p:cNvPr id="37" name="Straight Connector 36">
+            <a:extLst>
+              <a:ext uri="{FF2B5EF4-FFF2-40B4-BE49-F238E27FC236}">
+                <a16:creationId xmlns:a16="http://schemas.microsoft.com/office/drawing/2014/main" id="{F1D89FBF-493B-4E7D-B511-7E40674F6323}"/>
               </a:ext>
               <a:ext uri="{C183D7F6-B498-43B3-948B-1728B52AA6E4}">
                 <adec:decorative xmlns:adec="http://schemas.microsoft.com/office/drawing/2017/decorative" val="1"/>
@@ -9311,9 +9291,9 @@
           </p:nvPr>
         </p:nvCxnSpPr>
         <p:spPr>
-          <a:xfrm flipH="1">
-            <a:off x="577175" y="571500"/>
-            <a:ext cx="11054799" cy="0"/>
+          <a:xfrm>
+            <a:off x="5524500" y="573971"/>
+            <a:ext cx="0" cy="5712529"/>
           </a:xfrm>
           <a:prstGeom prst="line">
             <a:avLst/>
@@ -9341,10 +9321,10 @@
       </p:cxnSp>
       <p:pic>
         <p:nvPicPr>
-          <p:cNvPr id="5" name="Content Placeholder 4" descr="A screenshot of a computer screen&#10;&#10;AI-generated content may be incorrect.">
-            <a:extLst>
-              <a:ext uri="{FF2B5EF4-FFF2-40B4-BE49-F238E27FC236}">
-                <a16:creationId xmlns:a16="http://schemas.microsoft.com/office/drawing/2014/main" id="{46D40173-9CE0-4A45-2D08-CBC477D84C73}"/>
+          <p:cNvPr id="7" name="Content Placeholder 6">
+            <a:extLst>
+              <a:ext uri="{FF2B5EF4-FFF2-40B4-BE49-F238E27FC236}">
+                <a16:creationId xmlns:a16="http://schemas.microsoft.com/office/drawing/2014/main" id="{356F9E21-6D3A-32B7-7F14-FEBFAE48EECE}"/>
               </a:ext>
             </a:extLst>
           </p:cNvPr>
@@ -9356,21 +9336,15 @@
           </p:nvPr>
         </p:nvPicPr>
         <p:blipFill>
-          <a:blip r:embed="rId2">
-            <a:extLst>
-              <a:ext uri="{28A0092B-C50C-407E-A947-70E740481C1C}">
-                <a14:useLocalDpi xmlns:a14="http://schemas.microsoft.com/office/drawing/2010/main" val="0"/>
-              </a:ext>
-            </a:extLst>
-          </a:blip>
+          <a:blip r:embed="rId2"/>
           <a:stretch>
             <a:fillRect/>
           </a:stretch>
         </p:blipFill>
         <p:spPr>
           <a:xfrm>
-            <a:off x="6905283" y="668593"/>
-            <a:ext cx="5129399" cy="5388076"/>
+            <a:off x="5827777" y="853692"/>
+            <a:ext cx="5765326" cy="4367235"/>
           </a:xfrm>
           <a:prstGeom prst="rect">
             <a:avLst/>
@@ -9379,10 +9353,10 @@
       </p:pic>
       <p:cxnSp>
         <p:nvCxnSpPr>
-          <p:cNvPr id="22" name="Straight Connector 21">
-            <a:extLst>
-              <a:ext uri="{FF2B5EF4-FFF2-40B4-BE49-F238E27FC236}">
-                <a16:creationId xmlns:a16="http://schemas.microsoft.com/office/drawing/2014/main" id="{EC3B131B-2BD8-4155-8C64-85668842E2EA}"/>
+          <p:cNvPr id="39" name="Straight Connector 38">
+            <a:extLst>
+              <a:ext uri="{FF2B5EF4-FFF2-40B4-BE49-F238E27FC236}">
+                <a16:creationId xmlns:a16="http://schemas.microsoft.com/office/drawing/2014/main" id="{4BCC744E-5590-4542-B37F-B764470BF05E}"/>
               </a:ext>
               <a:ext uri="{C183D7F6-B498-43B3-948B-1728B52AA6E4}">
                 <adec:decorative xmlns:adec="http://schemas.microsoft.com/office/drawing/2017/decorative" val="1"/>
@@ -9402,8 +9376,8 @@
         </p:nvCxnSpPr>
         <p:spPr>
           <a:xfrm flipH="1">
-            <a:off x="584291" y="6287701"/>
-            <a:ext cx="11023419" cy="0"/>
+            <a:off x="577176" y="6286500"/>
+            <a:ext cx="11043324" cy="0"/>
           </a:xfrm>
           <a:prstGeom prst="line">
             <a:avLst/>

--- a/Cars price.pptx
+++ b/Cars price.pptx
@@ -5,18 +5,19 @@
     <p:sldMasterId id="2147483738" r:id="rId1"/>
   </p:sldMasterIdLst>
   <p:sldIdLst>
-    <p:sldId id="256" r:id="rId2"/>
-    <p:sldId id="257" r:id="rId3"/>
-    <p:sldId id="258" r:id="rId4"/>
-    <p:sldId id="259" r:id="rId5"/>
-    <p:sldId id="260" r:id="rId6"/>
-    <p:sldId id="261" r:id="rId7"/>
-    <p:sldId id="262" r:id="rId8"/>
-    <p:sldId id="263" r:id="rId9"/>
-    <p:sldId id="264" r:id="rId10"/>
-    <p:sldId id="265" r:id="rId11"/>
-    <p:sldId id="266" r:id="rId12"/>
-    <p:sldId id="267" r:id="rId13"/>
+    <p:sldId id="268" r:id="rId2"/>
+    <p:sldId id="256" r:id="rId3"/>
+    <p:sldId id="257" r:id="rId4"/>
+    <p:sldId id="258" r:id="rId5"/>
+    <p:sldId id="259" r:id="rId6"/>
+    <p:sldId id="260" r:id="rId7"/>
+    <p:sldId id="261" r:id="rId8"/>
+    <p:sldId id="262" r:id="rId9"/>
+    <p:sldId id="263" r:id="rId10"/>
+    <p:sldId id="264" r:id="rId11"/>
+    <p:sldId id="265" r:id="rId12"/>
+    <p:sldId id="266" r:id="rId13"/>
+    <p:sldId id="267" r:id="rId14"/>
   </p:sldIdLst>
   <p:sldSz cx="12192000" cy="6858000"/>
   <p:notesSz cx="6858000" cy="9144000"/>
@@ -123,6 +124,3586 @@
 </p:presentation>
 </file>
 
+<file path=ppt/diagrams/colors1.xml><?xml version="1.0" encoding="utf-8"?>
+<dgm:colorsDef xmlns:dgm="http://schemas.openxmlformats.org/drawingml/2006/diagram" xmlns:a="http://schemas.openxmlformats.org/drawingml/2006/main" uniqueId="urn:microsoft.com/office/officeart/2005/8/colors/accent1_2">
+  <dgm:title val=""/>
+  <dgm:desc val=""/>
+  <dgm:catLst>
+    <dgm:cat type="accent1" pri="11200"/>
+  </dgm:catLst>
+  <dgm:styleLbl name="node0">
+    <dgm:fillClrLst meth="repeat">
+      <a:schemeClr val="accent1"/>
+    </dgm:fillClrLst>
+    <dgm:linClrLst meth="repeat">
+      <a:schemeClr val="lt1"/>
+    </dgm:linClrLst>
+    <dgm:effectClrLst/>
+    <dgm:txLinClrLst/>
+    <dgm:txFillClrLst/>
+    <dgm:txEffectClrLst/>
+  </dgm:styleLbl>
+  <dgm:styleLbl name="alignNode1">
+    <dgm:fillClrLst meth="repeat">
+      <a:schemeClr val="accent1"/>
+    </dgm:fillClrLst>
+    <dgm:linClrLst meth="repeat">
+      <a:schemeClr val="accent1"/>
+    </dgm:linClrLst>
+    <dgm:effectClrLst/>
+    <dgm:txLinClrLst/>
+    <dgm:txFillClrLst/>
+    <dgm:txEffectClrLst/>
+  </dgm:styleLbl>
+  <dgm:styleLbl name="node1">
+    <dgm:fillClrLst meth="repeat">
+      <a:schemeClr val="accent1"/>
+    </dgm:fillClrLst>
+    <dgm:linClrLst meth="repeat">
+      <a:schemeClr val="lt1"/>
+    </dgm:linClrLst>
+    <dgm:effectClrLst/>
+    <dgm:txLinClrLst/>
+    <dgm:txFillClrLst/>
+    <dgm:txEffectClrLst/>
+  </dgm:styleLbl>
+  <dgm:styleLbl name="lnNode1">
+    <dgm:fillClrLst meth="repeat">
+      <a:schemeClr val="accent1"/>
+    </dgm:fillClrLst>
+    <dgm:linClrLst meth="repeat">
+      <a:schemeClr val="lt1"/>
+    </dgm:linClrLst>
+    <dgm:effectClrLst/>
+    <dgm:txLinClrLst/>
+    <dgm:txFillClrLst/>
+    <dgm:txEffectClrLst/>
+  </dgm:styleLbl>
+  <dgm:styleLbl name="vennNode1">
+    <dgm:fillClrLst meth="repeat">
+      <a:schemeClr val="accent1">
+        <a:alpha val="50000"/>
+      </a:schemeClr>
+    </dgm:fillClrLst>
+    <dgm:linClrLst meth="repeat">
+      <a:schemeClr val="lt1"/>
+    </dgm:linClrLst>
+    <dgm:effectClrLst/>
+    <dgm:txLinClrLst/>
+    <dgm:txFillClrLst/>
+    <dgm:txEffectClrLst/>
+  </dgm:styleLbl>
+  <dgm:styleLbl name="node2">
+    <dgm:fillClrLst meth="repeat">
+      <a:schemeClr val="accent1"/>
+    </dgm:fillClrLst>
+    <dgm:linClrLst meth="repeat">
+      <a:schemeClr val="lt1"/>
+    </dgm:linClrLst>
+    <dgm:effectClrLst/>
+    <dgm:txLinClrLst/>
+    <dgm:txFillClrLst/>
+    <dgm:txEffectClrLst/>
+  </dgm:styleLbl>
+  <dgm:styleLbl name="node3">
+    <dgm:fillClrLst meth="repeat">
+      <a:schemeClr val="accent1"/>
+    </dgm:fillClrLst>
+    <dgm:linClrLst meth="repeat">
+      <a:schemeClr val="lt1"/>
+    </dgm:linClrLst>
+    <dgm:effectClrLst/>
+    <dgm:txLinClrLst/>
+    <dgm:txFillClrLst/>
+    <dgm:txEffectClrLst/>
+  </dgm:styleLbl>
+  <dgm:styleLbl name="node4">
+    <dgm:fillClrLst meth="repeat">
+      <a:schemeClr val="accent1"/>
+    </dgm:fillClrLst>
+    <dgm:linClrLst meth="repeat">
+      <a:schemeClr val="lt1"/>
+    </dgm:linClrLst>
+    <dgm:effectClrLst/>
+    <dgm:txLinClrLst/>
+    <dgm:txFillClrLst/>
+    <dgm:txEffectClrLst/>
+  </dgm:styleLbl>
+  <dgm:styleLbl name="fgImgPlace1">
+    <dgm:fillClrLst meth="repeat">
+      <a:schemeClr val="accent1">
+        <a:tint val="50000"/>
+      </a:schemeClr>
+    </dgm:fillClrLst>
+    <dgm:linClrLst meth="repeat">
+      <a:schemeClr val="lt1"/>
+    </dgm:linClrLst>
+    <dgm:effectClrLst/>
+    <dgm:txLinClrLst/>
+    <dgm:txFillClrLst meth="repeat">
+      <a:schemeClr val="lt1"/>
+    </dgm:txFillClrLst>
+    <dgm:txEffectClrLst/>
+  </dgm:styleLbl>
+  <dgm:styleLbl name="alignImgPlace1">
+    <dgm:fillClrLst meth="repeat">
+      <a:schemeClr val="accent1">
+        <a:tint val="50000"/>
+      </a:schemeClr>
+    </dgm:fillClrLst>
+    <dgm:linClrLst meth="repeat">
+      <a:schemeClr val="lt1"/>
+    </dgm:linClrLst>
+    <dgm:effectClrLst/>
+    <dgm:txLinClrLst/>
+    <dgm:txFillClrLst meth="repeat">
+      <a:schemeClr val="lt1"/>
+    </dgm:txFillClrLst>
+    <dgm:txEffectClrLst/>
+  </dgm:styleLbl>
+  <dgm:styleLbl name="bgImgPlace1">
+    <dgm:fillClrLst meth="repeat">
+      <a:schemeClr val="accent1">
+        <a:tint val="50000"/>
+      </a:schemeClr>
+    </dgm:fillClrLst>
+    <dgm:linClrLst meth="repeat">
+      <a:schemeClr val="lt1"/>
+    </dgm:linClrLst>
+    <dgm:effectClrLst/>
+    <dgm:txLinClrLst/>
+    <dgm:txFillClrLst meth="repeat">
+      <a:schemeClr val="lt1"/>
+    </dgm:txFillClrLst>
+    <dgm:txEffectClrLst/>
+  </dgm:styleLbl>
+  <dgm:styleLbl name="sibTrans2D1">
+    <dgm:fillClrLst meth="repeat">
+      <a:schemeClr val="accent1">
+        <a:tint val="60000"/>
+      </a:schemeClr>
+    </dgm:fillClrLst>
+    <dgm:linClrLst meth="repeat">
+      <a:schemeClr val="accent1">
+        <a:tint val="60000"/>
+      </a:schemeClr>
+    </dgm:linClrLst>
+    <dgm:effectClrLst/>
+    <dgm:txLinClrLst/>
+    <dgm:txFillClrLst/>
+    <dgm:txEffectClrLst/>
+  </dgm:styleLbl>
+  <dgm:styleLbl name="fgSibTrans2D1">
+    <dgm:fillClrLst meth="repeat">
+      <a:schemeClr val="accent1">
+        <a:tint val="60000"/>
+      </a:schemeClr>
+    </dgm:fillClrLst>
+    <dgm:linClrLst meth="repeat">
+      <a:schemeClr val="accent1">
+        <a:tint val="60000"/>
+      </a:schemeClr>
+    </dgm:linClrLst>
+    <dgm:effectClrLst/>
+    <dgm:txLinClrLst/>
+    <dgm:txFillClrLst/>
+    <dgm:txEffectClrLst/>
+  </dgm:styleLbl>
+  <dgm:styleLbl name="bgSibTrans2D1">
+    <dgm:fillClrLst meth="repeat">
+      <a:schemeClr val="accent1">
+        <a:tint val="60000"/>
+      </a:schemeClr>
+    </dgm:fillClrLst>
+    <dgm:linClrLst meth="repeat">
+      <a:schemeClr val="accent1">
+        <a:tint val="60000"/>
+      </a:schemeClr>
+    </dgm:linClrLst>
+    <dgm:effectClrLst/>
+    <dgm:txLinClrLst/>
+    <dgm:txFillClrLst/>
+    <dgm:txEffectClrLst/>
+  </dgm:styleLbl>
+  <dgm:styleLbl name="sibTrans1D1">
+    <dgm:fillClrLst meth="repeat">
+      <a:schemeClr val="accent1"/>
+    </dgm:fillClrLst>
+    <dgm:linClrLst meth="repeat">
+      <a:schemeClr val="accent1"/>
+    </dgm:linClrLst>
+    <dgm:effectClrLst/>
+    <dgm:txLinClrLst/>
+    <dgm:txFillClrLst meth="repeat">
+      <a:schemeClr val="tx1"/>
+    </dgm:txFillClrLst>
+    <dgm:txEffectClrLst/>
+  </dgm:styleLbl>
+  <dgm:styleLbl name="callout">
+    <dgm:fillClrLst meth="repeat">
+      <a:schemeClr val="accent1"/>
+    </dgm:fillClrLst>
+    <dgm:linClrLst meth="repeat">
+      <a:schemeClr val="accent1">
+        <a:tint val="50000"/>
+      </a:schemeClr>
+    </dgm:linClrLst>
+    <dgm:effectClrLst/>
+    <dgm:txLinClrLst/>
+    <dgm:txFillClrLst meth="repeat">
+      <a:schemeClr val="tx1"/>
+    </dgm:txFillClrLst>
+    <dgm:txEffectClrLst/>
+  </dgm:styleLbl>
+  <dgm:styleLbl name="asst0">
+    <dgm:fillClrLst meth="repeat">
+      <a:schemeClr val="accent1"/>
+    </dgm:fillClrLst>
+    <dgm:linClrLst meth="repeat">
+      <a:schemeClr val="lt1"/>
+    </dgm:linClrLst>
+    <dgm:effectClrLst/>
+    <dgm:txLinClrLst/>
+    <dgm:txFillClrLst/>
+    <dgm:txEffectClrLst/>
+  </dgm:styleLbl>
+  <dgm:styleLbl name="asst1">
+    <dgm:fillClrLst meth="repeat">
+      <a:schemeClr val="accent1"/>
+    </dgm:fillClrLst>
+    <dgm:linClrLst meth="repeat">
+      <a:schemeClr val="lt1"/>
+    </dgm:linClrLst>
+    <dgm:effectClrLst/>
+    <dgm:txLinClrLst/>
+    <dgm:txFillClrLst/>
+    <dgm:txEffectClrLst/>
+  </dgm:styleLbl>
+  <dgm:styleLbl name="asst2">
+    <dgm:fillClrLst meth="repeat">
+      <a:schemeClr val="accent1"/>
+    </dgm:fillClrLst>
+    <dgm:linClrLst meth="repeat">
+      <a:schemeClr val="lt1"/>
+    </dgm:linClrLst>
+    <dgm:effectClrLst/>
+    <dgm:txLinClrLst/>
+    <dgm:txFillClrLst/>
+    <dgm:txEffectClrLst/>
+  </dgm:styleLbl>
+  <dgm:styleLbl name="asst3">
+    <dgm:fillClrLst meth="repeat">
+      <a:schemeClr val="accent1"/>
+    </dgm:fillClrLst>
+    <dgm:linClrLst meth="repeat">
+      <a:schemeClr val="lt1"/>
+    </dgm:linClrLst>
+    <dgm:effectClrLst/>
+    <dgm:txLinClrLst/>
+    <dgm:txFillClrLst/>
+    <dgm:txEffectClrLst/>
+  </dgm:styleLbl>
+  <dgm:styleLbl name="asst4">
+    <dgm:fillClrLst meth="repeat">
+      <a:schemeClr val="accent1"/>
+    </dgm:fillClrLst>
+    <dgm:linClrLst meth="repeat">
+      <a:schemeClr val="lt1"/>
+    </dgm:linClrLst>
+    <dgm:effectClrLst/>
+    <dgm:txLinClrLst/>
+    <dgm:txFillClrLst/>
+    <dgm:txEffectClrLst/>
+  </dgm:styleLbl>
+  <dgm:styleLbl name="parChTrans2D1">
+    <dgm:fillClrLst meth="repeat">
+      <a:schemeClr val="accent1">
+        <a:tint val="60000"/>
+      </a:schemeClr>
+    </dgm:fillClrLst>
+    <dgm:linClrLst meth="repeat">
+      <a:schemeClr val="accent1">
+        <a:tint val="60000"/>
+      </a:schemeClr>
+    </dgm:linClrLst>
+    <dgm:effectClrLst/>
+    <dgm:txLinClrLst/>
+    <dgm:txFillClrLst meth="repeat">
+      <a:schemeClr val="lt1"/>
+    </dgm:txFillClrLst>
+    <dgm:txEffectClrLst/>
+  </dgm:styleLbl>
+  <dgm:styleLbl name="parChTrans2D2">
+    <dgm:fillClrLst meth="repeat">
+      <a:schemeClr val="accent1"/>
+    </dgm:fillClrLst>
+    <dgm:linClrLst meth="repeat">
+      <a:schemeClr val="accent1"/>
+    </dgm:linClrLst>
+    <dgm:effectClrLst/>
+    <dgm:txLinClrLst/>
+    <dgm:txFillClrLst meth="repeat">
+      <a:schemeClr val="lt1"/>
+    </dgm:txFillClrLst>
+    <dgm:txEffectClrLst/>
+  </dgm:styleLbl>
+  <dgm:styleLbl name="parChTrans2D3">
+    <dgm:fillClrLst meth="repeat">
+      <a:schemeClr val="accent1"/>
+    </dgm:fillClrLst>
+    <dgm:linClrLst meth="repeat">
+      <a:schemeClr val="accent1"/>
+    </dgm:linClrLst>
+    <dgm:effectClrLst/>
+    <dgm:txLinClrLst/>
+    <dgm:txFillClrLst meth="repeat">
+      <a:schemeClr val="lt1"/>
+    </dgm:txFillClrLst>
+    <dgm:txEffectClrLst/>
+  </dgm:styleLbl>
+  <dgm:styleLbl name="parChTrans2D4">
+    <dgm:fillClrLst meth="repeat">
+      <a:schemeClr val="accent1"/>
+    </dgm:fillClrLst>
+    <dgm:linClrLst meth="repeat">
+      <a:schemeClr val="accent1"/>
+    </dgm:linClrLst>
+    <dgm:effectClrLst/>
+    <dgm:txLinClrLst/>
+    <dgm:txFillClrLst meth="repeat">
+      <a:schemeClr val="lt1"/>
+    </dgm:txFillClrLst>
+    <dgm:txEffectClrLst/>
+  </dgm:styleLbl>
+  <dgm:styleLbl name="parChTrans1D1">
+    <dgm:fillClrLst meth="repeat">
+      <a:schemeClr val="accent1"/>
+    </dgm:fillClrLst>
+    <dgm:linClrLst meth="repeat">
+      <a:schemeClr val="accent1">
+        <a:shade val="60000"/>
+      </a:schemeClr>
+    </dgm:linClrLst>
+    <dgm:effectClrLst/>
+    <dgm:txLinClrLst/>
+    <dgm:txFillClrLst meth="repeat">
+      <a:schemeClr val="tx1"/>
+    </dgm:txFillClrLst>
+    <dgm:txEffectClrLst/>
+  </dgm:styleLbl>
+  <dgm:styleLbl name="parChTrans1D2">
+    <dgm:fillClrLst meth="repeat">
+      <a:schemeClr val="accent1"/>
+    </dgm:fillClrLst>
+    <dgm:linClrLst meth="repeat">
+      <a:schemeClr val="accent1">
+        <a:shade val="60000"/>
+      </a:schemeClr>
+    </dgm:linClrLst>
+    <dgm:effectClrLst/>
+    <dgm:txLinClrLst/>
+    <dgm:txFillClrLst meth="repeat">
+      <a:schemeClr val="tx1"/>
+    </dgm:txFillClrLst>
+    <dgm:txEffectClrLst/>
+  </dgm:styleLbl>
+  <dgm:styleLbl name="parChTrans1D3">
+    <dgm:fillClrLst meth="repeat">
+      <a:schemeClr val="accent1"/>
+    </dgm:fillClrLst>
+    <dgm:linClrLst meth="repeat">
+      <a:schemeClr val="accent1">
+        <a:shade val="80000"/>
+      </a:schemeClr>
+    </dgm:linClrLst>
+    <dgm:effectClrLst/>
+    <dgm:txLinClrLst/>
+    <dgm:txFillClrLst meth="repeat">
+      <a:schemeClr val="tx1"/>
+    </dgm:txFillClrLst>
+    <dgm:txEffectClrLst/>
+  </dgm:styleLbl>
+  <dgm:styleLbl name="parChTrans1D4">
+    <dgm:fillClrLst meth="repeat">
+      <a:schemeClr val="accent1"/>
+    </dgm:fillClrLst>
+    <dgm:linClrLst meth="repeat">
+      <a:schemeClr val="accent1">
+        <a:shade val="80000"/>
+      </a:schemeClr>
+    </dgm:linClrLst>
+    <dgm:effectClrLst/>
+    <dgm:txLinClrLst/>
+    <dgm:txFillClrLst meth="repeat">
+      <a:schemeClr val="tx1"/>
+    </dgm:txFillClrLst>
+    <dgm:txEffectClrLst/>
+  </dgm:styleLbl>
+  <dgm:styleLbl name="fgAcc1">
+    <dgm:fillClrLst meth="repeat">
+      <a:schemeClr val="lt1">
+        <a:alpha val="90000"/>
+      </a:schemeClr>
+    </dgm:fillClrLst>
+    <dgm:linClrLst meth="repeat">
+      <a:schemeClr val="accent1"/>
+    </dgm:linClrLst>
+    <dgm:effectClrLst/>
+    <dgm:txLinClrLst/>
+    <dgm:txFillClrLst meth="repeat">
+      <a:schemeClr val="dk1"/>
+    </dgm:txFillClrLst>
+    <dgm:txEffectClrLst/>
+  </dgm:styleLbl>
+  <dgm:styleLbl name="conFgAcc1">
+    <dgm:fillClrLst meth="repeat">
+      <a:schemeClr val="lt1">
+        <a:alpha val="90000"/>
+      </a:schemeClr>
+    </dgm:fillClrLst>
+    <dgm:linClrLst meth="repeat">
+      <a:schemeClr val="accent1"/>
+    </dgm:linClrLst>
+    <dgm:effectClrLst/>
+    <dgm:txLinClrLst/>
+    <dgm:txFillClrLst meth="repeat">
+      <a:schemeClr val="dk1"/>
+    </dgm:txFillClrLst>
+    <dgm:txEffectClrLst/>
+  </dgm:styleLbl>
+  <dgm:styleLbl name="alignAcc1">
+    <dgm:fillClrLst meth="repeat">
+      <a:schemeClr val="lt1">
+        <a:alpha val="90000"/>
+      </a:schemeClr>
+    </dgm:fillClrLst>
+    <dgm:linClrLst meth="repeat">
+      <a:schemeClr val="accent1"/>
+    </dgm:linClrLst>
+    <dgm:effectClrLst/>
+    <dgm:txLinClrLst/>
+    <dgm:txFillClrLst meth="repeat">
+      <a:schemeClr val="dk1"/>
+    </dgm:txFillClrLst>
+    <dgm:txEffectClrLst/>
+  </dgm:styleLbl>
+  <dgm:styleLbl name="trAlignAcc1">
+    <dgm:fillClrLst meth="repeat">
+      <a:schemeClr val="lt1">
+        <a:alpha val="40000"/>
+      </a:schemeClr>
+    </dgm:fillClrLst>
+    <dgm:linClrLst meth="repeat">
+      <a:schemeClr val="accent1"/>
+    </dgm:linClrLst>
+    <dgm:effectClrLst/>
+    <dgm:txLinClrLst/>
+    <dgm:txFillClrLst meth="repeat">
+      <a:schemeClr val="dk1"/>
+    </dgm:txFillClrLst>
+    <dgm:txEffectClrLst/>
+  </dgm:styleLbl>
+  <dgm:styleLbl name="bgAcc1">
+    <dgm:fillClrLst meth="repeat">
+      <a:schemeClr val="lt1">
+        <a:alpha val="90000"/>
+      </a:schemeClr>
+    </dgm:fillClrLst>
+    <dgm:linClrLst meth="repeat">
+      <a:schemeClr val="accent1"/>
+    </dgm:linClrLst>
+    <dgm:effectClrLst/>
+    <dgm:txLinClrLst/>
+    <dgm:txFillClrLst meth="repeat">
+      <a:schemeClr val="dk1"/>
+    </dgm:txFillClrLst>
+    <dgm:txEffectClrLst/>
+  </dgm:styleLbl>
+  <dgm:styleLbl name="solidFgAcc1">
+    <dgm:fillClrLst meth="repeat">
+      <a:schemeClr val="lt1"/>
+    </dgm:fillClrLst>
+    <dgm:linClrLst meth="repeat">
+      <a:schemeClr val="accent1"/>
+    </dgm:linClrLst>
+    <dgm:effectClrLst/>
+    <dgm:txLinClrLst/>
+    <dgm:txFillClrLst meth="repeat">
+      <a:schemeClr val="dk1"/>
+    </dgm:txFillClrLst>
+    <dgm:txEffectClrLst/>
+  </dgm:styleLbl>
+  <dgm:styleLbl name="solidAlignAcc1">
+    <dgm:fillClrLst meth="repeat">
+      <a:schemeClr val="lt1"/>
+    </dgm:fillClrLst>
+    <dgm:linClrLst meth="repeat">
+      <a:schemeClr val="accent1"/>
+    </dgm:linClrLst>
+    <dgm:effectClrLst/>
+    <dgm:txLinClrLst/>
+    <dgm:txFillClrLst meth="repeat">
+      <a:schemeClr val="dk1"/>
+    </dgm:txFillClrLst>
+    <dgm:txEffectClrLst/>
+  </dgm:styleLbl>
+  <dgm:styleLbl name="solidBgAcc1">
+    <dgm:fillClrLst meth="repeat">
+      <a:schemeClr val="lt1"/>
+    </dgm:fillClrLst>
+    <dgm:linClrLst meth="repeat">
+      <a:schemeClr val="accent1"/>
+    </dgm:linClrLst>
+    <dgm:effectClrLst/>
+    <dgm:txLinClrLst/>
+    <dgm:txFillClrLst meth="repeat">
+      <a:schemeClr val="dk1"/>
+    </dgm:txFillClrLst>
+    <dgm:txEffectClrLst/>
+  </dgm:styleLbl>
+  <dgm:styleLbl name="fgAccFollowNode1">
+    <dgm:fillClrLst meth="repeat">
+      <a:schemeClr val="accent1">
+        <a:alpha val="90000"/>
+        <a:tint val="40000"/>
+      </a:schemeClr>
+    </dgm:fillClrLst>
+    <dgm:linClrLst meth="repeat">
+      <a:schemeClr val="accent1">
+        <a:alpha val="90000"/>
+        <a:tint val="40000"/>
+      </a:schemeClr>
+    </dgm:linClrLst>
+    <dgm:effectClrLst/>
+    <dgm:txLinClrLst/>
+    <dgm:txFillClrLst meth="repeat">
+      <a:schemeClr val="dk1"/>
+    </dgm:txFillClrLst>
+    <dgm:txEffectClrLst/>
+  </dgm:styleLbl>
+  <dgm:styleLbl name="alignAccFollowNode1">
+    <dgm:fillClrLst meth="repeat">
+      <a:schemeClr val="accent1">
+        <a:alpha val="90000"/>
+        <a:tint val="40000"/>
+      </a:schemeClr>
+    </dgm:fillClrLst>
+    <dgm:linClrLst meth="repeat">
+      <a:schemeClr val="accent1">
+        <a:alpha val="90000"/>
+        <a:tint val="40000"/>
+      </a:schemeClr>
+    </dgm:linClrLst>
+    <dgm:effectClrLst/>
+    <dgm:txLinClrLst/>
+    <dgm:txFillClrLst meth="repeat">
+      <a:schemeClr val="dk1"/>
+    </dgm:txFillClrLst>
+    <dgm:txEffectClrLst/>
+  </dgm:styleLbl>
+  <dgm:styleLbl name="bgAccFollowNode1">
+    <dgm:fillClrLst meth="repeat">
+      <a:schemeClr val="accent1">
+        <a:alpha val="90000"/>
+        <a:tint val="40000"/>
+      </a:schemeClr>
+    </dgm:fillClrLst>
+    <dgm:linClrLst meth="repeat">
+      <a:schemeClr val="accent1">
+        <a:alpha val="90000"/>
+        <a:tint val="40000"/>
+      </a:schemeClr>
+    </dgm:linClrLst>
+    <dgm:effectClrLst/>
+    <dgm:txLinClrLst/>
+    <dgm:txFillClrLst meth="repeat">
+      <a:schemeClr val="dk1"/>
+    </dgm:txFillClrLst>
+    <dgm:txEffectClrLst/>
+  </dgm:styleLbl>
+  <dgm:styleLbl name="fgAcc0">
+    <dgm:fillClrLst meth="repeat">
+      <a:schemeClr val="lt1">
+        <a:alpha val="90000"/>
+      </a:schemeClr>
+    </dgm:fillClrLst>
+    <dgm:linClrLst meth="repeat">
+      <a:schemeClr val="accent1"/>
+    </dgm:linClrLst>
+    <dgm:effectClrLst/>
+    <dgm:txLinClrLst/>
+    <dgm:txFillClrLst meth="repeat">
+      <a:schemeClr val="dk1"/>
+    </dgm:txFillClrLst>
+    <dgm:txEffectClrLst/>
+  </dgm:styleLbl>
+  <dgm:styleLbl name="fgAcc2">
+    <dgm:fillClrLst meth="repeat">
+      <a:schemeClr val="lt1">
+        <a:alpha val="90000"/>
+      </a:schemeClr>
+    </dgm:fillClrLst>
+    <dgm:linClrLst meth="repeat">
+      <a:schemeClr val="accent1"/>
+    </dgm:linClrLst>
+    <dgm:effectClrLst/>
+    <dgm:txLinClrLst/>
+    <dgm:txFillClrLst meth="repeat">
+      <a:schemeClr val="dk1"/>
+    </dgm:txFillClrLst>
+    <dgm:txEffectClrLst/>
+  </dgm:styleLbl>
+  <dgm:styleLbl name="fgAcc3">
+    <dgm:fillClrLst meth="repeat">
+      <a:schemeClr val="lt1">
+        <a:alpha val="90000"/>
+      </a:schemeClr>
+    </dgm:fillClrLst>
+    <dgm:linClrLst meth="repeat">
+      <a:schemeClr val="accent1"/>
+    </dgm:linClrLst>
+    <dgm:effectClrLst/>
+    <dgm:txLinClrLst/>
+    <dgm:txFillClrLst meth="repeat">
+      <a:schemeClr val="dk1"/>
+    </dgm:txFillClrLst>
+    <dgm:txEffectClrLst/>
+  </dgm:styleLbl>
+  <dgm:styleLbl name="fgAcc4">
+    <dgm:fillClrLst meth="repeat">
+      <a:schemeClr val="lt1">
+        <a:alpha val="90000"/>
+      </a:schemeClr>
+    </dgm:fillClrLst>
+    <dgm:linClrLst meth="repeat">
+      <a:schemeClr val="accent1"/>
+    </dgm:linClrLst>
+    <dgm:effectClrLst/>
+    <dgm:txLinClrLst/>
+    <dgm:txFillClrLst meth="repeat">
+      <a:schemeClr val="dk1"/>
+    </dgm:txFillClrLst>
+    <dgm:txEffectClrLst/>
+  </dgm:styleLbl>
+  <dgm:styleLbl name="bgShp">
+    <dgm:fillClrLst meth="repeat">
+      <a:schemeClr val="accent1">
+        <a:tint val="40000"/>
+      </a:schemeClr>
+    </dgm:fillClrLst>
+    <dgm:linClrLst meth="repeat">
+      <a:schemeClr val="accent1"/>
+    </dgm:linClrLst>
+    <dgm:effectClrLst/>
+    <dgm:txLinClrLst/>
+    <dgm:txFillClrLst meth="repeat">
+      <a:schemeClr val="dk1"/>
+    </dgm:txFillClrLst>
+    <dgm:txEffectClrLst/>
+  </dgm:styleLbl>
+  <dgm:styleLbl name="dkBgShp">
+    <dgm:fillClrLst meth="repeat">
+      <a:schemeClr val="accent1">
+        <a:shade val="80000"/>
+      </a:schemeClr>
+    </dgm:fillClrLst>
+    <dgm:linClrLst meth="repeat">
+      <a:schemeClr val="accent1"/>
+    </dgm:linClrLst>
+    <dgm:effectClrLst/>
+    <dgm:txLinClrLst/>
+    <dgm:txFillClrLst meth="repeat">
+      <a:schemeClr val="lt1"/>
+    </dgm:txFillClrLst>
+    <dgm:txEffectClrLst/>
+  </dgm:styleLbl>
+  <dgm:styleLbl name="trBgShp">
+    <dgm:fillClrLst meth="repeat">
+      <a:schemeClr val="accent1">
+        <a:tint val="50000"/>
+        <a:alpha val="40000"/>
+      </a:schemeClr>
+    </dgm:fillClrLst>
+    <dgm:linClrLst meth="repeat">
+      <a:schemeClr val="accent1"/>
+    </dgm:linClrLst>
+    <dgm:effectClrLst/>
+    <dgm:txLinClrLst/>
+    <dgm:txFillClrLst meth="repeat">
+      <a:schemeClr val="lt1"/>
+    </dgm:txFillClrLst>
+    <dgm:txEffectClrLst/>
+  </dgm:styleLbl>
+  <dgm:styleLbl name="fgShp">
+    <dgm:fillClrLst meth="repeat">
+      <a:schemeClr val="accent1">
+        <a:tint val="60000"/>
+      </a:schemeClr>
+    </dgm:fillClrLst>
+    <dgm:linClrLst meth="repeat">
+      <a:schemeClr val="lt1"/>
+    </dgm:linClrLst>
+    <dgm:effectClrLst/>
+    <dgm:txLinClrLst/>
+    <dgm:txFillClrLst meth="repeat">
+      <a:schemeClr val="dk1"/>
+    </dgm:txFillClrLst>
+    <dgm:txEffectClrLst/>
+  </dgm:styleLbl>
+  <dgm:styleLbl name="revTx">
+    <dgm:fillClrLst meth="repeat">
+      <a:schemeClr val="lt1">
+        <a:alpha val="0"/>
+      </a:schemeClr>
+    </dgm:fillClrLst>
+    <dgm:linClrLst meth="repeat">
+      <a:schemeClr val="dk1">
+        <a:alpha val="0"/>
+      </a:schemeClr>
+    </dgm:linClrLst>
+    <dgm:effectClrLst/>
+    <dgm:txLinClrLst/>
+    <dgm:txFillClrLst meth="repeat">
+      <a:schemeClr val="tx1"/>
+    </dgm:txFillClrLst>
+    <dgm:txEffectClrLst/>
+  </dgm:styleLbl>
+</dgm:colorsDef>
+</file>
+
+<file path=ppt/diagrams/data1.xml><?xml version="1.0" encoding="utf-8"?>
+<dgm:dataModel xmlns:dgm="http://schemas.openxmlformats.org/drawingml/2006/diagram" xmlns:a="http://schemas.openxmlformats.org/drawingml/2006/main">
+  <dgm:ptLst>
+    <dgm:pt modelId="{CAD1BEF2-6E9A-4645-AE7B-23F8A90330C8}" type="doc">
+      <dgm:prSet loTypeId="urn:microsoft.com/office/officeart/2005/8/layout/vList2" loCatId="list" qsTypeId="urn:microsoft.com/office/officeart/2005/8/quickstyle/simple1" qsCatId="simple" csTypeId="urn:microsoft.com/office/officeart/2005/8/colors/accent1_2" csCatId="accent1"/>
+      <dgm:spPr/>
+      <dgm:t>
+        <a:bodyPr/>
+        <a:lstStyle/>
+        <a:p>
+          <a:endParaRPr lang="en-US"/>
+        </a:p>
+      </dgm:t>
+    </dgm:pt>
+    <dgm:pt modelId="{089B7F26-BDFE-48AC-8B7F-0E3341A0D946}">
+      <dgm:prSet/>
+      <dgm:spPr/>
+      <dgm:t>
+        <a:bodyPr/>
+        <a:lstStyle/>
+        <a:p>
+          <a:r>
+            <a:rPr lang="en-US"/>
+            <a:t>Name : Youssef Tarek </a:t>
+          </a:r>
+        </a:p>
+      </dgm:t>
+    </dgm:pt>
+    <dgm:pt modelId="{AF602B21-4AAC-494F-BA0D-0539051DCBE1}" type="parTrans" cxnId="{C5D551F6-5418-45B7-9FC3-778275FB1107}">
+      <dgm:prSet/>
+      <dgm:spPr/>
+      <dgm:t>
+        <a:bodyPr/>
+        <a:lstStyle/>
+        <a:p>
+          <a:endParaRPr lang="en-US"/>
+        </a:p>
+      </dgm:t>
+    </dgm:pt>
+    <dgm:pt modelId="{495FB60C-781F-4D28-A162-538AD873F258}" type="sibTrans" cxnId="{C5D551F6-5418-45B7-9FC3-778275FB1107}">
+      <dgm:prSet/>
+      <dgm:spPr/>
+      <dgm:t>
+        <a:bodyPr/>
+        <a:lstStyle/>
+        <a:p>
+          <a:endParaRPr lang="en-US"/>
+        </a:p>
+      </dgm:t>
+    </dgm:pt>
+    <dgm:pt modelId="{9C43FC69-7754-42A9-B908-78F449A98625}">
+      <dgm:prSet/>
+      <dgm:spPr/>
+      <dgm:t>
+        <a:bodyPr/>
+        <a:lstStyle/>
+        <a:p>
+          <a:r>
+            <a:rPr lang="en-US"/>
+            <a:t>Id : 2301606</a:t>
+          </a:r>
+        </a:p>
+      </dgm:t>
+    </dgm:pt>
+    <dgm:pt modelId="{03E2D3DD-DA29-478E-B4DF-3ED7281888CC}" type="parTrans" cxnId="{33BC5F6F-9418-4C3F-9222-DA0EF2413AC8}">
+      <dgm:prSet/>
+      <dgm:spPr/>
+      <dgm:t>
+        <a:bodyPr/>
+        <a:lstStyle/>
+        <a:p>
+          <a:endParaRPr lang="en-US"/>
+        </a:p>
+      </dgm:t>
+    </dgm:pt>
+    <dgm:pt modelId="{6472A73F-D2DF-43D2-9F5E-D9CC12A38AAA}" type="sibTrans" cxnId="{33BC5F6F-9418-4C3F-9222-DA0EF2413AC8}">
+      <dgm:prSet/>
+      <dgm:spPr/>
+      <dgm:t>
+        <a:bodyPr/>
+        <a:lstStyle/>
+        <a:p>
+          <a:endParaRPr lang="en-US"/>
+        </a:p>
+      </dgm:t>
+    </dgm:pt>
+    <dgm:pt modelId="{912B7A3D-E6F5-4244-9C34-C802F5F8F48E}">
+      <dgm:prSet/>
+      <dgm:spPr/>
+      <dgm:t>
+        <a:bodyPr/>
+        <a:lstStyle/>
+        <a:p>
+          <a:r>
+            <a:rPr lang="en-US"/>
+            <a:t>Name : Asaf Adel</a:t>
+          </a:r>
+        </a:p>
+      </dgm:t>
+    </dgm:pt>
+    <dgm:pt modelId="{E6688BB1-AD4C-45E6-BDD7-5C0648E42803}" type="parTrans" cxnId="{0B9E08AE-1A6E-427F-BD23-CC2D19CD55DA}">
+      <dgm:prSet/>
+      <dgm:spPr/>
+      <dgm:t>
+        <a:bodyPr/>
+        <a:lstStyle/>
+        <a:p>
+          <a:endParaRPr lang="en-US"/>
+        </a:p>
+      </dgm:t>
+    </dgm:pt>
+    <dgm:pt modelId="{50932863-49A1-4282-83DB-24C30A08063B}" type="sibTrans" cxnId="{0B9E08AE-1A6E-427F-BD23-CC2D19CD55DA}">
+      <dgm:prSet/>
+      <dgm:spPr/>
+      <dgm:t>
+        <a:bodyPr/>
+        <a:lstStyle/>
+        <a:p>
+          <a:endParaRPr lang="en-US"/>
+        </a:p>
+      </dgm:t>
+    </dgm:pt>
+    <dgm:pt modelId="{D038ED20-573C-407B-BFB1-219966BA385F}">
+      <dgm:prSet/>
+      <dgm:spPr/>
+      <dgm:t>
+        <a:bodyPr/>
+        <a:lstStyle/>
+        <a:p>
+          <a:r>
+            <a:rPr lang="en-US"/>
+            <a:t>Id : 2301635</a:t>
+          </a:r>
+        </a:p>
+      </dgm:t>
+    </dgm:pt>
+    <dgm:pt modelId="{7A652F26-18C2-43F1-84BC-673F46BB4382}" type="parTrans" cxnId="{1E8AE9B8-C971-4614-BC45-CCA411D816D4}">
+      <dgm:prSet/>
+      <dgm:spPr/>
+      <dgm:t>
+        <a:bodyPr/>
+        <a:lstStyle/>
+        <a:p>
+          <a:endParaRPr lang="en-US"/>
+        </a:p>
+      </dgm:t>
+    </dgm:pt>
+    <dgm:pt modelId="{21983AC6-4596-44FA-9C36-E9AC305E8413}" type="sibTrans" cxnId="{1E8AE9B8-C971-4614-BC45-CCA411D816D4}">
+      <dgm:prSet/>
+      <dgm:spPr/>
+      <dgm:t>
+        <a:bodyPr/>
+        <a:lstStyle/>
+        <a:p>
+          <a:endParaRPr lang="en-US"/>
+        </a:p>
+      </dgm:t>
+    </dgm:pt>
+    <dgm:pt modelId="{7755F092-E68C-41E0-AFD0-F52AAB87BD6C}">
+      <dgm:prSet/>
+      <dgm:spPr/>
+      <dgm:t>
+        <a:bodyPr/>
+        <a:lstStyle/>
+        <a:p>
+          <a:r>
+            <a:rPr lang="en-US"/>
+            <a:t>Name :Youssef Hassan</a:t>
+          </a:r>
+        </a:p>
+      </dgm:t>
+    </dgm:pt>
+    <dgm:pt modelId="{FD39962A-5A19-4CC3-BBFE-A58BF55D7A84}" type="parTrans" cxnId="{9237E1FA-F8F3-4993-B899-220A44F4BC9E}">
+      <dgm:prSet/>
+      <dgm:spPr/>
+      <dgm:t>
+        <a:bodyPr/>
+        <a:lstStyle/>
+        <a:p>
+          <a:endParaRPr lang="en-US"/>
+        </a:p>
+      </dgm:t>
+    </dgm:pt>
+    <dgm:pt modelId="{6C62B182-59B6-4ABD-B3D4-199EE5FD3421}" type="sibTrans" cxnId="{9237E1FA-F8F3-4993-B899-220A44F4BC9E}">
+      <dgm:prSet/>
+      <dgm:spPr/>
+      <dgm:t>
+        <a:bodyPr/>
+        <a:lstStyle/>
+        <a:p>
+          <a:endParaRPr lang="en-US"/>
+        </a:p>
+      </dgm:t>
+    </dgm:pt>
+    <dgm:pt modelId="{2487BDC6-2121-4744-A781-880B20C974C9}">
+      <dgm:prSet/>
+      <dgm:spPr/>
+      <dgm:t>
+        <a:bodyPr/>
+        <a:lstStyle/>
+        <a:p>
+          <a:r>
+            <a:rPr lang="en-US"/>
+            <a:t>Id : 2301633</a:t>
+          </a:r>
+        </a:p>
+      </dgm:t>
+    </dgm:pt>
+    <dgm:pt modelId="{A0648B50-371E-4753-9649-28D8248D9860}" type="parTrans" cxnId="{7CC4D18D-896F-4375-BEDC-CC78D3073278}">
+      <dgm:prSet/>
+      <dgm:spPr/>
+      <dgm:t>
+        <a:bodyPr/>
+        <a:lstStyle/>
+        <a:p>
+          <a:endParaRPr lang="en-US"/>
+        </a:p>
+      </dgm:t>
+    </dgm:pt>
+    <dgm:pt modelId="{217DAE4A-1746-40DB-B34F-05C2B7132994}" type="sibTrans" cxnId="{7CC4D18D-896F-4375-BEDC-CC78D3073278}">
+      <dgm:prSet/>
+      <dgm:spPr/>
+      <dgm:t>
+        <a:bodyPr/>
+        <a:lstStyle/>
+        <a:p>
+          <a:endParaRPr lang="en-US"/>
+        </a:p>
+      </dgm:t>
+    </dgm:pt>
+    <dgm:pt modelId="{08E5CC55-921F-4262-90AB-949428F0E5FC}">
+      <dgm:prSet/>
+      <dgm:spPr/>
+      <dgm:t>
+        <a:bodyPr/>
+        <a:lstStyle/>
+        <a:p>
+          <a:r>
+            <a:rPr lang="en-US"/>
+            <a:t>Name : Hamdy Mohammed</a:t>
+          </a:r>
+        </a:p>
+      </dgm:t>
+    </dgm:pt>
+    <dgm:pt modelId="{D688F55F-6A62-4850-9A47-A023BD37980F}" type="parTrans" cxnId="{E8A20541-FCC2-4F7C-B636-8F5B64D2AB91}">
+      <dgm:prSet/>
+      <dgm:spPr/>
+      <dgm:t>
+        <a:bodyPr/>
+        <a:lstStyle/>
+        <a:p>
+          <a:endParaRPr lang="en-US"/>
+        </a:p>
+      </dgm:t>
+    </dgm:pt>
+    <dgm:pt modelId="{FE82CDA0-72C8-406B-AB3F-B3F85FDC14AB}" type="sibTrans" cxnId="{E8A20541-FCC2-4F7C-B636-8F5B64D2AB91}">
+      <dgm:prSet/>
+      <dgm:spPr/>
+      <dgm:t>
+        <a:bodyPr/>
+        <a:lstStyle/>
+        <a:p>
+          <a:endParaRPr lang="en-US"/>
+        </a:p>
+      </dgm:t>
+    </dgm:pt>
+    <dgm:pt modelId="{6636C894-258B-497A-90E3-0B350FBFA7DE}">
+      <dgm:prSet/>
+      <dgm:spPr/>
+      <dgm:t>
+        <a:bodyPr/>
+        <a:lstStyle/>
+        <a:p>
+          <a:r>
+            <a:rPr lang="en-US"/>
+            <a:t>Id : 2301590</a:t>
+          </a:r>
+        </a:p>
+      </dgm:t>
+    </dgm:pt>
+    <dgm:pt modelId="{8ED20122-B9D8-4D5B-B15E-3698651145D6}" type="parTrans" cxnId="{2C27DA9F-48C6-41E7-87DB-1F7E308E645C}">
+      <dgm:prSet/>
+      <dgm:spPr/>
+      <dgm:t>
+        <a:bodyPr/>
+        <a:lstStyle/>
+        <a:p>
+          <a:endParaRPr lang="en-US"/>
+        </a:p>
+      </dgm:t>
+    </dgm:pt>
+    <dgm:pt modelId="{0F1E92BE-E0D7-430F-B4E0-B1BED80F0511}" type="sibTrans" cxnId="{2C27DA9F-48C6-41E7-87DB-1F7E308E645C}">
+      <dgm:prSet/>
+      <dgm:spPr/>
+      <dgm:t>
+        <a:bodyPr/>
+        <a:lstStyle/>
+        <a:p>
+          <a:endParaRPr lang="en-US"/>
+        </a:p>
+      </dgm:t>
+    </dgm:pt>
+    <dgm:pt modelId="{489C33B9-7BA7-4C49-B0C9-E1C01C2293D8}">
+      <dgm:prSet/>
+      <dgm:spPr/>
+      <dgm:t>
+        <a:bodyPr/>
+        <a:lstStyle/>
+        <a:p>
+          <a:r>
+            <a:rPr lang="en-US"/>
+            <a:t>Name :</a:t>
+          </a:r>
+          <a:r>
+            <a:rPr lang="ar-EG"/>
+            <a:t> احمد علي عبد العال احمد</a:t>
+          </a:r>
+          <a:r>
+            <a:rPr lang="en-US"/>
+            <a:t> </a:t>
+          </a:r>
+        </a:p>
+      </dgm:t>
+    </dgm:pt>
+    <dgm:pt modelId="{44F1B9BE-EEF7-49A4-BDF6-6C2DA55C9432}" type="parTrans" cxnId="{E41841A2-24DA-476D-8550-42CFCF4C3805}">
+      <dgm:prSet/>
+      <dgm:spPr/>
+      <dgm:t>
+        <a:bodyPr/>
+        <a:lstStyle/>
+        <a:p>
+          <a:endParaRPr lang="en-US"/>
+        </a:p>
+      </dgm:t>
+    </dgm:pt>
+    <dgm:pt modelId="{D3F6EBFF-8683-45C9-B2B5-AD0D1AB42739}" type="sibTrans" cxnId="{E41841A2-24DA-476D-8550-42CFCF4C3805}">
+      <dgm:prSet/>
+      <dgm:spPr/>
+      <dgm:t>
+        <a:bodyPr/>
+        <a:lstStyle/>
+        <a:p>
+          <a:endParaRPr lang="en-US"/>
+        </a:p>
+      </dgm:t>
+    </dgm:pt>
+    <dgm:pt modelId="{F520B834-45A9-4AAF-A651-A748CBB07BF4}">
+      <dgm:prSet/>
+      <dgm:spPr/>
+      <dgm:t>
+        <a:bodyPr/>
+        <a:lstStyle/>
+        <a:p>
+          <a:r>
+            <a:rPr lang="en-US"/>
+            <a:t>Id : 2302553</a:t>
+          </a:r>
+        </a:p>
+      </dgm:t>
+    </dgm:pt>
+    <dgm:pt modelId="{184F3626-82E0-42EE-9469-7955B574408C}" type="parTrans" cxnId="{3C4395F2-71BD-4FA1-9C78-C4197A01A86F}">
+      <dgm:prSet/>
+      <dgm:spPr/>
+      <dgm:t>
+        <a:bodyPr/>
+        <a:lstStyle/>
+        <a:p>
+          <a:endParaRPr lang="en-US"/>
+        </a:p>
+      </dgm:t>
+    </dgm:pt>
+    <dgm:pt modelId="{1D5E8D12-AF41-4606-9211-A5688269DBA5}" type="sibTrans" cxnId="{3C4395F2-71BD-4FA1-9C78-C4197A01A86F}">
+      <dgm:prSet/>
+      <dgm:spPr/>
+      <dgm:t>
+        <a:bodyPr/>
+        <a:lstStyle/>
+        <a:p>
+          <a:endParaRPr lang="en-US"/>
+        </a:p>
+      </dgm:t>
+    </dgm:pt>
+    <dgm:pt modelId="{14EB3302-07D1-4C27-A21F-F7D57AF0AF3C}">
+      <dgm:prSet/>
+      <dgm:spPr/>
+      <dgm:t>
+        <a:bodyPr/>
+        <a:lstStyle/>
+        <a:p>
+          <a:r>
+            <a:rPr lang="en-US"/>
+            <a:t>Name :Abdallh Omran Fareed </a:t>
+          </a:r>
+        </a:p>
+      </dgm:t>
+    </dgm:pt>
+    <dgm:pt modelId="{8B62E2CF-C395-4CF8-8004-3064C6AB9386}" type="parTrans" cxnId="{D542C263-4944-40F6-98A5-F1A19EAA918A}">
+      <dgm:prSet/>
+      <dgm:spPr/>
+      <dgm:t>
+        <a:bodyPr/>
+        <a:lstStyle/>
+        <a:p>
+          <a:endParaRPr lang="en-US"/>
+        </a:p>
+      </dgm:t>
+    </dgm:pt>
+    <dgm:pt modelId="{354D09A3-854D-4392-BACC-71A8667E2B1C}" type="sibTrans" cxnId="{D542C263-4944-40F6-98A5-F1A19EAA918A}">
+      <dgm:prSet/>
+      <dgm:spPr/>
+      <dgm:t>
+        <a:bodyPr/>
+        <a:lstStyle/>
+        <a:p>
+          <a:endParaRPr lang="en-US"/>
+        </a:p>
+      </dgm:t>
+    </dgm:pt>
+    <dgm:pt modelId="{1A88D7DC-F1F3-49DF-A80D-5AFCF8A48040}">
+      <dgm:prSet/>
+      <dgm:spPr/>
+      <dgm:t>
+        <a:bodyPr/>
+        <a:lstStyle/>
+        <a:p>
+          <a:r>
+            <a:rPr lang="en-US"/>
+            <a:t>Id : 2301680</a:t>
+          </a:r>
+        </a:p>
+      </dgm:t>
+    </dgm:pt>
+    <dgm:pt modelId="{BDFDE616-CA6B-4530-B90B-F9F63C2B4158}" type="parTrans" cxnId="{969A623A-1650-40F7-AABA-92F11747B2F3}">
+      <dgm:prSet/>
+      <dgm:spPr/>
+      <dgm:t>
+        <a:bodyPr/>
+        <a:lstStyle/>
+        <a:p>
+          <a:endParaRPr lang="en-US"/>
+        </a:p>
+      </dgm:t>
+    </dgm:pt>
+    <dgm:pt modelId="{90D7EB93-1309-404E-9C90-C9F980624386}" type="sibTrans" cxnId="{969A623A-1650-40F7-AABA-92F11747B2F3}">
+      <dgm:prSet/>
+      <dgm:spPr/>
+      <dgm:t>
+        <a:bodyPr/>
+        <a:lstStyle/>
+        <a:p>
+          <a:endParaRPr lang="en-US"/>
+        </a:p>
+      </dgm:t>
+    </dgm:pt>
+    <dgm:pt modelId="{C4BF2DA0-7862-4116-906D-E2464FE44241}" type="pres">
+      <dgm:prSet presAssocID="{CAD1BEF2-6E9A-4645-AE7B-23F8A90330C8}" presName="linear" presStyleCnt="0">
+        <dgm:presLayoutVars>
+          <dgm:animLvl val="lvl"/>
+          <dgm:resizeHandles val="exact"/>
+        </dgm:presLayoutVars>
+      </dgm:prSet>
+      <dgm:spPr/>
+    </dgm:pt>
+    <dgm:pt modelId="{8A2EFA43-1E3B-47B2-BB06-425266B38859}" type="pres">
+      <dgm:prSet presAssocID="{089B7F26-BDFE-48AC-8B7F-0E3341A0D946}" presName="parentText" presStyleLbl="node1" presStyleIdx="0" presStyleCnt="12">
+        <dgm:presLayoutVars>
+          <dgm:chMax val="0"/>
+          <dgm:bulletEnabled val="1"/>
+        </dgm:presLayoutVars>
+      </dgm:prSet>
+      <dgm:spPr/>
+    </dgm:pt>
+    <dgm:pt modelId="{6C8936DE-7F66-4414-913F-6D09F1BBDEC4}" type="pres">
+      <dgm:prSet presAssocID="{495FB60C-781F-4D28-A162-538AD873F258}" presName="spacer" presStyleCnt="0"/>
+      <dgm:spPr/>
+    </dgm:pt>
+    <dgm:pt modelId="{DF64A7AE-1FEC-4F84-B6A2-4CBF2133A4A3}" type="pres">
+      <dgm:prSet presAssocID="{9C43FC69-7754-42A9-B908-78F449A98625}" presName="parentText" presStyleLbl="node1" presStyleIdx="1" presStyleCnt="12">
+        <dgm:presLayoutVars>
+          <dgm:chMax val="0"/>
+          <dgm:bulletEnabled val="1"/>
+        </dgm:presLayoutVars>
+      </dgm:prSet>
+      <dgm:spPr/>
+    </dgm:pt>
+    <dgm:pt modelId="{FE62BE85-0A07-4E2B-B38F-31A9C8DB1B0D}" type="pres">
+      <dgm:prSet presAssocID="{6472A73F-D2DF-43D2-9F5E-D9CC12A38AAA}" presName="spacer" presStyleCnt="0"/>
+      <dgm:spPr/>
+    </dgm:pt>
+    <dgm:pt modelId="{A4C4B122-735A-4E7A-AC2C-A1A188542489}" type="pres">
+      <dgm:prSet presAssocID="{912B7A3D-E6F5-4244-9C34-C802F5F8F48E}" presName="parentText" presStyleLbl="node1" presStyleIdx="2" presStyleCnt="12">
+        <dgm:presLayoutVars>
+          <dgm:chMax val="0"/>
+          <dgm:bulletEnabled val="1"/>
+        </dgm:presLayoutVars>
+      </dgm:prSet>
+      <dgm:spPr/>
+    </dgm:pt>
+    <dgm:pt modelId="{49E495B5-16D6-4935-9377-B04B56CF4E8D}" type="pres">
+      <dgm:prSet presAssocID="{50932863-49A1-4282-83DB-24C30A08063B}" presName="spacer" presStyleCnt="0"/>
+      <dgm:spPr/>
+    </dgm:pt>
+    <dgm:pt modelId="{F4786D8A-B049-46CC-B29A-F9241270BB00}" type="pres">
+      <dgm:prSet presAssocID="{D038ED20-573C-407B-BFB1-219966BA385F}" presName="parentText" presStyleLbl="node1" presStyleIdx="3" presStyleCnt="12">
+        <dgm:presLayoutVars>
+          <dgm:chMax val="0"/>
+          <dgm:bulletEnabled val="1"/>
+        </dgm:presLayoutVars>
+      </dgm:prSet>
+      <dgm:spPr/>
+    </dgm:pt>
+    <dgm:pt modelId="{3889E4AA-6273-470D-8F71-919D9D355ECF}" type="pres">
+      <dgm:prSet presAssocID="{21983AC6-4596-44FA-9C36-E9AC305E8413}" presName="spacer" presStyleCnt="0"/>
+      <dgm:spPr/>
+    </dgm:pt>
+    <dgm:pt modelId="{0C33EAA2-D405-42B9-8848-51BC4A8B74F4}" type="pres">
+      <dgm:prSet presAssocID="{7755F092-E68C-41E0-AFD0-F52AAB87BD6C}" presName="parentText" presStyleLbl="node1" presStyleIdx="4" presStyleCnt="12">
+        <dgm:presLayoutVars>
+          <dgm:chMax val="0"/>
+          <dgm:bulletEnabled val="1"/>
+        </dgm:presLayoutVars>
+      </dgm:prSet>
+      <dgm:spPr/>
+    </dgm:pt>
+    <dgm:pt modelId="{341D7A2E-BEA1-49B8-A5DF-E9A40A7F2F65}" type="pres">
+      <dgm:prSet presAssocID="{6C62B182-59B6-4ABD-B3D4-199EE5FD3421}" presName="spacer" presStyleCnt="0"/>
+      <dgm:spPr/>
+    </dgm:pt>
+    <dgm:pt modelId="{D37049C6-8BBE-404B-9D44-7C42CDCA6ED1}" type="pres">
+      <dgm:prSet presAssocID="{2487BDC6-2121-4744-A781-880B20C974C9}" presName="parentText" presStyleLbl="node1" presStyleIdx="5" presStyleCnt="12">
+        <dgm:presLayoutVars>
+          <dgm:chMax val="0"/>
+          <dgm:bulletEnabled val="1"/>
+        </dgm:presLayoutVars>
+      </dgm:prSet>
+      <dgm:spPr/>
+    </dgm:pt>
+    <dgm:pt modelId="{68753BEF-F286-43DB-B9ED-4F6CC98B7529}" type="pres">
+      <dgm:prSet presAssocID="{217DAE4A-1746-40DB-B34F-05C2B7132994}" presName="spacer" presStyleCnt="0"/>
+      <dgm:spPr/>
+    </dgm:pt>
+    <dgm:pt modelId="{A44D4615-F45E-4349-82D6-BAD384840265}" type="pres">
+      <dgm:prSet presAssocID="{08E5CC55-921F-4262-90AB-949428F0E5FC}" presName="parentText" presStyleLbl="node1" presStyleIdx="6" presStyleCnt="12">
+        <dgm:presLayoutVars>
+          <dgm:chMax val="0"/>
+          <dgm:bulletEnabled val="1"/>
+        </dgm:presLayoutVars>
+      </dgm:prSet>
+      <dgm:spPr/>
+    </dgm:pt>
+    <dgm:pt modelId="{914F3488-9E10-4AE6-A313-20DC6EDCB2B9}" type="pres">
+      <dgm:prSet presAssocID="{FE82CDA0-72C8-406B-AB3F-B3F85FDC14AB}" presName="spacer" presStyleCnt="0"/>
+      <dgm:spPr/>
+    </dgm:pt>
+    <dgm:pt modelId="{843C1968-2925-4AEB-8AAE-FF8B47705E29}" type="pres">
+      <dgm:prSet presAssocID="{6636C894-258B-497A-90E3-0B350FBFA7DE}" presName="parentText" presStyleLbl="node1" presStyleIdx="7" presStyleCnt="12">
+        <dgm:presLayoutVars>
+          <dgm:chMax val="0"/>
+          <dgm:bulletEnabled val="1"/>
+        </dgm:presLayoutVars>
+      </dgm:prSet>
+      <dgm:spPr/>
+    </dgm:pt>
+    <dgm:pt modelId="{6229BEEA-7923-4626-ACA9-F950518A4664}" type="pres">
+      <dgm:prSet presAssocID="{0F1E92BE-E0D7-430F-B4E0-B1BED80F0511}" presName="spacer" presStyleCnt="0"/>
+      <dgm:spPr/>
+    </dgm:pt>
+    <dgm:pt modelId="{319D5EA4-B778-4F15-B49C-3B2EEBCD003F}" type="pres">
+      <dgm:prSet presAssocID="{489C33B9-7BA7-4C49-B0C9-E1C01C2293D8}" presName="parentText" presStyleLbl="node1" presStyleIdx="8" presStyleCnt="12">
+        <dgm:presLayoutVars>
+          <dgm:chMax val="0"/>
+          <dgm:bulletEnabled val="1"/>
+        </dgm:presLayoutVars>
+      </dgm:prSet>
+      <dgm:spPr/>
+    </dgm:pt>
+    <dgm:pt modelId="{B3749B05-4A36-47EF-A60B-3D7B0207614D}" type="pres">
+      <dgm:prSet presAssocID="{D3F6EBFF-8683-45C9-B2B5-AD0D1AB42739}" presName="spacer" presStyleCnt="0"/>
+      <dgm:spPr/>
+    </dgm:pt>
+    <dgm:pt modelId="{3703388A-E9B7-4275-AFF6-36C4D7DA9D95}" type="pres">
+      <dgm:prSet presAssocID="{F520B834-45A9-4AAF-A651-A748CBB07BF4}" presName="parentText" presStyleLbl="node1" presStyleIdx="9" presStyleCnt="12">
+        <dgm:presLayoutVars>
+          <dgm:chMax val="0"/>
+          <dgm:bulletEnabled val="1"/>
+        </dgm:presLayoutVars>
+      </dgm:prSet>
+      <dgm:spPr/>
+    </dgm:pt>
+    <dgm:pt modelId="{45598982-1A52-4557-AFB8-8FFC8922927A}" type="pres">
+      <dgm:prSet presAssocID="{1D5E8D12-AF41-4606-9211-A5688269DBA5}" presName="spacer" presStyleCnt="0"/>
+      <dgm:spPr/>
+    </dgm:pt>
+    <dgm:pt modelId="{6455B192-6AAA-410C-B0D6-2C59FD37C838}" type="pres">
+      <dgm:prSet presAssocID="{14EB3302-07D1-4C27-A21F-F7D57AF0AF3C}" presName="parentText" presStyleLbl="node1" presStyleIdx="10" presStyleCnt="12">
+        <dgm:presLayoutVars>
+          <dgm:chMax val="0"/>
+          <dgm:bulletEnabled val="1"/>
+        </dgm:presLayoutVars>
+      </dgm:prSet>
+      <dgm:spPr/>
+    </dgm:pt>
+    <dgm:pt modelId="{9E63F865-B7EC-4623-ABB4-EE1EA09A80DE}" type="pres">
+      <dgm:prSet presAssocID="{354D09A3-854D-4392-BACC-71A8667E2B1C}" presName="spacer" presStyleCnt="0"/>
+      <dgm:spPr/>
+    </dgm:pt>
+    <dgm:pt modelId="{CDB46C4D-1CF3-4855-AB06-0E7DB8DA677D}" type="pres">
+      <dgm:prSet presAssocID="{1A88D7DC-F1F3-49DF-A80D-5AFCF8A48040}" presName="parentText" presStyleLbl="node1" presStyleIdx="11" presStyleCnt="12">
+        <dgm:presLayoutVars>
+          <dgm:chMax val="0"/>
+          <dgm:bulletEnabled val="1"/>
+        </dgm:presLayoutVars>
+      </dgm:prSet>
+      <dgm:spPr/>
+    </dgm:pt>
+  </dgm:ptLst>
+  <dgm:cxnLst>
+    <dgm:cxn modelId="{6F97C234-293E-41DF-B787-D5BA0E9296A9}" type="presOf" srcId="{9C43FC69-7754-42A9-B908-78F449A98625}" destId="{DF64A7AE-1FEC-4F84-B6A2-4CBF2133A4A3}" srcOrd="0" destOrd="0" presId="urn:microsoft.com/office/officeart/2005/8/layout/vList2"/>
+    <dgm:cxn modelId="{38BC1D36-E1CC-4584-A330-B11CBC7C9314}" type="presOf" srcId="{2487BDC6-2121-4744-A781-880B20C974C9}" destId="{D37049C6-8BBE-404B-9D44-7C42CDCA6ED1}" srcOrd="0" destOrd="0" presId="urn:microsoft.com/office/officeart/2005/8/layout/vList2"/>
+    <dgm:cxn modelId="{969A623A-1650-40F7-AABA-92F11747B2F3}" srcId="{CAD1BEF2-6E9A-4645-AE7B-23F8A90330C8}" destId="{1A88D7DC-F1F3-49DF-A80D-5AFCF8A48040}" srcOrd="11" destOrd="0" parTransId="{BDFDE616-CA6B-4530-B90B-F9F63C2B4158}" sibTransId="{90D7EB93-1309-404E-9C90-C9F980624386}"/>
+    <dgm:cxn modelId="{E8A20541-FCC2-4F7C-B636-8F5B64D2AB91}" srcId="{CAD1BEF2-6E9A-4645-AE7B-23F8A90330C8}" destId="{08E5CC55-921F-4262-90AB-949428F0E5FC}" srcOrd="6" destOrd="0" parTransId="{D688F55F-6A62-4850-9A47-A023BD37980F}" sibTransId="{FE82CDA0-72C8-406B-AB3F-B3F85FDC14AB}"/>
+    <dgm:cxn modelId="{D542C263-4944-40F6-98A5-F1A19EAA918A}" srcId="{CAD1BEF2-6E9A-4645-AE7B-23F8A90330C8}" destId="{14EB3302-07D1-4C27-A21F-F7D57AF0AF3C}" srcOrd="10" destOrd="0" parTransId="{8B62E2CF-C395-4CF8-8004-3064C6AB9386}" sibTransId="{354D09A3-854D-4392-BACC-71A8667E2B1C}"/>
+    <dgm:cxn modelId="{EDF52546-B0EF-4E37-83CB-445B99F7E587}" type="presOf" srcId="{089B7F26-BDFE-48AC-8B7F-0E3341A0D946}" destId="{8A2EFA43-1E3B-47B2-BB06-425266B38859}" srcOrd="0" destOrd="0" presId="urn:microsoft.com/office/officeart/2005/8/layout/vList2"/>
+    <dgm:cxn modelId="{F447C24E-734C-4CC2-B633-5BB9037F88FF}" type="presOf" srcId="{912B7A3D-E6F5-4244-9C34-C802F5F8F48E}" destId="{A4C4B122-735A-4E7A-AC2C-A1A188542489}" srcOrd="0" destOrd="0" presId="urn:microsoft.com/office/officeart/2005/8/layout/vList2"/>
+    <dgm:cxn modelId="{33BC5F6F-9418-4C3F-9222-DA0EF2413AC8}" srcId="{CAD1BEF2-6E9A-4645-AE7B-23F8A90330C8}" destId="{9C43FC69-7754-42A9-B908-78F449A98625}" srcOrd="1" destOrd="0" parTransId="{03E2D3DD-DA29-478E-B4DF-3ED7281888CC}" sibTransId="{6472A73F-D2DF-43D2-9F5E-D9CC12A38AAA}"/>
+    <dgm:cxn modelId="{67AD1250-9C63-4D83-A849-3C3410A61DE5}" type="presOf" srcId="{D038ED20-573C-407B-BFB1-219966BA385F}" destId="{F4786D8A-B049-46CC-B29A-F9241270BB00}" srcOrd="0" destOrd="0" presId="urn:microsoft.com/office/officeart/2005/8/layout/vList2"/>
+    <dgm:cxn modelId="{F3C25079-11A7-447E-842D-E70839713640}" type="presOf" srcId="{14EB3302-07D1-4C27-A21F-F7D57AF0AF3C}" destId="{6455B192-6AAA-410C-B0D6-2C59FD37C838}" srcOrd="0" destOrd="0" presId="urn:microsoft.com/office/officeart/2005/8/layout/vList2"/>
+    <dgm:cxn modelId="{9DFA678D-09AA-42EC-8C2D-DBBA2203AA31}" type="presOf" srcId="{CAD1BEF2-6E9A-4645-AE7B-23F8A90330C8}" destId="{C4BF2DA0-7862-4116-906D-E2464FE44241}" srcOrd="0" destOrd="0" presId="urn:microsoft.com/office/officeart/2005/8/layout/vList2"/>
+    <dgm:cxn modelId="{7CC4D18D-896F-4375-BEDC-CC78D3073278}" srcId="{CAD1BEF2-6E9A-4645-AE7B-23F8A90330C8}" destId="{2487BDC6-2121-4744-A781-880B20C974C9}" srcOrd="5" destOrd="0" parTransId="{A0648B50-371E-4753-9649-28D8248D9860}" sibTransId="{217DAE4A-1746-40DB-B34F-05C2B7132994}"/>
+    <dgm:cxn modelId="{48BE399E-BA0F-4CEF-8E06-324274C2B656}" type="presOf" srcId="{1A88D7DC-F1F3-49DF-A80D-5AFCF8A48040}" destId="{CDB46C4D-1CF3-4855-AB06-0E7DB8DA677D}" srcOrd="0" destOrd="0" presId="urn:microsoft.com/office/officeart/2005/8/layout/vList2"/>
+    <dgm:cxn modelId="{2C27DA9F-48C6-41E7-87DB-1F7E308E645C}" srcId="{CAD1BEF2-6E9A-4645-AE7B-23F8A90330C8}" destId="{6636C894-258B-497A-90E3-0B350FBFA7DE}" srcOrd="7" destOrd="0" parTransId="{8ED20122-B9D8-4D5B-B15E-3698651145D6}" sibTransId="{0F1E92BE-E0D7-430F-B4E0-B1BED80F0511}"/>
+    <dgm:cxn modelId="{E41841A2-24DA-476D-8550-42CFCF4C3805}" srcId="{CAD1BEF2-6E9A-4645-AE7B-23F8A90330C8}" destId="{489C33B9-7BA7-4C49-B0C9-E1C01C2293D8}" srcOrd="8" destOrd="0" parTransId="{44F1B9BE-EEF7-49A4-BDF6-6C2DA55C9432}" sibTransId="{D3F6EBFF-8683-45C9-B2B5-AD0D1AB42739}"/>
+    <dgm:cxn modelId="{B19EF0A9-199C-43BE-90EE-BD2E2B89E91F}" type="presOf" srcId="{6636C894-258B-497A-90E3-0B350FBFA7DE}" destId="{843C1968-2925-4AEB-8AAE-FF8B47705E29}" srcOrd="0" destOrd="0" presId="urn:microsoft.com/office/officeart/2005/8/layout/vList2"/>
+    <dgm:cxn modelId="{0B9E08AE-1A6E-427F-BD23-CC2D19CD55DA}" srcId="{CAD1BEF2-6E9A-4645-AE7B-23F8A90330C8}" destId="{912B7A3D-E6F5-4244-9C34-C802F5F8F48E}" srcOrd="2" destOrd="0" parTransId="{E6688BB1-AD4C-45E6-BDD7-5C0648E42803}" sibTransId="{50932863-49A1-4282-83DB-24C30A08063B}"/>
+    <dgm:cxn modelId="{452D1CB4-076B-4466-8ADD-19196B081589}" type="presOf" srcId="{489C33B9-7BA7-4C49-B0C9-E1C01C2293D8}" destId="{319D5EA4-B778-4F15-B49C-3B2EEBCD003F}" srcOrd="0" destOrd="0" presId="urn:microsoft.com/office/officeart/2005/8/layout/vList2"/>
+    <dgm:cxn modelId="{1E8AE9B8-C971-4614-BC45-CCA411D816D4}" srcId="{CAD1BEF2-6E9A-4645-AE7B-23F8A90330C8}" destId="{D038ED20-573C-407B-BFB1-219966BA385F}" srcOrd="3" destOrd="0" parTransId="{7A652F26-18C2-43F1-84BC-673F46BB4382}" sibTransId="{21983AC6-4596-44FA-9C36-E9AC305E8413}"/>
+    <dgm:cxn modelId="{E37E34E6-EC01-41F1-8229-7CD3C20A8136}" type="presOf" srcId="{F520B834-45A9-4AAF-A651-A748CBB07BF4}" destId="{3703388A-E9B7-4275-AFF6-36C4D7DA9D95}" srcOrd="0" destOrd="0" presId="urn:microsoft.com/office/officeart/2005/8/layout/vList2"/>
+    <dgm:cxn modelId="{27A41CE8-AB4B-42F6-9EFA-B8474FBDC7CC}" type="presOf" srcId="{7755F092-E68C-41E0-AFD0-F52AAB87BD6C}" destId="{0C33EAA2-D405-42B9-8848-51BC4A8B74F4}" srcOrd="0" destOrd="0" presId="urn:microsoft.com/office/officeart/2005/8/layout/vList2"/>
+    <dgm:cxn modelId="{3C4395F2-71BD-4FA1-9C78-C4197A01A86F}" srcId="{CAD1BEF2-6E9A-4645-AE7B-23F8A90330C8}" destId="{F520B834-45A9-4AAF-A651-A748CBB07BF4}" srcOrd="9" destOrd="0" parTransId="{184F3626-82E0-42EE-9469-7955B574408C}" sibTransId="{1D5E8D12-AF41-4606-9211-A5688269DBA5}"/>
+    <dgm:cxn modelId="{C5D551F6-5418-45B7-9FC3-778275FB1107}" srcId="{CAD1BEF2-6E9A-4645-AE7B-23F8A90330C8}" destId="{089B7F26-BDFE-48AC-8B7F-0E3341A0D946}" srcOrd="0" destOrd="0" parTransId="{AF602B21-4AAC-494F-BA0D-0539051DCBE1}" sibTransId="{495FB60C-781F-4D28-A162-538AD873F258}"/>
+    <dgm:cxn modelId="{D38EF3F7-164A-496B-A7AC-B5459FB4497F}" type="presOf" srcId="{08E5CC55-921F-4262-90AB-949428F0E5FC}" destId="{A44D4615-F45E-4349-82D6-BAD384840265}" srcOrd="0" destOrd="0" presId="urn:microsoft.com/office/officeart/2005/8/layout/vList2"/>
+    <dgm:cxn modelId="{9237E1FA-F8F3-4993-B899-220A44F4BC9E}" srcId="{CAD1BEF2-6E9A-4645-AE7B-23F8A90330C8}" destId="{7755F092-E68C-41E0-AFD0-F52AAB87BD6C}" srcOrd="4" destOrd="0" parTransId="{FD39962A-5A19-4CC3-BBFE-A58BF55D7A84}" sibTransId="{6C62B182-59B6-4ABD-B3D4-199EE5FD3421}"/>
+    <dgm:cxn modelId="{AFDC5B46-C7DE-4809-A252-04E5F109A789}" type="presParOf" srcId="{C4BF2DA0-7862-4116-906D-E2464FE44241}" destId="{8A2EFA43-1E3B-47B2-BB06-425266B38859}" srcOrd="0" destOrd="0" presId="urn:microsoft.com/office/officeart/2005/8/layout/vList2"/>
+    <dgm:cxn modelId="{4377F3FB-6FA9-4C72-9900-CEBF13A9EB15}" type="presParOf" srcId="{C4BF2DA0-7862-4116-906D-E2464FE44241}" destId="{6C8936DE-7F66-4414-913F-6D09F1BBDEC4}" srcOrd="1" destOrd="0" presId="urn:microsoft.com/office/officeart/2005/8/layout/vList2"/>
+    <dgm:cxn modelId="{3AEFF150-0974-4416-A47B-36A8BD734D57}" type="presParOf" srcId="{C4BF2DA0-7862-4116-906D-E2464FE44241}" destId="{DF64A7AE-1FEC-4F84-B6A2-4CBF2133A4A3}" srcOrd="2" destOrd="0" presId="urn:microsoft.com/office/officeart/2005/8/layout/vList2"/>
+    <dgm:cxn modelId="{EBC6BEF4-575A-4F4A-AEF1-A0B797CA7D18}" type="presParOf" srcId="{C4BF2DA0-7862-4116-906D-E2464FE44241}" destId="{FE62BE85-0A07-4E2B-B38F-31A9C8DB1B0D}" srcOrd="3" destOrd="0" presId="urn:microsoft.com/office/officeart/2005/8/layout/vList2"/>
+    <dgm:cxn modelId="{2A1EAB95-9539-4331-A227-D98E8040867A}" type="presParOf" srcId="{C4BF2DA0-7862-4116-906D-E2464FE44241}" destId="{A4C4B122-735A-4E7A-AC2C-A1A188542489}" srcOrd="4" destOrd="0" presId="urn:microsoft.com/office/officeart/2005/8/layout/vList2"/>
+    <dgm:cxn modelId="{78C86258-D44B-4F6D-8082-212656327A18}" type="presParOf" srcId="{C4BF2DA0-7862-4116-906D-E2464FE44241}" destId="{49E495B5-16D6-4935-9377-B04B56CF4E8D}" srcOrd="5" destOrd="0" presId="urn:microsoft.com/office/officeart/2005/8/layout/vList2"/>
+    <dgm:cxn modelId="{8CAB3BF0-A131-42FB-B68F-FD2B45086A20}" type="presParOf" srcId="{C4BF2DA0-7862-4116-906D-E2464FE44241}" destId="{F4786D8A-B049-46CC-B29A-F9241270BB00}" srcOrd="6" destOrd="0" presId="urn:microsoft.com/office/officeart/2005/8/layout/vList2"/>
+    <dgm:cxn modelId="{D35BBB8F-CA36-44FE-92FB-EB3C05860626}" type="presParOf" srcId="{C4BF2DA0-7862-4116-906D-E2464FE44241}" destId="{3889E4AA-6273-470D-8F71-919D9D355ECF}" srcOrd="7" destOrd="0" presId="urn:microsoft.com/office/officeart/2005/8/layout/vList2"/>
+    <dgm:cxn modelId="{0B9E3CE9-731A-460E-B356-E59E7C79B293}" type="presParOf" srcId="{C4BF2DA0-7862-4116-906D-E2464FE44241}" destId="{0C33EAA2-D405-42B9-8848-51BC4A8B74F4}" srcOrd="8" destOrd="0" presId="urn:microsoft.com/office/officeart/2005/8/layout/vList2"/>
+    <dgm:cxn modelId="{D3E69C65-57C3-4BD3-A93B-4ABFB6D67E09}" type="presParOf" srcId="{C4BF2DA0-7862-4116-906D-E2464FE44241}" destId="{341D7A2E-BEA1-49B8-A5DF-E9A40A7F2F65}" srcOrd="9" destOrd="0" presId="urn:microsoft.com/office/officeart/2005/8/layout/vList2"/>
+    <dgm:cxn modelId="{694C36DC-F29C-4E28-B292-42ECE1A951D1}" type="presParOf" srcId="{C4BF2DA0-7862-4116-906D-E2464FE44241}" destId="{D37049C6-8BBE-404B-9D44-7C42CDCA6ED1}" srcOrd="10" destOrd="0" presId="urn:microsoft.com/office/officeart/2005/8/layout/vList2"/>
+    <dgm:cxn modelId="{6786213F-9A2D-4E1E-B937-EDE321AC5754}" type="presParOf" srcId="{C4BF2DA0-7862-4116-906D-E2464FE44241}" destId="{68753BEF-F286-43DB-B9ED-4F6CC98B7529}" srcOrd="11" destOrd="0" presId="urn:microsoft.com/office/officeart/2005/8/layout/vList2"/>
+    <dgm:cxn modelId="{48FA0F80-D502-446B-9422-2427303FB0A3}" type="presParOf" srcId="{C4BF2DA0-7862-4116-906D-E2464FE44241}" destId="{A44D4615-F45E-4349-82D6-BAD384840265}" srcOrd="12" destOrd="0" presId="urn:microsoft.com/office/officeart/2005/8/layout/vList2"/>
+    <dgm:cxn modelId="{DFC04654-800A-4F96-90CE-FD2E64F0BC67}" type="presParOf" srcId="{C4BF2DA0-7862-4116-906D-E2464FE44241}" destId="{914F3488-9E10-4AE6-A313-20DC6EDCB2B9}" srcOrd="13" destOrd="0" presId="urn:microsoft.com/office/officeart/2005/8/layout/vList2"/>
+    <dgm:cxn modelId="{FB8E016B-BD32-4C39-AD1A-CFB03917370E}" type="presParOf" srcId="{C4BF2DA0-7862-4116-906D-E2464FE44241}" destId="{843C1968-2925-4AEB-8AAE-FF8B47705E29}" srcOrd="14" destOrd="0" presId="urn:microsoft.com/office/officeart/2005/8/layout/vList2"/>
+    <dgm:cxn modelId="{7561F351-8B6B-42AA-B5A7-64274EA1A344}" type="presParOf" srcId="{C4BF2DA0-7862-4116-906D-E2464FE44241}" destId="{6229BEEA-7923-4626-ACA9-F950518A4664}" srcOrd="15" destOrd="0" presId="urn:microsoft.com/office/officeart/2005/8/layout/vList2"/>
+    <dgm:cxn modelId="{E0F964DE-70E3-493C-94CE-BD411829CE7B}" type="presParOf" srcId="{C4BF2DA0-7862-4116-906D-E2464FE44241}" destId="{319D5EA4-B778-4F15-B49C-3B2EEBCD003F}" srcOrd="16" destOrd="0" presId="urn:microsoft.com/office/officeart/2005/8/layout/vList2"/>
+    <dgm:cxn modelId="{B2994DC5-0E00-4E49-B22D-D2274036AA80}" type="presParOf" srcId="{C4BF2DA0-7862-4116-906D-E2464FE44241}" destId="{B3749B05-4A36-47EF-A60B-3D7B0207614D}" srcOrd="17" destOrd="0" presId="urn:microsoft.com/office/officeart/2005/8/layout/vList2"/>
+    <dgm:cxn modelId="{1808DF40-D0B6-43E2-8B30-9989AB9EF795}" type="presParOf" srcId="{C4BF2DA0-7862-4116-906D-E2464FE44241}" destId="{3703388A-E9B7-4275-AFF6-36C4D7DA9D95}" srcOrd="18" destOrd="0" presId="urn:microsoft.com/office/officeart/2005/8/layout/vList2"/>
+    <dgm:cxn modelId="{DE1295B6-F334-49A0-A0CD-911DEE073BC8}" type="presParOf" srcId="{C4BF2DA0-7862-4116-906D-E2464FE44241}" destId="{45598982-1A52-4557-AFB8-8FFC8922927A}" srcOrd="19" destOrd="0" presId="urn:microsoft.com/office/officeart/2005/8/layout/vList2"/>
+    <dgm:cxn modelId="{B3890C40-CF94-46BD-8877-33F1E37DB3F7}" type="presParOf" srcId="{C4BF2DA0-7862-4116-906D-E2464FE44241}" destId="{6455B192-6AAA-410C-B0D6-2C59FD37C838}" srcOrd="20" destOrd="0" presId="urn:microsoft.com/office/officeart/2005/8/layout/vList2"/>
+    <dgm:cxn modelId="{C85C61EF-C6C0-40FF-948E-DE3D6F945A19}" type="presParOf" srcId="{C4BF2DA0-7862-4116-906D-E2464FE44241}" destId="{9E63F865-B7EC-4623-ABB4-EE1EA09A80DE}" srcOrd="21" destOrd="0" presId="urn:microsoft.com/office/officeart/2005/8/layout/vList2"/>
+    <dgm:cxn modelId="{CD9A72E4-13BA-4861-8FAC-022113ECD1D7}" type="presParOf" srcId="{C4BF2DA0-7862-4116-906D-E2464FE44241}" destId="{CDB46C4D-1CF3-4855-AB06-0E7DB8DA677D}" srcOrd="22" destOrd="0" presId="urn:microsoft.com/office/officeart/2005/8/layout/vList2"/>
+  </dgm:cxnLst>
+  <dgm:bg/>
+  <dgm:whole/>
+  <dgm:extLst>
+    <a:ext uri="http://schemas.microsoft.com/office/drawing/2008/diagram">
+      <dsp:dataModelExt xmlns:dsp="http://schemas.microsoft.com/office/drawing/2008/diagram" relId="rId6" minVer="http://schemas.openxmlformats.org/drawingml/2006/diagram"/>
+    </a:ext>
+  </dgm:extLst>
+</dgm:dataModel>
+</file>
+
+<file path=ppt/diagrams/drawing1.xml><?xml version="1.0" encoding="utf-8"?>
+<dsp:drawing xmlns:dgm="http://schemas.openxmlformats.org/drawingml/2006/diagram" xmlns:dsp="http://schemas.microsoft.com/office/drawing/2008/diagram" xmlns:a="http://schemas.openxmlformats.org/drawingml/2006/main">
+  <dsp:spTree>
+    <dsp:nvGrpSpPr>
+      <dsp:cNvPr id="0" name=""/>
+      <dsp:cNvGrpSpPr/>
+    </dsp:nvGrpSpPr>
+    <dsp:grpSpPr/>
+    <dsp:sp modelId="{8A2EFA43-1E3B-47B2-BB06-425266B38859}">
+      <dsp:nvSpPr>
+        <dsp:cNvPr id="0" name=""/>
+        <dsp:cNvSpPr/>
+      </dsp:nvSpPr>
+      <dsp:spPr>
+        <a:xfrm>
+          <a:off x="0" y="38493"/>
+          <a:ext cx="11059811" cy="287819"/>
+        </a:xfrm>
+        <a:prstGeom prst="roundRect">
+          <a:avLst/>
+        </a:prstGeom>
+        <a:solidFill>
+          <a:schemeClr val="accent1">
+            <a:hueOff val="0"/>
+            <a:satOff val="0"/>
+            <a:lumOff val="0"/>
+            <a:alphaOff val="0"/>
+          </a:schemeClr>
+        </a:solidFill>
+        <a:ln w="12700" cap="flat" cmpd="sng" algn="ctr">
+          <a:solidFill>
+            <a:schemeClr val="lt1">
+              <a:hueOff val="0"/>
+              <a:satOff val="0"/>
+              <a:lumOff val="0"/>
+              <a:alphaOff val="0"/>
+            </a:schemeClr>
+          </a:solidFill>
+          <a:prstDash val="solid"/>
+          <a:miter lim="800000"/>
+        </a:ln>
+        <a:effectLst/>
+      </dsp:spPr>
+      <dsp:style>
+        <a:lnRef idx="2">
+          <a:scrgbClr r="0" g="0" b="0"/>
+        </a:lnRef>
+        <a:fillRef idx="1">
+          <a:scrgbClr r="0" g="0" b="0"/>
+        </a:fillRef>
+        <a:effectRef idx="0">
+          <a:scrgbClr r="0" g="0" b="0"/>
+        </a:effectRef>
+        <a:fontRef idx="minor">
+          <a:schemeClr val="lt1"/>
+        </a:fontRef>
+      </dsp:style>
+      <dsp:txBody>
+        <a:bodyPr spcFirstLastPara="0" vert="horz" wrap="square" lIns="45720" tIns="45720" rIns="45720" bIns="45720" numCol="1" spcCol="1270" anchor="ctr" anchorCtr="0">
+          <a:noAutofit/>
+        </a:bodyPr>
+        <a:lstStyle/>
+        <a:p>
+          <a:pPr marL="0" lvl="0" indent="0" algn="l" defTabSz="533400">
+            <a:lnSpc>
+              <a:spcPct val="90000"/>
+            </a:lnSpc>
+            <a:spcBef>
+              <a:spcPct val="0"/>
+            </a:spcBef>
+            <a:spcAft>
+              <a:spcPct val="35000"/>
+            </a:spcAft>
+            <a:buNone/>
+          </a:pPr>
+          <a:r>
+            <a:rPr lang="en-US" sz="1200" kern="1200"/>
+            <a:t>Name : Youssef Tarek </a:t>
+          </a:r>
+        </a:p>
+      </dsp:txBody>
+      <dsp:txXfrm>
+        <a:off x="14050" y="52543"/>
+        <a:ext cx="11031711" cy="259719"/>
+      </dsp:txXfrm>
+    </dsp:sp>
+    <dsp:sp modelId="{DF64A7AE-1FEC-4F84-B6A2-4CBF2133A4A3}">
+      <dsp:nvSpPr>
+        <dsp:cNvPr id="0" name=""/>
+        <dsp:cNvSpPr/>
+      </dsp:nvSpPr>
+      <dsp:spPr>
+        <a:xfrm>
+          <a:off x="0" y="360873"/>
+          <a:ext cx="11059811" cy="287819"/>
+        </a:xfrm>
+        <a:prstGeom prst="roundRect">
+          <a:avLst/>
+        </a:prstGeom>
+        <a:solidFill>
+          <a:schemeClr val="accent1">
+            <a:hueOff val="0"/>
+            <a:satOff val="0"/>
+            <a:lumOff val="0"/>
+            <a:alphaOff val="0"/>
+          </a:schemeClr>
+        </a:solidFill>
+        <a:ln w="12700" cap="flat" cmpd="sng" algn="ctr">
+          <a:solidFill>
+            <a:schemeClr val="lt1">
+              <a:hueOff val="0"/>
+              <a:satOff val="0"/>
+              <a:lumOff val="0"/>
+              <a:alphaOff val="0"/>
+            </a:schemeClr>
+          </a:solidFill>
+          <a:prstDash val="solid"/>
+          <a:miter lim="800000"/>
+        </a:ln>
+        <a:effectLst/>
+      </dsp:spPr>
+      <dsp:style>
+        <a:lnRef idx="2">
+          <a:scrgbClr r="0" g="0" b="0"/>
+        </a:lnRef>
+        <a:fillRef idx="1">
+          <a:scrgbClr r="0" g="0" b="0"/>
+        </a:fillRef>
+        <a:effectRef idx="0">
+          <a:scrgbClr r="0" g="0" b="0"/>
+        </a:effectRef>
+        <a:fontRef idx="minor">
+          <a:schemeClr val="lt1"/>
+        </a:fontRef>
+      </dsp:style>
+      <dsp:txBody>
+        <a:bodyPr spcFirstLastPara="0" vert="horz" wrap="square" lIns="45720" tIns="45720" rIns="45720" bIns="45720" numCol="1" spcCol="1270" anchor="ctr" anchorCtr="0">
+          <a:noAutofit/>
+        </a:bodyPr>
+        <a:lstStyle/>
+        <a:p>
+          <a:pPr marL="0" lvl="0" indent="0" algn="l" defTabSz="533400">
+            <a:lnSpc>
+              <a:spcPct val="90000"/>
+            </a:lnSpc>
+            <a:spcBef>
+              <a:spcPct val="0"/>
+            </a:spcBef>
+            <a:spcAft>
+              <a:spcPct val="35000"/>
+            </a:spcAft>
+            <a:buNone/>
+          </a:pPr>
+          <a:r>
+            <a:rPr lang="en-US" sz="1200" kern="1200"/>
+            <a:t>Id : 2301606</a:t>
+          </a:r>
+        </a:p>
+      </dsp:txBody>
+      <dsp:txXfrm>
+        <a:off x="14050" y="374923"/>
+        <a:ext cx="11031711" cy="259719"/>
+      </dsp:txXfrm>
+    </dsp:sp>
+    <dsp:sp modelId="{A4C4B122-735A-4E7A-AC2C-A1A188542489}">
+      <dsp:nvSpPr>
+        <dsp:cNvPr id="0" name=""/>
+        <dsp:cNvSpPr/>
+      </dsp:nvSpPr>
+      <dsp:spPr>
+        <a:xfrm>
+          <a:off x="0" y="683253"/>
+          <a:ext cx="11059811" cy="287819"/>
+        </a:xfrm>
+        <a:prstGeom prst="roundRect">
+          <a:avLst/>
+        </a:prstGeom>
+        <a:solidFill>
+          <a:schemeClr val="accent1">
+            <a:hueOff val="0"/>
+            <a:satOff val="0"/>
+            <a:lumOff val="0"/>
+            <a:alphaOff val="0"/>
+          </a:schemeClr>
+        </a:solidFill>
+        <a:ln w="12700" cap="flat" cmpd="sng" algn="ctr">
+          <a:solidFill>
+            <a:schemeClr val="lt1">
+              <a:hueOff val="0"/>
+              <a:satOff val="0"/>
+              <a:lumOff val="0"/>
+              <a:alphaOff val="0"/>
+            </a:schemeClr>
+          </a:solidFill>
+          <a:prstDash val="solid"/>
+          <a:miter lim="800000"/>
+        </a:ln>
+        <a:effectLst/>
+      </dsp:spPr>
+      <dsp:style>
+        <a:lnRef idx="2">
+          <a:scrgbClr r="0" g="0" b="0"/>
+        </a:lnRef>
+        <a:fillRef idx="1">
+          <a:scrgbClr r="0" g="0" b="0"/>
+        </a:fillRef>
+        <a:effectRef idx="0">
+          <a:scrgbClr r="0" g="0" b="0"/>
+        </a:effectRef>
+        <a:fontRef idx="minor">
+          <a:schemeClr val="lt1"/>
+        </a:fontRef>
+      </dsp:style>
+      <dsp:txBody>
+        <a:bodyPr spcFirstLastPara="0" vert="horz" wrap="square" lIns="45720" tIns="45720" rIns="45720" bIns="45720" numCol="1" spcCol="1270" anchor="ctr" anchorCtr="0">
+          <a:noAutofit/>
+        </a:bodyPr>
+        <a:lstStyle/>
+        <a:p>
+          <a:pPr marL="0" lvl="0" indent="0" algn="l" defTabSz="533400">
+            <a:lnSpc>
+              <a:spcPct val="90000"/>
+            </a:lnSpc>
+            <a:spcBef>
+              <a:spcPct val="0"/>
+            </a:spcBef>
+            <a:spcAft>
+              <a:spcPct val="35000"/>
+            </a:spcAft>
+            <a:buNone/>
+          </a:pPr>
+          <a:r>
+            <a:rPr lang="en-US" sz="1200" kern="1200"/>
+            <a:t>Name : Asaf Adel</a:t>
+          </a:r>
+        </a:p>
+      </dsp:txBody>
+      <dsp:txXfrm>
+        <a:off x="14050" y="697303"/>
+        <a:ext cx="11031711" cy="259719"/>
+      </dsp:txXfrm>
+    </dsp:sp>
+    <dsp:sp modelId="{F4786D8A-B049-46CC-B29A-F9241270BB00}">
+      <dsp:nvSpPr>
+        <dsp:cNvPr id="0" name=""/>
+        <dsp:cNvSpPr/>
+      </dsp:nvSpPr>
+      <dsp:spPr>
+        <a:xfrm>
+          <a:off x="0" y="1005633"/>
+          <a:ext cx="11059811" cy="287819"/>
+        </a:xfrm>
+        <a:prstGeom prst="roundRect">
+          <a:avLst/>
+        </a:prstGeom>
+        <a:solidFill>
+          <a:schemeClr val="accent1">
+            <a:hueOff val="0"/>
+            <a:satOff val="0"/>
+            <a:lumOff val="0"/>
+            <a:alphaOff val="0"/>
+          </a:schemeClr>
+        </a:solidFill>
+        <a:ln w="12700" cap="flat" cmpd="sng" algn="ctr">
+          <a:solidFill>
+            <a:schemeClr val="lt1">
+              <a:hueOff val="0"/>
+              <a:satOff val="0"/>
+              <a:lumOff val="0"/>
+              <a:alphaOff val="0"/>
+            </a:schemeClr>
+          </a:solidFill>
+          <a:prstDash val="solid"/>
+          <a:miter lim="800000"/>
+        </a:ln>
+        <a:effectLst/>
+      </dsp:spPr>
+      <dsp:style>
+        <a:lnRef idx="2">
+          <a:scrgbClr r="0" g="0" b="0"/>
+        </a:lnRef>
+        <a:fillRef idx="1">
+          <a:scrgbClr r="0" g="0" b="0"/>
+        </a:fillRef>
+        <a:effectRef idx="0">
+          <a:scrgbClr r="0" g="0" b="0"/>
+        </a:effectRef>
+        <a:fontRef idx="minor">
+          <a:schemeClr val="lt1"/>
+        </a:fontRef>
+      </dsp:style>
+      <dsp:txBody>
+        <a:bodyPr spcFirstLastPara="0" vert="horz" wrap="square" lIns="45720" tIns="45720" rIns="45720" bIns="45720" numCol="1" spcCol="1270" anchor="ctr" anchorCtr="0">
+          <a:noAutofit/>
+        </a:bodyPr>
+        <a:lstStyle/>
+        <a:p>
+          <a:pPr marL="0" lvl="0" indent="0" algn="l" defTabSz="533400">
+            <a:lnSpc>
+              <a:spcPct val="90000"/>
+            </a:lnSpc>
+            <a:spcBef>
+              <a:spcPct val="0"/>
+            </a:spcBef>
+            <a:spcAft>
+              <a:spcPct val="35000"/>
+            </a:spcAft>
+            <a:buNone/>
+          </a:pPr>
+          <a:r>
+            <a:rPr lang="en-US" sz="1200" kern="1200"/>
+            <a:t>Id : 2301635</a:t>
+          </a:r>
+        </a:p>
+      </dsp:txBody>
+      <dsp:txXfrm>
+        <a:off x="14050" y="1019683"/>
+        <a:ext cx="11031711" cy="259719"/>
+      </dsp:txXfrm>
+    </dsp:sp>
+    <dsp:sp modelId="{0C33EAA2-D405-42B9-8848-51BC4A8B74F4}">
+      <dsp:nvSpPr>
+        <dsp:cNvPr id="0" name=""/>
+        <dsp:cNvSpPr/>
+      </dsp:nvSpPr>
+      <dsp:spPr>
+        <a:xfrm>
+          <a:off x="0" y="1328013"/>
+          <a:ext cx="11059811" cy="287819"/>
+        </a:xfrm>
+        <a:prstGeom prst="roundRect">
+          <a:avLst/>
+        </a:prstGeom>
+        <a:solidFill>
+          <a:schemeClr val="accent1">
+            <a:hueOff val="0"/>
+            <a:satOff val="0"/>
+            <a:lumOff val="0"/>
+            <a:alphaOff val="0"/>
+          </a:schemeClr>
+        </a:solidFill>
+        <a:ln w="12700" cap="flat" cmpd="sng" algn="ctr">
+          <a:solidFill>
+            <a:schemeClr val="lt1">
+              <a:hueOff val="0"/>
+              <a:satOff val="0"/>
+              <a:lumOff val="0"/>
+              <a:alphaOff val="0"/>
+            </a:schemeClr>
+          </a:solidFill>
+          <a:prstDash val="solid"/>
+          <a:miter lim="800000"/>
+        </a:ln>
+        <a:effectLst/>
+      </dsp:spPr>
+      <dsp:style>
+        <a:lnRef idx="2">
+          <a:scrgbClr r="0" g="0" b="0"/>
+        </a:lnRef>
+        <a:fillRef idx="1">
+          <a:scrgbClr r="0" g="0" b="0"/>
+        </a:fillRef>
+        <a:effectRef idx="0">
+          <a:scrgbClr r="0" g="0" b="0"/>
+        </a:effectRef>
+        <a:fontRef idx="minor">
+          <a:schemeClr val="lt1"/>
+        </a:fontRef>
+      </dsp:style>
+      <dsp:txBody>
+        <a:bodyPr spcFirstLastPara="0" vert="horz" wrap="square" lIns="45720" tIns="45720" rIns="45720" bIns="45720" numCol="1" spcCol="1270" anchor="ctr" anchorCtr="0">
+          <a:noAutofit/>
+        </a:bodyPr>
+        <a:lstStyle/>
+        <a:p>
+          <a:pPr marL="0" lvl="0" indent="0" algn="l" defTabSz="533400">
+            <a:lnSpc>
+              <a:spcPct val="90000"/>
+            </a:lnSpc>
+            <a:spcBef>
+              <a:spcPct val="0"/>
+            </a:spcBef>
+            <a:spcAft>
+              <a:spcPct val="35000"/>
+            </a:spcAft>
+            <a:buNone/>
+          </a:pPr>
+          <a:r>
+            <a:rPr lang="en-US" sz="1200" kern="1200"/>
+            <a:t>Name :Youssef Hassan</a:t>
+          </a:r>
+        </a:p>
+      </dsp:txBody>
+      <dsp:txXfrm>
+        <a:off x="14050" y="1342063"/>
+        <a:ext cx="11031711" cy="259719"/>
+      </dsp:txXfrm>
+    </dsp:sp>
+    <dsp:sp modelId="{D37049C6-8BBE-404B-9D44-7C42CDCA6ED1}">
+      <dsp:nvSpPr>
+        <dsp:cNvPr id="0" name=""/>
+        <dsp:cNvSpPr/>
+      </dsp:nvSpPr>
+      <dsp:spPr>
+        <a:xfrm>
+          <a:off x="0" y="1650393"/>
+          <a:ext cx="11059811" cy="287819"/>
+        </a:xfrm>
+        <a:prstGeom prst="roundRect">
+          <a:avLst/>
+        </a:prstGeom>
+        <a:solidFill>
+          <a:schemeClr val="accent1">
+            <a:hueOff val="0"/>
+            <a:satOff val="0"/>
+            <a:lumOff val="0"/>
+            <a:alphaOff val="0"/>
+          </a:schemeClr>
+        </a:solidFill>
+        <a:ln w="12700" cap="flat" cmpd="sng" algn="ctr">
+          <a:solidFill>
+            <a:schemeClr val="lt1">
+              <a:hueOff val="0"/>
+              <a:satOff val="0"/>
+              <a:lumOff val="0"/>
+              <a:alphaOff val="0"/>
+            </a:schemeClr>
+          </a:solidFill>
+          <a:prstDash val="solid"/>
+          <a:miter lim="800000"/>
+        </a:ln>
+        <a:effectLst/>
+      </dsp:spPr>
+      <dsp:style>
+        <a:lnRef idx="2">
+          <a:scrgbClr r="0" g="0" b="0"/>
+        </a:lnRef>
+        <a:fillRef idx="1">
+          <a:scrgbClr r="0" g="0" b="0"/>
+        </a:fillRef>
+        <a:effectRef idx="0">
+          <a:scrgbClr r="0" g="0" b="0"/>
+        </a:effectRef>
+        <a:fontRef idx="minor">
+          <a:schemeClr val="lt1"/>
+        </a:fontRef>
+      </dsp:style>
+      <dsp:txBody>
+        <a:bodyPr spcFirstLastPara="0" vert="horz" wrap="square" lIns="45720" tIns="45720" rIns="45720" bIns="45720" numCol="1" spcCol="1270" anchor="ctr" anchorCtr="0">
+          <a:noAutofit/>
+        </a:bodyPr>
+        <a:lstStyle/>
+        <a:p>
+          <a:pPr marL="0" lvl="0" indent="0" algn="l" defTabSz="533400">
+            <a:lnSpc>
+              <a:spcPct val="90000"/>
+            </a:lnSpc>
+            <a:spcBef>
+              <a:spcPct val="0"/>
+            </a:spcBef>
+            <a:spcAft>
+              <a:spcPct val="35000"/>
+            </a:spcAft>
+            <a:buNone/>
+          </a:pPr>
+          <a:r>
+            <a:rPr lang="en-US" sz="1200" kern="1200"/>
+            <a:t>Id : 2301633</a:t>
+          </a:r>
+        </a:p>
+      </dsp:txBody>
+      <dsp:txXfrm>
+        <a:off x="14050" y="1664443"/>
+        <a:ext cx="11031711" cy="259719"/>
+      </dsp:txXfrm>
+    </dsp:sp>
+    <dsp:sp modelId="{A44D4615-F45E-4349-82D6-BAD384840265}">
+      <dsp:nvSpPr>
+        <dsp:cNvPr id="0" name=""/>
+        <dsp:cNvSpPr/>
+      </dsp:nvSpPr>
+      <dsp:spPr>
+        <a:xfrm>
+          <a:off x="0" y="1972773"/>
+          <a:ext cx="11059811" cy="287819"/>
+        </a:xfrm>
+        <a:prstGeom prst="roundRect">
+          <a:avLst/>
+        </a:prstGeom>
+        <a:solidFill>
+          <a:schemeClr val="accent1">
+            <a:hueOff val="0"/>
+            <a:satOff val="0"/>
+            <a:lumOff val="0"/>
+            <a:alphaOff val="0"/>
+          </a:schemeClr>
+        </a:solidFill>
+        <a:ln w="12700" cap="flat" cmpd="sng" algn="ctr">
+          <a:solidFill>
+            <a:schemeClr val="lt1">
+              <a:hueOff val="0"/>
+              <a:satOff val="0"/>
+              <a:lumOff val="0"/>
+              <a:alphaOff val="0"/>
+            </a:schemeClr>
+          </a:solidFill>
+          <a:prstDash val="solid"/>
+          <a:miter lim="800000"/>
+        </a:ln>
+        <a:effectLst/>
+      </dsp:spPr>
+      <dsp:style>
+        <a:lnRef idx="2">
+          <a:scrgbClr r="0" g="0" b="0"/>
+        </a:lnRef>
+        <a:fillRef idx="1">
+          <a:scrgbClr r="0" g="0" b="0"/>
+        </a:fillRef>
+        <a:effectRef idx="0">
+          <a:scrgbClr r="0" g="0" b="0"/>
+        </a:effectRef>
+        <a:fontRef idx="minor">
+          <a:schemeClr val="lt1"/>
+        </a:fontRef>
+      </dsp:style>
+      <dsp:txBody>
+        <a:bodyPr spcFirstLastPara="0" vert="horz" wrap="square" lIns="45720" tIns="45720" rIns="45720" bIns="45720" numCol="1" spcCol="1270" anchor="ctr" anchorCtr="0">
+          <a:noAutofit/>
+        </a:bodyPr>
+        <a:lstStyle/>
+        <a:p>
+          <a:pPr marL="0" lvl="0" indent="0" algn="l" defTabSz="533400">
+            <a:lnSpc>
+              <a:spcPct val="90000"/>
+            </a:lnSpc>
+            <a:spcBef>
+              <a:spcPct val="0"/>
+            </a:spcBef>
+            <a:spcAft>
+              <a:spcPct val="35000"/>
+            </a:spcAft>
+            <a:buNone/>
+          </a:pPr>
+          <a:r>
+            <a:rPr lang="en-US" sz="1200" kern="1200"/>
+            <a:t>Name : Hamdy Mohammed</a:t>
+          </a:r>
+        </a:p>
+      </dsp:txBody>
+      <dsp:txXfrm>
+        <a:off x="14050" y="1986823"/>
+        <a:ext cx="11031711" cy="259719"/>
+      </dsp:txXfrm>
+    </dsp:sp>
+    <dsp:sp modelId="{843C1968-2925-4AEB-8AAE-FF8B47705E29}">
+      <dsp:nvSpPr>
+        <dsp:cNvPr id="0" name=""/>
+        <dsp:cNvSpPr/>
+      </dsp:nvSpPr>
+      <dsp:spPr>
+        <a:xfrm>
+          <a:off x="0" y="2295153"/>
+          <a:ext cx="11059811" cy="287819"/>
+        </a:xfrm>
+        <a:prstGeom prst="roundRect">
+          <a:avLst/>
+        </a:prstGeom>
+        <a:solidFill>
+          <a:schemeClr val="accent1">
+            <a:hueOff val="0"/>
+            <a:satOff val="0"/>
+            <a:lumOff val="0"/>
+            <a:alphaOff val="0"/>
+          </a:schemeClr>
+        </a:solidFill>
+        <a:ln w="12700" cap="flat" cmpd="sng" algn="ctr">
+          <a:solidFill>
+            <a:schemeClr val="lt1">
+              <a:hueOff val="0"/>
+              <a:satOff val="0"/>
+              <a:lumOff val="0"/>
+              <a:alphaOff val="0"/>
+            </a:schemeClr>
+          </a:solidFill>
+          <a:prstDash val="solid"/>
+          <a:miter lim="800000"/>
+        </a:ln>
+        <a:effectLst/>
+      </dsp:spPr>
+      <dsp:style>
+        <a:lnRef idx="2">
+          <a:scrgbClr r="0" g="0" b="0"/>
+        </a:lnRef>
+        <a:fillRef idx="1">
+          <a:scrgbClr r="0" g="0" b="0"/>
+        </a:fillRef>
+        <a:effectRef idx="0">
+          <a:scrgbClr r="0" g="0" b="0"/>
+        </a:effectRef>
+        <a:fontRef idx="minor">
+          <a:schemeClr val="lt1"/>
+        </a:fontRef>
+      </dsp:style>
+      <dsp:txBody>
+        <a:bodyPr spcFirstLastPara="0" vert="horz" wrap="square" lIns="45720" tIns="45720" rIns="45720" bIns="45720" numCol="1" spcCol="1270" anchor="ctr" anchorCtr="0">
+          <a:noAutofit/>
+        </a:bodyPr>
+        <a:lstStyle/>
+        <a:p>
+          <a:pPr marL="0" lvl="0" indent="0" algn="l" defTabSz="533400">
+            <a:lnSpc>
+              <a:spcPct val="90000"/>
+            </a:lnSpc>
+            <a:spcBef>
+              <a:spcPct val="0"/>
+            </a:spcBef>
+            <a:spcAft>
+              <a:spcPct val="35000"/>
+            </a:spcAft>
+            <a:buNone/>
+          </a:pPr>
+          <a:r>
+            <a:rPr lang="en-US" sz="1200" kern="1200"/>
+            <a:t>Id : 2301590</a:t>
+          </a:r>
+        </a:p>
+      </dsp:txBody>
+      <dsp:txXfrm>
+        <a:off x="14050" y="2309203"/>
+        <a:ext cx="11031711" cy="259719"/>
+      </dsp:txXfrm>
+    </dsp:sp>
+    <dsp:sp modelId="{319D5EA4-B778-4F15-B49C-3B2EEBCD003F}">
+      <dsp:nvSpPr>
+        <dsp:cNvPr id="0" name=""/>
+        <dsp:cNvSpPr/>
+      </dsp:nvSpPr>
+      <dsp:spPr>
+        <a:xfrm>
+          <a:off x="0" y="2617533"/>
+          <a:ext cx="11059811" cy="287819"/>
+        </a:xfrm>
+        <a:prstGeom prst="roundRect">
+          <a:avLst/>
+        </a:prstGeom>
+        <a:solidFill>
+          <a:schemeClr val="accent1">
+            <a:hueOff val="0"/>
+            <a:satOff val="0"/>
+            <a:lumOff val="0"/>
+            <a:alphaOff val="0"/>
+          </a:schemeClr>
+        </a:solidFill>
+        <a:ln w="12700" cap="flat" cmpd="sng" algn="ctr">
+          <a:solidFill>
+            <a:schemeClr val="lt1">
+              <a:hueOff val="0"/>
+              <a:satOff val="0"/>
+              <a:lumOff val="0"/>
+              <a:alphaOff val="0"/>
+            </a:schemeClr>
+          </a:solidFill>
+          <a:prstDash val="solid"/>
+          <a:miter lim="800000"/>
+        </a:ln>
+        <a:effectLst/>
+      </dsp:spPr>
+      <dsp:style>
+        <a:lnRef idx="2">
+          <a:scrgbClr r="0" g="0" b="0"/>
+        </a:lnRef>
+        <a:fillRef idx="1">
+          <a:scrgbClr r="0" g="0" b="0"/>
+        </a:fillRef>
+        <a:effectRef idx="0">
+          <a:scrgbClr r="0" g="0" b="0"/>
+        </a:effectRef>
+        <a:fontRef idx="minor">
+          <a:schemeClr val="lt1"/>
+        </a:fontRef>
+      </dsp:style>
+      <dsp:txBody>
+        <a:bodyPr spcFirstLastPara="0" vert="horz" wrap="square" lIns="45720" tIns="45720" rIns="45720" bIns="45720" numCol="1" spcCol="1270" anchor="ctr" anchorCtr="0">
+          <a:noAutofit/>
+        </a:bodyPr>
+        <a:lstStyle/>
+        <a:p>
+          <a:pPr marL="0" lvl="0" indent="0" algn="l" defTabSz="533400">
+            <a:lnSpc>
+              <a:spcPct val="90000"/>
+            </a:lnSpc>
+            <a:spcBef>
+              <a:spcPct val="0"/>
+            </a:spcBef>
+            <a:spcAft>
+              <a:spcPct val="35000"/>
+            </a:spcAft>
+            <a:buNone/>
+          </a:pPr>
+          <a:r>
+            <a:rPr lang="en-US" sz="1200" kern="1200"/>
+            <a:t>Name :</a:t>
+          </a:r>
+          <a:r>
+            <a:rPr lang="ar-EG" sz="1200" kern="1200"/>
+            <a:t> احمد علي عبد العال احمد</a:t>
+          </a:r>
+          <a:r>
+            <a:rPr lang="en-US" sz="1200" kern="1200"/>
+            <a:t> </a:t>
+          </a:r>
+        </a:p>
+      </dsp:txBody>
+      <dsp:txXfrm>
+        <a:off x="14050" y="2631583"/>
+        <a:ext cx="11031711" cy="259719"/>
+      </dsp:txXfrm>
+    </dsp:sp>
+    <dsp:sp modelId="{3703388A-E9B7-4275-AFF6-36C4D7DA9D95}">
+      <dsp:nvSpPr>
+        <dsp:cNvPr id="0" name=""/>
+        <dsp:cNvSpPr/>
+      </dsp:nvSpPr>
+      <dsp:spPr>
+        <a:xfrm>
+          <a:off x="0" y="2939913"/>
+          <a:ext cx="11059811" cy="287819"/>
+        </a:xfrm>
+        <a:prstGeom prst="roundRect">
+          <a:avLst/>
+        </a:prstGeom>
+        <a:solidFill>
+          <a:schemeClr val="accent1">
+            <a:hueOff val="0"/>
+            <a:satOff val="0"/>
+            <a:lumOff val="0"/>
+            <a:alphaOff val="0"/>
+          </a:schemeClr>
+        </a:solidFill>
+        <a:ln w="12700" cap="flat" cmpd="sng" algn="ctr">
+          <a:solidFill>
+            <a:schemeClr val="lt1">
+              <a:hueOff val="0"/>
+              <a:satOff val="0"/>
+              <a:lumOff val="0"/>
+              <a:alphaOff val="0"/>
+            </a:schemeClr>
+          </a:solidFill>
+          <a:prstDash val="solid"/>
+          <a:miter lim="800000"/>
+        </a:ln>
+        <a:effectLst/>
+      </dsp:spPr>
+      <dsp:style>
+        <a:lnRef idx="2">
+          <a:scrgbClr r="0" g="0" b="0"/>
+        </a:lnRef>
+        <a:fillRef idx="1">
+          <a:scrgbClr r="0" g="0" b="0"/>
+        </a:fillRef>
+        <a:effectRef idx="0">
+          <a:scrgbClr r="0" g="0" b="0"/>
+        </a:effectRef>
+        <a:fontRef idx="minor">
+          <a:schemeClr val="lt1"/>
+        </a:fontRef>
+      </dsp:style>
+      <dsp:txBody>
+        <a:bodyPr spcFirstLastPara="0" vert="horz" wrap="square" lIns="45720" tIns="45720" rIns="45720" bIns="45720" numCol="1" spcCol="1270" anchor="ctr" anchorCtr="0">
+          <a:noAutofit/>
+        </a:bodyPr>
+        <a:lstStyle/>
+        <a:p>
+          <a:pPr marL="0" lvl="0" indent="0" algn="l" defTabSz="533400">
+            <a:lnSpc>
+              <a:spcPct val="90000"/>
+            </a:lnSpc>
+            <a:spcBef>
+              <a:spcPct val="0"/>
+            </a:spcBef>
+            <a:spcAft>
+              <a:spcPct val="35000"/>
+            </a:spcAft>
+            <a:buNone/>
+          </a:pPr>
+          <a:r>
+            <a:rPr lang="en-US" sz="1200" kern="1200"/>
+            <a:t>Id : 2302553</a:t>
+          </a:r>
+        </a:p>
+      </dsp:txBody>
+      <dsp:txXfrm>
+        <a:off x="14050" y="2953963"/>
+        <a:ext cx="11031711" cy="259719"/>
+      </dsp:txXfrm>
+    </dsp:sp>
+    <dsp:sp modelId="{6455B192-6AAA-410C-B0D6-2C59FD37C838}">
+      <dsp:nvSpPr>
+        <dsp:cNvPr id="0" name=""/>
+        <dsp:cNvSpPr/>
+      </dsp:nvSpPr>
+      <dsp:spPr>
+        <a:xfrm>
+          <a:off x="0" y="3262293"/>
+          <a:ext cx="11059811" cy="287819"/>
+        </a:xfrm>
+        <a:prstGeom prst="roundRect">
+          <a:avLst/>
+        </a:prstGeom>
+        <a:solidFill>
+          <a:schemeClr val="accent1">
+            <a:hueOff val="0"/>
+            <a:satOff val="0"/>
+            <a:lumOff val="0"/>
+            <a:alphaOff val="0"/>
+          </a:schemeClr>
+        </a:solidFill>
+        <a:ln w="12700" cap="flat" cmpd="sng" algn="ctr">
+          <a:solidFill>
+            <a:schemeClr val="lt1">
+              <a:hueOff val="0"/>
+              <a:satOff val="0"/>
+              <a:lumOff val="0"/>
+              <a:alphaOff val="0"/>
+            </a:schemeClr>
+          </a:solidFill>
+          <a:prstDash val="solid"/>
+          <a:miter lim="800000"/>
+        </a:ln>
+        <a:effectLst/>
+      </dsp:spPr>
+      <dsp:style>
+        <a:lnRef idx="2">
+          <a:scrgbClr r="0" g="0" b="0"/>
+        </a:lnRef>
+        <a:fillRef idx="1">
+          <a:scrgbClr r="0" g="0" b="0"/>
+        </a:fillRef>
+        <a:effectRef idx="0">
+          <a:scrgbClr r="0" g="0" b="0"/>
+        </a:effectRef>
+        <a:fontRef idx="minor">
+          <a:schemeClr val="lt1"/>
+        </a:fontRef>
+      </dsp:style>
+      <dsp:txBody>
+        <a:bodyPr spcFirstLastPara="0" vert="horz" wrap="square" lIns="45720" tIns="45720" rIns="45720" bIns="45720" numCol="1" spcCol="1270" anchor="ctr" anchorCtr="0">
+          <a:noAutofit/>
+        </a:bodyPr>
+        <a:lstStyle/>
+        <a:p>
+          <a:pPr marL="0" lvl="0" indent="0" algn="l" defTabSz="533400">
+            <a:lnSpc>
+              <a:spcPct val="90000"/>
+            </a:lnSpc>
+            <a:spcBef>
+              <a:spcPct val="0"/>
+            </a:spcBef>
+            <a:spcAft>
+              <a:spcPct val="35000"/>
+            </a:spcAft>
+            <a:buNone/>
+          </a:pPr>
+          <a:r>
+            <a:rPr lang="en-US" sz="1200" kern="1200"/>
+            <a:t>Name :Abdallh Omran Fareed </a:t>
+          </a:r>
+        </a:p>
+      </dsp:txBody>
+      <dsp:txXfrm>
+        <a:off x="14050" y="3276343"/>
+        <a:ext cx="11031711" cy="259719"/>
+      </dsp:txXfrm>
+    </dsp:sp>
+    <dsp:sp modelId="{CDB46C4D-1CF3-4855-AB06-0E7DB8DA677D}">
+      <dsp:nvSpPr>
+        <dsp:cNvPr id="0" name=""/>
+        <dsp:cNvSpPr/>
+      </dsp:nvSpPr>
+      <dsp:spPr>
+        <a:xfrm>
+          <a:off x="0" y="3584673"/>
+          <a:ext cx="11059811" cy="287819"/>
+        </a:xfrm>
+        <a:prstGeom prst="roundRect">
+          <a:avLst/>
+        </a:prstGeom>
+        <a:solidFill>
+          <a:schemeClr val="accent1">
+            <a:hueOff val="0"/>
+            <a:satOff val="0"/>
+            <a:lumOff val="0"/>
+            <a:alphaOff val="0"/>
+          </a:schemeClr>
+        </a:solidFill>
+        <a:ln w="12700" cap="flat" cmpd="sng" algn="ctr">
+          <a:solidFill>
+            <a:schemeClr val="lt1">
+              <a:hueOff val="0"/>
+              <a:satOff val="0"/>
+              <a:lumOff val="0"/>
+              <a:alphaOff val="0"/>
+            </a:schemeClr>
+          </a:solidFill>
+          <a:prstDash val="solid"/>
+          <a:miter lim="800000"/>
+        </a:ln>
+        <a:effectLst/>
+      </dsp:spPr>
+      <dsp:style>
+        <a:lnRef idx="2">
+          <a:scrgbClr r="0" g="0" b="0"/>
+        </a:lnRef>
+        <a:fillRef idx="1">
+          <a:scrgbClr r="0" g="0" b="0"/>
+        </a:fillRef>
+        <a:effectRef idx="0">
+          <a:scrgbClr r="0" g="0" b="0"/>
+        </a:effectRef>
+        <a:fontRef idx="minor">
+          <a:schemeClr val="lt1"/>
+        </a:fontRef>
+      </dsp:style>
+      <dsp:txBody>
+        <a:bodyPr spcFirstLastPara="0" vert="horz" wrap="square" lIns="45720" tIns="45720" rIns="45720" bIns="45720" numCol="1" spcCol="1270" anchor="ctr" anchorCtr="0">
+          <a:noAutofit/>
+        </a:bodyPr>
+        <a:lstStyle/>
+        <a:p>
+          <a:pPr marL="0" lvl="0" indent="0" algn="l" defTabSz="533400">
+            <a:lnSpc>
+              <a:spcPct val="90000"/>
+            </a:lnSpc>
+            <a:spcBef>
+              <a:spcPct val="0"/>
+            </a:spcBef>
+            <a:spcAft>
+              <a:spcPct val="35000"/>
+            </a:spcAft>
+            <a:buNone/>
+          </a:pPr>
+          <a:r>
+            <a:rPr lang="en-US" sz="1200" kern="1200"/>
+            <a:t>Id : 2301680</a:t>
+          </a:r>
+        </a:p>
+      </dsp:txBody>
+      <dsp:txXfrm>
+        <a:off x="14050" y="3598723"/>
+        <a:ext cx="11031711" cy="259719"/>
+      </dsp:txXfrm>
+    </dsp:sp>
+  </dsp:spTree>
+</dsp:drawing>
+</file>
+
+<file path=ppt/diagrams/layout1.xml><?xml version="1.0" encoding="utf-8"?>
+<dgm:layoutDef xmlns:dgm="http://schemas.openxmlformats.org/drawingml/2006/diagram" xmlns:a="http://schemas.openxmlformats.org/drawingml/2006/main" uniqueId="urn:microsoft.com/office/officeart/2005/8/layout/vList2">
+  <dgm:title val=""/>
+  <dgm:desc val=""/>
+  <dgm:catLst>
+    <dgm:cat type="list" pri="3000"/>
+    <dgm:cat type="convert" pri="1000"/>
+  </dgm:catLst>
+  <dgm:sampData>
+    <dgm:dataModel>
+      <dgm:ptLst>
+        <dgm:pt modelId="0" type="doc"/>
+        <dgm:pt modelId="1">
+          <dgm:prSet phldr="1"/>
+        </dgm:pt>
+        <dgm:pt modelId="11">
+          <dgm:prSet phldr="1"/>
+        </dgm:pt>
+        <dgm:pt modelId="2">
+          <dgm:prSet phldr="1"/>
+        </dgm:pt>
+        <dgm:pt modelId="21">
+          <dgm:prSet phldr="1"/>
+        </dgm:pt>
+      </dgm:ptLst>
+      <dgm:cxnLst>
+        <dgm:cxn modelId="4" srcId="0" destId="1" srcOrd="0" destOrd="0"/>
+        <dgm:cxn modelId="5" srcId="0" destId="2" srcOrd="1" destOrd="0"/>
+        <dgm:cxn modelId="12" srcId="1" destId="11" srcOrd="0" destOrd="0"/>
+        <dgm:cxn modelId="23" srcId="2" destId="21" srcOrd="0" destOrd="0"/>
+      </dgm:cxnLst>
+      <dgm:bg/>
+      <dgm:whole/>
+    </dgm:dataModel>
+  </dgm:sampData>
+  <dgm:styleData>
+    <dgm:dataModel>
+      <dgm:ptLst>
+        <dgm:pt modelId="0" type="doc"/>
+        <dgm:pt modelId="1"/>
+        <dgm:pt modelId="2"/>
+      </dgm:ptLst>
+      <dgm:cxnLst>
+        <dgm:cxn modelId="3" srcId="0" destId="1" srcOrd="0" destOrd="0"/>
+        <dgm:cxn modelId="4" srcId="0" destId="2" srcOrd="1" destOrd="0"/>
+      </dgm:cxnLst>
+      <dgm:bg/>
+      <dgm:whole/>
+    </dgm:dataModel>
+  </dgm:styleData>
+  <dgm:clrData>
+    <dgm:dataModel>
+      <dgm:ptLst>
+        <dgm:pt modelId="0" type="doc"/>
+        <dgm:pt modelId="1"/>
+        <dgm:pt modelId="2"/>
+        <dgm:pt modelId="3"/>
+        <dgm:pt modelId="4"/>
+      </dgm:ptLst>
+      <dgm:cxnLst>
+        <dgm:cxn modelId="5" srcId="0" destId="1" srcOrd="0" destOrd="0"/>
+        <dgm:cxn modelId="6" srcId="0" destId="2" srcOrd="1" destOrd="0"/>
+        <dgm:cxn modelId="7" srcId="0" destId="3" srcOrd="2" destOrd="0"/>
+        <dgm:cxn modelId="8" srcId="0" destId="4" srcOrd="3" destOrd="0"/>
+      </dgm:cxnLst>
+      <dgm:bg/>
+      <dgm:whole/>
+    </dgm:dataModel>
+  </dgm:clrData>
+  <dgm:layoutNode name="linear">
+    <dgm:varLst>
+      <dgm:animLvl val="lvl"/>
+      <dgm:resizeHandles val="exact"/>
+    </dgm:varLst>
+    <dgm:alg type="lin">
+      <dgm:param type="linDir" val="fromT"/>
+      <dgm:param type="vertAlign" val="mid"/>
+    </dgm:alg>
+    <dgm:shape xmlns:r="http://schemas.openxmlformats.org/officeDocument/2006/relationships" r:blip="">
+      <dgm:adjLst/>
+    </dgm:shape>
+    <dgm:presOf/>
+    <dgm:constrLst>
+      <dgm:constr type="w" for="ch" forName="parentText" refType="w"/>
+      <dgm:constr type="h" for="ch" forName="parentText" refType="primFontSz" refFor="ch" refForName="parentText" fact="0.52"/>
+      <dgm:constr type="w" for="ch" forName="childText" refType="w"/>
+      <dgm:constr type="h" for="ch" forName="childText" refType="primFontSz" refFor="ch" refForName="parentText" fact="0.46"/>
+      <dgm:constr type="h" for="ch" forName="parentText" op="equ"/>
+      <dgm:constr type="primFontSz" for="ch" forName="parentText" op="equ" val="65"/>
+      <dgm:constr type="primFontSz" for="ch" forName="childText" refType="primFontSz" refFor="ch" refForName="parentText" op="equ"/>
+      <dgm:constr type="h" for="ch" forName="spacer" refType="primFontSz" refFor="ch" refForName="parentText" fact="0.08"/>
+    </dgm:constrLst>
+    <dgm:ruleLst>
+      <dgm:rule type="primFontSz" for="ch" forName="parentText" val="5" fact="NaN" max="NaN"/>
+    </dgm:ruleLst>
+    <dgm:forEach name="Name0" axis="ch" ptType="node">
+      <dgm:layoutNode name="parentText" styleLbl="node1">
+        <dgm:varLst>
+          <dgm:chMax val="0"/>
+          <dgm:bulletEnabled val="1"/>
+        </dgm:varLst>
+        <dgm:alg type="tx">
+          <dgm:param type="parTxLTRAlign" val="l"/>
+          <dgm:param type="parTxRTLAlign" val="r"/>
+        </dgm:alg>
+        <dgm:shape xmlns:r="http://schemas.openxmlformats.org/officeDocument/2006/relationships" type="roundRect" r:blip="">
+          <dgm:adjLst/>
+        </dgm:shape>
+        <dgm:presOf axis="self"/>
+        <dgm:constrLst>
+          <dgm:constr type="tMarg" refType="primFontSz" fact="0.3"/>
+          <dgm:constr type="bMarg" refType="primFontSz" fact="0.3"/>
+          <dgm:constr type="lMarg" refType="primFontSz" fact="0.3"/>
+          <dgm:constr type="rMarg" refType="primFontSz" fact="0.3"/>
+        </dgm:constrLst>
+        <dgm:ruleLst>
+          <dgm:rule type="h" val="INF" fact="NaN" max="NaN"/>
+        </dgm:ruleLst>
+      </dgm:layoutNode>
+      <dgm:choose name="Name1">
+        <dgm:if name="Name2" axis="ch" ptType="node" func="cnt" op="gte" val="1">
+          <dgm:layoutNode name="childText" styleLbl="revTx">
+            <dgm:varLst>
+              <dgm:bulletEnabled val="1"/>
+            </dgm:varLst>
+            <dgm:alg type="tx">
+              <dgm:param type="stBulletLvl" val="1"/>
+              <dgm:param type="lnSpAfChP" val="20"/>
+            </dgm:alg>
+            <dgm:shape xmlns:r="http://schemas.openxmlformats.org/officeDocument/2006/relationships" type="rect" r:blip="">
+              <dgm:adjLst/>
+            </dgm:shape>
+            <dgm:presOf axis="des" ptType="node"/>
+            <dgm:constrLst>
+              <dgm:constr type="tMarg" refType="primFontSz" fact="0.1"/>
+              <dgm:constr type="bMarg" refType="primFontSz" fact="0.1"/>
+              <dgm:constr type="lMarg" refType="w" fact="0.09"/>
+            </dgm:constrLst>
+            <dgm:ruleLst>
+              <dgm:rule type="h" val="INF" fact="NaN" max="NaN"/>
+            </dgm:ruleLst>
+          </dgm:layoutNode>
+        </dgm:if>
+        <dgm:else name="Name3">
+          <dgm:choose name="Name4">
+            <dgm:if name="Name5" axis="par ch" ptType="doc node" func="cnt" op="gte" val="2">
+              <dgm:forEach name="Name6" axis="followSib" ptType="sibTrans" cnt="1">
+                <dgm:layoutNode name="spacer">
+                  <dgm:alg type="sp"/>
+                  <dgm:shape xmlns:r="http://schemas.openxmlformats.org/officeDocument/2006/relationships" r:blip="">
+                    <dgm:adjLst/>
+                  </dgm:shape>
+                  <dgm:presOf/>
+                  <dgm:constrLst/>
+                  <dgm:ruleLst/>
+                </dgm:layoutNode>
+              </dgm:forEach>
+            </dgm:if>
+            <dgm:else name="Name7"/>
+          </dgm:choose>
+        </dgm:else>
+      </dgm:choose>
+    </dgm:forEach>
+  </dgm:layoutNode>
+</dgm:layoutDef>
+</file>
+
+<file path=ppt/diagrams/quickStyle1.xml><?xml version="1.0" encoding="utf-8"?>
+<dgm:styleDef xmlns:dgm="http://schemas.openxmlformats.org/drawingml/2006/diagram" xmlns:a="http://schemas.openxmlformats.org/drawingml/2006/main" uniqueId="urn:microsoft.com/office/officeart/2005/8/quickstyle/simple1">
+  <dgm:title val=""/>
+  <dgm:desc val=""/>
+  <dgm:catLst>
+    <dgm:cat type="simple" pri="10100"/>
+  </dgm:catLst>
+  <dgm:scene3d>
+    <a:camera prst="orthographicFront"/>
+    <a:lightRig rig="threePt" dir="t"/>
+  </dgm:scene3d>
+  <dgm:styleLbl name="node0">
+    <dgm:scene3d>
+      <a:camera prst="orthographicFront"/>
+      <a:lightRig rig="threePt" dir="t"/>
+    </dgm:scene3d>
+    <dgm:sp3d/>
+    <dgm:txPr/>
+    <dgm:style>
+      <a:lnRef idx="2">
+        <a:scrgbClr r="0" g="0" b="0"/>
+      </a:lnRef>
+      <a:fillRef idx="1">
+        <a:scrgbClr r="0" g="0" b="0"/>
+      </a:fillRef>
+      <a:effectRef idx="0">
+        <a:scrgbClr r="0" g="0" b="0"/>
+      </a:effectRef>
+      <a:fontRef idx="minor">
+        <a:schemeClr val="lt1"/>
+      </a:fontRef>
+    </dgm:style>
+  </dgm:styleLbl>
+  <dgm:styleLbl name="lnNode1">
+    <dgm:scene3d>
+      <a:camera prst="orthographicFront"/>
+      <a:lightRig rig="threePt" dir="t"/>
+    </dgm:scene3d>
+    <dgm:sp3d/>
+    <dgm:txPr/>
+    <dgm:style>
+      <a:lnRef idx="2">
+        <a:scrgbClr r="0" g="0" b="0"/>
+      </a:lnRef>
+      <a:fillRef idx="1">
+        <a:scrgbClr r="0" g="0" b="0"/>
+      </a:fillRef>
+      <a:effectRef idx="0">
+        <a:scrgbClr r="0" g="0" b="0"/>
+      </a:effectRef>
+      <a:fontRef idx="minor">
+        <a:schemeClr val="lt1"/>
+      </a:fontRef>
+    </dgm:style>
+  </dgm:styleLbl>
+  <dgm:styleLbl name="vennNode1">
+    <dgm:scene3d>
+      <a:camera prst="orthographicFront"/>
+      <a:lightRig rig="threePt" dir="t"/>
+    </dgm:scene3d>
+    <dgm:sp3d/>
+    <dgm:txPr/>
+    <dgm:style>
+      <a:lnRef idx="2">
+        <a:scrgbClr r="0" g="0" b="0"/>
+      </a:lnRef>
+      <a:fillRef idx="1">
+        <a:scrgbClr r="0" g="0" b="0"/>
+      </a:fillRef>
+      <a:effectRef idx="0">
+        <a:scrgbClr r="0" g="0" b="0"/>
+      </a:effectRef>
+      <a:fontRef idx="minor">
+        <a:schemeClr val="tx1"/>
+      </a:fontRef>
+    </dgm:style>
+  </dgm:styleLbl>
+  <dgm:styleLbl name="alignNode1">
+    <dgm:scene3d>
+      <a:camera prst="orthographicFront"/>
+      <a:lightRig rig="threePt" dir="t"/>
+    </dgm:scene3d>
+    <dgm:sp3d/>
+    <dgm:txPr/>
+    <dgm:style>
+      <a:lnRef idx="2">
+        <a:scrgbClr r="0" g="0" b="0"/>
+      </a:lnRef>
+      <a:fillRef idx="1">
+        <a:scrgbClr r="0" g="0" b="0"/>
+      </a:fillRef>
+      <a:effectRef idx="0">
+        <a:scrgbClr r="0" g="0" b="0"/>
+      </a:effectRef>
+      <a:fontRef idx="minor">
+        <a:schemeClr val="lt1"/>
+      </a:fontRef>
+    </dgm:style>
+  </dgm:styleLbl>
+  <dgm:styleLbl name="node1">
+    <dgm:scene3d>
+      <a:camera prst="orthographicFront"/>
+      <a:lightRig rig="threePt" dir="t"/>
+    </dgm:scene3d>
+    <dgm:sp3d/>
+    <dgm:txPr/>
+    <dgm:style>
+      <a:lnRef idx="2">
+        <a:scrgbClr r="0" g="0" b="0"/>
+      </a:lnRef>
+      <a:fillRef idx="1">
+        <a:scrgbClr r="0" g="0" b="0"/>
+      </a:fillRef>
+      <a:effectRef idx="0">
+        <a:scrgbClr r="0" g="0" b="0"/>
+      </a:effectRef>
+      <a:fontRef idx="minor">
+        <a:schemeClr val="lt1"/>
+      </a:fontRef>
+    </dgm:style>
+  </dgm:styleLbl>
+  <dgm:styleLbl name="node2">
+    <dgm:scene3d>
+      <a:camera prst="orthographicFront"/>
+      <a:lightRig rig="threePt" dir="t"/>
+    </dgm:scene3d>
+    <dgm:sp3d/>
+    <dgm:txPr/>
+    <dgm:style>
+      <a:lnRef idx="2">
+        <a:scrgbClr r="0" g="0" b="0"/>
+      </a:lnRef>
+      <a:fillRef idx="1">
+        <a:scrgbClr r="0" g="0" b="0"/>
+      </a:fillRef>
+      <a:effectRef idx="0">
+        <a:scrgbClr r="0" g="0" b="0"/>
+      </a:effectRef>
+      <a:fontRef idx="minor">
+        <a:schemeClr val="lt1"/>
+      </a:fontRef>
+    </dgm:style>
+  </dgm:styleLbl>
+  <dgm:styleLbl name="node3">
+    <dgm:scene3d>
+      <a:camera prst="orthographicFront"/>
+      <a:lightRig rig="threePt" dir="t"/>
+    </dgm:scene3d>
+    <dgm:sp3d/>
+    <dgm:txPr/>
+    <dgm:style>
+      <a:lnRef idx="2">
+        <a:scrgbClr r="0" g="0" b="0"/>
+      </a:lnRef>
+      <a:fillRef idx="1">
+        <a:scrgbClr r="0" g="0" b="0"/>
+      </a:fillRef>
+      <a:effectRef idx="0">
+        <a:scrgbClr r="0" g="0" b="0"/>
+      </a:effectRef>
+      <a:fontRef idx="minor">
+        <a:schemeClr val="lt1"/>
+      </a:fontRef>
+    </dgm:style>
+  </dgm:styleLbl>
+  <dgm:styleLbl name="node4">
+    <dgm:scene3d>
+      <a:camera prst="orthographicFront"/>
+      <a:lightRig rig="threePt" dir="t"/>
+    </dgm:scene3d>
+    <dgm:sp3d/>
+    <dgm:txPr/>
+    <dgm:style>
+      <a:lnRef idx="2">
+        <a:scrgbClr r="0" g="0" b="0"/>
+      </a:lnRef>
+      <a:fillRef idx="1">
+        <a:scrgbClr r="0" g="0" b="0"/>
+      </a:fillRef>
+      <a:effectRef idx="0">
+        <a:scrgbClr r="0" g="0" b="0"/>
+      </a:effectRef>
+      <a:fontRef idx="minor">
+        <a:schemeClr val="lt1"/>
+      </a:fontRef>
+    </dgm:style>
+  </dgm:styleLbl>
+  <dgm:styleLbl name="fgImgPlace1">
+    <dgm:scene3d>
+      <a:camera prst="orthographicFront"/>
+      <a:lightRig rig="threePt" dir="t"/>
+    </dgm:scene3d>
+    <dgm:sp3d/>
+    <dgm:txPr/>
+    <dgm:style>
+      <a:lnRef idx="2">
+        <a:scrgbClr r="0" g="0" b="0"/>
+      </a:lnRef>
+      <a:fillRef idx="1">
+        <a:scrgbClr r="0" g="0" b="0"/>
+      </a:fillRef>
+      <a:effectRef idx="0">
+        <a:scrgbClr r="0" g="0" b="0"/>
+      </a:effectRef>
+      <a:fontRef idx="minor"/>
+    </dgm:style>
+  </dgm:styleLbl>
+  <dgm:styleLbl name="alignImgPlace1">
+    <dgm:scene3d>
+      <a:camera prst="orthographicFront"/>
+      <a:lightRig rig="threePt" dir="t"/>
+    </dgm:scene3d>
+    <dgm:sp3d/>
+    <dgm:txPr/>
+    <dgm:style>
+      <a:lnRef idx="2">
+        <a:scrgbClr r="0" g="0" b="0"/>
+      </a:lnRef>
+      <a:fillRef idx="1">
+        <a:scrgbClr r="0" g="0" b="0"/>
+      </a:fillRef>
+      <a:effectRef idx="0">
+        <a:scrgbClr r="0" g="0" b="0"/>
+      </a:effectRef>
+      <a:fontRef idx="minor"/>
+    </dgm:style>
+  </dgm:styleLbl>
+  <dgm:styleLbl name="bgImgPlace1">
+    <dgm:scene3d>
+      <a:camera prst="orthographicFront"/>
+      <a:lightRig rig="threePt" dir="t"/>
+    </dgm:scene3d>
+    <dgm:sp3d/>
+    <dgm:txPr/>
+    <dgm:style>
+      <a:lnRef idx="2">
+        <a:scrgbClr r="0" g="0" b="0"/>
+      </a:lnRef>
+      <a:fillRef idx="1">
+        <a:scrgbClr r="0" g="0" b="0"/>
+      </a:fillRef>
+      <a:effectRef idx="0">
+        <a:scrgbClr r="0" g="0" b="0"/>
+      </a:effectRef>
+      <a:fontRef idx="minor"/>
+    </dgm:style>
+  </dgm:styleLbl>
+  <dgm:styleLbl name="sibTrans2D1">
+    <dgm:scene3d>
+      <a:camera prst="orthographicFront"/>
+      <a:lightRig rig="threePt" dir="t"/>
+    </dgm:scene3d>
+    <dgm:sp3d/>
+    <dgm:txPr/>
+    <dgm:style>
+      <a:lnRef idx="0">
+        <a:scrgbClr r="0" g="0" b="0"/>
+      </a:lnRef>
+      <a:fillRef idx="1">
+        <a:scrgbClr r="0" g="0" b="0"/>
+      </a:fillRef>
+      <a:effectRef idx="0">
+        <a:scrgbClr r="0" g="0" b="0"/>
+      </a:effectRef>
+      <a:fontRef idx="minor">
+        <a:schemeClr val="lt1"/>
+      </a:fontRef>
+    </dgm:style>
+  </dgm:styleLbl>
+  <dgm:styleLbl name="fgSibTrans2D1">
+    <dgm:scene3d>
+      <a:camera prst="orthographicFront"/>
+      <a:lightRig rig="threePt" dir="t"/>
+    </dgm:scene3d>
+    <dgm:sp3d/>
+    <dgm:txPr/>
+    <dgm:style>
+      <a:lnRef idx="0">
+        <a:scrgbClr r="0" g="0" b="0"/>
+      </a:lnRef>
+      <a:fillRef idx="1">
+        <a:scrgbClr r="0" g="0" b="0"/>
+      </a:fillRef>
+      <a:effectRef idx="0">
+        <a:scrgbClr r="0" g="0" b="0"/>
+      </a:effectRef>
+      <a:fontRef idx="minor">
+        <a:schemeClr val="lt1"/>
+      </a:fontRef>
+    </dgm:style>
+  </dgm:styleLbl>
+  <dgm:styleLbl name="bgSibTrans2D1">
+    <dgm:scene3d>
+      <a:camera prst="orthographicFront"/>
+      <a:lightRig rig="threePt" dir="t"/>
+    </dgm:scene3d>
+    <dgm:sp3d/>
+    <dgm:txPr/>
+    <dgm:style>
+      <a:lnRef idx="0">
+        <a:scrgbClr r="0" g="0" b="0"/>
+      </a:lnRef>
+      <a:fillRef idx="1">
+        <a:scrgbClr r="0" g="0" b="0"/>
+      </a:fillRef>
+      <a:effectRef idx="0">
+        <a:scrgbClr r="0" g="0" b="0"/>
+      </a:effectRef>
+      <a:fontRef idx="minor">
+        <a:schemeClr val="lt1"/>
+      </a:fontRef>
+    </dgm:style>
+  </dgm:styleLbl>
+  <dgm:styleLbl name="sibTrans1D1">
+    <dgm:scene3d>
+      <a:camera prst="orthographicFront"/>
+      <a:lightRig rig="threePt" dir="t"/>
+    </dgm:scene3d>
+    <dgm:sp3d/>
+    <dgm:txPr/>
+    <dgm:style>
+      <a:lnRef idx="1">
+        <a:scrgbClr r="0" g="0" b="0"/>
+      </a:lnRef>
+      <a:fillRef idx="0">
+        <a:scrgbClr r="0" g="0" b="0"/>
+      </a:fillRef>
+      <a:effectRef idx="0">
+        <a:scrgbClr r="0" g="0" b="0"/>
+      </a:effectRef>
+      <a:fontRef idx="minor"/>
+    </dgm:style>
+  </dgm:styleLbl>
+  <dgm:styleLbl name="callout">
+    <dgm:scene3d>
+      <a:camera prst="orthographicFront"/>
+      <a:lightRig rig="threePt" dir="t"/>
+    </dgm:scene3d>
+    <dgm:sp3d/>
+    <dgm:txPr/>
+    <dgm:style>
+      <a:lnRef idx="2">
+        <a:scrgbClr r="0" g="0" b="0"/>
+      </a:lnRef>
+      <a:fillRef idx="1">
+        <a:scrgbClr r="0" g="0" b="0"/>
+      </a:fillRef>
+      <a:effectRef idx="0">
+        <a:scrgbClr r="0" g="0" b="0"/>
+      </a:effectRef>
+      <a:fontRef idx="minor"/>
+    </dgm:style>
+  </dgm:styleLbl>
+  <dgm:styleLbl name="asst0">
+    <dgm:scene3d>
+      <a:camera prst="orthographicFront"/>
+      <a:lightRig rig="threePt" dir="t"/>
+    </dgm:scene3d>
+    <dgm:sp3d/>
+    <dgm:txPr/>
+    <dgm:style>
+      <a:lnRef idx="2">
+        <a:scrgbClr r="0" g="0" b="0"/>
+      </a:lnRef>
+      <a:fillRef idx="1">
+        <a:scrgbClr r="0" g="0" b="0"/>
+      </a:fillRef>
+      <a:effectRef idx="0">
+        <a:scrgbClr r="0" g="0" b="0"/>
+      </a:effectRef>
+      <a:fontRef idx="minor">
+        <a:schemeClr val="lt1"/>
+      </a:fontRef>
+    </dgm:style>
+  </dgm:styleLbl>
+  <dgm:styleLbl name="asst1">
+    <dgm:scene3d>
+      <a:camera prst="orthographicFront"/>
+      <a:lightRig rig="threePt" dir="t"/>
+    </dgm:scene3d>
+    <dgm:sp3d/>
+    <dgm:txPr/>
+    <dgm:style>
+      <a:lnRef idx="2">
+        <a:scrgbClr r="0" g="0" b="0"/>
+      </a:lnRef>
+      <a:fillRef idx="1">
+        <a:scrgbClr r="0" g="0" b="0"/>
+      </a:fillRef>
+      <a:effectRef idx="0">
+        <a:scrgbClr r="0" g="0" b="0"/>
+      </a:effectRef>
+      <a:fontRef idx="minor">
+        <a:schemeClr val="lt1"/>
+      </a:fontRef>
+    </dgm:style>
+  </dgm:styleLbl>
+  <dgm:styleLbl name="asst2">
+    <dgm:scene3d>
+      <a:camera prst="orthographicFront"/>
+      <a:lightRig rig="threePt" dir="t"/>
+    </dgm:scene3d>
+    <dgm:sp3d/>
+    <dgm:txPr/>
+    <dgm:style>
+      <a:lnRef idx="2">
+        <a:scrgbClr r="0" g="0" b="0"/>
+      </a:lnRef>
+      <a:fillRef idx="1">
+        <a:scrgbClr r="0" g="0" b="0"/>
+      </a:fillRef>
+      <a:effectRef idx="0">
+        <a:scrgbClr r="0" g="0" b="0"/>
+      </a:effectRef>
+      <a:fontRef idx="minor">
+        <a:schemeClr val="lt1"/>
+      </a:fontRef>
+    </dgm:style>
+  </dgm:styleLbl>
+  <dgm:styleLbl name="asst3">
+    <dgm:scene3d>
+      <a:camera prst="orthographicFront"/>
+      <a:lightRig rig="threePt" dir="t"/>
+    </dgm:scene3d>
+    <dgm:sp3d/>
+    <dgm:txPr/>
+    <dgm:style>
+      <a:lnRef idx="2">
+        <a:scrgbClr r="0" g="0" b="0"/>
+      </a:lnRef>
+      <a:fillRef idx="1">
+        <a:scrgbClr r="0" g="0" b="0"/>
+      </a:fillRef>
+      <a:effectRef idx="0">
+        <a:scrgbClr r="0" g="0" b="0"/>
+      </a:effectRef>
+      <a:fontRef idx="minor">
+        <a:schemeClr val="lt1"/>
+      </a:fontRef>
+    </dgm:style>
+  </dgm:styleLbl>
+  <dgm:styleLbl name="asst4">
+    <dgm:scene3d>
+      <a:camera prst="orthographicFront"/>
+      <a:lightRig rig="threePt" dir="t"/>
+    </dgm:scene3d>
+    <dgm:sp3d/>
+    <dgm:txPr/>
+    <dgm:style>
+      <a:lnRef idx="2">
+        <a:scrgbClr r="0" g="0" b="0"/>
+      </a:lnRef>
+      <a:fillRef idx="1">
+        <a:scrgbClr r="0" g="0" b="0"/>
+      </a:fillRef>
+      <a:effectRef idx="0">
+        <a:scrgbClr r="0" g="0" b="0"/>
+      </a:effectRef>
+      <a:fontRef idx="minor">
+        <a:schemeClr val="lt1"/>
+      </a:fontRef>
+    </dgm:style>
+  </dgm:styleLbl>
+  <dgm:styleLbl name="parChTrans2D1">
+    <dgm:scene3d>
+      <a:camera prst="orthographicFront"/>
+      <a:lightRig rig="threePt" dir="t"/>
+    </dgm:scene3d>
+    <dgm:sp3d/>
+    <dgm:txPr/>
+    <dgm:style>
+      <a:lnRef idx="2">
+        <a:scrgbClr r="0" g="0" b="0"/>
+      </a:lnRef>
+      <a:fillRef idx="1">
+        <a:scrgbClr r="0" g="0" b="0"/>
+      </a:fillRef>
+      <a:effectRef idx="0">
+        <a:scrgbClr r="0" g="0" b="0"/>
+      </a:effectRef>
+      <a:fontRef idx="minor">
+        <a:schemeClr val="lt1"/>
+      </a:fontRef>
+    </dgm:style>
+  </dgm:styleLbl>
+  <dgm:styleLbl name="parChTrans2D2">
+    <dgm:scene3d>
+      <a:camera prst="orthographicFront"/>
+      <a:lightRig rig="threePt" dir="t"/>
+    </dgm:scene3d>
+    <dgm:sp3d/>
+    <dgm:txPr/>
+    <dgm:style>
+      <a:lnRef idx="2">
+        <a:scrgbClr r="0" g="0" b="0"/>
+      </a:lnRef>
+      <a:fillRef idx="1">
+        <a:scrgbClr r="0" g="0" b="0"/>
+      </a:fillRef>
+      <a:effectRef idx="0">
+        <a:scrgbClr r="0" g="0" b="0"/>
+      </a:effectRef>
+      <a:fontRef idx="minor">
+        <a:schemeClr val="lt1"/>
+      </a:fontRef>
+    </dgm:style>
+  </dgm:styleLbl>
+  <dgm:styleLbl name="parChTrans2D3">
+    <dgm:scene3d>
+      <a:camera prst="orthographicFront"/>
+      <a:lightRig rig="threePt" dir="t"/>
+    </dgm:scene3d>
+    <dgm:sp3d/>
+    <dgm:txPr/>
+    <dgm:style>
+      <a:lnRef idx="2">
+        <a:scrgbClr r="0" g="0" b="0"/>
+      </a:lnRef>
+      <a:fillRef idx="1">
+        <a:scrgbClr r="0" g="0" b="0"/>
+      </a:fillRef>
+      <a:effectRef idx="0">
+        <a:scrgbClr r="0" g="0" b="0"/>
+      </a:effectRef>
+      <a:fontRef idx="minor">
+        <a:schemeClr val="lt1"/>
+      </a:fontRef>
+    </dgm:style>
+  </dgm:styleLbl>
+  <dgm:styleLbl name="parChTrans2D4">
+    <dgm:scene3d>
+      <a:camera prst="orthographicFront"/>
+      <a:lightRig rig="threePt" dir="t"/>
+    </dgm:scene3d>
+    <dgm:sp3d/>
+    <dgm:txPr/>
+    <dgm:style>
+      <a:lnRef idx="2">
+        <a:scrgbClr r="0" g="0" b="0"/>
+      </a:lnRef>
+      <a:fillRef idx="1">
+        <a:scrgbClr r="0" g="0" b="0"/>
+      </a:fillRef>
+      <a:effectRef idx="0">
+        <a:scrgbClr r="0" g="0" b="0"/>
+      </a:effectRef>
+      <a:fontRef idx="minor">
+        <a:schemeClr val="lt1"/>
+      </a:fontRef>
+    </dgm:style>
+  </dgm:styleLbl>
+  <dgm:styleLbl name="parChTrans1D1">
+    <dgm:scene3d>
+      <a:camera prst="orthographicFront"/>
+      <a:lightRig rig="threePt" dir="t"/>
+    </dgm:scene3d>
+    <dgm:sp3d/>
+    <dgm:txPr/>
+    <dgm:style>
+      <a:lnRef idx="2">
+        <a:scrgbClr r="0" g="0" b="0"/>
+      </a:lnRef>
+      <a:fillRef idx="0">
+        <a:scrgbClr r="0" g="0" b="0"/>
+      </a:fillRef>
+      <a:effectRef idx="0">
+        <a:scrgbClr r="0" g="0" b="0"/>
+      </a:effectRef>
+      <a:fontRef idx="minor"/>
+    </dgm:style>
+  </dgm:styleLbl>
+  <dgm:styleLbl name="parChTrans1D2">
+    <dgm:scene3d>
+      <a:camera prst="orthographicFront"/>
+      <a:lightRig rig="threePt" dir="t"/>
+    </dgm:scene3d>
+    <dgm:sp3d/>
+    <dgm:txPr/>
+    <dgm:style>
+      <a:lnRef idx="2">
+        <a:scrgbClr r="0" g="0" b="0"/>
+      </a:lnRef>
+      <a:fillRef idx="0">
+        <a:scrgbClr r="0" g="0" b="0"/>
+      </a:fillRef>
+      <a:effectRef idx="0">
+        <a:scrgbClr r="0" g="0" b="0"/>
+      </a:effectRef>
+      <a:fontRef idx="minor"/>
+    </dgm:style>
+  </dgm:styleLbl>
+  <dgm:styleLbl name="parChTrans1D3">
+    <dgm:scene3d>
+      <a:camera prst="orthographicFront"/>
+      <a:lightRig rig="threePt" dir="t"/>
+    </dgm:scene3d>
+    <dgm:sp3d/>
+    <dgm:txPr/>
+    <dgm:style>
+      <a:lnRef idx="2">
+        <a:scrgbClr r="0" g="0" b="0"/>
+      </a:lnRef>
+      <a:fillRef idx="0">
+        <a:scrgbClr r="0" g="0" b="0"/>
+      </a:fillRef>
+      <a:effectRef idx="0">
+        <a:scrgbClr r="0" g="0" b="0"/>
+      </a:effectRef>
+      <a:fontRef idx="minor"/>
+    </dgm:style>
+  </dgm:styleLbl>
+  <dgm:styleLbl name="parChTrans1D4">
+    <dgm:scene3d>
+      <a:camera prst="orthographicFront"/>
+      <a:lightRig rig="threePt" dir="t"/>
+    </dgm:scene3d>
+    <dgm:sp3d/>
+    <dgm:txPr/>
+    <dgm:style>
+      <a:lnRef idx="2">
+        <a:scrgbClr r="0" g="0" b="0"/>
+      </a:lnRef>
+      <a:fillRef idx="0">
+        <a:scrgbClr r="0" g="0" b="0"/>
+      </a:fillRef>
+      <a:effectRef idx="0">
+        <a:scrgbClr r="0" g="0" b="0"/>
+      </a:effectRef>
+      <a:fontRef idx="minor"/>
+    </dgm:style>
+  </dgm:styleLbl>
+  <dgm:styleLbl name="fgAcc1">
+    <dgm:scene3d>
+      <a:camera prst="orthographicFront"/>
+      <a:lightRig rig="threePt" dir="t"/>
+    </dgm:scene3d>
+    <dgm:sp3d/>
+    <dgm:txPr/>
+    <dgm:style>
+      <a:lnRef idx="2">
+        <a:scrgbClr r="0" g="0" b="0"/>
+      </a:lnRef>
+      <a:fillRef idx="1">
+        <a:scrgbClr r="0" g="0" b="0"/>
+      </a:fillRef>
+      <a:effectRef idx="0">
+        <a:scrgbClr r="0" g="0" b="0"/>
+      </a:effectRef>
+      <a:fontRef idx="minor"/>
+    </dgm:style>
+  </dgm:styleLbl>
+  <dgm:styleLbl name="conFgAcc1">
+    <dgm:scene3d>
+      <a:camera prst="orthographicFront"/>
+      <a:lightRig rig="threePt" dir="t"/>
+    </dgm:scene3d>
+    <dgm:sp3d/>
+    <dgm:txPr/>
+    <dgm:style>
+      <a:lnRef idx="2">
+        <a:scrgbClr r="0" g="0" b="0"/>
+      </a:lnRef>
+      <a:fillRef idx="1">
+        <a:scrgbClr r="0" g="0" b="0"/>
+      </a:fillRef>
+      <a:effectRef idx="0">
+        <a:scrgbClr r="0" g="0" b="0"/>
+      </a:effectRef>
+      <a:fontRef idx="minor"/>
+    </dgm:style>
+  </dgm:styleLbl>
+  <dgm:styleLbl name="alignAcc1">
+    <dgm:scene3d>
+      <a:camera prst="orthographicFront"/>
+      <a:lightRig rig="threePt" dir="t"/>
+    </dgm:scene3d>
+    <dgm:sp3d/>
+    <dgm:txPr/>
+    <dgm:style>
+      <a:lnRef idx="2">
+        <a:scrgbClr r="0" g="0" b="0"/>
+      </a:lnRef>
+      <a:fillRef idx="1">
+        <a:scrgbClr r="0" g="0" b="0"/>
+      </a:fillRef>
+      <a:effectRef idx="0">
+        <a:scrgbClr r="0" g="0" b="0"/>
+      </a:effectRef>
+      <a:fontRef idx="minor"/>
+    </dgm:style>
+  </dgm:styleLbl>
+  <dgm:styleLbl name="trAlignAcc1">
+    <dgm:scene3d>
+      <a:camera prst="orthographicFront"/>
+      <a:lightRig rig="threePt" dir="t"/>
+    </dgm:scene3d>
+    <dgm:sp3d/>
+    <dgm:txPr/>
+    <dgm:style>
+      <a:lnRef idx="1">
+        <a:scrgbClr r="0" g="0" b="0"/>
+      </a:lnRef>
+      <a:fillRef idx="1">
+        <a:scrgbClr r="0" g="0" b="0"/>
+      </a:fillRef>
+      <a:effectRef idx="0">
+        <a:scrgbClr r="0" g="0" b="0"/>
+      </a:effectRef>
+      <a:fontRef idx="minor"/>
+    </dgm:style>
+  </dgm:styleLbl>
+  <dgm:styleLbl name="bgAcc1">
+    <dgm:scene3d>
+      <a:camera prst="orthographicFront"/>
+      <a:lightRig rig="threePt" dir="t"/>
+    </dgm:scene3d>
+    <dgm:sp3d/>
+    <dgm:txPr/>
+    <dgm:style>
+      <a:lnRef idx="2">
+        <a:scrgbClr r="0" g="0" b="0"/>
+      </a:lnRef>
+      <a:fillRef idx="1">
+        <a:scrgbClr r="0" g="0" b="0"/>
+      </a:fillRef>
+      <a:effectRef idx="0">
+        <a:scrgbClr r="0" g="0" b="0"/>
+      </a:effectRef>
+      <a:fontRef idx="minor"/>
+    </dgm:style>
+  </dgm:styleLbl>
+  <dgm:styleLbl name="solidFgAcc1">
+    <dgm:scene3d>
+      <a:camera prst="orthographicFront"/>
+      <a:lightRig rig="threePt" dir="t"/>
+    </dgm:scene3d>
+    <dgm:sp3d/>
+    <dgm:txPr/>
+    <dgm:style>
+      <a:lnRef idx="2">
+        <a:scrgbClr r="0" g="0" b="0"/>
+      </a:lnRef>
+      <a:fillRef idx="1">
+        <a:scrgbClr r="0" g="0" b="0"/>
+      </a:fillRef>
+      <a:effectRef idx="0">
+        <a:scrgbClr r="0" g="0" b="0"/>
+      </a:effectRef>
+      <a:fontRef idx="minor"/>
+    </dgm:style>
+  </dgm:styleLbl>
+  <dgm:styleLbl name="solidAlignAcc1">
+    <dgm:scene3d>
+      <a:camera prst="orthographicFront"/>
+      <a:lightRig rig="threePt" dir="t"/>
+    </dgm:scene3d>
+    <dgm:sp3d/>
+    <dgm:txPr/>
+    <dgm:style>
+      <a:lnRef idx="2">
+        <a:scrgbClr r="0" g="0" b="0"/>
+      </a:lnRef>
+      <a:fillRef idx="1">
+        <a:scrgbClr r="0" g="0" b="0"/>
+      </a:fillRef>
+      <a:effectRef idx="0">
+        <a:scrgbClr r="0" g="0" b="0"/>
+      </a:effectRef>
+      <a:fontRef idx="minor"/>
+    </dgm:style>
+  </dgm:styleLbl>
+  <dgm:styleLbl name="solidBgAcc1">
+    <dgm:scene3d>
+      <a:camera prst="orthographicFront"/>
+      <a:lightRig rig="threePt" dir="t"/>
+    </dgm:scene3d>
+    <dgm:sp3d/>
+    <dgm:txPr/>
+    <dgm:style>
+      <a:lnRef idx="2">
+        <a:scrgbClr r="0" g="0" b="0"/>
+      </a:lnRef>
+      <a:fillRef idx="1">
+        <a:scrgbClr r="0" g="0" b="0"/>
+      </a:fillRef>
+      <a:effectRef idx="0">
+        <a:scrgbClr r="0" g="0" b="0"/>
+      </a:effectRef>
+      <a:fontRef idx="minor"/>
+    </dgm:style>
+  </dgm:styleLbl>
+  <dgm:styleLbl name="fgAccFollowNode1">
+    <dgm:scene3d>
+      <a:camera prst="orthographicFront"/>
+      <a:lightRig rig="threePt" dir="t"/>
+    </dgm:scene3d>
+    <dgm:sp3d/>
+    <dgm:txPr/>
+    <dgm:style>
+      <a:lnRef idx="2">
+        <a:scrgbClr r="0" g="0" b="0"/>
+      </a:lnRef>
+      <a:fillRef idx="1">
+        <a:scrgbClr r="0" g="0" b="0"/>
+      </a:fillRef>
+      <a:effectRef idx="0">
+        <a:scrgbClr r="0" g="0" b="0"/>
+      </a:effectRef>
+      <a:fontRef idx="minor"/>
+    </dgm:style>
+  </dgm:styleLbl>
+  <dgm:styleLbl name="alignAccFollowNode1">
+    <dgm:scene3d>
+      <a:camera prst="orthographicFront"/>
+      <a:lightRig rig="threePt" dir="t"/>
+    </dgm:scene3d>
+    <dgm:sp3d/>
+    <dgm:txPr/>
+    <dgm:style>
+      <a:lnRef idx="2">
+        <a:scrgbClr r="0" g="0" b="0"/>
+      </a:lnRef>
+      <a:fillRef idx="1">
+        <a:scrgbClr r="0" g="0" b="0"/>
+      </a:fillRef>
+      <a:effectRef idx="0">
+        <a:scrgbClr r="0" g="0" b="0"/>
+      </a:effectRef>
+      <a:fontRef idx="minor"/>
+    </dgm:style>
+  </dgm:styleLbl>
+  <dgm:styleLbl name="bgAccFollowNode1">
+    <dgm:scene3d>
+      <a:camera prst="orthographicFront"/>
+      <a:lightRig rig="threePt" dir="t"/>
+    </dgm:scene3d>
+    <dgm:sp3d/>
+    <dgm:txPr/>
+    <dgm:style>
+      <a:lnRef idx="2">
+        <a:scrgbClr r="0" g="0" b="0"/>
+      </a:lnRef>
+      <a:fillRef idx="1">
+        <a:scrgbClr r="0" g="0" b="0"/>
+      </a:fillRef>
+      <a:effectRef idx="0">
+        <a:scrgbClr r="0" g="0" b="0"/>
+      </a:effectRef>
+      <a:fontRef idx="minor"/>
+    </dgm:style>
+  </dgm:styleLbl>
+  <dgm:styleLbl name="fgAcc0">
+    <dgm:scene3d>
+      <a:camera prst="orthographicFront"/>
+      <a:lightRig rig="threePt" dir="t"/>
+    </dgm:scene3d>
+    <dgm:sp3d/>
+    <dgm:txPr/>
+    <dgm:style>
+      <a:lnRef idx="2">
+        <a:scrgbClr r="0" g="0" b="0"/>
+      </a:lnRef>
+      <a:fillRef idx="1">
+        <a:scrgbClr r="0" g="0" b="0"/>
+      </a:fillRef>
+      <a:effectRef idx="0">
+        <a:scrgbClr r="0" g="0" b="0"/>
+      </a:effectRef>
+      <a:fontRef idx="minor"/>
+    </dgm:style>
+  </dgm:styleLbl>
+  <dgm:styleLbl name="fgAcc2">
+    <dgm:scene3d>
+      <a:camera prst="orthographicFront"/>
+      <a:lightRig rig="threePt" dir="t"/>
+    </dgm:scene3d>
+    <dgm:sp3d/>
+    <dgm:txPr/>
+    <dgm:style>
+      <a:lnRef idx="2">
+        <a:scrgbClr r="0" g="0" b="0"/>
+      </a:lnRef>
+      <a:fillRef idx="1">
+        <a:scrgbClr r="0" g="0" b="0"/>
+      </a:fillRef>
+      <a:effectRef idx="0">
+        <a:scrgbClr r="0" g="0" b="0"/>
+      </a:effectRef>
+      <a:fontRef idx="minor"/>
+    </dgm:style>
+  </dgm:styleLbl>
+  <dgm:styleLbl name="fgAcc3">
+    <dgm:scene3d>
+      <a:camera prst="orthographicFront"/>
+      <a:lightRig rig="threePt" dir="t"/>
+    </dgm:scene3d>
+    <dgm:sp3d/>
+    <dgm:txPr/>
+    <dgm:style>
+      <a:lnRef idx="2">
+        <a:scrgbClr r="0" g="0" b="0"/>
+      </a:lnRef>
+      <a:fillRef idx="1">
+        <a:scrgbClr r="0" g="0" b="0"/>
+      </a:fillRef>
+      <a:effectRef idx="0">
+        <a:scrgbClr r="0" g="0" b="0"/>
+      </a:effectRef>
+      <a:fontRef idx="minor"/>
+    </dgm:style>
+  </dgm:styleLbl>
+  <dgm:styleLbl name="fgAcc4">
+    <dgm:scene3d>
+      <a:camera prst="orthographicFront"/>
+      <a:lightRig rig="threePt" dir="t"/>
+    </dgm:scene3d>
+    <dgm:sp3d/>
+    <dgm:txPr/>
+    <dgm:style>
+      <a:lnRef idx="2">
+        <a:scrgbClr r="0" g="0" b="0"/>
+      </a:lnRef>
+      <a:fillRef idx="1">
+        <a:scrgbClr r="0" g="0" b="0"/>
+      </a:fillRef>
+      <a:effectRef idx="0">
+        <a:scrgbClr r="0" g="0" b="0"/>
+      </a:effectRef>
+      <a:fontRef idx="minor"/>
+    </dgm:style>
+  </dgm:styleLbl>
+  <dgm:styleLbl name="bgShp">
+    <dgm:scene3d>
+      <a:camera prst="orthographicFront"/>
+      <a:lightRig rig="threePt" dir="t"/>
+    </dgm:scene3d>
+    <dgm:sp3d/>
+    <dgm:txPr/>
+    <dgm:style>
+      <a:lnRef idx="0">
+        <a:scrgbClr r="0" g="0" b="0"/>
+      </a:lnRef>
+      <a:fillRef idx="1">
+        <a:scrgbClr r="0" g="0" b="0"/>
+      </a:fillRef>
+      <a:effectRef idx="0">
+        <a:scrgbClr r="0" g="0" b="0"/>
+      </a:effectRef>
+      <a:fontRef idx="minor"/>
+    </dgm:style>
+  </dgm:styleLbl>
+  <dgm:styleLbl name="dkBgShp">
+    <dgm:scene3d>
+      <a:camera prst="orthographicFront"/>
+      <a:lightRig rig="threePt" dir="t"/>
+    </dgm:scene3d>
+    <dgm:sp3d/>
+    <dgm:txPr/>
+    <dgm:style>
+      <a:lnRef idx="0">
+        <a:scrgbClr r="0" g="0" b="0"/>
+      </a:lnRef>
+      <a:fillRef idx="1">
+        <a:scrgbClr r="0" g="0" b="0"/>
+      </a:fillRef>
+      <a:effectRef idx="0">
+        <a:scrgbClr r="0" g="0" b="0"/>
+      </a:effectRef>
+      <a:fontRef idx="minor"/>
+    </dgm:style>
+  </dgm:styleLbl>
+  <dgm:styleLbl name="trBgShp">
+    <dgm:scene3d>
+      <a:camera prst="orthographicFront"/>
+      <a:lightRig rig="threePt" dir="t"/>
+    </dgm:scene3d>
+    <dgm:sp3d/>
+    <dgm:txPr/>
+    <dgm:style>
+      <a:lnRef idx="0">
+        <a:scrgbClr r="0" g="0" b="0"/>
+      </a:lnRef>
+      <a:fillRef idx="1">
+        <a:scrgbClr r="0" g="0" b="0"/>
+      </a:fillRef>
+      <a:effectRef idx="0">
+        <a:scrgbClr r="0" g="0" b="0"/>
+      </a:effectRef>
+      <a:fontRef idx="minor"/>
+    </dgm:style>
+  </dgm:styleLbl>
+  <dgm:styleLbl name="fgShp">
+    <dgm:scene3d>
+      <a:camera prst="orthographicFront"/>
+      <a:lightRig rig="threePt" dir="t"/>
+    </dgm:scene3d>
+    <dgm:sp3d/>
+    <dgm:txPr/>
+    <dgm:style>
+      <a:lnRef idx="2">
+        <a:scrgbClr r="0" g="0" b="0"/>
+      </a:lnRef>
+      <a:fillRef idx="1">
+        <a:scrgbClr r="0" g="0" b="0"/>
+      </a:fillRef>
+      <a:effectRef idx="0">
+        <a:scrgbClr r="0" g="0" b="0"/>
+      </a:effectRef>
+      <a:fontRef idx="minor"/>
+    </dgm:style>
+  </dgm:styleLbl>
+  <dgm:styleLbl name="revTx">
+    <dgm:scene3d>
+      <a:camera prst="orthographicFront"/>
+      <a:lightRig rig="threePt" dir="t"/>
+    </dgm:scene3d>
+    <dgm:sp3d/>
+    <dgm:txPr/>
+    <dgm:style>
+      <a:lnRef idx="0">
+        <a:scrgbClr r="0" g="0" b="0"/>
+      </a:lnRef>
+      <a:fillRef idx="0">
+        <a:scrgbClr r="0" g="0" b="0"/>
+      </a:fillRef>
+      <a:effectRef idx="0">
+        <a:scrgbClr r="0" g="0" b="0"/>
+      </a:effectRef>
+      <a:fontRef idx="minor"/>
+    </dgm:style>
+  </dgm:styleLbl>
+</dgm:styleDef>
+</file>
+
 <file path=ppt/slideLayouts/slideLayout1.xml><?xml version="1.0" encoding="utf-8"?>
 <p:sldLayout xmlns:a="http://schemas.openxmlformats.org/drawingml/2006/main" xmlns:r="http://schemas.openxmlformats.org/officeDocument/2006/relationships" xmlns:p="http://schemas.openxmlformats.org/presentationml/2006/main" showMasterSp="0" type="title" preserve="1">
   <p:cSld name="Title Slide">
@@ -279,7 +3860,7 @@
           <a:p>
             <a:fld id="{1C8322F6-1C60-46CF-968C-BC20E470F443}" type="datetimeFigureOut">
               <a:rPr lang="en-US" smtClean="0"/>
-              <a:t>5/1/2025</a:t>
+              <a:t>5/2/2025</a:t>
             </a:fld>
             <a:endParaRPr lang="en-US"/>
           </a:p>
@@ -613,7 +4194,7 @@
           <a:p>
             <a:fld id="{1C8322F6-1C60-46CF-968C-BC20E470F443}" type="datetimeFigureOut">
               <a:rPr lang="en-US" smtClean="0"/>
-              <a:t>5/1/2025</a:t>
+              <a:t>5/2/2025</a:t>
             </a:fld>
             <a:endParaRPr lang="en-US"/>
           </a:p>
@@ -866,7 +4447,7 @@
           <a:p>
             <a:fld id="{1C8322F6-1C60-46CF-968C-BC20E470F443}" type="datetimeFigureOut">
               <a:rPr lang="en-US" smtClean="0"/>
-              <a:t>5/1/2025</a:t>
+              <a:t>5/2/2025</a:t>
             </a:fld>
             <a:endParaRPr lang="en-US"/>
           </a:p>
@@ -1200,7 +4781,7 @@
           <a:p>
             <a:fld id="{1C8322F6-1C60-46CF-968C-BC20E470F443}" type="datetimeFigureOut">
               <a:rPr lang="en-US" smtClean="0"/>
-              <a:t>5/1/2025</a:t>
+              <a:t>5/2/2025</a:t>
             </a:fld>
             <a:endParaRPr lang="en-US"/>
           </a:p>
@@ -1481,7 +5062,7 @@
           <a:p>
             <a:fld id="{1C8322F6-1C60-46CF-968C-BC20E470F443}" type="datetimeFigureOut">
               <a:rPr lang="en-US" smtClean="0"/>
-              <a:t>5/1/2025</a:t>
+              <a:t>5/2/2025</a:t>
             </a:fld>
             <a:endParaRPr lang="en-US"/>
           </a:p>
@@ -1883,7 +5464,7 @@
           <a:p>
             <a:fld id="{1C8322F6-1C60-46CF-968C-BC20E470F443}" type="datetimeFigureOut">
               <a:rPr lang="en-US" smtClean="0"/>
-              <a:t>5/1/2025</a:t>
+              <a:t>5/2/2025</a:t>
             </a:fld>
             <a:endParaRPr lang="en-US"/>
           </a:p>
@@ -2344,7 +5925,7 @@
           <a:p>
             <a:fld id="{1C8322F6-1C60-46CF-968C-BC20E470F443}" type="datetimeFigureOut">
               <a:rPr lang="en-US" smtClean="0"/>
-              <a:t>5/1/2025</a:t>
+              <a:t>5/2/2025</a:t>
             </a:fld>
             <a:endParaRPr lang="en-US"/>
           </a:p>
@@ -2577,7 +6158,7 @@
           <a:p>
             <a:fld id="{1C8322F6-1C60-46CF-968C-BC20E470F443}" type="datetimeFigureOut">
               <a:rPr lang="en-US" smtClean="0"/>
-              <a:t>5/1/2025</a:t>
+              <a:t>5/2/2025</a:t>
             </a:fld>
             <a:endParaRPr lang="en-US"/>
           </a:p>
@@ -2776,7 +6357,7 @@
           <a:p>
             <a:fld id="{1C8322F6-1C60-46CF-968C-BC20E470F443}" type="datetimeFigureOut">
               <a:rPr lang="en-US" smtClean="0"/>
-              <a:t>5/1/2025</a:t>
+              <a:t>5/2/2025</a:t>
             </a:fld>
             <a:endParaRPr lang="en-US"/>
           </a:p>
@@ -3089,7 +6670,7 @@
           <a:p>
             <a:fld id="{1C8322F6-1C60-46CF-968C-BC20E470F443}" type="datetimeFigureOut">
               <a:rPr lang="en-US" smtClean="0"/>
-              <a:t>5/1/2025</a:t>
+              <a:t>5/2/2025</a:t>
             </a:fld>
             <a:endParaRPr lang="en-US"/>
           </a:p>
@@ -3553,7 +7134,7 @@
           <a:p>
             <a:fld id="{1C8322F6-1C60-46CF-968C-BC20E470F443}" type="datetimeFigureOut">
               <a:rPr lang="en-US" smtClean="0"/>
-              <a:t>5/1/2025</a:t>
+              <a:t>5/2/2025</a:t>
             </a:fld>
             <a:endParaRPr lang="en-US"/>
           </a:p>
@@ -3966,7 +7547,7 @@
           <a:p>
             <a:fld id="{1C8322F6-1C60-46CF-968C-BC20E470F443}" type="datetimeFigureOut">
               <a:rPr lang="en-US" smtClean="0"/>
-              <a:t>5/1/2025</a:t>
+              <a:t>5/2/2025</a:t>
             </a:fld>
             <a:endParaRPr lang="en-US"/>
           </a:p>
@@ -4499,6 +8080,2113 @@
 <file path=ppt/slides/slide1.xml><?xml version="1.0" encoding="utf-8"?>
 <p:sld xmlns:a="http://schemas.openxmlformats.org/drawingml/2006/main" xmlns:r="http://schemas.openxmlformats.org/officeDocument/2006/relationships" xmlns:p="http://schemas.openxmlformats.org/presentationml/2006/main">
   <p:cSld>
+    <p:spTree>
+      <p:nvGrpSpPr>
+        <p:cNvPr id="1" name=""/>
+        <p:cNvGrpSpPr/>
+        <p:nvPr/>
+      </p:nvGrpSpPr>
+      <p:grpSpPr>
+        <a:xfrm>
+          <a:off x="0" y="0"/>
+          <a:ext cx="0" cy="0"/>
+          <a:chOff x="0" y="0"/>
+          <a:chExt cx="0" cy="0"/>
+        </a:xfrm>
+      </p:grpSpPr>
+      <p:sp>
+        <p:nvSpPr>
+          <p:cNvPr id="2" name="Title 1">
+            <a:extLst>
+              <a:ext uri="{FF2B5EF4-FFF2-40B4-BE49-F238E27FC236}">
+                <a16:creationId xmlns:a16="http://schemas.microsoft.com/office/drawing/2014/main" id="{ABB7FFB7-2B8C-C045-A479-C5E80A23140E}"/>
+              </a:ext>
+            </a:extLst>
+          </p:cNvPr>
+          <p:cNvSpPr>
+            <a:spLocks noGrp="1"/>
+          </p:cNvSpPr>
+          <p:nvPr>
+            <p:ph type="title"/>
+          </p:nvPr>
+        </p:nvSpPr>
+        <p:spPr/>
+        <p:txBody>
+          <a:bodyPr/>
+          <a:lstStyle/>
+          <a:p>
+            <a:endParaRPr lang="en-US"/>
+          </a:p>
+        </p:txBody>
+      </p:sp>
+      <p:graphicFrame>
+        <p:nvGraphicFramePr>
+          <p:cNvPr id="7" name="Content Placeholder 2">
+            <a:extLst>
+              <a:ext uri="{FF2B5EF4-FFF2-40B4-BE49-F238E27FC236}">
+                <a16:creationId xmlns:a16="http://schemas.microsoft.com/office/drawing/2014/main" id="{98D09CF4-ECAE-9120-F83B-19682E18672D}"/>
+              </a:ext>
+            </a:extLst>
+          </p:cNvPr>
+          <p:cNvGraphicFramePr>
+            <a:graphicFrameLocks noGrp="1"/>
+          </p:cNvGraphicFramePr>
+          <p:nvPr>
+            <p:ph idx="1"/>
+          </p:nvPr>
+        </p:nvGraphicFramePr>
+        <p:xfrm>
+          <a:off x="571499" y="2075688"/>
+          <a:ext cx="11059811" cy="3910987"/>
+        </p:xfrm>
+        <a:graphic>
+          <a:graphicData uri="http://schemas.openxmlformats.org/drawingml/2006/diagram">
+            <dgm:relIds xmlns:dgm="http://schemas.openxmlformats.org/drawingml/2006/diagram" xmlns:r="http://schemas.openxmlformats.org/officeDocument/2006/relationships" r:dm="rId2" r:lo="rId3" r:qs="rId4" r:cs="rId5"/>
+          </a:graphicData>
+        </a:graphic>
+      </p:graphicFrame>
+    </p:spTree>
+    <p:extLst>
+      <p:ext uri="{BB962C8B-B14F-4D97-AF65-F5344CB8AC3E}">
+        <p14:creationId xmlns:p14="http://schemas.microsoft.com/office/powerpoint/2010/main" val="2532299521"/>
+      </p:ext>
+    </p:extLst>
+  </p:cSld>
+  <p:clrMapOvr>
+    <a:masterClrMapping/>
+  </p:clrMapOvr>
+</p:sld>
+</file>
+
+<file path=ppt/slides/slide10.xml><?xml version="1.0" encoding="utf-8"?>
+<p:sld xmlns:a="http://schemas.openxmlformats.org/drawingml/2006/main" xmlns:r="http://schemas.openxmlformats.org/officeDocument/2006/relationships" xmlns:p="http://schemas.openxmlformats.org/presentationml/2006/main">
+  <p:cSld>
+    <p:bg>
+      <p:bgPr>
+        <a:solidFill>
+          <a:schemeClr val="bg2"/>
+        </a:solidFill>
+        <a:effectLst/>
+      </p:bgPr>
+    </p:bg>
+    <p:spTree>
+      <p:nvGrpSpPr>
+        <p:cNvPr id="1" name=""/>
+        <p:cNvGrpSpPr/>
+        <p:nvPr/>
+      </p:nvGrpSpPr>
+      <p:grpSpPr>
+        <a:xfrm>
+          <a:off x="0" y="0"/>
+          <a:ext cx="0" cy="0"/>
+          <a:chOff x="0" y="0"/>
+          <a:chExt cx="0" cy="0"/>
+        </a:xfrm>
+      </p:grpSpPr>
+      <p:cxnSp>
+        <p:nvCxnSpPr>
+          <p:cNvPr id="27" name="Straight Connector 26">
+            <a:extLst>
+              <a:ext uri="{FF2B5EF4-FFF2-40B4-BE49-F238E27FC236}">
+                <a16:creationId xmlns:a16="http://schemas.microsoft.com/office/drawing/2014/main" id="{A240FCEE-B6E2-46D0-9BB0-F45F79545E9D}"/>
+              </a:ext>
+              <a:ext uri="{C183D7F6-B498-43B3-948B-1728B52AA6E4}">
+                <adec:decorative xmlns:adec="http://schemas.microsoft.com/office/drawing/2017/decorative" val="1"/>
+              </a:ext>
+            </a:extLst>
+          </p:cNvPr>
+          <p:cNvCxnSpPr>
+            <a:cxnSpLocks noGrp="1" noRot="1" noChangeAspect="1" noMove="1" noResize="1" noEditPoints="1" noAdjustHandles="1" noChangeArrowheads="1" noChangeShapeType="1"/>
+          </p:cNvCxnSpPr>
+          <p:nvPr>
+            <p:extLst>
+              <p:ext uri="{386F3935-93C4-4BCD-93E2-E3B085C9AB24}">
+                <p16:designElem xmlns:p16="http://schemas.microsoft.com/office/powerpoint/2015/main" val="1"/>
+              </p:ext>
+            </p:extLst>
+          </p:nvPr>
+        </p:nvCxnSpPr>
+        <p:spPr>
+          <a:xfrm flipH="1">
+            <a:off x="571501" y="571500"/>
+            <a:ext cx="11059811" cy="0"/>
+          </a:xfrm>
+          <a:prstGeom prst="line">
+            <a:avLst/>
+          </a:prstGeom>
+          <a:ln>
+            <a:solidFill>
+              <a:schemeClr val="tx1"/>
+            </a:solidFill>
+          </a:ln>
+        </p:spPr>
+        <p:style>
+          <a:lnRef idx="1">
+            <a:schemeClr val="accent1"/>
+          </a:lnRef>
+          <a:fillRef idx="0">
+            <a:schemeClr val="accent1"/>
+          </a:fillRef>
+          <a:effectRef idx="0">
+            <a:schemeClr val="accent1"/>
+          </a:effectRef>
+          <a:fontRef idx="minor">
+            <a:schemeClr val="tx1"/>
+          </a:fontRef>
+        </p:style>
+      </p:cxnSp>
+      <p:cxnSp>
+        <p:nvCxnSpPr>
+          <p:cNvPr id="29" name="Straight Connector 28">
+            <a:extLst>
+              <a:ext uri="{FF2B5EF4-FFF2-40B4-BE49-F238E27FC236}">
+                <a16:creationId xmlns:a16="http://schemas.microsoft.com/office/drawing/2014/main" id="{3BD2FB83-3783-4477-80B5-DA5BF10BAF57}"/>
+              </a:ext>
+              <a:ext uri="{C183D7F6-B498-43B3-948B-1728B52AA6E4}">
+                <adec:decorative xmlns:adec="http://schemas.microsoft.com/office/drawing/2017/decorative" val="1"/>
+              </a:ext>
+            </a:extLst>
+          </p:cNvPr>
+          <p:cNvCxnSpPr>
+            <a:cxnSpLocks noGrp="1" noRot="1" noChangeAspect="1" noMove="1" noResize="1" noEditPoints="1" noAdjustHandles="1" noChangeArrowheads="1" noChangeShapeType="1"/>
+          </p:cNvCxnSpPr>
+          <p:nvPr>
+            <p:extLst>
+              <p:ext uri="{386F3935-93C4-4BCD-93E2-E3B085C9AB24}">
+                <p16:designElem xmlns:p16="http://schemas.microsoft.com/office/powerpoint/2015/main" val="1"/>
+              </p:ext>
+            </p:extLst>
+          </p:nvPr>
+        </p:nvCxnSpPr>
+        <p:spPr>
+          <a:xfrm>
+            <a:off x="7742482" y="571500"/>
+            <a:ext cx="0" cy="5715000"/>
+          </a:xfrm>
+          <a:prstGeom prst="line">
+            <a:avLst/>
+          </a:prstGeom>
+          <a:ln>
+            <a:solidFill>
+              <a:schemeClr val="tx1"/>
+            </a:solidFill>
+          </a:ln>
+        </p:spPr>
+        <p:style>
+          <a:lnRef idx="1">
+            <a:schemeClr val="accent1"/>
+          </a:lnRef>
+          <a:fillRef idx="0">
+            <a:schemeClr val="accent1"/>
+          </a:fillRef>
+          <a:effectRef idx="0">
+            <a:schemeClr val="accent1"/>
+          </a:effectRef>
+          <a:fontRef idx="minor">
+            <a:schemeClr val="tx1"/>
+          </a:fontRef>
+        </p:style>
+      </p:cxnSp>
+      <p:cxnSp>
+        <p:nvCxnSpPr>
+          <p:cNvPr id="31" name="Straight Connector 30">
+            <a:extLst>
+              <a:ext uri="{FF2B5EF4-FFF2-40B4-BE49-F238E27FC236}">
+                <a16:creationId xmlns:a16="http://schemas.microsoft.com/office/drawing/2014/main" id="{E83EA203-71D5-49C0-9626-FFA8E46787B0}"/>
+              </a:ext>
+              <a:ext uri="{C183D7F6-B498-43B3-948B-1728B52AA6E4}">
+                <adec:decorative xmlns:adec="http://schemas.microsoft.com/office/drawing/2017/decorative" val="1"/>
+              </a:ext>
+            </a:extLst>
+          </p:cNvPr>
+          <p:cNvCxnSpPr>
+            <a:cxnSpLocks noGrp="1" noRot="1" noChangeAspect="1" noMove="1" noResize="1" noEditPoints="1" noAdjustHandles="1" noChangeArrowheads="1" noChangeShapeType="1"/>
+          </p:cNvCxnSpPr>
+          <p:nvPr>
+            <p:extLst>
+              <p:ext uri="{386F3935-93C4-4BCD-93E2-E3B085C9AB24}">
+                <p16:designElem xmlns:p16="http://schemas.microsoft.com/office/powerpoint/2015/main" val="1"/>
+              </p:ext>
+            </p:extLst>
+          </p:nvPr>
+        </p:nvCxnSpPr>
+        <p:spPr>
+          <a:xfrm flipH="1">
+            <a:off x="577485" y="6283518"/>
+            <a:ext cx="11059811" cy="0"/>
+          </a:xfrm>
+          <a:prstGeom prst="line">
+            <a:avLst/>
+          </a:prstGeom>
+          <a:ln>
+            <a:solidFill>
+              <a:schemeClr val="tx1"/>
+            </a:solidFill>
+          </a:ln>
+        </p:spPr>
+        <p:style>
+          <a:lnRef idx="1">
+            <a:schemeClr val="accent1"/>
+          </a:lnRef>
+          <a:fillRef idx="0">
+            <a:schemeClr val="accent1"/>
+          </a:fillRef>
+          <a:effectRef idx="0">
+            <a:schemeClr val="accent1"/>
+          </a:effectRef>
+          <a:fontRef idx="minor">
+            <a:schemeClr val="tx1"/>
+          </a:fontRef>
+        </p:style>
+      </p:cxnSp>
+      <p:sp useBgFill="1">
+        <p:nvSpPr>
+          <p:cNvPr id="33" name="Rectangle 32">
+            <a:extLst>
+              <a:ext uri="{FF2B5EF4-FFF2-40B4-BE49-F238E27FC236}">
+                <a16:creationId xmlns:a16="http://schemas.microsoft.com/office/drawing/2014/main" id="{D26BC87E-DCC8-4E66-972D-A587756DF30A}"/>
+              </a:ext>
+              <a:ext uri="{C183D7F6-B498-43B3-948B-1728B52AA6E4}">
+                <adec:decorative xmlns:adec="http://schemas.microsoft.com/office/drawing/2017/decorative" val="1"/>
+              </a:ext>
+            </a:extLst>
+          </p:cNvPr>
+          <p:cNvSpPr>
+            <a:spLocks noGrp="1" noRot="1" noChangeAspect="1" noMove="1" noResize="1" noEditPoints="1" noAdjustHandles="1" noChangeArrowheads="1" noChangeShapeType="1" noTextEdit="1"/>
+          </p:cNvSpPr>
+          <p:nvPr>
+            <p:extLst>
+              <p:ext uri="{386F3935-93C4-4BCD-93E2-E3B085C9AB24}">
+                <p16:designElem xmlns:p16="http://schemas.microsoft.com/office/powerpoint/2015/main" val="1"/>
+              </p:ext>
+            </p:extLst>
+          </p:nvPr>
+        </p:nvSpPr>
+        <p:spPr>
+          <a:xfrm>
+            <a:off x="-6782" y="0"/>
+            <a:ext cx="12198783" cy="6858000"/>
+          </a:xfrm>
+          <a:prstGeom prst="rect">
+            <a:avLst/>
+          </a:prstGeom>
+          <a:ln>
+            <a:noFill/>
+          </a:ln>
+        </p:spPr>
+        <p:style>
+          <a:lnRef idx="2">
+            <a:schemeClr val="accent1">
+              <a:shade val="50000"/>
+            </a:schemeClr>
+          </a:lnRef>
+          <a:fillRef idx="1">
+            <a:schemeClr val="accent1"/>
+          </a:fillRef>
+          <a:effectRef idx="0">
+            <a:schemeClr val="accent1"/>
+          </a:effectRef>
+          <a:fontRef idx="minor">
+            <a:schemeClr val="lt1"/>
+          </a:fontRef>
+        </p:style>
+        <p:txBody>
+          <a:bodyPr rtlCol="0" anchor="ctr"/>
+          <a:lstStyle/>
+          <a:p>
+            <a:pPr algn="ctr"/>
+            <a:endParaRPr lang="en-US"/>
+          </a:p>
+        </p:txBody>
+      </p:sp>
+      <p:sp>
+        <p:nvSpPr>
+          <p:cNvPr id="2" name="Title 1">
+            <a:extLst>
+              <a:ext uri="{FF2B5EF4-FFF2-40B4-BE49-F238E27FC236}">
+                <a16:creationId xmlns:a16="http://schemas.microsoft.com/office/drawing/2014/main" id="{14A8D8E0-FB43-CE4B-FB3A-5D2CE8A53E63}"/>
+              </a:ext>
+            </a:extLst>
+          </p:cNvPr>
+          <p:cNvSpPr>
+            <a:spLocks noGrp="1"/>
+          </p:cNvSpPr>
+          <p:nvPr>
+            <p:ph type="title"/>
+          </p:nvPr>
+        </p:nvSpPr>
+        <p:spPr>
+          <a:xfrm>
+            <a:off x="521208" y="822960"/>
+            <a:ext cx="3898392" cy="5049781"/>
+          </a:xfrm>
+        </p:spPr>
+        <p:txBody>
+          <a:bodyPr vert="horz" lIns="91440" tIns="45720" rIns="91440" bIns="45720" rtlCol="0" anchor="t">
+            <a:normAutofit/>
+          </a:bodyPr>
+          <a:lstStyle/>
+          <a:p>
+            <a:r>
+              <a:rPr lang="en-US" sz="2300" b="1" dirty="0"/>
+              <a:t>EDA: Price vs. Year of Manufacture</a:t>
+            </a:r>
+            <a:br>
+              <a:rPr lang="en-US" sz="2300" dirty="0"/>
+            </a:br>
+            <a:r>
+              <a:rPr lang="en-US" sz="2300" dirty="0"/>
+              <a:t>This slide presents a scatter plot of car prices against their manufacturing year, created using seaborn and matplotlib. It shows a trend where newer cars (2018-2021) generally have higher prices, with most prices clustering below €100,000, and a few outliers reaching up to €400,000, particularly for newer models.</a:t>
+            </a:r>
+            <a:br>
+              <a:rPr lang="en-US" sz="2300" dirty="0"/>
+            </a:br>
+            <a:endParaRPr lang="en-US" sz="2300" dirty="0"/>
+          </a:p>
+        </p:txBody>
+      </p:sp>
+      <p:cxnSp>
+        <p:nvCxnSpPr>
+          <p:cNvPr id="35" name="Straight Connector 34">
+            <a:extLst>
+              <a:ext uri="{FF2B5EF4-FFF2-40B4-BE49-F238E27FC236}">
+                <a16:creationId xmlns:a16="http://schemas.microsoft.com/office/drawing/2014/main" id="{8B45C962-0D68-4A01-9627-70DEBBC363C7}"/>
+              </a:ext>
+              <a:ext uri="{C183D7F6-B498-43B3-948B-1728B52AA6E4}">
+                <adec:decorative xmlns:adec="http://schemas.microsoft.com/office/drawing/2017/decorative" val="1"/>
+              </a:ext>
+            </a:extLst>
+          </p:cNvPr>
+          <p:cNvCxnSpPr>
+            <a:cxnSpLocks noGrp="1" noRot="1" noChangeAspect="1" noMove="1" noResize="1" noEditPoints="1" noAdjustHandles="1" noChangeArrowheads="1" noChangeShapeType="1"/>
+          </p:cNvCxnSpPr>
+          <p:nvPr>
+            <p:extLst>
+              <p:ext uri="{386F3935-93C4-4BCD-93E2-E3B085C9AB24}">
+                <p16:designElem xmlns:p16="http://schemas.microsoft.com/office/powerpoint/2015/main" val="1"/>
+              </p:ext>
+            </p:extLst>
+          </p:nvPr>
+        </p:nvCxnSpPr>
+        <p:spPr>
+          <a:xfrm flipH="1">
+            <a:off x="577175" y="571500"/>
+            <a:ext cx="11054799" cy="0"/>
+          </a:xfrm>
+          <a:prstGeom prst="line">
+            <a:avLst/>
+          </a:prstGeom>
+          <a:ln>
+            <a:solidFill>
+              <a:schemeClr val="tx1"/>
+            </a:solidFill>
+          </a:ln>
+        </p:spPr>
+        <p:style>
+          <a:lnRef idx="1">
+            <a:schemeClr val="accent1"/>
+          </a:lnRef>
+          <a:fillRef idx="0">
+            <a:schemeClr val="accent1"/>
+          </a:fillRef>
+          <a:effectRef idx="0">
+            <a:schemeClr val="accent1"/>
+          </a:effectRef>
+          <a:fontRef idx="minor">
+            <a:schemeClr val="tx1"/>
+          </a:fontRef>
+        </p:style>
+      </p:cxnSp>
+      <p:cxnSp>
+        <p:nvCxnSpPr>
+          <p:cNvPr id="37" name="Straight Connector 36">
+            <a:extLst>
+              <a:ext uri="{FF2B5EF4-FFF2-40B4-BE49-F238E27FC236}">
+                <a16:creationId xmlns:a16="http://schemas.microsoft.com/office/drawing/2014/main" id="{F1D89FBF-493B-4E7D-B511-7E40674F6323}"/>
+              </a:ext>
+              <a:ext uri="{C183D7F6-B498-43B3-948B-1728B52AA6E4}">
+                <adec:decorative xmlns:adec="http://schemas.microsoft.com/office/drawing/2017/decorative" val="1"/>
+              </a:ext>
+            </a:extLst>
+          </p:cNvPr>
+          <p:cNvCxnSpPr>
+            <a:cxnSpLocks noGrp="1" noRot="1" noChangeAspect="1" noMove="1" noResize="1" noEditPoints="1" noAdjustHandles="1" noChangeArrowheads="1" noChangeShapeType="1"/>
+          </p:cNvCxnSpPr>
+          <p:nvPr>
+            <p:extLst>
+              <p:ext uri="{386F3935-93C4-4BCD-93E2-E3B085C9AB24}">
+                <p16:designElem xmlns:p16="http://schemas.microsoft.com/office/powerpoint/2015/main" val="1"/>
+              </p:ext>
+            </p:extLst>
+          </p:nvPr>
+        </p:nvCxnSpPr>
+        <p:spPr>
+          <a:xfrm>
+            <a:off x="5524500" y="573971"/>
+            <a:ext cx="0" cy="5712529"/>
+          </a:xfrm>
+          <a:prstGeom prst="line">
+            <a:avLst/>
+          </a:prstGeom>
+          <a:ln>
+            <a:solidFill>
+              <a:schemeClr val="tx1"/>
+            </a:solidFill>
+          </a:ln>
+        </p:spPr>
+        <p:style>
+          <a:lnRef idx="1">
+            <a:schemeClr val="accent1"/>
+          </a:lnRef>
+          <a:fillRef idx="0">
+            <a:schemeClr val="accent1"/>
+          </a:fillRef>
+          <a:effectRef idx="0">
+            <a:schemeClr val="accent1"/>
+          </a:effectRef>
+          <a:fontRef idx="minor">
+            <a:schemeClr val="tx1"/>
+          </a:fontRef>
+        </p:style>
+      </p:cxnSp>
+      <p:pic>
+        <p:nvPicPr>
+          <p:cNvPr id="7" name="Content Placeholder 6">
+            <a:extLst>
+              <a:ext uri="{FF2B5EF4-FFF2-40B4-BE49-F238E27FC236}">
+                <a16:creationId xmlns:a16="http://schemas.microsoft.com/office/drawing/2014/main" id="{CB9DB76F-76E5-D455-AE38-BB2FB827A30E}"/>
+              </a:ext>
+            </a:extLst>
+          </p:cNvPr>
+          <p:cNvPicPr>
+            <a:picLocks noGrp="1" noChangeAspect="1"/>
+          </p:cNvPicPr>
+          <p:nvPr>
+            <p:ph idx="1"/>
+          </p:nvPr>
+        </p:nvPicPr>
+        <p:blipFill>
+          <a:blip r:embed="rId2"/>
+          <a:stretch>
+            <a:fillRect/>
+          </a:stretch>
+        </p:blipFill>
+        <p:spPr>
+          <a:xfrm>
+            <a:off x="5800383" y="930404"/>
+            <a:ext cx="6168095" cy="4788792"/>
+          </a:xfrm>
+          <a:prstGeom prst="rect">
+            <a:avLst/>
+          </a:prstGeom>
+        </p:spPr>
+      </p:pic>
+      <p:cxnSp>
+        <p:nvCxnSpPr>
+          <p:cNvPr id="39" name="Straight Connector 38">
+            <a:extLst>
+              <a:ext uri="{FF2B5EF4-FFF2-40B4-BE49-F238E27FC236}">
+                <a16:creationId xmlns:a16="http://schemas.microsoft.com/office/drawing/2014/main" id="{4BCC744E-5590-4542-B37F-B764470BF05E}"/>
+              </a:ext>
+              <a:ext uri="{C183D7F6-B498-43B3-948B-1728B52AA6E4}">
+                <adec:decorative xmlns:adec="http://schemas.microsoft.com/office/drawing/2017/decorative" val="1"/>
+              </a:ext>
+            </a:extLst>
+          </p:cNvPr>
+          <p:cNvCxnSpPr>
+            <a:cxnSpLocks noGrp="1" noRot="1" noChangeAspect="1" noMove="1" noResize="1" noEditPoints="1" noAdjustHandles="1" noChangeArrowheads="1" noChangeShapeType="1"/>
+          </p:cNvCxnSpPr>
+          <p:nvPr>
+            <p:extLst>
+              <p:ext uri="{386F3935-93C4-4BCD-93E2-E3B085C9AB24}">
+                <p16:designElem xmlns:p16="http://schemas.microsoft.com/office/powerpoint/2015/main" val="1"/>
+              </p:ext>
+            </p:extLst>
+          </p:nvPr>
+        </p:nvCxnSpPr>
+        <p:spPr>
+          <a:xfrm flipH="1">
+            <a:off x="577176" y="6286500"/>
+            <a:ext cx="11043324" cy="0"/>
+          </a:xfrm>
+          <a:prstGeom prst="line">
+            <a:avLst/>
+          </a:prstGeom>
+          <a:ln>
+            <a:solidFill>
+              <a:schemeClr val="tx1"/>
+            </a:solidFill>
+          </a:ln>
+        </p:spPr>
+        <p:style>
+          <a:lnRef idx="1">
+            <a:schemeClr val="accent1"/>
+          </a:lnRef>
+          <a:fillRef idx="0">
+            <a:schemeClr val="accent1"/>
+          </a:fillRef>
+          <a:effectRef idx="0">
+            <a:schemeClr val="accent1"/>
+          </a:effectRef>
+          <a:fontRef idx="minor">
+            <a:schemeClr val="tx1"/>
+          </a:fontRef>
+        </p:style>
+      </p:cxnSp>
+    </p:spTree>
+    <p:extLst>
+      <p:ext uri="{BB962C8B-B14F-4D97-AF65-F5344CB8AC3E}">
+        <p14:creationId xmlns:p14="http://schemas.microsoft.com/office/powerpoint/2010/main" val="515126627"/>
+      </p:ext>
+    </p:extLst>
+  </p:cSld>
+  <p:clrMapOvr>
+    <a:masterClrMapping/>
+  </p:clrMapOvr>
+</p:sld>
+</file>
+
+<file path=ppt/slides/slide11.xml><?xml version="1.0" encoding="utf-8"?>
+<p:sld xmlns:a="http://schemas.openxmlformats.org/drawingml/2006/main" xmlns:r="http://schemas.openxmlformats.org/officeDocument/2006/relationships" xmlns:p="http://schemas.openxmlformats.org/presentationml/2006/main">
+  <p:cSld>
+    <p:bg>
+      <p:bgPr>
+        <a:solidFill>
+          <a:schemeClr val="bg2"/>
+        </a:solidFill>
+        <a:effectLst/>
+      </p:bgPr>
+    </p:bg>
+    <p:spTree>
+      <p:nvGrpSpPr>
+        <p:cNvPr id="1" name=""/>
+        <p:cNvGrpSpPr/>
+        <p:nvPr/>
+      </p:nvGrpSpPr>
+      <p:grpSpPr>
+        <a:xfrm>
+          <a:off x="0" y="0"/>
+          <a:ext cx="0" cy="0"/>
+          <a:chOff x="0" y="0"/>
+          <a:chExt cx="0" cy="0"/>
+        </a:xfrm>
+      </p:grpSpPr>
+      <p:cxnSp>
+        <p:nvCxnSpPr>
+          <p:cNvPr id="10" name="Straight Connector 9">
+            <a:extLst>
+              <a:ext uri="{FF2B5EF4-FFF2-40B4-BE49-F238E27FC236}">
+                <a16:creationId xmlns:a16="http://schemas.microsoft.com/office/drawing/2014/main" id="{A240FCEE-B6E2-46D0-9BB0-F45F79545E9D}"/>
+              </a:ext>
+              <a:ext uri="{C183D7F6-B498-43B3-948B-1728B52AA6E4}">
+                <adec:decorative xmlns:adec="http://schemas.microsoft.com/office/drawing/2017/decorative" val="1"/>
+              </a:ext>
+            </a:extLst>
+          </p:cNvPr>
+          <p:cNvCxnSpPr>
+            <a:cxnSpLocks noGrp="1" noRot="1" noChangeAspect="1" noMove="1" noResize="1" noEditPoints="1" noAdjustHandles="1" noChangeArrowheads="1" noChangeShapeType="1"/>
+          </p:cNvCxnSpPr>
+          <p:nvPr>
+            <p:extLst>
+              <p:ext uri="{386F3935-93C4-4BCD-93E2-E3B085C9AB24}">
+                <p16:designElem xmlns:p16="http://schemas.microsoft.com/office/powerpoint/2015/main" val="1"/>
+              </p:ext>
+            </p:extLst>
+          </p:nvPr>
+        </p:nvCxnSpPr>
+        <p:spPr>
+          <a:xfrm flipH="1">
+            <a:off x="571501" y="571500"/>
+            <a:ext cx="11059811" cy="0"/>
+          </a:xfrm>
+          <a:prstGeom prst="line">
+            <a:avLst/>
+          </a:prstGeom>
+          <a:ln>
+            <a:solidFill>
+              <a:schemeClr val="tx1"/>
+            </a:solidFill>
+          </a:ln>
+        </p:spPr>
+        <p:style>
+          <a:lnRef idx="1">
+            <a:schemeClr val="accent1"/>
+          </a:lnRef>
+          <a:fillRef idx="0">
+            <a:schemeClr val="accent1"/>
+          </a:fillRef>
+          <a:effectRef idx="0">
+            <a:schemeClr val="accent1"/>
+          </a:effectRef>
+          <a:fontRef idx="minor">
+            <a:schemeClr val="tx1"/>
+          </a:fontRef>
+        </p:style>
+      </p:cxnSp>
+      <p:cxnSp>
+        <p:nvCxnSpPr>
+          <p:cNvPr id="12" name="Straight Connector 11">
+            <a:extLst>
+              <a:ext uri="{FF2B5EF4-FFF2-40B4-BE49-F238E27FC236}">
+                <a16:creationId xmlns:a16="http://schemas.microsoft.com/office/drawing/2014/main" id="{3BD2FB83-3783-4477-80B5-DA5BF10BAF57}"/>
+              </a:ext>
+              <a:ext uri="{C183D7F6-B498-43B3-948B-1728B52AA6E4}">
+                <adec:decorative xmlns:adec="http://schemas.microsoft.com/office/drawing/2017/decorative" val="1"/>
+              </a:ext>
+            </a:extLst>
+          </p:cNvPr>
+          <p:cNvCxnSpPr>
+            <a:cxnSpLocks noGrp="1" noRot="1" noChangeAspect="1" noMove="1" noResize="1" noEditPoints="1" noAdjustHandles="1" noChangeArrowheads="1" noChangeShapeType="1"/>
+          </p:cNvCxnSpPr>
+          <p:nvPr>
+            <p:extLst>
+              <p:ext uri="{386F3935-93C4-4BCD-93E2-E3B085C9AB24}">
+                <p16:designElem xmlns:p16="http://schemas.microsoft.com/office/powerpoint/2015/main" val="1"/>
+              </p:ext>
+            </p:extLst>
+          </p:nvPr>
+        </p:nvCxnSpPr>
+        <p:spPr>
+          <a:xfrm>
+            <a:off x="7742482" y="571500"/>
+            <a:ext cx="0" cy="5715000"/>
+          </a:xfrm>
+          <a:prstGeom prst="line">
+            <a:avLst/>
+          </a:prstGeom>
+          <a:ln>
+            <a:solidFill>
+              <a:schemeClr val="tx1"/>
+            </a:solidFill>
+          </a:ln>
+        </p:spPr>
+        <p:style>
+          <a:lnRef idx="1">
+            <a:schemeClr val="accent1"/>
+          </a:lnRef>
+          <a:fillRef idx="0">
+            <a:schemeClr val="accent1"/>
+          </a:fillRef>
+          <a:effectRef idx="0">
+            <a:schemeClr val="accent1"/>
+          </a:effectRef>
+          <a:fontRef idx="minor">
+            <a:schemeClr val="tx1"/>
+          </a:fontRef>
+        </p:style>
+      </p:cxnSp>
+      <p:cxnSp>
+        <p:nvCxnSpPr>
+          <p:cNvPr id="14" name="Straight Connector 13">
+            <a:extLst>
+              <a:ext uri="{FF2B5EF4-FFF2-40B4-BE49-F238E27FC236}">
+                <a16:creationId xmlns:a16="http://schemas.microsoft.com/office/drawing/2014/main" id="{E83EA203-71D5-49C0-9626-FFA8E46787B0}"/>
+              </a:ext>
+              <a:ext uri="{C183D7F6-B498-43B3-948B-1728B52AA6E4}">
+                <adec:decorative xmlns:adec="http://schemas.microsoft.com/office/drawing/2017/decorative" val="1"/>
+              </a:ext>
+            </a:extLst>
+          </p:cNvPr>
+          <p:cNvCxnSpPr>
+            <a:cxnSpLocks noGrp="1" noRot="1" noChangeAspect="1" noMove="1" noResize="1" noEditPoints="1" noAdjustHandles="1" noChangeArrowheads="1" noChangeShapeType="1"/>
+          </p:cNvCxnSpPr>
+          <p:nvPr>
+            <p:extLst>
+              <p:ext uri="{386F3935-93C4-4BCD-93E2-E3B085C9AB24}">
+                <p16:designElem xmlns:p16="http://schemas.microsoft.com/office/powerpoint/2015/main" val="1"/>
+              </p:ext>
+            </p:extLst>
+          </p:nvPr>
+        </p:nvCxnSpPr>
+        <p:spPr>
+          <a:xfrm flipH="1">
+            <a:off x="577485" y="6283518"/>
+            <a:ext cx="11059811" cy="0"/>
+          </a:xfrm>
+          <a:prstGeom prst="line">
+            <a:avLst/>
+          </a:prstGeom>
+          <a:ln>
+            <a:solidFill>
+              <a:schemeClr val="tx1"/>
+            </a:solidFill>
+          </a:ln>
+        </p:spPr>
+        <p:style>
+          <a:lnRef idx="1">
+            <a:schemeClr val="accent1"/>
+          </a:lnRef>
+          <a:fillRef idx="0">
+            <a:schemeClr val="accent1"/>
+          </a:fillRef>
+          <a:effectRef idx="0">
+            <a:schemeClr val="accent1"/>
+          </a:effectRef>
+          <a:fontRef idx="minor">
+            <a:schemeClr val="tx1"/>
+          </a:fontRef>
+        </p:style>
+      </p:cxnSp>
+      <p:sp useBgFill="1">
+        <p:nvSpPr>
+          <p:cNvPr id="16" name="Rectangle 15">
+            <a:extLst>
+              <a:ext uri="{FF2B5EF4-FFF2-40B4-BE49-F238E27FC236}">
+                <a16:creationId xmlns:a16="http://schemas.microsoft.com/office/drawing/2014/main" id="{D26BC87E-DCC8-4E66-972D-A587756DF30A}"/>
+              </a:ext>
+              <a:ext uri="{C183D7F6-B498-43B3-948B-1728B52AA6E4}">
+                <adec:decorative xmlns:adec="http://schemas.microsoft.com/office/drawing/2017/decorative" val="1"/>
+              </a:ext>
+            </a:extLst>
+          </p:cNvPr>
+          <p:cNvSpPr>
+            <a:spLocks noGrp="1" noRot="1" noChangeAspect="1" noMove="1" noResize="1" noEditPoints="1" noAdjustHandles="1" noChangeArrowheads="1" noChangeShapeType="1" noTextEdit="1"/>
+          </p:cNvSpPr>
+          <p:nvPr>
+            <p:extLst>
+              <p:ext uri="{386F3935-93C4-4BCD-93E2-E3B085C9AB24}">
+                <p16:designElem xmlns:p16="http://schemas.microsoft.com/office/powerpoint/2015/main" val="1"/>
+              </p:ext>
+            </p:extLst>
+          </p:nvPr>
+        </p:nvSpPr>
+        <p:spPr>
+          <a:xfrm>
+            <a:off x="-6782" y="0"/>
+            <a:ext cx="12198783" cy="6858000"/>
+          </a:xfrm>
+          <a:prstGeom prst="rect">
+            <a:avLst/>
+          </a:prstGeom>
+          <a:ln>
+            <a:noFill/>
+          </a:ln>
+        </p:spPr>
+        <p:style>
+          <a:lnRef idx="2">
+            <a:schemeClr val="accent1">
+              <a:shade val="50000"/>
+            </a:schemeClr>
+          </a:lnRef>
+          <a:fillRef idx="1">
+            <a:schemeClr val="accent1"/>
+          </a:fillRef>
+          <a:effectRef idx="0">
+            <a:schemeClr val="accent1"/>
+          </a:effectRef>
+          <a:fontRef idx="minor">
+            <a:schemeClr val="lt1"/>
+          </a:fontRef>
+        </p:style>
+        <p:txBody>
+          <a:bodyPr rtlCol="0" anchor="ctr"/>
+          <a:lstStyle/>
+          <a:p>
+            <a:pPr algn="ctr"/>
+            <a:endParaRPr lang="en-US"/>
+          </a:p>
+        </p:txBody>
+      </p:sp>
+      <p:sp>
+        <p:nvSpPr>
+          <p:cNvPr id="2" name="Title 1">
+            <a:extLst>
+              <a:ext uri="{FF2B5EF4-FFF2-40B4-BE49-F238E27FC236}">
+                <a16:creationId xmlns:a16="http://schemas.microsoft.com/office/drawing/2014/main" id="{0CCE024D-21E4-2548-6944-162927887598}"/>
+              </a:ext>
+            </a:extLst>
+          </p:cNvPr>
+          <p:cNvSpPr>
+            <a:spLocks noGrp="1"/>
+          </p:cNvSpPr>
+          <p:nvPr>
+            <p:ph type="title"/>
+          </p:nvPr>
+        </p:nvSpPr>
+        <p:spPr>
+          <a:xfrm>
+            <a:off x="521208" y="822960"/>
+            <a:ext cx="3898392" cy="5049781"/>
+          </a:xfrm>
+        </p:spPr>
+        <p:txBody>
+          <a:bodyPr vert="horz" lIns="91440" tIns="45720" rIns="91440" bIns="45720" rtlCol="0" anchor="t">
+            <a:normAutofit/>
+          </a:bodyPr>
+          <a:lstStyle/>
+          <a:p>
+            <a:r>
+              <a:rPr lang="en-US" sz="1900" b="1"/>
+              <a:t>EDA: Correlation Heatmap</a:t>
+            </a:r>
+            <a:br>
+              <a:rPr lang="en-US" sz="1900"/>
+            </a:br>
+            <a:r>
+              <a:rPr lang="en-US" sz="1900"/>
+              <a:t>This slide shows a correlation heatmap for numerical columns (mileage, price, hp, year), created using seaborn and matplotlib. Key correlations include price with hp (0.80) and year (0.46), indicating strong positive relationships, while mileage has a negative correlation with year (-0.66), suggesting newer cars have lower mileage. The heatmap uses a coolwarm color scheme.</a:t>
+            </a:r>
+            <a:br>
+              <a:rPr lang="en-US" sz="1900"/>
+            </a:br>
+            <a:endParaRPr lang="en-US" sz="1900"/>
+          </a:p>
+        </p:txBody>
+      </p:sp>
+      <p:cxnSp>
+        <p:nvCxnSpPr>
+          <p:cNvPr id="18" name="Straight Connector 17">
+            <a:extLst>
+              <a:ext uri="{FF2B5EF4-FFF2-40B4-BE49-F238E27FC236}">
+                <a16:creationId xmlns:a16="http://schemas.microsoft.com/office/drawing/2014/main" id="{8B45C962-0D68-4A01-9627-70DEBBC363C7}"/>
+              </a:ext>
+              <a:ext uri="{C183D7F6-B498-43B3-948B-1728B52AA6E4}">
+                <adec:decorative xmlns:adec="http://schemas.microsoft.com/office/drawing/2017/decorative" val="1"/>
+              </a:ext>
+            </a:extLst>
+          </p:cNvPr>
+          <p:cNvCxnSpPr>
+            <a:cxnSpLocks noGrp="1" noRot="1" noChangeAspect="1" noMove="1" noResize="1" noEditPoints="1" noAdjustHandles="1" noChangeArrowheads="1" noChangeShapeType="1"/>
+          </p:cNvCxnSpPr>
+          <p:nvPr>
+            <p:extLst>
+              <p:ext uri="{386F3935-93C4-4BCD-93E2-E3B085C9AB24}">
+                <p16:designElem xmlns:p16="http://schemas.microsoft.com/office/powerpoint/2015/main" val="1"/>
+              </p:ext>
+            </p:extLst>
+          </p:nvPr>
+        </p:nvCxnSpPr>
+        <p:spPr>
+          <a:xfrm flipH="1">
+            <a:off x="577175" y="571500"/>
+            <a:ext cx="11054799" cy="0"/>
+          </a:xfrm>
+          <a:prstGeom prst="line">
+            <a:avLst/>
+          </a:prstGeom>
+          <a:ln>
+            <a:solidFill>
+              <a:schemeClr val="tx1"/>
+            </a:solidFill>
+          </a:ln>
+        </p:spPr>
+        <p:style>
+          <a:lnRef idx="1">
+            <a:schemeClr val="accent1"/>
+          </a:lnRef>
+          <a:fillRef idx="0">
+            <a:schemeClr val="accent1"/>
+          </a:fillRef>
+          <a:effectRef idx="0">
+            <a:schemeClr val="accent1"/>
+          </a:effectRef>
+          <a:fontRef idx="minor">
+            <a:schemeClr val="tx1"/>
+          </a:fontRef>
+        </p:style>
+      </p:cxnSp>
+      <p:cxnSp>
+        <p:nvCxnSpPr>
+          <p:cNvPr id="20" name="Straight Connector 19">
+            <a:extLst>
+              <a:ext uri="{FF2B5EF4-FFF2-40B4-BE49-F238E27FC236}">
+                <a16:creationId xmlns:a16="http://schemas.microsoft.com/office/drawing/2014/main" id="{F1D89FBF-493B-4E7D-B511-7E40674F6323}"/>
+              </a:ext>
+              <a:ext uri="{C183D7F6-B498-43B3-948B-1728B52AA6E4}">
+                <adec:decorative xmlns:adec="http://schemas.microsoft.com/office/drawing/2017/decorative" val="1"/>
+              </a:ext>
+            </a:extLst>
+          </p:cNvPr>
+          <p:cNvCxnSpPr>
+            <a:cxnSpLocks noGrp="1" noRot="1" noChangeAspect="1" noMove="1" noResize="1" noEditPoints="1" noAdjustHandles="1" noChangeArrowheads="1" noChangeShapeType="1"/>
+          </p:cNvCxnSpPr>
+          <p:nvPr>
+            <p:extLst>
+              <p:ext uri="{386F3935-93C4-4BCD-93E2-E3B085C9AB24}">
+                <p16:designElem xmlns:p16="http://schemas.microsoft.com/office/powerpoint/2015/main" val="1"/>
+              </p:ext>
+            </p:extLst>
+          </p:nvPr>
+        </p:nvCxnSpPr>
+        <p:spPr>
+          <a:xfrm>
+            <a:off x="5524500" y="573971"/>
+            <a:ext cx="0" cy="5712529"/>
+          </a:xfrm>
+          <a:prstGeom prst="line">
+            <a:avLst/>
+          </a:prstGeom>
+          <a:ln>
+            <a:solidFill>
+              <a:schemeClr val="tx1"/>
+            </a:solidFill>
+          </a:ln>
+        </p:spPr>
+        <p:style>
+          <a:lnRef idx="1">
+            <a:schemeClr val="accent1"/>
+          </a:lnRef>
+          <a:fillRef idx="0">
+            <a:schemeClr val="accent1"/>
+          </a:fillRef>
+          <a:effectRef idx="0">
+            <a:schemeClr val="accent1"/>
+          </a:effectRef>
+          <a:fontRef idx="minor">
+            <a:schemeClr val="tx1"/>
+          </a:fontRef>
+        </p:style>
+      </p:cxnSp>
+      <p:pic>
+        <p:nvPicPr>
+          <p:cNvPr id="5" name="Content Placeholder 4" descr="A screenshot of a computer&#10;&#10;AI-generated content may be incorrect.">
+            <a:extLst>
+              <a:ext uri="{FF2B5EF4-FFF2-40B4-BE49-F238E27FC236}">
+                <a16:creationId xmlns:a16="http://schemas.microsoft.com/office/drawing/2014/main" id="{F7EC641B-16A4-4CA9-8AF5-8BC733F8127E}"/>
+              </a:ext>
+            </a:extLst>
+          </p:cNvPr>
+          <p:cNvPicPr>
+            <a:picLocks noGrp="1" noChangeAspect="1"/>
+          </p:cNvPicPr>
+          <p:nvPr>
+            <p:ph idx="1"/>
+          </p:nvPr>
+        </p:nvPicPr>
+        <p:blipFill>
+          <a:blip r:embed="rId2">
+            <a:extLst>
+              <a:ext uri="{28A0092B-C50C-407E-A947-70E740481C1C}">
+                <a14:useLocalDpi xmlns:a14="http://schemas.microsoft.com/office/drawing/2010/main" val="0"/>
+              </a:ext>
+            </a:extLst>
+          </a:blip>
+          <a:stretch>
+            <a:fillRect/>
+          </a:stretch>
+        </p:blipFill>
+        <p:spPr>
+          <a:xfrm>
+            <a:off x="5800384" y="1240350"/>
+            <a:ext cx="5820112" cy="3593918"/>
+          </a:xfrm>
+          <a:prstGeom prst="rect">
+            <a:avLst/>
+          </a:prstGeom>
+        </p:spPr>
+      </p:pic>
+      <p:cxnSp>
+        <p:nvCxnSpPr>
+          <p:cNvPr id="22" name="Straight Connector 21">
+            <a:extLst>
+              <a:ext uri="{FF2B5EF4-FFF2-40B4-BE49-F238E27FC236}">
+                <a16:creationId xmlns:a16="http://schemas.microsoft.com/office/drawing/2014/main" id="{4BCC744E-5590-4542-B37F-B764470BF05E}"/>
+              </a:ext>
+              <a:ext uri="{C183D7F6-B498-43B3-948B-1728B52AA6E4}">
+                <adec:decorative xmlns:adec="http://schemas.microsoft.com/office/drawing/2017/decorative" val="1"/>
+              </a:ext>
+            </a:extLst>
+          </p:cNvPr>
+          <p:cNvCxnSpPr>
+            <a:cxnSpLocks noGrp="1" noRot="1" noChangeAspect="1" noMove="1" noResize="1" noEditPoints="1" noAdjustHandles="1" noChangeArrowheads="1" noChangeShapeType="1"/>
+          </p:cNvCxnSpPr>
+          <p:nvPr>
+            <p:extLst>
+              <p:ext uri="{386F3935-93C4-4BCD-93E2-E3B085C9AB24}">
+                <p16:designElem xmlns:p16="http://schemas.microsoft.com/office/powerpoint/2015/main" val="1"/>
+              </p:ext>
+            </p:extLst>
+          </p:nvPr>
+        </p:nvCxnSpPr>
+        <p:spPr>
+          <a:xfrm flipH="1">
+            <a:off x="577176" y="6286500"/>
+            <a:ext cx="11043324" cy="0"/>
+          </a:xfrm>
+          <a:prstGeom prst="line">
+            <a:avLst/>
+          </a:prstGeom>
+          <a:ln>
+            <a:solidFill>
+              <a:schemeClr val="tx1"/>
+            </a:solidFill>
+          </a:ln>
+        </p:spPr>
+        <p:style>
+          <a:lnRef idx="1">
+            <a:schemeClr val="accent1"/>
+          </a:lnRef>
+          <a:fillRef idx="0">
+            <a:schemeClr val="accent1"/>
+          </a:fillRef>
+          <a:effectRef idx="0">
+            <a:schemeClr val="accent1"/>
+          </a:effectRef>
+          <a:fontRef idx="minor">
+            <a:schemeClr val="tx1"/>
+          </a:fontRef>
+        </p:style>
+      </p:cxnSp>
+    </p:spTree>
+    <p:extLst>
+      <p:ext uri="{BB962C8B-B14F-4D97-AF65-F5344CB8AC3E}">
+        <p14:creationId xmlns:p14="http://schemas.microsoft.com/office/powerpoint/2010/main" val="2930797202"/>
+      </p:ext>
+    </p:extLst>
+  </p:cSld>
+  <p:clrMapOvr>
+    <a:masterClrMapping/>
+  </p:clrMapOvr>
+</p:sld>
+</file>
+
+<file path=ppt/slides/slide12.xml><?xml version="1.0" encoding="utf-8"?>
+<p:sld xmlns:a="http://schemas.openxmlformats.org/drawingml/2006/main" xmlns:r="http://schemas.openxmlformats.org/officeDocument/2006/relationships" xmlns:p="http://schemas.openxmlformats.org/presentationml/2006/main">
+  <p:cSld>
+    <p:bg>
+      <p:bgPr>
+        <a:solidFill>
+          <a:schemeClr val="bg2"/>
+        </a:solidFill>
+        <a:effectLst/>
+      </p:bgPr>
+    </p:bg>
+    <p:spTree>
+      <p:nvGrpSpPr>
+        <p:cNvPr id="1" name=""/>
+        <p:cNvGrpSpPr/>
+        <p:nvPr/>
+      </p:nvGrpSpPr>
+      <p:grpSpPr>
+        <a:xfrm>
+          <a:off x="0" y="0"/>
+          <a:ext cx="0" cy="0"/>
+          <a:chOff x="0" y="0"/>
+          <a:chExt cx="0" cy="0"/>
+        </a:xfrm>
+      </p:grpSpPr>
+      <p:cxnSp>
+        <p:nvCxnSpPr>
+          <p:cNvPr id="12" name="Straight Connector 11">
+            <a:extLst>
+              <a:ext uri="{FF2B5EF4-FFF2-40B4-BE49-F238E27FC236}">
+                <a16:creationId xmlns:a16="http://schemas.microsoft.com/office/drawing/2014/main" id="{A240FCEE-B6E2-46D0-9BB0-F45F79545E9D}"/>
+              </a:ext>
+              <a:ext uri="{C183D7F6-B498-43B3-948B-1728B52AA6E4}">
+                <adec:decorative xmlns:adec="http://schemas.microsoft.com/office/drawing/2017/decorative" val="1"/>
+              </a:ext>
+            </a:extLst>
+          </p:cNvPr>
+          <p:cNvCxnSpPr>
+            <a:cxnSpLocks noGrp="1" noRot="1" noChangeAspect="1" noMove="1" noResize="1" noEditPoints="1" noAdjustHandles="1" noChangeArrowheads="1" noChangeShapeType="1"/>
+          </p:cNvCxnSpPr>
+          <p:nvPr>
+            <p:extLst>
+              <p:ext uri="{386F3935-93C4-4BCD-93E2-E3B085C9AB24}">
+                <p16:designElem xmlns:p16="http://schemas.microsoft.com/office/powerpoint/2015/main" val="1"/>
+              </p:ext>
+            </p:extLst>
+          </p:nvPr>
+        </p:nvCxnSpPr>
+        <p:spPr>
+          <a:xfrm flipH="1">
+            <a:off x="571501" y="571500"/>
+            <a:ext cx="11059811" cy="0"/>
+          </a:xfrm>
+          <a:prstGeom prst="line">
+            <a:avLst/>
+          </a:prstGeom>
+          <a:ln>
+            <a:solidFill>
+              <a:schemeClr val="tx1"/>
+            </a:solidFill>
+          </a:ln>
+        </p:spPr>
+        <p:style>
+          <a:lnRef idx="1">
+            <a:schemeClr val="accent1"/>
+          </a:lnRef>
+          <a:fillRef idx="0">
+            <a:schemeClr val="accent1"/>
+          </a:fillRef>
+          <a:effectRef idx="0">
+            <a:schemeClr val="accent1"/>
+          </a:effectRef>
+          <a:fontRef idx="minor">
+            <a:schemeClr val="tx1"/>
+          </a:fontRef>
+        </p:style>
+      </p:cxnSp>
+      <p:cxnSp>
+        <p:nvCxnSpPr>
+          <p:cNvPr id="14" name="Straight Connector 13">
+            <a:extLst>
+              <a:ext uri="{FF2B5EF4-FFF2-40B4-BE49-F238E27FC236}">
+                <a16:creationId xmlns:a16="http://schemas.microsoft.com/office/drawing/2014/main" id="{3BD2FB83-3783-4477-80B5-DA5BF10BAF57}"/>
+              </a:ext>
+              <a:ext uri="{C183D7F6-B498-43B3-948B-1728B52AA6E4}">
+                <adec:decorative xmlns:adec="http://schemas.microsoft.com/office/drawing/2017/decorative" val="1"/>
+              </a:ext>
+            </a:extLst>
+          </p:cNvPr>
+          <p:cNvCxnSpPr>
+            <a:cxnSpLocks noGrp="1" noRot="1" noChangeAspect="1" noMove="1" noResize="1" noEditPoints="1" noAdjustHandles="1" noChangeArrowheads="1" noChangeShapeType="1"/>
+          </p:cNvCxnSpPr>
+          <p:nvPr>
+            <p:extLst>
+              <p:ext uri="{386F3935-93C4-4BCD-93E2-E3B085C9AB24}">
+                <p16:designElem xmlns:p16="http://schemas.microsoft.com/office/powerpoint/2015/main" val="1"/>
+              </p:ext>
+            </p:extLst>
+          </p:nvPr>
+        </p:nvCxnSpPr>
+        <p:spPr>
+          <a:xfrm>
+            <a:off x="7742482" y="571500"/>
+            <a:ext cx="0" cy="5715000"/>
+          </a:xfrm>
+          <a:prstGeom prst="line">
+            <a:avLst/>
+          </a:prstGeom>
+          <a:ln>
+            <a:solidFill>
+              <a:schemeClr val="tx1"/>
+            </a:solidFill>
+          </a:ln>
+        </p:spPr>
+        <p:style>
+          <a:lnRef idx="1">
+            <a:schemeClr val="accent1"/>
+          </a:lnRef>
+          <a:fillRef idx="0">
+            <a:schemeClr val="accent1"/>
+          </a:fillRef>
+          <a:effectRef idx="0">
+            <a:schemeClr val="accent1"/>
+          </a:effectRef>
+          <a:fontRef idx="minor">
+            <a:schemeClr val="tx1"/>
+          </a:fontRef>
+        </p:style>
+      </p:cxnSp>
+      <p:cxnSp>
+        <p:nvCxnSpPr>
+          <p:cNvPr id="16" name="Straight Connector 15">
+            <a:extLst>
+              <a:ext uri="{FF2B5EF4-FFF2-40B4-BE49-F238E27FC236}">
+                <a16:creationId xmlns:a16="http://schemas.microsoft.com/office/drawing/2014/main" id="{E83EA203-71D5-49C0-9626-FFA8E46787B0}"/>
+              </a:ext>
+              <a:ext uri="{C183D7F6-B498-43B3-948B-1728B52AA6E4}">
+                <adec:decorative xmlns:adec="http://schemas.microsoft.com/office/drawing/2017/decorative" val="1"/>
+              </a:ext>
+            </a:extLst>
+          </p:cNvPr>
+          <p:cNvCxnSpPr>
+            <a:cxnSpLocks noGrp="1" noRot="1" noChangeAspect="1" noMove="1" noResize="1" noEditPoints="1" noAdjustHandles="1" noChangeArrowheads="1" noChangeShapeType="1"/>
+          </p:cNvCxnSpPr>
+          <p:nvPr>
+            <p:extLst>
+              <p:ext uri="{386F3935-93C4-4BCD-93E2-E3B085C9AB24}">
+                <p16:designElem xmlns:p16="http://schemas.microsoft.com/office/powerpoint/2015/main" val="1"/>
+              </p:ext>
+            </p:extLst>
+          </p:nvPr>
+        </p:nvCxnSpPr>
+        <p:spPr>
+          <a:xfrm flipH="1">
+            <a:off x="577485" y="6283518"/>
+            <a:ext cx="11059811" cy="0"/>
+          </a:xfrm>
+          <a:prstGeom prst="line">
+            <a:avLst/>
+          </a:prstGeom>
+          <a:ln>
+            <a:solidFill>
+              <a:schemeClr val="tx1"/>
+            </a:solidFill>
+          </a:ln>
+        </p:spPr>
+        <p:style>
+          <a:lnRef idx="1">
+            <a:schemeClr val="accent1"/>
+          </a:lnRef>
+          <a:fillRef idx="0">
+            <a:schemeClr val="accent1"/>
+          </a:fillRef>
+          <a:effectRef idx="0">
+            <a:schemeClr val="accent1"/>
+          </a:effectRef>
+          <a:fontRef idx="minor">
+            <a:schemeClr val="tx1"/>
+          </a:fontRef>
+        </p:style>
+      </p:cxnSp>
+      <p:sp useBgFill="1">
+        <p:nvSpPr>
+          <p:cNvPr id="18" name="Rectangle 17">
+            <a:extLst>
+              <a:ext uri="{FF2B5EF4-FFF2-40B4-BE49-F238E27FC236}">
+                <a16:creationId xmlns:a16="http://schemas.microsoft.com/office/drawing/2014/main" id="{C63AB9E1-499E-41EB-A74E-905920CCDF67}"/>
+              </a:ext>
+              <a:ext uri="{C183D7F6-B498-43B3-948B-1728B52AA6E4}">
+                <adec:decorative xmlns:adec="http://schemas.microsoft.com/office/drawing/2017/decorative" val="1"/>
+              </a:ext>
+            </a:extLst>
+          </p:cNvPr>
+          <p:cNvSpPr>
+            <a:spLocks noGrp="1" noRot="1" noChangeAspect="1" noMove="1" noResize="1" noEditPoints="1" noAdjustHandles="1" noChangeArrowheads="1" noChangeShapeType="1" noTextEdit="1"/>
+          </p:cNvSpPr>
+          <p:nvPr>
+            <p:extLst>
+              <p:ext uri="{386F3935-93C4-4BCD-93E2-E3B085C9AB24}">
+                <p16:designElem xmlns:p16="http://schemas.microsoft.com/office/powerpoint/2015/main" val="1"/>
+              </p:ext>
+            </p:extLst>
+          </p:nvPr>
+        </p:nvSpPr>
+        <p:spPr>
+          <a:xfrm>
+            <a:off x="-6782" y="0"/>
+            <a:ext cx="12198783" cy="6858000"/>
+          </a:xfrm>
+          <a:prstGeom prst="rect">
+            <a:avLst/>
+          </a:prstGeom>
+          <a:ln>
+            <a:noFill/>
+          </a:ln>
+        </p:spPr>
+        <p:style>
+          <a:lnRef idx="2">
+            <a:schemeClr val="accent1">
+              <a:shade val="50000"/>
+            </a:schemeClr>
+          </a:lnRef>
+          <a:fillRef idx="1">
+            <a:schemeClr val="accent1"/>
+          </a:fillRef>
+          <a:effectRef idx="0">
+            <a:schemeClr val="accent1"/>
+          </a:effectRef>
+          <a:fontRef idx="minor">
+            <a:schemeClr val="lt1"/>
+          </a:fontRef>
+        </p:style>
+        <p:txBody>
+          <a:bodyPr rtlCol="0" anchor="ctr"/>
+          <a:lstStyle/>
+          <a:p>
+            <a:pPr algn="ctr"/>
+            <a:endParaRPr lang="en-US"/>
+          </a:p>
+        </p:txBody>
+      </p:sp>
+      <p:sp>
+        <p:nvSpPr>
+          <p:cNvPr id="2" name="Title 1">
+            <a:extLst>
+              <a:ext uri="{FF2B5EF4-FFF2-40B4-BE49-F238E27FC236}">
+                <a16:creationId xmlns:a16="http://schemas.microsoft.com/office/drawing/2014/main" id="{1397D106-7743-1CB8-FB3C-3DE802BE94B8}"/>
+              </a:ext>
+            </a:extLst>
+          </p:cNvPr>
+          <p:cNvSpPr>
+            <a:spLocks noGrp="1"/>
+          </p:cNvSpPr>
+          <p:nvPr>
+            <p:ph type="title"/>
+          </p:nvPr>
+        </p:nvSpPr>
+        <p:spPr>
+          <a:xfrm>
+            <a:off x="576072" y="822959"/>
+            <a:ext cx="10956558" cy="1598957"/>
+          </a:xfrm>
+        </p:spPr>
+        <p:txBody>
+          <a:bodyPr vert="horz" lIns="91440" tIns="45720" rIns="91440" bIns="45720" rtlCol="0" anchor="t">
+            <a:normAutofit/>
+          </a:bodyPr>
+          <a:lstStyle/>
+          <a:p>
+            <a:r>
+              <a:rPr lang="en-US" sz="1200" b="1" dirty="0"/>
+              <a:t>Data Preprocessing: Encoding Categorical Variables</a:t>
+            </a:r>
+            <a:br>
+              <a:rPr lang="en-US" sz="1200" dirty="0"/>
+            </a:br>
+            <a:r>
+              <a:rPr lang="en-US" sz="1200" dirty="0"/>
+              <a:t>This slide shows the conversion of categorical columns "model" and "</a:t>
+            </a:r>
+            <a:r>
+              <a:rPr lang="en-US" sz="1200" dirty="0" err="1"/>
+              <a:t>offerType</a:t>
+            </a:r>
+            <a:r>
+              <a:rPr lang="en-US" sz="1200" dirty="0"/>
+              <a:t>" into numerical codes using </a:t>
+            </a:r>
+            <a:r>
+              <a:rPr lang="en-US" sz="1200" dirty="0" err="1"/>
+              <a:t>astype</a:t>
+            </a:r>
+            <a:r>
+              <a:rPr lang="en-US" sz="1200" dirty="0"/>
+              <a:t>('category').</a:t>
+            </a:r>
+            <a:r>
+              <a:rPr lang="en-US" sz="1200" dirty="0" err="1"/>
+              <a:t>cat.codes</a:t>
+            </a:r>
+            <a:r>
+              <a:rPr lang="en-US" sz="1200" dirty="0"/>
+              <a:t>, enabling these features to be used in the </a:t>
+            </a:r>
+            <a:r>
+              <a:rPr lang="en-US" sz="1200" dirty="0" err="1"/>
+              <a:t>RandomForestRegressor</a:t>
+            </a:r>
+            <a:r>
+              <a:rPr lang="en-US" sz="1200" dirty="0"/>
+              <a:t> model for price prediction.</a:t>
+            </a:r>
+            <a:br>
+              <a:rPr lang="en-US" sz="1200" dirty="0"/>
+            </a:br>
+            <a:endParaRPr lang="en-US" sz="1200" dirty="0"/>
+          </a:p>
+        </p:txBody>
+      </p:sp>
+      <p:cxnSp>
+        <p:nvCxnSpPr>
+          <p:cNvPr id="20" name="Straight Connector 19">
+            <a:extLst>
+              <a:ext uri="{FF2B5EF4-FFF2-40B4-BE49-F238E27FC236}">
+                <a16:creationId xmlns:a16="http://schemas.microsoft.com/office/drawing/2014/main" id="{CEEA40C4-6B9E-4B9E-8CDF-A0C572462EAD}"/>
+              </a:ext>
+              <a:ext uri="{C183D7F6-B498-43B3-948B-1728B52AA6E4}">
+                <adec:decorative xmlns:adec="http://schemas.microsoft.com/office/drawing/2017/decorative" val="1"/>
+              </a:ext>
+            </a:extLst>
+          </p:cNvPr>
+          <p:cNvCxnSpPr>
+            <a:cxnSpLocks noGrp="1" noRot="1" noChangeAspect="1" noMove="1" noResize="1" noEditPoints="1" noAdjustHandles="1" noChangeArrowheads="1" noChangeShapeType="1"/>
+          </p:cNvCxnSpPr>
+          <p:nvPr>
+            <p:extLst>
+              <p:ext uri="{386F3935-93C4-4BCD-93E2-E3B085C9AB24}">
+                <p16:designElem xmlns:p16="http://schemas.microsoft.com/office/powerpoint/2015/main" val="1"/>
+              </p:ext>
+            </p:extLst>
+          </p:nvPr>
+        </p:nvCxnSpPr>
+        <p:spPr>
+          <a:xfrm flipH="1">
+            <a:off x="565869" y="573757"/>
+            <a:ext cx="11054799" cy="0"/>
+          </a:xfrm>
+          <a:prstGeom prst="line">
+            <a:avLst/>
+          </a:prstGeom>
+          <a:ln>
+            <a:solidFill>
+              <a:schemeClr val="tx1"/>
+            </a:solidFill>
+          </a:ln>
+        </p:spPr>
+        <p:style>
+          <a:lnRef idx="1">
+            <a:schemeClr val="accent1"/>
+          </a:lnRef>
+          <a:fillRef idx="0">
+            <a:schemeClr val="accent1"/>
+          </a:fillRef>
+          <a:effectRef idx="0">
+            <a:schemeClr val="accent1"/>
+          </a:effectRef>
+          <a:fontRef idx="minor">
+            <a:schemeClr val="tx1"/>
+          </a:fontRef>
+        </p:style>
+      </p:cxnSp>
+      <p:pic>
+        <p:nvPicPr>
+          <p:cNvPr id="7" name="Content Placeholder 6" descr="A computer screen shot of a computer code&#10;&#10;AI-generated content may be incorrect.">
+            <a:extLst>
+              <a:ext uri="{FF2B5EF4-FFF2-40B4-BE49-F238E27FC236}">
+                <a16:creationId xmlns:a16="http://schemas.microsoft.com/office/drawing/2014/main" id="{DA080EBA-2075-797D-7BFD-52804642C517}"/>
+              </a:ext>
+            </a:extLst>
+          </p:cNvPr>
+          <p:cNvPicPr>
+            <a:picLocks noGrp="1" noChangeAspect="1"/>
+          </p:cNvPicPr>
+          <p:nvPr>
+            <p:ph idx="1"/>
+          </p:nvPr>
+        </p:nvPicPr>
+        <p:blipFill>
+          <a:blip r:embed="rId2">
+            <a:extLst>
+              <a:ext uri="{28A0092B-C50C-407E-A947-70E740481C1C}">
+                <a14:useLocalDpi xmlns:a14="http://schemas.microsoft.com/office/drawing/2010/main" val="0"/>
+              </a:ext>
+            </a:extLst>
+          </a:blip>
+          <a:stretch>
+            <a:fillRect/>
+          </a:stretch>
+        </p:blipFill>
+        <p:spPr>
+          <a:xfrm>
+            <a:off x="580406" y="2702796"/>
+            <a:ext cx="11027305" cy="1598958"/>
+          </a:xfrm>
+          <a:prstGeom prst="rect">
+            <a:avLst/>
+          </a:prstGeom>
+        </p:spPr>
+      </p:pic>
+      <p:cxnSp>
+        <p:nvCxnSpPr>
+          <p:cNvPr id="22" name="Straight Connector 21">
+            <a:extLst>
+              <a:ext uri="{FF2B5EF4-FFF2-40B4-BE49-F238E27FC236}">
+                <a16:creationId xmlns:a16="http://schemas.microsoft.com/office/drawing/2014/main" id="{179A2A06-A424-4BBD-A8A4-293F16F1BE2B}"/>
+              </a:ext>
+              <a:ext uri="{C183D7F6-B498-43B3-948B-1728B52AA6E4}">
+                <adec:decorative xmlns:adec="http://schemas.microsoft.com/office/drawing/2017/decorative" val="1"/>
+              </a:ext>
+            </a:extLst>
+          </p:cNvPr>
+          <p:cNvCxnSpPr>
+            <a:cxnSpLocks noGrp="1" noRot="1" noChangeAspect="1" noMove="1" noResize="1" noEditPoints="1" noAdjustHandles="1" noChangeArrowheads="1" noChangeShapeType="1"/>
+          </p:cNvCxnSpPr>
+          <p:nvPr>
+            <p:extLst>
+              <p:ext uri="{386F3935-93C4-4BCD-93E2-E3B085C9AB24}">
+                <p16:designElem xmlns:p16="http://schemas.microsoft.com/office/powerpoint/2015/main" val="1"/>
+              </p:ext>
+            </p:extLst>
+          </p:nvPr>
+        </p:nvCxnSpPr>
+        <p:spPr>
+          <a:xfrm flipH="1">
+            <a:off x="571501" y="5240579"/>
+            <a:ext cx="11036211" cy="0"/>
+          </a:xfrm>
+          <a:prstGeom prst="line">
+            <a:avLst/>
+          </a:prstGeom>
+          <a:ln>
+            <a:solidFill>
+              <a:schemeClr val="tx1"/>
+            </a:solidFill>
+          </a:ln>
+        </p:spPr>
+        <p:style>
+          <a:lnRef idx="1">
+            <a:schemeClr val="accent1"/>
+          </a:lnRef>
+          <a:fillRef idx="0">
+            <a:schemeClr val="accent1"/>
+          </a:fillRef>
+          <a:effectRef idx="0">
+            <a:schemeClr val="accent1"/>
+          </a:effectRef>
+          <a:fontRef idx="minor">
+            <a:schemeClr val="tx1"/>
+          </a:fontRef>
+        </p:style>
+      </p:cxnSp>
+      <p:cxnSp>
+        <p:nvCxnSpPr>
+          <p:cNvPr id="24" name="Straight Connector 23">
+            <a:extLst>
+              <a:ext uri="{FF2B5EF4-FFF2-40B4-BE49-F238E27FC236}">
+                <a16:creationId xmlns:a16="http://schemas.microsoft.com/office/drawing/2014/main" id="{AE458AAC-F667-498F-A263-A8C7AB4FC960}"/>
+              </a:ext>
+              <a:ext uri="{C183D7F6-B498-43B3-948B-1728B52AA6E4}">
+                <adec:decorative xmlns:adec="http://schemas.microsoft.com/office/drawing/2017/decorative" val="1"/>
+              </a:ext>
+            </a:extLst>
+          </p:cNvPr>
+          <p:cNvCxnSpPr>
+            <a:cxnSpLocks noGrp="1" noRot="1" noChangeAspect="1" noMove="1" noResize="1" noEditPoints="1" noAdjustHandles="1" noChangeArrowheads="1" noChangeShapeType="1"/>
+          </p:cNvCxnSpPr>
+          <p:nvPr>
+            <p:extLst>
+              <p:ext uri="{386F3935-93C4-4BCD-93E2-E3B085C9AB24}">
+                <p16:designElem xmlns:p16="http://schemas.microsoft.com/office/powerpoint/2015/main" val="1"/>
+              </p:ext>
+            </p:extLst>
+          </p:nvPr>
+        </p:nvCxnSpPr>
+        <p:spPr>
+          <a:xfrm flipH="1">
+            <a:off x="561819" y="6289514"/>
+            <a:ext cx="11054799" cy="0"/>
+          </a:xfrm>
+          <a:prstGeom prst="line">
+            <a:avLst/>
+          </a:prstGeom>
+          <a:ln>
+            <a:solidFill>
+              <a:schemeClr val="tx1"/>
+            </a:solidFill>
+          </a:ln>
+        </p:spPr>
+        <p:style>
+          <a:lnRef idx="1">
+            <a:schemeClr val="accent1"/>
+          </a:lnRef>
+          <a:fillRef idx="0">
+            <a:schemeClr val="accent1"/>
+          </a:fillRef>
+          <a:effectRef idx="0">
+            <a:schemeClr val="accent1"/>
+          </a:effectRef>
+          <a:fontRef idx="minor">
+            <a:schemeClr val="tx1"/>
+          </a:fontRef>
+        </p:style>
+      </p:cxnSp>
+    </p:spTree>
+    <p:extLst>
+      <p:ext uri="{BB962C8B-B14F-4D97-AF65-F5344CB8AC3E}">
+        <p14:creationId xmlns:p14="http://schemas.microsoft.com/office/powerpoint/2010/main" val="2690459184"/>
+      </p:ext>
+    </p:extLst>
+  </p:cSld>
+  <p:clrMapOvr>
+    <a:masterClrMapping/>
+  </p:clrMapOvr>
+</p:sld>
+</file>
+
+<file path=ppt/slides/slide13.xml><?xml version="1.0" encoding="utf-8"?>
+<p:sld xmlns:a="http://schemas.openxmlformats.org/drawingml/2006/main" xmlns:r="http://schemas.openxmlformats.org/officeDocument/2006/relationships" xmlns:p="http://schemas.openxmlformats.org/presentationml/2006/main">
+  <p:cSld>
+    <p:bg>
+      <p:bgPr>
+        <a:solidFill>
+          <a:schemeClr val="bg2"/>
+        </a:solidFill>
+        <a:effectLst/>
+      </p:bgPr>
+    </p:bg>
+    <p:spTree>
+      <p:nvGrpSpPr>
+        <p:cNvPr id="1" name=""/>
+        <p:cNvGrpSpPr/>
+        <p:nvPr/>
+      </p:nvGrpSpPr>
+      <p:grpSpPr>
+        <a:xfrm>
+          <a:off x="0" y="0"/>
+          <a:ext cx="0" cy="0"/>
+          <a:chOff x="0" y="0"/>
+          <a:chExt cx="0" cy="0"/>
+        </a:xfrm>
+      </p:grpSpPr>
+      <p:cxnSp>
+        <p:nvCxnSpPr>
+          <p:cNvPr id="10" name="Straight Connector 9">
+            <a:extLst>
+              <a:ext uri="{FF2B5EF4-FFF2-40B4-BE49-F238E27FC236}">
+                <a16:creationId xmlns:a16="http://schemas.microsoft.com/office/drawing/2014/main" id="{A240FCEE-B6E2-46D0-9BB0-F45F79545E9D}"/>
+              </a:ext>
+              <a:ext uri="{C183D7F6-B498-43B3-948B-1728B52AA6E4}">
+                <adec:decorative xmlns:adec="http://schemas.microsoft.com/office/drawing/2017/decorative" val="1"/>
+              </a:ext>
+            </a:extLst>
+          </p:cNvPr>
+          <p:cNvCxnSpPr>
+            <a:cxnSpLocks noGrp="1" noRot="1" noChangeAspect="1" noMove="1" noResize="1" noEditPoints="1" noAdjustHandles="1" noChangeArrowheads="1" noChangeShapeType="1"/>
+          </p:cNvCxnSpPr>
+          <p:nvPr>
+            <p:extLst>
+              <p:ext uri="{386F3935-93C4-4BCD-93E2-E3B085C9AB24}">
+                <p16:designElem xmlns:p16="http://schemas.microsoft.com/office/powerpoint/2015/main" val="1"/>
+              </p:ext>
+            </p:extLst>
+          </p:nvPr>
+        </p:nvCxnSpPr>
+        <p:spPr>
+          <a:xfrm flipH="1">
+            <a:off x="571501" y="571500"/>
+            <a:ext cx="11059811" cy="0"/>
+          </a:xfrm>
+          <a:prstGeom prst="line">
+            <a:avLst/>
+          </a:prstGeom>
+          <a:ln>
+            <a:solidFill>
+              <a:schemeClr val="tx1"/>
+            </a:solidFill>
+          </a:ln>
+        </p:spPr>
+        <p:style>
+          <a:lnRef idx="1">
+            <a:schemeClr val="accent1"/>
+          </a:lnRef>
+          <a:fillRef idx="0">
+            <a:schemeClr val="accent1"/>
+          </a:fillRef>
+          <a:effectRef idx="0">
+            <a:schemeClr val="accent1"/>
+          </a:effectRef>
+          <a:fontRef idx="minor">
+            <a:schemeClr val="tx1"/>
+          </a:fontRef>
+        </p:style>
+      </p:cxnSp>
+      <p:cxnSp>
+        <p:nvCxnSpPr>
+          <p:cNvPr id="12" name="Straight Connector 11">
+            <a:extLst>
+              <a:ext uri="{FF2B5EF4-FFF2-40B4-BE49-F238E27FC236}">
+                <a16:creationId xmlns:a16="http://schemas.microsoft.com/office/drawing/2014/main" id="{3BD2FB83-3783-4477-80B5-DA5BF10BAF57}"/>
+              </a:ext>
+              <a:ext uri="{C183D7F6-B498-43B3-948B-1728B52AA6E4}">
+                <adec:decorative xmlns:adec="http://schemas.microsoft.com/office/drawing/2017/decorative" val="1"/>
+              </a:ext>
+            </a:extLst>
+          </p:cNvPr>
+          <p:cNvCxnSpPr>
+            <a:cxnSpLocks noGrp="1" noRot="1" noChangeAspect="1" noMove="1" noResize="1" noEditPoints="1" noAdjustHandles="1" noChangeArrowheads="1" noChangeShapeType="1"/>
+          </p:cNvCxnSpPr>
+          <p:nvPr>
+            <p:extLst>
+              <p:ext uri="{386F3935-93C4-4BCD-93E2-E3B085C9AB24}">
+                <p16:designElem xmlns:p16="http://schemas.microsoft.com/office/powerpoint/2015/main" val="1"/>
+              </p:ext>
+            </p:extLst>
+          </p:nvPr>
+        </p:nvCxnSpPr>
+        <p:spPr>
+          <a:xfrm>
+            <a:off x="7742482" y="571500"/>
+            <a:ext cx="0" cy="5715000"/>
+          </a:xfrm>
+          <a:prstGeom prst="line">
+            <a:avLst/>
+          </a:prstGeom>
+          <a:ln>
+            <a:solidFill>
+              <a:schemeClr val="tx1"/>
+            </a:solidFill>
+          </a:ln>
+        </p:spPr>
+        <p:style>
+          <a:lnRef idx="1">
+            <a:schemeClr val="accent1"/>
+          </a:lnRef>
+          <a:fillRef idx="0">
+            <a:schemeClr val="accent1"/>
+          </a:fillRef>
+          <a:effectRef idx="0">
+            <a:schemeClr val="accent1"/>
+          </a:effectRef>
+          <a:fontRef idx="minor">
+            <a:schemeClr val="tx1"/>
+          </a:fontRef>
+        </p:style>
+      </p:cxnSp>
+      <p:cxnSp>
+        <p:nvCxnSpPr>
+          <p:cNvPr id="14" name="Straight Connector 13">
+            <a:extLst>
+              <a:ext uri="{FF2B5EF4-FFF2-40B4-BE49-F238E27FC236}">
+                <a16:creationId xmlns:a16="http://schemas.microsoft.com/office/drawing/2014/main" id="{E83EA203-71D5-49C0-9626-FFA8E46787B0}"/>
+              </a:ext>
+              <a:ext uri="{C183D7F6-B498-43B3-948B-1728B52AA6E4}">
+                <adec:decorative xmlns:adec="http://schemas.microsoft.com/office/drawing/2017/decorative" val="1"/>
+              </a:ext>
+            </a:extLst>
+          </p:cNvPr>
+          <p:cNvCxnSpPr>
+            <a:cxnSpLocks noGrp="1" noRot="1" noChangeAspect="1" noMove="1" noResize="1" noEditPoints="1" noAdjustHandles="1" noChangeArrowheads="1" noChangeShapeType="1"/>
+          </p:cNvCxnSpPr>
+          <p:nvPr>
+            <p:extLst>
+              <p:ext uri="{386F3935-93C4-4BCD-93E2-E3B085C9AB24}">
+                <p16:designElem xmlns:p16="http://schemas.microsoft.com/office/powerpoint/2015/main" val="1"/>
+              </p:ext>
+            </p:extLst>
+          </p:nvPr>
+        </p:nvCxnSpPr>
+        <p:spPr>
+          <a:xfrm flipH="1">
+            <a:off x="577485" y="6283518"/>
+            <a:ext cx="11059811" cy="0"/>
+          </a:xfrm>
+          <a:prstGeom prst="line">
+            <a:avLst/>
+          </a:prstGeom>
+          <a:ln>
+            <a:solidFill>
+              <a:schemeClr val="tx1"/>
+            </a:solidFill>
+          </a:ln>
+        </p:spPr>
+        <p:style>
+          <a:lnRef idx="1">
+            <a:schemeClr val="accent1"/>
+          </a:lnRef>
+          <a:fillRef idx="0">
+            <a:schemeClr val="accent1"/>
+          </a:fillRef>
+          <a:effectRef idx="0">
+            <a:schemeClr val="accent1"/>
+          </a:effectRef>
+          <a:fontRef idx="minor">
+            <a:schemeClr val="tx1"/>
+          </a:fontRef>
+        </p:style>
+      </p:cxnSp>
+      <p:sp useBgFill="1">
+        <p:nvSpPr>
+          <p:cNvPr id="16" name="Rectangle 15">
+            <a:extLst>
+              <a:ext uri="{FF2B5EF4-FFF2-40B4-BE49-F238E27FC236}">
+                <a16:creationId xmlns:a16="http://schemas.microsoft.com/office/drawing/2014/main" id="{D26BC87E-DCC8-4E66-972D-A587756DF30A}"/>
+              </a:ext>
+              <a:ext uri="{C183D7F6-B498-43B3-948B-1728B52AA6E4}">
+                <adec:decorative xmlns:adec="http://schemas.microsoft.com/office/drawing/2017/decorative" val="1"/>
+              </a:ext>
+            </a:extLst>
+          </p:cNvPr>
+          <p:cNvSpPr>
+            <a:spLocks noGrp="1" noRot="1" noChangeAspect="1" noMove="1" noResize="1" noEditPoints="1" noAdjustHandles="1" noChangeArrowheads="1" noChangeShapeType="1" noTextEdit="1"/>
+          </p:cNvSpPr>
+          <p:nvPr>
+            <p:extLst>
+              <p:ext uri="{386F3935-93C4-4BCD-93E2-E3B085C9AB24}">
+                <p16:designElem xmlns:p16="http://schemas.microsoft.com/office/powerpoint/2015/main" val="1"/>
+              </p:ext>
+            </p:extLst>
+          </p:nvPr>
+        </p:nvSpPr>
+        <p:spPr>
+          <a:xfrm>
+            <a:off x="-6782" y="0"/>
+            <a:ext cx="12198783" cy="6858000"/>
+          </a:xfrm>
+          <a:prstGeom prst="rect">
+            <a:avLst/>
+          </a:prstGeom>
+          <a:ln>
+            <a:noFill/>
+          </a:ln>
+        </p:spPr>
+        <p:style>
+          <a:lnRef idx="2">
+            <a:schemeClr val="accent1">
+              <a:shade val="50000"/>
+            </a:schemeClr>
+          </a:lnRef>
+          <a:fillRef idx="1">
+            <a:schemeClr val="accent1"/>
+          </a:fillRef>
+          <a:effectRef idx="0">
+            <a:schemeClr val="accent1"/>
+          </a:effectRef>
+          <a:fontRef idx="minor">
+            <a:schemeClr val="lt1"/>
+          </a:fontRef>
+        </p:style>
+        <p:txBody>
+          <a:bodyPr rtlCol="0" anchor="ctr"/>
+          <a:lstStyle/>
+          <a:p>
+            <a:pPr algn="ctr"/>
+            <a:endParaRPr lang="en-US"/>
+          </a:p>
+        </p:txBody>
+      </p:sp>
+      <p:sp>
+        <p:nvSpPr>
+          <p:cNvPr id="2" name="Title 1">
+            <a:extLst>
+              <a:ext uri="{FF2B5EF4-FFF2-40B4-BE49-F238E27FC236}">
+                <a16:creationId xmlns:a16="http://schemas.microsoft.com/office/drawing/2014/main" id="{B5E43ED7-CC4F-CD87-F8BE-9913BA9F6845}"/>
+              </a:ext>
+            </a:extLst>
+          </p:cNvPr>
+          <p:cNvSpPr>
+            <a:spLocks noGrp="1"/>
+          </p:cNvSpPr>
+          <p:nvPr>
+            <p:ph type="title"/>
+          </p:nvPr>
+        </p:nvSpPr>
+        <p:spPr>
+          <a:xfrm>
+            <a:off x="521208" y="822960"/>
+            <a:ext cx="3898392" cy="5049781"/>
+          </a:xfrm>
+        </p:spPr>
+        <p:txBody>
+          <a:bodyPr vert="horz" lIns="91440" tIns="45720" rIns="91440" bIns="45720" rtlCol="0" anchor="t">
+            <a:normAutofit/>
+          </a:bodyPr>
+          <a:lstStyle/>
+          <a:p>
+            <a:r>
+              <a:rPr lang="en-US" sz="1900" b="1" dirty="0"/>
+              <a:t>Modeling and Evaluation</a:t>
+            </a:r>
+            <a:br>
+              <a:rPr lang="en-US" sz="1900" dirty="0"/>
+            </a:br>
+            <a:r>
+              <a:rPr lang="en-US" sz="1900" dirty="0"/>
+              <a:t>This slide details the modeling process: features (model, hp, year, mileage, </a:t>
+            </a:r>
+            <a:r>
+              <a:rPr lang="en-US" sz="1900" dirty="0" err="1"/>
+              <a:t>offerType</a:t>
+            </a:r>
+            <a:r>
+              <a:rPr lang="en-US" sz="1900" dirty="0"/>
+              <a:t>) and target (price) are selected, split into training and test sets (70-30 split), and scaled using </a:t>
+            </a:r>
+            <a:r>
+              <a:rPr lang="en-US" sz="1900" dirty="0" err="1"/>
+              <a:t>StandardScaler</a:t>
+            </a:r>
+            <a:r>
+              <a:rPr lang="en-US" sz="1900" dirty="0"/>
+              <a:t>. A </a:t>
+            </a:r>
+            <a:r>
+              <a:rPr lang="en-US" sz="1900" dirty="0" err="1"/>
+              <a:t>RandomForestRegressor</a:t>
+            </a:r>
+            <a:r>
+              <a:rPr lang="en-US" sz="1900" dirty="0"/>
+              <a:t> model is trained, achieving a 91.66% accuracy (R² score) on the test set, with comparisons to a KNeighborsRegressor model.</a:t>
+            </a:r>
+            <a:br>
+              <a:rPr lang="en-US" sz="1900" dirty="0"/>
+            </a:br>
+            <a:endParaRPr lang="en-US" sz="1900" dirty="0"/>
+          </a:p>
+        </p:txBody>
+      </p:sp>
+      <p:cxnSp>
+        <p:nvCxnSpPr>
+          <p:cNvPr id="18" name="Straight Connector 17">
+            <a:extLst>
+              <a:ext uri="{FF2B5EF4-FFF2-40B4-BE49-F238E27FC236}">
+                <a16:creationId xmlns:a16="http://schemas.microsoft.com/office/drawing/2014/main" id="{8B45C962-0D68-4A01-9627-70DEBBC363C7}"/>
+              </a:ext>
+              <a:ext uri="{C183D7F6-B498-43B3-948B-1728B52AA6E4}">
+                <adec:decorative xmlns:adec="http://schemas.microsoft.com/office/drawing/2017/decorative" val="1"/>
+              </a:ext>
+            </a:extLst>
+          </p:cNvPr>
+          <p:cNvCxnSpPr>
+            <a:cxnSpLocks noGrp="1" noRot="1" noChangeAspect="1" noMove="1" noResize="1" noEditPoints="1" noAdjustHandles="1" noChangeArrowheads="1" noChangeShapeType="1"/>
+          </p:cNvCxnSpPr>
+          <p:nvPr>
+            <p:extLst>
+              <p:ext uri="{386F3935-93C4-4BCD-93E2-E3B085C9AB24}">
+                <p16:designElem xmlns:p16="http://schemas.microsoft.com/office/powerpoint/2015/main" val="1"/>
+              </p:ext>
+            </p:extLst>
+          </p:nvPr>
+        </p:nvCxnSpPr>
+        <p:spPr>
+          <a:xfrm flipH="1">
+            <a:off x="577175" y="571500"/>
+            <a:ext cx="11054799" cy="0"/>
+          </a:xfrm>
+          <a:prstGeom prst="line">
+            <a:avLst/>
+          </a:prstGeom>
+          <a:ln>
+            <a:solidFill>
+              <a:schemeClr val="tx1"/>
+            </a:solidFill>
+          </a:ln>
+        </p:spPr>
+        <p:style>
+          <a:lnRef idx="1">
+            <a:schemeClr val="accent1"/>
+          </a:lnRef>
+          <a:fillRef idx="0">
+            <a:schemeClr val="accent1"/>
+          </a:fillRef>
+          <a:effectRef idx="0">
+            <a:schemeClr val="accent1"/>
+          </a:effectRef>
+          <a:fontRef idx="minor">
+            <a:schemeClr val="tx1"/>
+          </a:fontRef>
+        </p:style>
+      </p:cxnSp>
+      <p:cxnSp>
+        <p:nvCxnSpPr>
+          <p:cNvPr id="20" name="Straight Connector 19">
+            <a:extLst>
+              <a:ext uri="{FF2B5EF4-FFF2-40B4-BE49-F238E27FC236}">
+                <a16:creationId xmlns:a16="http://schemas.microsoft.com/office/drawing/2014/main" id="{F1D89FBF-493B-4E7D-B511-7E40674F6323}"/>
+              </a:ext>
+              <a:ext uri="{C183D7F6-B498-43B3-948B-1728B52AA6E4}">
+                <adec:decorative xmlns:adec="http://schemas.microsoft.com/office/drawing/2017/decorative" val="1"/>
+              </a:ext>
+            </a:extLst>
+          </p:cNvPr>
+          <p:cNvCxnSpPr>
+            <a:cxnSpLocks noGrp="1" noRot="1" noChangeAspect="1" noMove="1" noResize="1" noEditPoints="1" noAdjustHandles="1" noChangeArrowheads="1" noChangeShapeType="1"/>
+          </p:cNvCxnSpPr>
+          <p:nvPr>
+            <p:extLst>
+              <p:ext uri="{386F3935-93C4-4BCD-93E2-E3B085C9AB24}">
+                <p16:designElem xmlns:p16="http://schemas.microsoft.com/office/powerpoint/2015/main" val="1"/>
+              </p:ext>
+            </p:extLst>
+          </p:nvPr>
+        </p:nvCxnSpPr>
+        <p:spPr>
+          <a:xfrm>
+            <a:off x="5524500" y="573971"/>
+            <a:ext cx="0" cy="5712529"/>
+          </a:xfrm>
+          <a:prstGeom prst="line">
+            <a:avLst/>
+          </a:prstGeom>
+          <a:ln>
+            <a:solidFill>
+              <a:schemeClr val="tx1"/>
+            </a:solidFill>
+          </a:ln>
+        </p:spPr>
+        <p:style>
+          <a:lnRef idx="1">
+            <a:schemeClr val="accent1"/>
+          </a:lnRef>
+          <a:fillRef idx="0">
+            <a:schemeClr val="accent1"/>
+          </a:fillRef>
+          <a:effectRef idx="0">
+            <a:schemeClr val="accent1"/>
+          </a:effectRef>
+          <a:fontRef idx="minor">
+            <a:schemeClr val="tx1"/>
+          </a:fontRef>
+        </p:style>
+      </p:cxnSp>
+      <p:pic>
+        <p:nvPicPr>
+          <p:cNvPr id="5" name="Content Placeholder 4" descr="A screenshot of a computer program&#10;&#10;AI-generated content may be incorrect.">
+            <a:extLst>
+              <a:ext uri="{FF2B5EF4-FFF2-40B4-BE49-F238E27FC236}">
+                <a16:creationId xmlns:a16="http://schemas.microsoft.com/office/drawing/2014/main" id="{57CEAB2C-086F-7854-2881-41897B0F42C1}"/>
+              </a:ext>
+            </a:extLst>
+          </p:cNvPr>
+          <p:cNvPicPr>
+            <a:picLocks noGrp="1" noChangeAspect="1"/>
+          </p:cNvPicPr>
+          <p:nvPr>
+            <p:ph idx="1"/>
+          </p:nvPr>
+        </p:nvPicPr>
+        <p:blipFill>
+          <a:blip r:embed="rId2">
+            <a:extLst>
+              <a:ext uri="{28A0092B-C50C-407E-A947-70E740481C1C}">
+                <a14:useLocalDpi xmlns:a14="http://schemas.microsoft.com/office/drawing/2010/main" val="0"/>
+              </a:ext>
+            </a:extLst>
+          </a:blip>
+          <a:stretch>
+            <a:fillRect/>
+          </a:stretch>
+        </p:blipFill>
+        <p:spPr>
+          <a:xfrm>
+            <a:off x="6063631" y="853692"/>
+            <a:ext cx="5293618" cy="4367235"/>
+          </a:xfrm>
+          <a:prstGeom prst="rect">
+            <a:avLst/>
+          </a:prstGeom>
+        </p:spPr>
+      </p:pic>
+      <p:cxnSp>
+        <p:nvCxnSpPr>
+          <p:cNvPr id="22" name="Straight Connector 21">
+            <a:extLst>
+              <a:ext uri="{FF2B5EF4-FFF2-40B4-BE49-F238E27FC236}">
+                <a16:creationId xmlns:a16="http://schemas.microsoft.com/office/drawing/2014/main" id="{4BCC744E-5590-4542-B37F-B764470BF05E}"/>
+              </a:ext>
+              <a:ext uri="{C183D7F6-B498-43B3-948B-1728B52AA6E4}">
+                <adec:decorative xmlns:adec="http://schemas.microsoft.com/office/drawing/2017/decorative" val="1"/>
+              </a:ext>
+            </a:extLst>
+          </p:cNvPr>
+          <p:cNvCxnSpPr>
+            <a:cxnSpLocks noGrp="1" noRot="1" noChangeAspect="1" noMove="1" noResize="1" noEditPoints="1" noAdjustHandles="1" noChangeArrowheads="1" noChangeShapeType="1"/>
+          </p:cNvCxnSpPr>
+          <p:nvPr>
+            <p:extLst>
+              <p:ext uri="{386F3935-93C4-4BCD-93E2-E3B085C9AB24}">
+                <p16:designElem xmlns:p16="http://schemas.microsoft.com/office/powerpoint/2015/main" val="1"/>
+              </p:ext>
+            </p:extLst>
+          </p:nvPr>
+        </p:nvCxnSpPr>
+        <p:spPr>
+          <a:xfrm flipH="1">
+            <a:off x="577176" y="6286500"/>
+            <a:ext cx="11043324" cy="0"/>
+          </a:xfrm>
+          <a:prstGeom prst="line">
+            <a:avLst/>
+          </a:prstGeom>
+          <a:ln>
+            <a:solidFill>
+              <a:schemeClr val="tx1"/>
+            </a:solidFill>
+          </a:ln>
+        </p:spPr>
+        <p:style>
+          <a:lnRef idx="1">
+            <a:schemeClr val="accent1"/>
+          </a:lnRef>
+          <a:fillRef idx="0">
+            <a:schemeClr val="accent1"/>
+          </a:fillRef>
+          <a:effectRef idx="0">
+            <a:schemeClr val="accent1"/>
+          </a:effectRef>
+          <a:fontRef idx="minor">
+            <a:schemeClr val="tx1"/>
+          </a:fontRef>
+        </p:style>
+      </p:cxnSp>
+    </p:spTree>
+    <p:extLst>
+      <p:ext uri="{BB962C8B-B14F-4D97-AF65-F5344CB8AC3E}">
+        <p14:creationId xmlns:p14="http://schemas.microsoft.com/office/powerpoint/2010/main" val="1176901021"/>
+      </p:ext>
+    </p:extLst>
+  </p:cSld>
+  <p:clrMapOvr>
+    <a:masterClrMapping/>
+  </p:clrMapOvr>
+</p:sld>
+</file>
+
+<file path=ppt/slides/slide2.xml><?xml version="1.0" encoding="utf-8"?>
+<p:sld xmlns:a="http://schemas.openxmlformats.org/drawingml/2006/main" xmlns:r="http://schemas.openxmlformats.org/officeDocument/2006/relationships" xmlns:p="http://schemas.openxmlformats.org/presentationml/2006/main">
+  <p:cSld>
     <p:bg>
       <p:bgPr>
         <a:solidFill>
@@ -4923,1545 +10611,7 @@
 </p:sld>
 </file>
 
-<file path=ppt/slides/slide10.xml><?xml version="1.0" encoding="utf-8"?>
-<p:sld xmlns:a="http://schemas.openxmlformats.org/drawingml/2006/main" xmlns:r="http://schemas.openxmlformats.org/officeDocument/2006/relationships" xmlns:p="http://schemas.openxmlformats.org/presentationml/2006/main">
-  <p:cSld>
-    <p:bg>
-      <p:bgPr>
-        <a:solidFill>
-          <a:schemeClr val="bg2"/>
-        </a:solidFill>
-        <a:effectLst/>
-      </p:bgPr>
-    </p:bg>
-    <p:spTree>
-      <p:nvGrpSpPr>
-        <p:cNvPr id="1" name=""/>
-        <p:cNvGrpSpPr/>
-        <p:nvPr/>
-      </p:nvGrpSpPr>
-      <p:grpSpPr>
-        <a:xfrm>
-          <a:off x="0" y="0"/>
-          <a:ext cx="0" cy="0"/>
-          <a:chOff x="0" y="0"/>
-          <a:chExt cx="0" cy="0"/>
-        </a:xfrm>
-      </p:grpSpPr>
-      <p:cxnSp>
-        <p:nvCxnSpPr>
-          <p:cNvPr id="10" name="Straight Connector 9">
-            <a:extLst>
-              <a:ext uri="{FF2B5EF4-FFF2-40B4-BE49-F238E27FC236}">
-                <a16:creationId xmlns:a16="http://schemas.microsoft.com/office/drawing/2014/main" id="{A240FCEE-B6E2-46D0-9BB0-F45F79545E9D}"/>
-              </a:ext>
-              <a:ext uri="{C183D7F6-B498-43B3-948B-1728B52AA6E4}">
-                <adec:decorative xmlns:adec="http://schemas.microsoft.com/office/drawing/2017/decorative" val="1"/>
-              </a:ext>
-            </a:extLst>
-          </p:cNvPr>
-          <p:cNvCxnSpPr>
-            <a:cxnSpLocks noGrp="1" noRot="1" noChangeAspect="1" noMove="1" noResize="1" noEditPoints="1" noAdjustHandles="1" noChangeArrowheads="1" noChangeShapeType="1"/>
-          </p:cNvCxnSpPr>
-          <p:nvPr>
-            <p:extLst>
-              <p:ext uri="{386F3935-93C4-4BCD-93E2-E3B085C9AB24}">
-                <p16:designElem xmlns:p16="http://schemas.microsoft.com/office/powerpoint/2015/main" val="1"/>
-              </p:ext>
-            </p:extLst>
-          </p:nvPr>
-        </p:nvCxnSpPr>
-        <p:spPr>
-          <a:xfrm flipH="1">
-            <a:off x="571501" y="571500"/>
-            <a:ext cx="11059811" cy="0"/>
-          </a:xfrm>
-          <a:prstGeom prst="line">
-            <a:avLst/>
-          </a:prstGeom>
-          <a:ln>
-            <a:solidFill>
-              <a:schemeClr val="tx1"/>
-            </a:solidFill>
-          </a:ln>
-        </p:spPr>
-        <p:style>
-          <a:lnRef idx="1">
-            <a:schemeClr val="accent1"/>
-          </a:lnRef>
-          <a:fillRef idx="0">
-            <a:schemeClr val="accent1"/>
-          </a:fillRef>
-          <a:effectRef idx="0">
-            <a:schemeClr val="accent1"/>
-          </a:effectRef>
-          <a:fontRef idx="minor">
-            <a:schemeClr val="tx1"/>
-          </a:fontRef>
-        </p:style>
-      </p:cxnSp>
-      <p:cxnSp>
-        <p:nvCxnSpPr>
-          <p:cNvPr id="12" name="Straight Connector 11">
-            <a:extLst>
-              <a:ext uri="{FF2B5EF4-FFF2-40B4-BE49-F238E27FC236}">
-                <a16:creationId xmlns:a16="http://schemas.microsoft.com/office/drawing/2014/main" id="{3BD2FB83-3783-4477-80B5-DA5BF10BAF57}"/>
-              </a:ext>
-              <a:ext uri="{C183D7F6-B498-43B3-948B-1728B52AA6E4}">
-                <adec:decorative xmlns:adec="http://schemas.microsoft.com/office/drawing/2017/decorative" val="1"/>
-              </a:ext>
-            </a:extLst>
-          </p:cNvPr>
-          <p:cNvCxnSpPr>
-            <a:cxnSpLocks noGrp="1" noRot="1" noChangeAspect="1" noMove="1" noResize="1" noEditPoints="1" noAdjustHandles="1" noChangeArrowheads="1" noChangeShapeType="1"/>
-          </p:cNvCxnSpPr>
-          <p:nvPr>
-            <p:extLst>
-              <p:ext uri="{386F3935-93C4-4BCD-93E2-E3B085C9AB24}">
-                <p16:designElem xmlns:p16="http://schemas.microsoft.com/office/powerpoint/2015/main" val="1"/>
-              </p:ext>
-            </p:extLst>
-          </p:nvPr>
-        </p:nvCxnSpPr>
-        <p:spPr>
-          <a:xfrm>
-            <a:off x="7742482" y="571500"/>
-            <a:ext cx="0" cy="5715000"/>
-          </a:xfrm>
-          <a:prstGeom prst="line">
-            <a:avLst/>
-          </a:prstGeom>
-          <a:ln>
-            <a:solidFill>
-              <a:schemeClr val="tx1"/>
-            </a:solidFill>
-          </a:ln>
-        </p:spPr>
-        <p:style>
-          <a:lnRef idx="1">
-            <a:schemeClr val="accent1"/>
-          </a:lnRef>
-          <a:fillRef idx="0">
-            <a:schemeClr val="accent1"/>
-          </a:fillRef>
-          <a:effectRef idx="0">
-            <a:schemeClr val="accent1"/>
-          </a:effectRef>
-          <a:fontRef idx="minor">
-            <a:schemeClr val="tx1"/>
-          </a:fontRef>
-        </p:style>
-      </p:cxnSp>
-      <p:cxnSp>
-        <p:nvCxnSpPr>
-          <p:cNvPr id="14" name="Straight Connector 13">
-            <a:extLst>
-              <a:ext uri="{FF2B5EF4-FFF2-40B4-BE49-F238E27FC236}">
-                <a16:creationId xmlns:a16="http://schemas.microsoft.com/office/drawing/2014/main" id="{E83EA203-71D5-49C0-9626-FFA8E46787B0}"/>
-              </a:ext>
-              <a:ext uri="{C183D7F6-B498-43B3-948B-1728B52AA6E4}">
-                <adec:decorative xmlns:adec="http://schemas.microsoft.com/office/drawing/2017/decorative" val="1"/>
-              </a:ext>
-            </a:extLst>
-          </p:cNvPr>
-          <p:cNvCxnSpPr>
-            <a:cxnSpLocks noGrp="1" noRot="1" noChangeAspect="1" noMove="1" noResize="1" noEditPoints="1" noAdjustHandles="1" noChangeArrowheads="1" noChangeShapeType="1"/>
-          </p:cNvCxnSpPr>
-          <p:nvPr>
-            <p:extLst>
-              <p:ext uri="{386F3935-93C4-4BCD-93E2-E3B085C9AB24}">
-                <p16:designElem xmlns:p16="http://schemas.microsoft.com/office/powerpoint/2015/main" val="1"/>
-              </p:ext>
-            </p:extLst>
-          </p:nvPr>
-        </p:nvCxnSpPr>
-        <p:spPr>
-          <a:xfrm flipH="1">
-            <a:off x="577485" y="6283518"/>
-            <a:ext cx="11059811" cy="0"/>
-          </a:xfrm>
-          <a:prstGeom prst="line">
-            <a:avLst/>
-          </a:prstGeom>
-          <a:ln>
-            <a:solidFill>
-              <a:schemeClr val="tx1"/>
-            </a:solidFill>
-          </a:ln>
-        </p:spPr>
-        <p:style>
-          <a:lnRef idx="1">
-            <a:schemeClr val="accent1"/>
-          </a:lnRef>
-          <a:fillRef idx="0">
-            <a:schemeClr val="accent1"/>
-          </a:fillRef>
-          <a:effectRef idx="0">
-            <a:schemeClr val="accent1"/>
-          </a:effectRef>
-          <a:fontRef idx="minor">
-            <a:schemeClr val="tx1"/>
-          </a:fontRef>
-        </p:style>
-      </p:cxnSp>
-      <p:sp useBgFill="1">
-        <p:nvSpPr>
-          <p:cNvPr id="16" name="Rectangle 15">
-            <a:extLst>
-              <a:ext uri="{FF2B5EF4-FFF2-40B4-BE49-F238E27FC236}">
-                <a16:creationId xmlns:a16="http://schemas.microsoft.com/office/drawing/2014/main" id="{D26BC87E-DCC8-4E66-972D-A587756DF30A}"/>
-              </a:ext>
-              <a:ext uri="{C183D7F6-B498-43B3-948B-1728B52AA6E4}">
-                <adec:decorative xmlns:adec="http://schemas.microsoft.com/office/drawing/2017/decorative" val="1"/>
-              </a:ext>
-            </a:extLst>
-          </p:cNvPr>
-          <p:cNvSpPr>
-            <a:spLocks noGrp="1" noRot="1" noChangeAspect="1" noMove="1" noResize="1" noEditPoints="1" noAdjustHandles="1" noChangeArrowheads="1" noChangeShapeType="1" noTextEdit="1"/>
-          </p:cNvSpPr>
-          <p:nvPr>
-            <p:extLst>
-              <p:ext uri="{386F3935-93C4-4BCD-93E2-E3B085C9AB24}">
-                <p16:designElem xmlns:p16="http://schemas.microsoft.com/office/powerpoint/2015/main" val="1"/>
-              </p:ext>
-            </p:extLst>
-          </p:nvPr>
-        </p:nvSpPr>
-        <p:spPr>
-          <a:xfrm>
-            <a:off x="-6782" y="0"/>
-            <a:ext cx="12198783" cy="6858000"/>
-          </a:xfrm>
-          <a:prstGeom prst="rect">
-            <a:avLst/>
-          </a:prstGeom>
-          <a:ln>
-            <a:noFill/>
-          </a:ln>
-        </p:spPr>
-        <p:style>
-          <a:lnRef idx="2">
-            <a:schemeClr val="accent1">
-              <a:shade val="50000"/>
-            </a:schemeClr>
-          </a:lnRef>
-          <a:fillRef idx="1">
-            <a:schemeClr val="accent1"/>
-          </a:fillRef>
-          <a:effectRef idx="0">
-            <a:schemeClr val="accent1"/>
-          </a:effectRef>
-          <a:fontRef idx="minor">
-            <a:schemeClr val="lt1"/>
-          </a:fontRef>
-        </p:style>
-        <p:txBody>
-          <a:bodyPr rtlCol="0" anchor="ctr"/>
-          <a:lstStyle/>
-          <a:p>
-            <a:pPr algn="ctr"/>
-            <a:endParaRPr lang="en-US"/>
-          </a:p>
-        </p:txBody>
-      </p:sp>
-      <p:sp>
-        <p:nvSpPr>
-          <p:cNvPr id="2" name="Title 1">
-            <a:extLst>
-              <a:ext uri="{FF2B5EF4-FFF2-40B4-BE49-F238E27FC236}">
-                <a16:creationId xmlns:a16="http://schemas.microsoft.com/office/drawing/2014/main" id="{0CCE024D-21E4-2548-6944-162927887598}"/>
-              </a:ext>
-            </a:extLst>
-          </p:cNvPr>
-          <p:cNvSpPr>
-            <a:spLocks noGrp="1"/>
-          </p:cNvSpPr>
-          <p:nvPr>
-            <p:ph type="title"/>
-          </p:nvPr>
-        </p:nvSpPr>
-        <p:spPr>
-          <a:xfrm>
-            <a:off x="521208" y="822960"/>
-            <a:ext cx="3898392" cy="5049781"/>
-          </a:xfrm>
-        </p:spPr>
-        <p:txBody>
-          <a:bodyPr vert="horz" lIns="91440" tIns="45720" rIns="91440" bIns="45720" rtlCol="0" anchor="t">
-            <a:normAutofit/>
-          </a:bodyPr>
-          <a:lstStyle/>
-          <a:p>
-            <a:r>
-              <a:rPr lang="en-US" sz="1900" b="1"/>
-              <a:t>EDA: Correlation Heatmap</a:t>
-            </a:r>
-            <a:br>
-              <a:rPr lang="en-US" sz="1900"/>
-            </a:br>
-            <a:r>
-              <a:rPr lang="en-US" sz="1900"/>
-              <a:t>This slide shows a correlation heatmap for numerical columns (mileage, price, hp, year), created using seaborn and matplotlib. Key correlations include price with hp (0.80) and year (0.46), indicating strong positive relationships, while mileage has a negative correlation with year (-0.66), suggesting newer cars have lower mileage. The heatmap uses a coolwarm color scheme.</a:t>
-            </a:r>
-            <a:br>
-              <a:rPr lang="en-US" sz="1900"/>
-            </a:br>
-            <a:endParaRPr lang="en-US" sz="1900"/>
-          </a:p>
-        </p:txBody>
-      </p:sp>
-      <p:cxnSp>
-        <p:nvCxnSpPr>
-          <p:cNvPr id="18" name="Straight Connector 17">
-            <a:extLst>
-              <a:ext uri="{FF2B5EF4-FFF2-40B4-BE49-F238E27FC236}">
-                <a16:creationId xmlns:a16="http://schemas.microsoft.com/office/drawing/2014/main" id="{8B45C962-0D68-4A01-9627-70DEBBC363C7}"/>
-              </a:ext>
-              <a:ext uri="{C183D7F6-B498-43B3-948B-1728B52AA6E4}">
-                <adec:decorative xmlns:adec="http://schemas.microsoft.com/office/drawing/2017/decorative" val="1"/>
-              </a:ext>
-            </a:extLst>
-          </p:cNvPr>
-          <p:cNvCxnSpPr>
-            <a:cxnSpLocks noGrp="1" noRot="1" noChangeAspect="1" noMove="1" noResize="1" noEditPoints="1" noAdjustHandles="1" noChangeArrowheads="1" noChangeShapeType="1"/>
-          </p:cNvCxnSpPr>
-          <p:nvPr>
-            <p:extLst>
-              <p:ext uri="{386F3935-93C4-4BCD-93E2-E3B085C9AB24}">
-                <p16:designElem xmlns:p16="http://schemas.microsoft.com/office/powerpoint/2015/main" val="1"/>
-              </p:ext>
-            </p:extLst>
-          </p:nvPr>
-        </p:nvCxnSpPr>
-        <p:spPr>
-          <a:xfrm flipH="1">
-            <a:off x="577175" y="571500"/>
-            <a:ext cx="11054799" cy="0"/>
-          </a:xfrm>
-          <a:prstGeom prst="line">
-            <a:avLst/>
-          </a:prstGeom>
-          <a:ln>
-            <a:solidFill>
-              <a:schemeClr val="tx1"/>
-            </a:solidFill>
-          </a:ln>
-        </p:spPr>
-        <p:style>
-          <a:lnRef idx="1">
-            <a:schemeClr val="accent1"/>
-          </a:lnRef>
-          <a:fillRef idx="0">
-            <a:schemeClr val="accent1"/>
-          </a:fillRef>
-          <a:effectRef idx="0">
-            <a:schemeClr val="accent1"/>
-          </a:effectRef>
-          <a:fontRef idx="minor">
-            <a:schemeClr val="tx1"/>
-          </a:fontRef>
-        </p:style>
-      </p:cxnSp>
-      <p:cxnSp>
-        <p:nvCxnSpPr>
-          <p:cNvPr id="20" name="Straight Connector 19">
-            <a:extLst>
-              <a:ext uri="{FF2B5EF4-FFF2-40B4-BE49-F238E27FC236}">
-                <a16:creationId xmlns:a16="http://schemas.microsoft.com/office/drawing/2014/main" id="{F1D89FBF-493B-4E7D-B511-7E40674F6323}"/>
-              </a:ext>
-              <a:ext uri="{C183D7F6-B498-43B3-948B-1728B52AA6E4}">
-                <adec:decorative xmlns:adec="http://schemas.microsoft.com/office/drawing/2017/decorative" val="1"/>
-              </a:ext>
-            </a:extLst>
-          </p:cNvPr>
-          <p:cNvCxnSpPr>
-            <a:cxnSpLocks noGrp="1" noRot="1" noChangeAspect="1" noMove="1" noResize="1" noEditPoints="1" noAdjustHandles="1" noChangeArrowheads="1" noChangeShapeType="1"/>
-          </p:cNvCxnSpPr>
-          <p:nvPr>
-            <p:extLst>
-              <p:ext uri="{386F3935-93C4-4BCD-93E2-E3B085C9AB24}">
-                <p16:designElem xmlns:p16="http://schemas.microsoft.com/office/powerpoint/2015/main" val="1"/>
-              </p:ext>
-            </p:extLst>
-          </p:nvPr>
-        </p:nvCxnSpPr>
-        <p:spPr>
-          <a:xfrm>
-            <a:off x="5524500" y="573971"/>
-            <a:ext cx="0" cy="5712529"/>
-          </a:xfrm>
-          <a:prstGeom prst="line">
-            <a:avLst/>
-          </a:prstGeom>
-          <a:ln>
-            <a:solidFill>
-              <a:schemeClr val="tx1"/>
-            </a:solidFill>
-          </a:ln>
-        </p:spPr>
-        <p:style>
-          <a:lnRef idx="1">
-            <a:schemeClr val="accent1"/>
-          </a:lnRef>
-          <a:fillRef idx="0">
-            <a:schemeClr val="accent1"/>
-          </a:fillRef>
-          <a:effectRef idx="0">
-            <a:schemeClr val="accent1"/>
-          </a:effectRef>
-          <a:fontRef idx="minor">
-            <a:schemeClr val="tx1"/>
-          </a:fontRef>
-        </p:style>
-      </p:cxnSp>
-      <p:pic>
-        <p:nvPicPr>
-          <p:cNvPr id="5" name="Content Placeholder 4" descr="A screenshot of a computer&#10;&#10;AI-generated content may be incorrect.">
-            <a:extLst>
-              <a:ext uri="{FF2B5EF4-FFF2-40B4-BE49-F238E27FC236}">
-                <a16:creationId xmlns:a16="http://schemas.microsoft.com/office/drawing/2014/main" id="{F7EC641B-16A4-4CA9-8AF5-8BC733F8127E}"/>
-              </a:ext>
-            </a:extLst>
-          </p:cNvPr>
-          <p:cNvPicPr>
-            <a:picLocks noGrp="1" noChangeAspect="1"/>
-          </p:cNvPicPr>
-          <p:nvPr>
-            <p:ph idx="1"/>
-          </p:nvPr>
-        </p:nvPicPr>
-        <p:blipFill>
-          <a:blip r:embed="rId2">
-            <a:extLst>
-              <a:ext uri="{28A0092B-C50C-407E-A947-70E740481C1C}">
-                <a14:useLocalDpi xmlns:a14="http://schemas.microsoft.com/office/drawing/2010/main" val="0"/>
-              </a:ext>
-            </a:extLst>
-          </a:blip>
-          <a:stretch>
-            <a:fillRect/>
-          </a:stretch>
-        </p:blipFill>
-        <p:spPr>
-          <a:xfrm>
-            <a:off x="5800384" y="1240350"/>
-            <a:ext cx="5820112" cy="3593918"/>
-          </a:xfrm>
-          <a:prstGeom prst="rect">
-            <a:avLst/>
-          </a:prstGeom>
-        </p:spPr>
-      </p:pic>
-      <p:cxnSp>
-        <p:nvCxnSpPr>
-          <p:cNvPr id="22" name="Straight Connector 21">
-            <a:extLst>
-              <a:ext uri="{FF2B5EF4-FFF2-40B4-BE49-F238E27FC236}">
-                <a16:creationId xmlns:a16="http://schemas.microsoft.com/office/drawing/2014/main" id="{4BCC744E-5590-4542-B37F-B764470BF05E}"/>
-              </a:ext>
-              <a:ext uri="{C183D7F6-B498-43B3-948B-1728B52AA6E4}">
-                <adec:decorative xmlns:adec="http://schemas.microsoft.com/office/drawing/2017/decorative" val="1"/>
-              </a:ext>
-            </a:extLst>
-          </p:cNvPr>
-          <p:cNvCxnSpPr>
-            <a:cxnSpLocks noGrp="1" noRot="1" noChangeAspect="1" noMove="1" noResize="1" noEditPoints="1" noAdjustHandles="1" noChangeArrowheads="1" noChangeShapeType="1"/>
-          </p:cNvCxnSpPr>
-          <p:nvPr>
-            <p:extLst>
-              <p:ext uri="{386F3935-93C4-4BCD-93E2-E3B085C9AB24}">
-                <p16:designElem xmlns:p16="http://schemas.microsoft.com/office/powerpoint/2015/main" val="1"/>
-              </p:ext>
-            </p:extLst>
-          </p:nvPr>
-        </p:nvCxnSpPr>
-        <p:spPr>
-          <a:xfrm flipH="1">
-            <a:off x="577176" y="6286500"/>
-            <a:ext cx="11043324" cy="0"/>
-          </a:xfrm>
-          <a:prstGeom prst="line">
-            <a:avLst/>
-          </a:prstGeom>
-          <a:ln>
-            <a:solidFill>
-              <a:schemeClr val="tx1"/>
-            </a:solidFill>
-          </a:ln>
-        </p:spPr>
-        <p:style>
-          <a:lnRef idx="1">
-            <a:schemeClr val="accent1"/>
-          </a:lnRef>
-          <a:fillRef idx="0">
-            <a:schemeClr val="accent1"/>
-          </a:fillRef>
-          <a:effectRef idx="0">
-            <a:schemeClr val="accent1"/>
-          </a:effectRef>
-          <a:fontRef idx="minor">
-            <a:schemeClr val="tx1"/>
-          </a:fontRef>
-        </p:style>
-      </p:cxnSp>
-    </p:spTree>
-    <p:extLst>
-      <p:ext uri="{BB962C8B-B14F-4D97-AF65-F5344CB8AC3E}">
-        <p14:creationId xmlns:p14="http://schemas.microsoft.com/office/powerpoint/2010/main" val="2930797202"/>
-      </p:ext>
-    </p:extLst>
-  </p:cSld>
-  <p:clrMapOvr>
-    <a:masterClrMapping/>
-  </p:clrMapOvr>
-</p:sld>
-</file>
-
-<file path=ppt/slides/slide11.xml><?xml version="1.0" encoding="utf-8"?>
-<p:sld xmlns:a="http://schemas.openxmlformats.org/drawingml/2006/main" xmlns:r="http://schemas.openxmlformats.org/officeDocument/2006/relationships" xmlns:p="http://schemas.openxmlformats.org/presentationml/2006/main">
-  <p:cSld>
-    <p:bg>
-      <p:bgPr>
-        <a:solidFill>
-          <a:schemeClr val="bg2"/>
-        </a:solidFill>
-        <a:effectLst/>
-      </p:bgPr>
-    </p:bg>
-    <p:spTree>
-      <p:nvGrpSpPr>
-        <p:cNvPr id="1" name=""/>
-        <p:cNvGrpSpPr/>
-        <p:nvPr/>
-      </p:nvGrpSpPr>
-      <p:grpSpPr>
-        <a:xfrm>
-          <a:off x="0" y="0"/>
-          <a:ext cx="0" cy="0"/>
-          <a:chOff x="0" y="0"/>
-          <a:chExt cx="0" cy="0"/>
-        </a:xfrm>
-      </p:grpSpPr>
-      <p:cxnSp>
-        <p:nvCxnSpPr>
-          <p:cNvPr id="12" name="Straight Connector 11">
-            <a:extLst>
-              <a:ext uri="{FF2B5EF4-FFF2-40B4-BE49-F238E27FC236}">
-                <a16:creationId xmlns:a16="http://schemas.microsoft.com/office/drawing/2014/main" id="{A240FCEE-B6E2-46D0-9BB0-F45F79545E9D}"/>
-              </a:ext>
-              <a:ext uri="{C183D7F6-B498-43B3-948B-1728B52AA6E4}">
-                <adec:decorative xmlns:adec="http://schemas.microsoft.com/office/drawing/2017/decorative" val="1"/>
-              </a:ext>
-            </a:extLst>
-          </p:cNvPr>
-          <p:cNvCxnSpPr>
-            <a:cxnSpLocks noGrp="1" noRot="1" noChangeAspect="1" noMove="1" noResize="1" noEditPoints="1" noAdjustHandles="1" noChangeArrowheads="1" noChangeShapeType="1"/>
-          </p:cNvCxnSpPr>
-          <p:nvPr>
-            <p:extLst>
-              <p:ext uri="{386F3935-93C4-4BCD-93E2-E3B085C9AB24}">
-                <p16:designElem xmlns:p16="http://schemas.microsoft.com/office/powerpoint/2015/main" val="1"/>
-              </p:ext>
-            </p:extLst>
-          </p:nvPr>
-        </p:nvCxnSpPr>
-        <p:spPr>
-          <a:xfrm flipH="1">
-            <a:off x="571501" y="571500"/>
-            <a:ext cx="11059811" cy="0"/>
-          </a:xfrm>
-          <a:prstGeom prst="line">
-            <a:avLst/>
-          </a:prstGeom>
-          <a:ln>
-            <a:solidFill>
-              <a:schemeClr val="tx1"/>
-            </a:solidFill>
-          </a:ln>
-        </p:spPr>
-        <p:style>
-          <a:lnRef idx="1">
-            <a:schemeClr val="accent1"/>
-          </a:lnRef>
-          <a:fillRef idx="0">
-            <a:schemeClr val="accent1"/>
-          </a:fillRef>
-          <a:effectRef idx="0">
-            <a:schemeClr val="accent1"/>
-          </a:effectRef>
-          <a:fontRef idx="minor">
-            <a:schemeClr val="tx1"/>
-          </a:fontRef>
-        </p:style>
-      </p:cxnSp>
-      <p:cxnSp>
-        <p:nvCxnSpPr>
-          <p:cNvPr id="14" name="Straight Connector 13">
-            <a:extLst>
-              <a:ext uri="{FF2B5EF4-FFF2-40B4-BE49-F238E27FC236}">
-                <a16:creationId xmlns:a16="http://schemas.microsoft.com/office/drawing/2014/main" id="{3BD2FB83-3783-4477-80B5-DA5BF10BAF57}"/>
-              </a:ext>
-              <a:ext uri="{C183D7F6-B498-43B3-948B-1728B52AA6E4}">
-                <adec:decorative xmlns:adec="http://schemas.microsoft.com/office/drawing/2017/decorative" val="1"/>
-              </a:ext>
-            </a:extLst>
-          </p:cNvPr>
-          <p:cNvCxnSpPr>
-            <a:cxnSpLocks noGrp="1" noRot="1" noChangeAspect="1" noMove="1" noResize="1" noEditPoints="1" noAdjustHandles="1" noChangeArrowheads="1" noChangeShapeType="1"/>
-          </p:cNvCxnSpPr>
-          <p:nvPr>
-            <p:extLst>
-              <p:ext uri="{386F3935-93C4-4BCD-93E2-E3B085C9AB24}">
-                <p16:designElem xmlns:p16="http://schemas.microsoft.com/office/powerpoint/2015/main" val="1"/>
-              </p:ext>
-            </p:extLst>
-          </p:nvPr>
-        </p:nvCxnSpPr>
-        <p:spPr>
-          <a:xfrm>
-            <a:off x="7742482" y="571500"/>
-            <a:ext cx="0" cy="5715000"/>
-          </a:xfrm>
-          <a:prstGeom prst="line">
-            <a:avLst/>
-          </a:prstGeom>
-          <a:ln>
-            <a:solidFill>
-              <a:schemeClr val="tx1"/>
-            </a:solidFill>
-          </a:ln>
-        </p:spPr>
-        <p:style>
-          <a:lnRef idx="1">
-            <a:schemeClr val="accent1"/>
-          </a:lnRef>
-          <a:fillRef idx="0">
-            <a:schemeClr val="accent1"/>
-          </a:fillRef>
-          <a:effectRef idx="0">
-            <a:schemeClr val="accent1"/>
-          </a:effectRef>
-          <a:fontRef idx="minor">
-            <a:schemeClr val="tx1"/>
-          </a:fontRef>
-        </p:style>
-      </p:cxnSp>
-      <p:cxnSp>
-        <p:nvCxnSpPr>
-          <p:cNvPr id="16" name="Straight Connector 15">
-            <a:extLst>
-              <a:ext uri="{FF2B5EF4-FFF2-40B4-BE49-F238E27FC236}">
-                <a16:creationId xmlns:a16="http://schemas.microsoft.com/office/drawing/2014/main" id="{E83EA203-71D5-49C0-9626-FFA8E46787B0}"/>
-              </a:ext>
-              <a:ext uri="{C183D7F6-B498-43B3-948B-1728B52AA6E4}">
-                <adec:decorative xmlns:adec="http://schemas.microsoft.com/office/drawing/2017/decorative" val="1"/>
-              </a:ext>
-            </a:extLst>
-          </p:cNvPr>
-          <p:cNvCxnSpPr>
-            <a:cxnSpLocks noGrp="1" noRot="1" noChangeAspect="1" noMove="1" noResize="1" noEditPoints="1" noAdjustHandles="1" noChangeArrowheads="1" noChangeShapeType="1"/>
-          </p:cNvCxnSpPr>
-          <p:nvPr>
-            <p:extLst>
-              <p:ext uri="{386F3935-93C4-4BCD-93E2-E3B085C9AB24}">
-                <p16:designElem xmlns:p16="http://schemas.microsoft.com/office/powerpoint/2015/main" val="1"/>
-              </p:ext>
-            </p:extLst>
-          </p:nvPr>
-        </p:nvCxnSpPr>
-        <p:spPr>
-          <a:xfrm flipH="1">
-            <a:off x="577485" y="6283518"/>
-            <a:ext cx="11059811" cy="0"/>
-          </a:xfrm>
-          <a:prstGeom prst="line">
-            <a:avLst/>
-          </a:prstGeom>
-          <a:ln>
-            <a:solidFill>
-              <a:schemeClr val="tx1"/>
-            </a:solidFill>
-          </a:ln>
-        </p:spPr>
-        <p:style>
-          <a:lnRef idx="1">
-            <a:schemeClr val="accent1"/>
-          </a:lnRef>
-          <a:fillRef idx="0">
-            <a:schemeClr val="accent1"/>
-          </a:fillRef>
-          <a:effectRef idx="0">
-            <a:schemeClr val="accent1"/>
-          </a:effectRef>
-          <a:fontRef idx="minor">
-            <a:schemeClr val="tx1"/>
-          </a:fontRef>
-        </p:style>
-      </p:cxnSp>
-      <p:sp useBgFill="1">
-        <p:nvSpPr>
-          <p:cNvPr id="18" name="Rectangle 17">
-            <a:extLst>
-              <a:ext uri="{FF2B5EF4-FFF2-40B4-BE49-F238E27FC236}">
-                <a16:creationId xmlns:a16="http://schemas.microsoft.com/office/drawing/2014/main" id="{C63AB9E1-499E-41EB-A74E-905920CCDF67}"/>
-              </a:ext>
-              <a:ext uri="{C183D7F6-B498-43B3-948B-1728B52AA6E4}">
-                <adec:decorative xmlns:adec="http://schemas.microsoft.com/office/drawing/2017/decorative" val="1"/>
-              </a:ext>
-            </a:extLst>
-          </p:cNvPr>
-          <p:cNvSpPr>
-            <a:spLocks noGrp="1" noRot="1" noChangeAspect="1" noMove="1" noResize="1" noEditPoints="1" noAdjustHandles="1" noChangeArrowheads="1" noChangeShapeType="1" noTextEdit="1"/>
-          </p:cNvSpPr>
-          <p:nvPr>
-            <p:extLst>
-              <p:ext uri="{386F3935-93C4-4BCD-93E2-E3B085C9AB24}">
-                <p16:designElem xmlns:p16="http://schemas.microsoft.com/office/powerpoint/2015/main" val="1"/>
-              </p:ext>
-            </p:extLst>
-          </p:nvPr>
-        </p:nvSpPr>
-        <p:spPr>
-          <a:xfrm>
-            <a:off x="-6782" y="0"/>
-            <a:ext cx="12198783" cy="6858000"/>
-          </a:xfrm>
-          <a:prstGeom prst="rect">
-            <a:avLst/>
-          </a:prstGeom>
-          <a:ln>
-            <a:noFill/>
-          </a:ln>
-        </p:spPr>
-        <p:style>
-          <a:lnRef idx="2">
-            <a:schemeClr val="accent1">
-              <a:shade val="50000"/>
-            </a:schemeClr>
-          </a:lnRef>
-          <a:fillRef idx="1">
-            <a:schemeClr val="accent1"/>
-          </a:fillRef>
-          <a:effectRef idx="0">
-            <a:schemeClr val="accent1"/>
-          </a:effectRef>
-          <a:fontRef idx="minor">
-            <a:schemeClr val="lt1"/>
-          </a:fontRef>
-        </p:style>
-        <p:txBody>
-          <a:bodyPr rtlCol="0" anchor="ctr"/>
-          <a:lstStyle/>
-          <a:p>
-            <a:pPr algn="ctr"/>
-            <a:endParaRPr lang="en-US"/>
-          </a:p>
-        </p:txBody>
-      </p:sp>
-      <p:sp>
-        <p:nvSpPr>
-          <p:cNvPr id="2" name="Title 1">
-            <a:extLst>
-              <a:ext uri="{FF2B5EF4-FFF2-40B4-BE49-F238E27FC236}">
-                <a16:creationId xmlns:a16="http://schemas.microsoft.com/office/drawing/2014/main" id="{1397D106-7743-1CB8-FB3C-3DE802BE94B8}"/>
-              </a:ext>
-            </a:extLst>
-          </p:cNvPr>
-          <p:cNvSpPr>
-            <a:spLocks noGrp="1"/>
-          </p:cNvSpPr>
-          <p:nvPr>
-            <p:ph type="title"/>
-          </p:nvPr>
-        </p:nvSpPr>
-        <p:spPr>
-          <a:xfrm>
-            <a:off x="576072" y="822959"/>
-            <a:ext cx="10956558" cy="1598957"/>
-          </a:xfrm>
-        </p:spPr>
-        <p:txBody>
-          <a:bodyPr vert="horz" lIns="91440" tIns="45720" rIns="91440" bIns="45720" rtlCol="0" anchor="t">
-            <a:normAutofit/>
-          </a:bodyPr>
-          <a:lstStyle/>
-          <a:p>
-            <a:r>
-              <a:rPr lang="en-US" sz="1200" b="1" dirty="0"/>
-              <a:t>Data Preprocessing: Encoding Categorical Variables</a:t>
-            </a:r>
-            <a:br>
-              <a:rPr lang="en-US" sz="1200" dirty="0"/>
-            </a:br>
-            <a:r>
-              <a:rPr lang="en-US" sz="1200" dirty="0"/>
-              <a:t>This slide shows the conversion of categorical columns "model" and "</a:t>
-            </a:r>
-            <a:r>
-              <a:rPr lang="en-US" sz="1200" dirty="0" err="1"/>
-              <a:t>offerType</a:t>
-            </a:r>
-            <a:r>
-              <a:rPr lang="en-US" sz="1200" dirty="0"/>
-              <a:t>" into numerical codes using </a:t>
-            </a:r>
-            <a:r>
-              <a:rPr lang="en-US" sz="1200" dirty="0" err="1"/>
-              <a:t>astype</a:t>
-            </a:r>
-            <a:r>
-              <a:rPr lang="en-US" sz="1200" dirty="0"/>
-              <a:t>('category').</a:t>
-            </a:r>
-            <a:r>
-              <a:rPr lang="en-US" sz="1200" dirty="0" err="1"/>
-              <a:t>cat.codes</a:t>
-            </a:r>
-            <a:r>
-              <a:rPr lang="en-US" sz="1200" dirty="0"/>
-              <a:t>, enabling these features to be used in the </a:t>
-            </a:r>
-            <a:r>
-              <a:rPr lang="en-US" sz="1200" dirty="0" err="1"/>
-              <a:t>RandomForestRegressor</a:t>
-            </a:r>
-            <a:r>
-              <a:rPr lang="en-US" sz="1200" dirty="0"/>
-              <a:t> model for price prediction.</a:t>
-            </a:r>
-            <a:br>
-              <a:rPr lang="en-US" sz="1200" dirty="0"/>
-            </a:br>
-            <a:endParaRPr lang="en-US" sz="1200" dirty="0"/>
-          </a:p>
-        </p:txBody>
-      </p:sp>
-      <p:cxnSp>
-        <p:nvCxnSpPr>
-          <p:cNvPr id="20" name="Straight Connector 19">
-            <a:extLst>
-              <a:ext uri="{FF2B5EF4-FFF2-40B4-BE49-F238E27FC236}">
-                <a16:creationId xmlns:a16="http://schemas.microsoft.com/office/drawing/2014/main" id="{CEEA40C4-6B9E-4B9E-8CDF-A0C572462EAD}"/>
-              </a:ext>
-              <a:ext uri="{C183D7F6-B498-43B3-948B-1728B52AA6E4}">
-                <adec:decorative xmlns:adec="http://schemas.microsoft.com/office/drawing/2017/decorative" val="1"/>
-              </a:ext>
-            </a:extLst>
-          </p:cNvPr>
-          <p:cNvCxnSpPr>
-            <a:cxnSpLocks noGrp="1" noRot="1" noChangeAspect="1" noMove="1" noResize="1" noEditPoints="1" noAdjustHandles="1" noChangeArrowheads="1" noChangeShapeType="1"/>
-          </p:cNvCxnSpPr>
-          <p:nvPr>
-            <p:extLst>
-              <p:ext uri="{386F3935-93C4-4BCD-93E2-E3B085C9AB24}">
-                <p16:designElem xmlns:p16="http://schemas.microsoft.com/office/powerpoint/2015/main" val="1"/>
-              </p:ext>
-            </p:extLst>
-          </p:nvPr>
-        </p:nvCxnSpPr>
-        <p:spPr>
-          <a:xfrm flipH="1">
-            <a:off x="565869" y="573757"/>
-            <a:ext cx="11054799" cy="0"/>
-          </a:xfrm>
-          <a:prstGeom prst="line">
-            <a:avLst/>
-          </a:prstGeom>
-          <a:ln>
-            <a:solidFill>
-              <a:schemeClr val="tx1"/>
-            </a:solidFill>
-          </a:ln>
-        </p:spPr>
-        <p:style>
-          <a:lnRef idx="1">
-            <a:schemeClr val="accent1"/>
-          </a:lnRef>
-          <a:fillRef idx="0">
-            <a:schemeClr val="accent1"/>
-          </a:fillRef>
-          <a:effectRef idx="0">
-            <a:schemeClr val="accent1"/>
-          </a:effectRef>
-          <a:fontRef idx="minor">
-            <a:schemeClr val="tx1"/>
-          </a:fontRef>
-        </p:style>
-      </p:cxnSp>
-      <p:pic>
-        <p:nvPicPr>
-          <p:cNvPr id="7" name="Content Placeholder 6" descr="A computer screen shot of a computer code&#10;&#10;AI-generated content may be incorrect.">
-            <a:extLst>
-              <a:ext uri="{FF2B5EF4-FFF2-40B4-BE49-F238E27FC236}">
-                <a16:creationId xmlns:a16="http://schemas.microsoft.com/office/drawing/2014/main" id="{DA080EBA-2075-797D-7BFD-52804642C517}"/>
-              </a:ext>
-            </a:extLst>
-          </p:cNvPr>
-          <p:cNvPicPr>
-            <a:picLocks noGrp="1" noChangeAspect="1"/>
-          </p:cNvPicPr>
-          <p:nvPr>
-            <p:ph idx="1"/>
-          </p:nvPr>
-        </p:nvPicPr>
-        <p:blipFill>
-          <a:blip r:embed="rId2">
-            <a:extLst>
-              <a:ext uri="{28A0092B-C50C-407E-A947-70E740481C1C}">
-                <a14:useLocalDpi xmlns:a14="http://schemas.microsoft.com/office/drawing/2010/main" val="0"/>
-              </a:ext>
-            </a:extLst>
-          </a:blip>
-          <a:stretch>
-            <a:fillRect/>
-          </a:stretch>
-        </p:blipFill>
-        <p:spPr>
-          <a:xfrm>
-            <a:off x="580406" y="2702796"/>
-            <a:ext cx="11027305" cy="1598958"/>
-          </a:xfrm>
-          <a:prstGeom prst="rect">
-            <a:avLst/>
-          </a:prstGeom>
-        </p:spPr>
-      </p:pic>
-      <p:cxnSp>
-        <p:nvCxnSpPr>
-          <p:cNvPr id="22" name="Straight Connector 21">
-            <a:extLst>
-              <a:ext uri="{FF2B5EF4-FFF2-40B4-BE49-F238E27FC236}">
-                <a16:creationId xmlns:a16="http://schemas.microsoft.com/office/drawing/2014/main" id="{179A2A06-A424-4BBD-A8A4-293F16F1BE2B}"/>
-              </a:ext>
-              <a:ext uri="{C183D7F6-B498-43B3-948B-1728B52AA6E4}">
-                <adec:decorative xmlns:adec="http://schemas.microsoft.com/office/drawing/2017/decorative" val="1"/>
-              </a:ext>
-            </a:extLst>
-          </p:cNvPr>
-          <p:cNvCxnSpPr>
-            <a:cxnSpLocks noGrp="1" noRot="1" noChangeAspect="1" noMove="1" noResize="1" noEditPoints="1" noAdjustHandles="1" noChangeArrowheads="1" noChangeShapeType="1"/>
-          </p:cNvCxnSpPr>
-          <p:nvPr>
-            <p:extLst>
-              <p:ext uri="{386F3935-93C4-4BCD-93E2-E3B085C9AB24}">
-                <p16:designElem xmlns:p16="http://schemas.microsoft.com/office/powerpoint/2015/main" val="1"/>
-              </p:ext>
-            </p:extLst>
-          </p:nvPr>
-        </p:nvCxnSpPr>
-        <p:spPr>
-          <a:xfrm flipH="1">
-            <a:off x="571501" y="5240579"/>
-            <a:ext cx="11036211" cy="0"/>
-          </a:xfrm>
-          <a:prstGeom prst="line">
-            <a:avLst/>
-          </a:prstGeom>
-          <a:ln>
-            <a:solidFill>
-              <a:schemeClr val="tx1"/>
-            </a:solidFill>
-          </a:ln>
-        </p:spPr>
-        <p:style>
-          <a:lnRef idx="1">
-            <a:schemeClr val="accent1"/>
-          </a:lnRef>
-          <a:fillRef idx="0">
-            <a:schemeClr val="accent1"/>
-          </a:fillRef>
-          <a:effectRef idx="0">
-            <a:schemeClr val="accent1"/>
-          </a:effectRef>
-          <a:fontRef idx="minor">
-            <a:schemeClr val="tx1"/>
-          </a:fontRef>
-        </p:style>
-      </p:cxnSp>
-      <p:cxnSp>
-        <p:nvCxnSpPr>
-          <p:cNvPr id="24" name="Straight Connector 23">
-            <a:extLst>
-              <a:ext uri="{FF2B5EF4-FFF2-40B4-BE49-F238E27FC236}">
-                <a16:creationId xmlns:a16="http://schemas.microsoft.com/office/drawing/2014/main" id="{AE458AAC-F667-498F-A263-A8C7AB4FC960}"/>
-              </a:ext>
-              <a:ext uri="{C183D7F6-B498-43B3-948B-1728B52AA6E4}">
-                <adec:decorative xmlns:adec="http://schemas.microsoft.com/office/drawing/2017/decorative" val="1"/>
-              </a:ext>
-            </a:extLst>
-          </p:cNvPr>
-          <p:cNvCxnSpPr>
-            <a:cxnSpLocks noGrp="1" noRot="1" noChangeAspect="1" noMove="1" noResize="1" noEditPoints="1" noAdjustHandles="1" noChangeArrowheads="1" noChangeShapeType="1"/>
-          </p:cNvCxnSpPr>
-          <p:nvPr>
-            <p:extLst>
-              <p:ext uri="{386F3935-93C4-4BCD-93E2-E3B085C9AB24}">
-                <p16:designElem xmlns:p16="http://schemas.microsoft.com/office/powerpoint/2015/main" val="1"/>
-              </p:ext>
-            </p:extLst>
-          </p:nvPr>
-        </p:nvCxnSpPr>
-        <p:spPr>
-          <a:xfrm flipH="1">
-            <a:off x="561819" y="6289514"/>
-            <a:ext cx="11054799" cy="0"/>
-          </a:xfrm>
-          <a:prstGeom prst="line">
-            <a:avLst/>
-          </a:prstGeom>
-          <a:ln>
-            <a:solidFill>
-              <a:schemeClr val="tx1"/>
-            </a:solidFill>
-          </a:ln>
-        </p:spPr>
-        <p:style>
-          <a:lnRef idx="1">
-            <a:schemeClr val="accent1"/>
-          </a:lnRef>
-          <a:fillRef idx="0">
-            <a:schemeClr val="accent1"/>
-          </a:fillRef>
-          <a:effectRef idx="0">
-            <a:schemeClr val="accent1"/>
-          </a:effectRef>
-          <a:fontRef idx="minor">
-            <a:schemeClr val="tx1"/>
-          </a:fontRef>
-        </p:style>
-      </p:cxnSp>
-    </p:spTree>
-    <p:extLst>
-      <p:ext uri="{BB962C8B-B14F-4D97-AF65-F5344CB8AC3E}">
-        <p14:creationId xmlns:p14="http://schemas.microsoft.com/office/powerpoint/2010/main" val="2690459184"/>
-      </p:ext>
-    </p:extLst>
-  </p:cSld>
-  <p:clrMapOvr>
-    <a:masterClrMapping/>
-  </p:clrMapOvr>
-</p:sld>
-</file>
-
-<file path=ppt/slides/slide12.xml><?xml version="1.0" encoding="utf-8"?>
-<p:sld xmlns:a="http://schemas.openxmlformats.org/drawingml/2006/main" xmlns:r="http://schemas.openxmlformats.org/officeDocument/2006/relationships" xmlns:p="http://schemas.openxmlformats.org/presentationml/2006/main">
-  <p:cSld>
-    <p:bg>
-      <p:bgPr>
-        <a:solidFill>
-          <a:schemeClr val="bg2"/>
-        </a:solidFill>
-        <a:effectLst/>
-      </p:bgPr>
-    </p:bg>
-    <p:spTree>
-      <p:nvGrpSpPr>
-        <p:cNvPr id="1" name=""/>
-        <p:cNvGrpSpPr/>
-        <p:nvPr/>
-      </p:nvGrpSpPr>
-      <p:grpSpPr>
-        <a:xfrm>
-          <a:off x="0" y="0"/>
-          <a:ext cx="0" cy="0"/>
-          <a:chOff x="0" y="0"/>
-          <a:chExt cx="0" cy="0"/>
-        </a:xfrm>
-      </p:grpSpPr>
-      <p:cxnSp>
-        <p:nvCxnSpPr>
-          <p:cNvPr id="10" name="Straight Connector 9">
-            <a:extLst>
-              <a:ext uri="{FF2B5EF4-FFF2-40B4-BE49-F238E27FC236}">
-                <a16:creationId xmlns:a16="http://schemas.microsoft.com/office/drawing/2014/main" id="{A240FCEE-B6E2-46D0-9BB0-F45F79545E9D}"/>
-              </a:ext>
-              <a:ext uri="{C183D7F6-B498-43B3-948B-1728B52AA6E4}">
-                <adec:decorative xmlns:adec="http://schemas.microsoft.com/office/drawing/2017/decorative" val="1"/>
-              </a:ext>
-            </a:extLst>
-          </p:cNvPr>
-          <p:cNvCxnSpPr>
-            <a:cxnSpLocks noGrp="1" noRot="1" noChangeAspect="1" noMove="1" noResize="1" noEditPoints="1" noAdjustHandles="1" noChangeArrowheads="1" noChangeShapeType="1"/>
-          </p:cNvCxnSpPr>
-          <p:nvPr>
-            <p:extLst>
-              <p:ext uri="{386F3935-93C4-4BCD-93E2-E3B085C9AB24}">
-                <p16:designElem xmlns:p16="http://schemas.microsoft.com/office/powerpoint/2015/main" val="1"/>
-              </p:ext>
-            </p:extLst>
-          </p:nvPr>
-        </p:nvCxnSpPr>
-        <p:spPr>
-          <a:xfrm flipH="1">
-            <a:off x="571501" y="571500"/>
-            <a:ext cx="11059811" cy="0"/>
-          </a:xfrm>
-          <a:prstGeom prst="line">
-            <a:avLst/>
-          </a:prstGeom>
-          <a:ln>
-            <a:solidFill>
-              <a:schemeClr val="tx1"/>
-            </a:solidFill>
-          </a:ln>
-        </p:spPr>
-        <p:style>
-          <a:lnRef idx="1">
-            <a:schemeClr val="accent1"/>
-          </a:lnRef>
-          <a:fillRef idx="0">
-            <a:schemeClr val="accent1"/>
-          </a:fillRef>
-          <a:effectRef idx="0">
-            <a:schemeClr val="accent1"/>
-          </a:effectRef>
-          <a:fontRef idx="minor">
-            <a:schemeClr val="tx1"/>
-          </a:fontRef>
-        </p:style>
-      </p:cxnSp>
-      <p:cxnSp>
-        <p:nvCxnSpPr>
-          <p:cNvPr id="12" name="Straight Connector 11">
-            <a:extLst>
-              <a:ext uri="{FF2B5EF4-FFF2-40B4-BE49-F238E27FC236}">
-                <a16:creationId xmlns:a16="http://schemas.microsoft.com/office/drawing/2014/main" id="{3BD2FB83-3783-4477-80B5-DA5BF10BAF57}"/>
-              </a:ext>
-              <a:ext uri="{C183D7F6-B498-43B3-948B-1728B52AA6E4}">
-                <adec:decorative xmlns:adec="http://schemas.microsoft.com/office/drawing/2017/decorative" val="1"/>
-              </a:ext>
-            </a:extLst>
-          </p:cNvPr>
-          <p:cNvCxnSpPr>
-            <a:cxnSpLocks noGrp="1" noRot="1" noChangeAspect="1" noMove="1" noResize="1" noEditPoints="1" noAdjustHandles="1" noChangeArrowheads="1" noChangeShapeType="1"/>
-          </p:cNvCxnSpPr>
-          <p:nvPr>
-            <p:extLst>
-              <p:ext uri="{386F3935-93C4-4BCD-93E2-E3B085C9AB24}">
-                <p16:designElem xmlns:p16="http://schemas.microsoft.com/office/powerpoint/2015/main" val="1"/>
-              </p:ext>
-            </p:extLst>
-          </p:nvPr>
-        </p:nvCxnSpPr>
-        <p:spPr>
-          <a:xfrm>
-            <a:off x="7742482" y="571500"/>
-            <a:ext cx="0" cy="5715000"/>
-          </a:xfrm>
-          <a:prstGeom prst="line">
-            <a:avLst/>
-          </a:prstGeom>
-          <a:ln>
-            <a:solidFill>
-              <a:schemeClr val="tx1"/>
-            </a:solidFill>
-          </a:ln>
-        </p:spPr>
-        <p:style>
-          <a:lnRef idx="1">
-            <a:schemeClr val="accent1"/>
-          </a:lnRef>
-          <a:fillRef idx="0">
-            <a:schemeClr val="accent1"/>
-          </a:fillRef>
-          <a:effectRef idx="0">
-            <a:schemeClr val="accent1"/>
-          </a:effectRef>
-          <a:fontRef idx="minor">
-            <a:schemeClr val="tx1"/>
-          </a:fontRef>
-        </p:style>
-      </p:cxnSp>
-      <p:cxnSp>
-        <p:nvCxnSpPr>
-          <p:cNvPr id="14" name="Straight Connector 13">
-            <a:extLst>
-              <a:ext uri="{FF2B5EF4-FFF2-40B4-BE49-F238E27FC236}">
-                <a16:creationId xmlns:a16="http://schemas.microsoft.com/office/drawing/2014/main" id="{E83EA203-71D5-49C0-9626-FFA8E46787B0}"/>
-              </a:ext>
-              <a:ext uri="{C183D7F6-B498-43B3-948B-1728B52AA6E4}">
-                <adec:decorative xmlns:adec="http://schemas.microsoft.com/office/drawing/2017/decorative" val="1"/>
-              </a:ext>
-            </a:extLst>
-          </p:cNvPr>
-          <p:cNvCxnSpPr>
-            <a:cxnSpLocks noGrp="1" noRot="1" noChangeAspect="1" noMove="1" noResize="1" noEditPoints="1" noAdjustHandles="1" noChangeArrowheads="1" noChangeShapeType="1"/>
-          </p:cNvCxnSpPr>
-          <p:nvPr>
-            <p:extLst>
-              <p:ext uri="{386F3935-93C4-4BCD-93E2-E3B085C9AB24}">
-                <p16:designElem xmlns:p16="http://schemas.microsoft.com/office/powerpoint/2015/main" val="1"/>
-              </p:ext>
-            </p:extLst>
-          </p:nvPr>
-        </p:nvCxnSpPr>
-        <p:spPr>
-          <a:xfrm flipH="1">
-            <a:off x="577485" y="6283518"/>
-            <a:ext cx="11059811" cy="0"/>
-          </a:xfrm>
-          <a:prstGeom prst="line">
-            <a:avLst/>
-          </a:prstGeom>
-          <a:ln>
-            <a:solidFill>
-              <a:schemeClr val="tx1"/>
-            </a:solidFill>
-          </a:ln>
-        </p:spPr>
-        <p:style>
-          <a:lnRef idx="1">
-            <a:schemeClr val="accent1"/>
-          </a:lnRef>
-          <a:fillRef idx="0">
-            <a:schemeClr val="accent1"/>
-          </a:fillRef>
-          <a:effectRef idx="0">
-            <a:schemeClr val="accent1"/>
-          </a:effectRef>
-          <a:fontRef idx="minor">
-            <a:schemeClr val="tx1"/>
-          </a:fontRef>
-        </p:style>
-      </p:cxnSp>
-      <p:sp useBgFill="1">
-        <p:nvSpPr>
-          <p:cNvPr id="16" name="Rectangle 15">
-            <a:extLst>
-              <a:ext uri="{FF2B5EF4-FFF2-40B4-BE49-F238E27FC236}">
-                <a16:creationId xmlns:a16="http://schemas.microsoft.com/office/drawing/2014/main" id="{D26BC87E-DCC8-4E66-972D-A587756DF30A}"/>
-              </a:ext>
-              <a:ext uri="{C183D7F6-B498-43B3-948B-1728B52AA6E4}">
-                <adec:decorative xmlns:adec="http://schemas.microsoft.com/office/drawing/2017/decorative" val="1"/>
-              </a:ext>
-            </a:extLst>
-          </p:cNvPr>
-          <p:cNvSpPr>
-            <a:spLocks noGrp="1" noRot="1" noChangeAspect="1" noMove="1" noResize="1" noEditPoints="1" noAdjustHandles="1" noChangeArrowheads="1" noChangeShapeType="1" noTextEdit="1"/>
-          </p:cNvSpPr>
-          <p:nvPr>
-            <p:extLst>
-              <p:ext uri="{386F3935-93C4-4BCD-93E2-E3B085C9AB24}">
-                <p16:designElem xmlns:p16="http://schemas.microsoft.com/office/powerpoint/2015/main" val="1"/>
-              </p:ext>
-            </p:extLst>
-          </p:nvPr>
-        </p:nvSpPr>
-        <p:spPr>
-          <a:xfrm>
-            <a:off x="-6782" y="0"/>
-            <a:ext cx="12198783" cy="6858000"/>
-          </a:xfrm>
-          <a:prstGeom prst="rect">
-            <a:avLst/>
-          </a:prstGeom>
-          <a:ln>
-            <a:noFill/>
-          </a:ln>
-        </p:spPr>
-        <p:style>
-          <a:lnRef idx="2">
-            <a:schemeClr val="accent1">
-              <a:shade val="50000"/>
-            </a:schemeClr>
-          </a:lnRef>
-          <a:fillRef idx="1">
-            <a:schemeClr val="accent1"/>
-          </a:fillRef>
-          <a:effectRef idx="0">
-            <a:schemeClr val="accent1"/>
-          </a:effectRef>
-          <a:fontRef idx="minor">
-            <a:schemeClr val="lt1"/>
-          </a:fontRef>
-        </p:style>
-        <p:txBody>
-          <a:bodyPr rtlCol="0" anchor="ctr"/>
-          <a:lstStyle/>
-          <a:p>
-            <a:pPr algn="ctr"/>
-            <a:endParaRPr lang="en-US"/>
-          </a:p>
-        </p:txBody>
-      </p:sp>
-      <p:sp>
-        <p:nvSpPr>
-          <p:cNvPr id="2" name="Title 1">
-            <a:extLst>
-              <a:ext uri="{FF2B5EF4-FFF2-40B4-BE49-F238E27FC236}">
-                <a16:creationId xmlns:a16="http://schemas.microsoft.com/office/drawing/2014/main" id="{B5E43ED7-CC4F-CD87-F8BE-9913BA9F6845}"/>
-              </a:ext>
-            </a:extLst>
-          </p:cNvPr>
-          <p:cNvSpPr>
-            <a:spLocks noGrp="1"/>
-          </p:cNvSpPr>
-          <p:nvPr>
-            <p:ph type="title"/>
-          </p:nvPr>
-        </p:nvSpPr>
-        <p:spPr>
-          <a:xfrm>
-            <a:off x="521208" y="822960"/>
-            <a:ext cx="3898392" cy="5049781"/>
-          </a:xfrm>
-        </p:spPr>
-        <p:txBody>
-          <a:bodyPr vert="horz" lIns="91440" tIns="45720" rIns="91440" bIns="45720" rtlCol="0" anchor="t">
-            <a:normAutofit/>
-          </a:bodyPr>
-          <a:lstStyle/>
-          <a:p>
-            <a:r>
-              <a:rPr lang="en-US" sz="1900" b="1" dirty="0"/>
-              <a:t>Modeling and Evaluation</a:t>
-            </a:r>
-            <a:br>
-              <a:rPr lang="en-US" sz="1900" dirty="0"/>
-            </a:br>
-            <a:r>
-              <a:rPr lang="en-US" sz="1900" dirty="0"/>
-              <a:t>This slide details the modeling process: features (model, hp, year, mileage, </a:t>
-            </a:r>
-            <a:r>
-              <a:rPr lang="en-US" sz="1900" dirty="0" err="1"/>
-              <a:t>offerType</a:t>
-            </a:r>
-            <a:r>
-              <a:rPr lang="en-US" sz="1900" dirty="0"/>
-              <a:t>) and target (price) are selected, split into training and test sets (70-30 split), and scaled using </a:t>
-            </a:r>
-            <a:r>
-              <a:rPr lang="en-US" sz="1900" dirty="0" err="1"/>
-              <a:t>StandardScaler</a:t>
-            </a:r>
-            <a:r>
-              <a:rPr lang="en-US" sz="1900" dirty="0"/>
-              <a:t>. A </a:t>
-            </a:r>
-            <a:r>
-              <a:rPr lang="en-US" sz="1900" dirty="0" err="1"/>
-              <a:t>RandomForestRegressor</a:t>
-            </a:r>
-            <a:r>
-              <a:rPr lang="en-US" sz="1900" dirty="0"/>
-              <a:t> model is trained, achieving a 91.66% accuracy (R² score) on the test set, with comparisons to a KNeighborsRegressor model.</a:t>
-            </a:r>
-            <a:br>
-              <a:rPr lang="en-US" sz="1900" dirty="0"/>
-            </a:br>
-            <a:endParaRPr lang="en-US" sz="1900" dirty="0"/>
-          </a:p>
-        </p:txBody>
-      </p:sp>
-      <p:cxnSp>
-        <p:nvCxnSpPr>
-          <p:cNvPr id="18" name="Straight Connector 17">
-            <a:extLst>
-              <a:ext uri="{FF2B5EF4-FFF2-40B4-BE49-F238E27FC236}">
-                <a16:creationId xmlns:a16="http://schemas.microsoft.com/office/drawing/2014/main" id="{8B45C962-0D68-4A01-9627-70DEBBC363C7}"/>
-              </a:ext>
-              <a:ext uri="{C183D7F6-B498-43B3-948B-1728B52AA6E4}">
-                <adec:decorative xmlns:adec="http://schemas.microsoft.com/office/drawing/2017/decorative" val="1"/>
-              </a:ext>
-            </a:extLst>
-          </p:cNvPr>
-          <p:cNvCxnSpPr>
-            <a:cxnSpLocks noGrp="1" noRot="1" noChangeAspect="1" noMove="1" noResize="1" noEditPoints="1" noAdjustHandles="1" noChangeArrowheads="1" noChangeShapeType="1"/>
-          </p:cNvCxnSpPr>
-          <p:nvPr>
-            <p:extLst>
-              <p:ext uri="{386F3935-93C4-4BCD-93E2-E3B085C9AB24}">
-                <p16:designElem xmlns:p16="http://schemas.microsoft.com/office/powerpoint/2015/main" val="1"/>
-              </p:ext>
-            </p:extLst>
-          </p:nvPr>
-        </p:nvCxnSpPr>
-        <p:spPr>
-          <a:xfrm flipH="1">
-            <a:off x="577175" y="571500"/>
-            <a:ext cx="11054799" cy="0"/>
-          </a:xfrm>
-          <a:prstGeom prst="line">
-            <a:avLst/>
-          </a:prstGeom>
-          <a:ln>
-            <a:solidFill>
-              <a:schemeClr val="tx1"/>
-            </a:solidFill>
-          </a:ln>
-        </p:spPr>
-        <p:style>
-          <a:lnRef idx="1">
-            <a:schemeClr val="accent1"/>
-          </a:lnRef>
-          <a:fillRef idx="0">
-            <a:schemeClr val="accent1"/>
-          </a:fillRef>
-          <a:effectRef idx="0">
-            <a:schemeClr val="accent1"/>
-          </a:effectRef>
-          <a:fontRef idx="minor">
-            <a:schemeClr val="tx1"/>
-          </a:fontRef>
-        </p:style>
-      </p:cxnSp>
-      <p:cxnSp>
-        <p:nvCxnSpPr>
-          <p:cNvPr id="20" name="Straight Connector 19">
-            <a:extLst>
-              <a:ext uri="{FF2B5EF4-FFF2-40B4-BE49-F238E27FC236}">
-                <a16:creationId xmlns:a16="http://schemas.microsoft.com/office/drawing/2014/main" id="{F1D89FBF-493B-4E7D-B511-7E40674F6323}"/>
-              </a:ext>
-              <a:ext uri="{C183D7F6-B498-43B3-948B-1728B52AA6E4}">
-                <adec:decorative xmlns:adec="http://schemas.microsoft.com/office/drawing/2017/decorative" val="1"/>
-              </a:ext>
-            </a:extLst>
-          </p:cNvPr>
-          <p:cNvCxnSpPr>
-            <a:cxnSpLocks noGrp="1" noRot="1" noChangeAspect="1" noMove="1" noResize="1" noEditPoints="1" noAdjustHandles="1" noChangeArrowheads="1" noChangeShapeType="1"/>
-          </p:cNvCxnSpPr>
-          <p:nvPr>
-            <p:extLst>
-              <p:ext uri="{386F3935-93C4-4BCD-93E2-E3B085C9AB24}">
-                <p16:designElem xmlns:p16="http://schemas.microsoft.com/office/powerpoint/2015/main" val="1"/>
-              </p:ext>
-            </p:extLst>
-          </p:nvPr>
-        </p:nvCxnSpPr>
-        <p:spPr>
-          <a:xfrm>
-            <a:off x="5524500" y="573971"/>
-            <a:ext cx="0" cy="5712529"/>
-          </a:xfrm>
-          <a:prstGeom prst="line">
-            <a:avLst/>
-          </a:prstGeom>
-          <a:ln>
-            <a:solidFill>
-              <a:schemeClr val="tx1"/>
-            </a:solidFill>
-          </a:ln>
-        </p:spPr>
-        <p:style>
-          <a:lnRef idx="1">
-            <a:schemeClr val="accent1"/>
-          </a:lnRef>
-          <a:fillRef idx="0">
-            <a:schemeClr val="accent1"/>
-          </a:fillRef>
-          <a:effectRef idx="0">
-            <a:schemeClr val="accent1"/>
-          </a:effectRef>
-          <a:fontRef idx="minor">
-            <a:schemeClr val="tx1"/>
-          </a:fontRef>
-        </p:style>
-      </p:cxnSp>
-      <p:pic>
-        <p:nvPicPr>
-          <p:cNvPr id="5" name="Content Placeholder 4" descr="A screenshot of a computer program&#10;&#10;AI-generated content may be incorrect.">
-            <a:extLst>
-              <a:ext uri="{FF2B5EF4-FFF2-40B4-BE49-F238E27FC236}">
-                <a16:creationId xmlns:a16="http://schemas.microsoft.com/office/drawing/2014/main" id="{57CEAB2C-086F-7854-2881-41897B0F42C1}"/>
-              </a:ext>
-            </a:extLst>
-          </p:cNvPr>
-          <p:cNvPicPr>
-            <a:picLocks noGrp="1" noChangeAspect="1"/>
-          </p:cNvPicPr>
-          <p:nvPr>
-            <p:ph idx="1"/>
-          </p:nvPr>
-        </p:nvPicPr>
-        <p:blipFill>
-          <a:blip r:embed="rId2">
-            <a:extLst>
-              <a:ext uri="{28A0092B-C50C-407E-A947-70E740481C1C}">
-                <a14:useLocalDpi xmlns:a14="http://schemas.microsoft.com/office/drawing/2010/main" val="0"/>
-              </a:ext>
-            </a:extLst>
-          </a:blip>
-          <a:stretch>
-            <a:fillRect/>
-          </a:stretch>
-        </p:blipFill>
-        <p:spPr>
-          <a:xfrm>
-            <a:off x="6063631" y="853692"/>
-            <a:ext cx="5293618" cy="4367235"/>
-          </a:xfrm>
-          <a:prstGeom prst="rect">
-            <a:avLst/>
-          </a:prstGeom>
-        </p:spPr>
-      </p:pic>
-      <p:cxnSp>
-        <p:nvCxnSpPr>
-          <p:cNvPr id="22" name="Straight Connector 21">
-            <a:extLst>
-              <a:ext uri="{FF2B5EF4-FFF2-40B4-BE49-F238E27FC236}">
-                <a16:creationId xmlns:a16="http://schemas.microsoft.com/office/drawing/2014/main" id="{4BCC744E-5590-4542-B37F-B764470BF05E}"/>
-              </a:ext>
-              <a:ext uri="{C183D7F6-B498-43B3-948B-1728B52AA6E4}">
-                <adec:decorative xmlns:adec="http://schemas.microsoft.com/office/drawing/2017/decorative" val="1"/>
-              </a:ext>
-            </a:extLst>
-          </p:cNvPr>
-          <p:cNvCxnSpPr>
-            <a:cxnSpLocks noGrp="1" noRot="1" noChangeAspect="1" noMove="1" noResize="1" noEditPoints="1" noAdjustHandles="1" noChangeArrowheads="1" noChangeShapeType="1"/>
-          </p:cNvCxnSpPr>
-          <p:nvPr>
-            <p:extLst>
-              <p:ext uri="{386F3935-93C4-4BCD-93E2-E3B085C9AB24}">
-                <p16:designElem xmlns:p16="http://schemas.microsoft.com/office/powerpoint/2015/main" val="1"/>
-              </p:ext>
-            </p:extLst>
-          </p:nvPr>
-        </p:nvCxnSpPr>
-        <p:spPr>
-          <a:xfrm flipH="1">
-            <a:off x="577176" y="6286500"/>
-            <a:ext cx="11043324" cy="0"/>
-          </a:xfrm>
-          <a:prstGeom prst="line">
-            <a:avLst/>
-          </a:prstGeom>
-          <a:ln>
-            <a:solidFill>
-              <a:schemeClr val="tx1"/>
-            </a:solidFill>
-          </a:ln>
-        </p:spPr>
-        <p:style>
-          <a:lnRef idx="1">
-            <a:schemeClr val="accent1"/>
-          </a:lnRef>
-          <a:fillRef idx="0">
-            <a:schemeClr val="accent1"/>
-          </a:fillRef>
-          <a:effectRef idx="0">
-            <a:schemeClr val="accent1"/>
-          </a:effectRef>
-          <a:fontRef idx="minor">
-            <a:schemeClr val="tx1"/>
-          </a:fontRef>
-        </p:style>
-      </p:cxnSp>
-    </p:spTree>
-    <p:extLst>
-      <p:ext uri="{BB962C8B-B14F-4D97-AF65-F5344CB8AC3E}">
-        <p14:creationId xmlns:p14="http://schemas.microsoft.com/office/powerpoint/2010/main" val="1176901021"/>
-      </p:ext>
-    </p:extLst>
-  </p:cSld>
-  <p:clrMapOvr>
-    <a:masterClrMapping/>
-  </p:clrMapOvr>
-</p:sld>
-</file>
-
-<file path=ppt/slides/slide2.xml><?xml version="1.0" encoding="utf-8"?>
+<file path=ppt/slides/slide3.xml><?xml version="1.0" encoding="utf-8"?>
 <p:sld xmlns:a="http://schemas.openxmlformats.org/drawingml/2006/main" xmlns:r="http://schemas.openxmlformats.org/officeDocument/2006/relationships" xmlns:p="http://schemas.openxmlformats.org/presentationml/2006/main">
   <p:cSld>
     <p:bg>
@@ -6943,500 +11093,6 @@
     <p:extLst>
       <p:ext uri="{BB962C8B-B14F-4D97-AF65-F5344CB8AC3E}">
         <p14:creationId xmlns:p14="http://schemas.microsoft.com/office/powerpoint/2010/main" val="909506198"/>
-      </p:ext>
-    </p:extLst>
-  </p:cSld>
-  <p:clrMapOvr>
-    <a:masterClrMapping/>
-  </p:clrMapOvr>
-</p:sld>
-</file>
-
-<file path=ppt/slides/slide3.xml><?xml version="1.0" encoding="utf-8"?>
-<p:sld xmlns:a="http://schemas.openxmlformats.org/drawingml/2006/main" xmlns:r="http://schemas.openxmlformats.org/officeDocument/2006/relationships" xmlns:p="http://schemas.openxmlformats.org/presentationml/2006/main">
-  <p:cSld>
-    <p:bg>
-      <p:bgPr>
-        <a:solidFill>
-          <a:schemeClr val="bg2"/>
-        </a:solidFill>
-        <a:effectLst/>
-      </p:bgPr>
-    </p:bg>
-    <p:spTree>
-      <p:nvGrpSpPr>
-        <p:cNvPr id="1" name=""/>
-        <p:cNvGrpSpPr/>
-        <p:nvPr/>
-      </p:nvGrpSpPr>
-      <p:grpSpPr>
-        <a:xfrm>
-          <a:off x="0" y="0"/>
-          <a:ext cx="0" cy="0"/>
-          <a:chOff x="0" y="0"/>
-          <a:chExt cx="0" cy="0"/>
-        </a:xfrm>
-      </p:grpSpPr>
-      <p:cxnSp>
-        <p:nvCxnSpPr>
-          <p:cNvPr id="27" name="Straight Connector 26">
-            <a:extLst>
-              <a:ext uri="{FF2B5EF4-FFF2-40B4-BE49-F238E27FC236}">
-                <a16:creationId xmlns:a16="http://schemas.microsoft.com/office/drawing/2014/main" id="{A240FCEE-B6E2-46D0-9BB0-F45F79545E9D}"/>
-              </a:ext>
-              <a:ext uri="{C183D7F6-B498-43B3-948B-1728B52AA6E4}">
-                <adec:decorative xmlns:adec="http://schemas.microsoft.com/office/drawing/2017/decorative" val="1"/>
-              </a:ext>
-            </a:extLst>
-          </p:cNvPr>
-          <p:cNvCxnSpPr>
-            <a:cxnSpLocks noGrp="1" noRot="1" noChangeAspect="1" noMove="1" noResize="1" noEditPoints="1" noAdjustHandles="1" noChangeArrowheads="1" noChangeShapeType="1"/>
-          </p:cNvCxnSpPr>
-          <p:nvPr>
-            <p:extLst>
-              <p:ext uri="{386F3935-93C4-4BCD-93E2-E3B085C9AB24}">
-                <p16:designElem xmlns:p16="http://schemas.microsoft.com/office/powerpoint/2015/main" val="1"/>
-              </p:ext>
-            </p:extLst>
-          </p:nvPr>
-        </p:nvCxnSpPr>
-        <p:spPr>
-          <a:xfrm flipH="1">
-            <a:off x="571501" y="571500"/>
-            <a:ext cx="11059811" cy="0"/>
-          </a:xfrm>
-          <a:prstGeom prst="line">
-            <a:avLst/>
-          </a:prstGeom>
-          <a:ln>
-            <a:solidFill>
-              <a:schemeClr val="tx1"/>
-            </a:solidFill>
-          </a:ln>
-        </p:spPr>
-        <p:style>
-          <a:lnRef idx="1">
-            <a:schemeClr val="accent1"/>
-          </a:lnRef>
-          <a:fillRef idx="0">
-            <a:schemeClr val="accent1"/>
-          </a:fillRef>
-          <a:effectRef idx="0">
-            <a:schemeClr val="accent1"/>
-          </a:effectRef>
-          <a:fontRef idx="minor">
-            <a:schemeClr val="tx1"/>
-          </a:fontRef>
-        </p:style>
-      </p:cxnSp>
-      <p:cxnSp>
-        <p:nvCxnSpPr>
-          <p:cNvPr id="29" name="Straight Connector 28">
-            <a:extLst>
-              <a:ext uri="{FF2B5EF4-FFF2-40B4-BE49-F238E27FC236}">
-                <a16:creationId xmlns:a16="http://schemas.microsoft.com/office/drawing/2014/main" id="{3BD2FB83-3783-4477-80B5-DA5BF10BAF57}"/>
-              </a:ext>
-              <a:ext uri="{C183D7F6-B498-43B3-948B-1728B52AA6E4}">
-                <adec:decorative xmlns:adec="http://schemas.microsoft.com/office/drawing/2017/decorative" val="1"/>
-              </a:ext>
-            </a:extLst>
-          </p:cNvPr>
-          <p:cNvCxnSpPr>
-            <a:cxnSpLocks noGrp="1" noRot="1" noChangeAspect="1" noMove="1" noResize="1" noEditPoints="1" noAdjustHandles="1" noChangeArrowheads="1" noChangeShapeType="1"/>
-          </p:cNvCxnSpPr>
-          <p:nvPr>
-            <p:extLst>
-              <p:ext uri="{386F3935-93C4-4BCD-93E2-E3B085C9AB24}">
-                <p16:designElem xmlns:p16="http://schemas.microsoft.com/office/powerpoint/2015/main" val="1"/>
-              </p:ext>
-            </p:extLst>
-          </p:nvPr>
-        </p:nvCxnSpPr>
-        <p:spPr>
-          <a:xfrm>
-            <a:off x="7742482" y="571500"/>
-            <a:ext cx="0" cy="5715000"/>
-          </a:xfrm>
-          <a:prstGeom prst="line">
-            <a:avLst/>
-          </a:prstGeom>
-          <a:ln>
-            <a:solidFill>
-              <a:schemeClr val="tx1"/>
-            </a:solidFill>
-          </a:ln>
-        </p:spPr>
-        <p:style>
-          <a:lnRef idx="1">
-            <a:schemeClr val="accent1"/>
-          </a:lnRef>
-          <a:fillRef idx="0">
-            <a:schemeClr val="accent1"/>
-          </a:fillRef>
-          <a:effectRef idx="0">
-            <a:schemeClr val="accent1"/>
-          </a:effectRef>
-          <a:fontRef idx="minor">
-            <a:schemeClr val="tx1"/>
-          </a:fontRef>
-        </p:style>
-      </p:cxnSp>
-      <p:cxnSp>
-        <p:nvCxnSpPr>
-          <p:cNvPr id="31" name="Straight Connector 30">
-            <a:extLst>
-              <a:ext uri="{FF2B5EF4-FFF2-40B4-BE49-F238E27FC236}">
-                <a16:creationId xmlns:a16="http://schemas.microsoft.com/office/drawing/2014/main" id="{E83EA203-71D5-49C0-9626-FFA8E46787B0}"/>
-              </a:ext>
-              <a:ext uri="{C183D7F6-B498-43B3-948B-1728B52AA6E4}">
-                <adec:decorative xmlns:adec="http://schemas.microsoft.com/office/drawing/2017/decorative" val="1"/>
-              </a:ext>
-            </a:extLst>
-          </p:cNvPr>
-          <p:cNvCxnSpPr>
-            <a:cxnSpLocks noGrp="1" noRot="1" noChangeAspect="1" noMove="1" noResize="1" noEditPoints="1" noAdjustHandles="1" noChangeArrowheads="1" noChangeShapeType="1"/>
-          </p:cNvCxnSpPr>
-          <p:nvPr>
-            <p:extLst>
-              <p:ext uri="{386F3935-93C4-4BCD-93E2-E3B085C9AB24}">
-                <p16:designElem xmlns:p16="http://schemas.microsoft.com/office/powerpoint/2015/main" val="1"/>
-              </p:ext>
-            </p:extLst>
-          </p:nvPr>
-        </p:nvCxnSpPr>
-        <p:spPr>
-          <a:xfrm flipH="1">
-            <a:off x="577485" y="6283518"/>
-            <a:ext cx="11059811" cy="0"/>
-          </a:xfrm>
-          <a:prstGeom prst="line">
-            <a:avLst/>
-          </a:prstGeom>
-          <a:ln>
-            <a:solidFill>
-              <a:schemeClr val="tx1"/>
-            </a:solidFill>
-          </a:ln>
-        </p:spPr>
-        <p:style>
-          <a:lnRef idx="1">
-            <a:schemeClr val="accent1"/>
-          </a:lnRef>
-          <a:fillRef idx="0">
-            <a:schemeClr val="accent1"/>
-          </a:fillRef>
-          <a:effectRef idx="0">
-            <a:schemeClr val="accent1"/>
-          </a:effectRef>
-          <a:fontRef idx="minor">
-            <a:schemeClr val="tx1"/>
-          </a:fontRef>
-        </p:style>
-      </p:cxnSp>
-      <p:sp useBgFill="1">
-        <p:nvSpPr>
-          <p:cNvPr id="33" name="Rectangle 32">
-            <a:extLst>
-              <a:ext uri="{FF2B5EF4-FFF2-40B4-BE49-F238E27FC236}">
-                <a16:creationId xmlns:a16="http://schemas.microsoft.com/office/drawing/2014/main" id="{D26BC87E-DCC8-4E66-972D-A587756DF30A}"/>
-              </a:ext>
-              <a:ext uri="{C183D7F6-B498-43B3-948B-1728B52AA6E4}">
-                <adec:decorative xmlns:adec="http://schemas.microsoft.com/office/drawing/2017/decorative" val="1"/>
-              </a:ext>
-            </a:extLst>
-          </p:cNvPr>
-          <p:cNvSpPr>
-            <a:spLocks noGrp="1" noRot="1" noChangeAspect="1" noMove="1" noResize="1" noEditPoints="1" noAdjustHandles="1" noChangeArrowheads="1" noChangeShapeType="1" noTextEdit="1"/>
-          </p:cNvSpPr>
-          <p:nvPr>
-            <p:extLst>
-              <p:ext uri="{386F3935-93C4-4BCD-93E2-E3B085C9AB24}">
-                <p16:designElem xmlns:p16="http://schemas.microsoft.com/office/powerpoint/2015/main" val="1"/>
-              </p:ext>
-            </p:extLst>
-          </p:nvPr>
-        </p:nvSpPr>
-        <p:spPr>
-          <a:xfrm>
-            <a:off x="-6782" y="0"/>
-            <a:ext cx="12198783" cy="6858000"/>
-          </a:xfrm>
-          <a:prstGeom prst="rect">
-            <a:avLst/>
-          </a:prstGeom>
-          <a:ln>
-            <a:noFill/>
-          </a:ln>
-        </p:spPr>
-        <p:style>
-          <a:lnRef idx="2">
-            <a:schemeClr val="accent1">
-              <a:shade val="50000"/>
-            </a:schemeClr>
-          </a:lnRef>
-          <a:fillRef idx="1">
-            <a:schemeClr val="accent1"/>
-          </a:fillRef>
-          <a:effectRef idx="0">
-            <a:schemeClr val="accent1"/>
-          </a:effectRef>
-          <a:fontRef idx="minor">
-            <a:schemeClr val="lt1"/>
-          </a:fontRef>
-        </p:style>
-        <p:txBody>
-          <a:bodyPr rtlCol="0" anchor="ctr"/>
-          <a:lstStyle/>
-          <a:p>
-            <a:pPr algn="ctr"/>
-            <a:endParaRPr lang="en-US"/>
-          </a:p>
-        </p:txBody>
-      </p:sp>
-      <p:sp>
-        <p:nvSpPr>
-          <p:cNvPr id="2" name="Title 1">
-            <a:extLst>
-              <a:ext uri="{FF2B5EF4-FFF2-40B4-BE49-F238E27FC236}">
-                <a16:creationId xmlns:a16="http://schemas.microsoft.com/office/drawing/2014/main" id="{873C606F-CBDB-9A8B-9D80-54D85A4DF1CD}"/>
-              </a:ext>
-            </a:extLst>
-          </p:cNvPr>
-          <p:cNvSpPr>
-            <a:spLocks noGrp="1"/>
-          </p:cNvSpPr>
-          <p:nvPr>
-            <p:ph type="title"/>
-          </p:nvPr>
-        </p:nvSpPr>
-        <p:spPr>
-          <a:xfrm>
-            <a:off x="521208" y="822960"/>
-            <a:ext cx="3898392" cy="5049781"/>
-          </a:xfrm>
-        </p:spPr>
-        <p:txBody>
-          <a:bodyPr vert="horz" lIns="91440" tIns="45720" rIns="91440" bIns="45720" rtlCol="0" anchor="t">
-            <a:normAutofit/>
-          </a:bodyPr>
-          <a:lstStyle/>
-          <a:p>
-            <a:r>
-              <a:rPr lang="en-US" sz="2300" b="1"/>
-              <a:t>Dataset Overview</a:t>
-            </a:r>
-            <a:br>
-              <a:rPr lang="en-US" sz="2300"/>
-            </a:br>
-            <a:r>
-              <a:rPr lang="en-US" sz="2300"/>
-              <a:t>This slide displays the first and last five rows of the dataset using df.head() and df.tail(). It includes columns like mileage, make, model, fuel, gear, offerType, price, hp, and year, showing cars from 2011 (e.g., BMW 316, €6800) to 2016 (e.g., Opel Corsa, €6980), highlighting the dataset's diversity.</a:t>
-            </a:r>
-            <a:br>
-              <a:rPr lang="en-US" sz="2300"/>
-            </a:br>
-            <a:endParaRPr lang="en-US" sz="2300"/>
-          </a:p>
-        </p:txBody>
-      </p:sp>
-      <p:cxnSp>
-        <p:nvCxnSpPr>
-          <p:cNvPr id="35" name="Straight Connector 34">
-            <a:extLst>
-              <a:ext uri="{FF2B5EF4-FFF2-40B4-BE49-F238E27FC236}">
-                <a16:creationId xmlns:a16="http://schemas.microsoft.com/office/drawing/2014/main" id="{8B45C962-0D68-4A01-9627-70DEBBC363C7}"/>
-              </a:ext>
-              <a:ext uri="{C183D7F6-B498-43B3-948B-1728B52AA6E4}">
-                <adec:decorative xmlns:adec="http://schemas.microsoft.com/office/drawing/2017/decorative" val="1"/>
-              </a:ext>
-            </a:extLst>
-          </p:cNvPr>
-          <p:cNvCxnSpPr>
-            <a:cxnSpLocks noGrp="1" noRot="1" noChangeAspect="1" noMove="1" noResize="1" noEditPoints="1" noAdjustHandles="1" noChangeArrowheads="1" noChangeShapeType="1"/>
-          </p:cNvCxnSpPr>
-          <p:nvPr>
-            <p:extLst>
-              <p:ext uri="{386F3935-93C4-4BCD-93E2-E3B085C9AB24}">
-                <p16:designElem xmlns:p16="http://schemas.microsoft.com/office/powerpoint/2015/main" val="1"/>
-              </p:ext>
-            </p:extLst>
-          </p:nvPr>
-        </p:nvCxnSpPr>
-        <p:spPr>
-          <a:xfrm flipH="1">
-            <a:off x="577175" y="571500"/>
-            <a:ext cx="11054799" cy="0"/>
-          </a:xfrm>
-          <a:prstGeom prst="line">
-            <a:avLst/>
-          </a:prstGeom>
-          <a:ln>
-            <a:solidFill>
-              <a:schemeClr val="tx1"/>
-            </a:solidFill>
-          </a:ln>
-        </p:spPr>
-        <p:style>
-          <a:lnRef idx="1">
-            <a:schemeClr val="accent1"/>
-          </a:lnRef>
-          <a:fillRef idx="0">
-            <a:schemeClr val="accent1"/>
-          </a:fillRef>
-          <a:effectRef idx="0">
-            <a:schemeClr val="accent1"/>
-          </a:effectRef>
-          <a:fontRef idx="minor">
-            <a:schemeClr val="tx1"/>
-          </a:fontRef>
-        </p:style>
-      </p:cxnSp>
-      <p:cxnSp>
-        <p:nvCxnSpPr>
-          <p:cNvPr id="37" name="Straight Connector 36">
-            <a:extLst>
-              <a:ext uri="{FF2B5EF4-FFF2-40B4-BE49-F238E27FC236}">
-                <a16:creationId xmlns:a16="http://schemas.microsoft.com/office/drawing/2014/main" id="{F1D89FBF-493B-4E7D-B511-7E40674F6323}"/>
-              </a:ext>
-              <a:ext uri="{C183D7F6-B498-43B3-948B-1728B52AA6E4}">
-                <adec:decorative xmlns:adec="http://schemas.microsoft.com/office/drawing/2017/decorative" val="1"/>
-              </a:ext>
-            </a:extLst>
-          </p:cNvPr>
-          <p:cNvCxnSpPr>
-            <a:cxnSpLocks noGrp="1" noRot="1" noChangeAspect="1" noMove="1" noResize="1" noEditPoints="1" noAdjustHandles="1" noChangeArrowheads="1" noChangeShapeType="1"/>
-          </p:cNvCxnSpPr>
-          <p:nvPr>
-            <p:extLst>
-              <p:ext uri="{386F3935-93C4-4BCD-93E2-E3B085C9AB24}">
-                <p16:designElem xmlns:p16="http://schemas.microsoft.com/office/powerpoint/2015/main" val="1"/>
-              </p:ext>
-            </p:extLst>
-          </p:nvPr>
-        </p:nvCxnSpPr>
-        <p:spPr>
-          <a:xfrm>
-            <a:off x="5524500" y="573971"/>
-            <a:ext cx="0" cy="5712529"/>
-          </a:xfrm>
-          <a:prstGeom prst="line">
-            <a:avLst/>
-          </a:prstGeom>
-          <a:ln>
-            <a:solidFill>
-              <a:schemeClr val="tx1"/>
-            </a:solidFill>
-          </a:ln>
-        </p:spPr>
-        <p:style>
-          <a:lnRef idx="1">
-            <a:schemeClr val="accent1"/>
-          </a:lnRef>
-          <a:fillRef idx="0">
-            <a:schemeClr val="accent1"/>
-          </a:fillRef>
-          <a:effectRef idx="0">
-            <a:schemeClr val="accent1"/>
-          </a:effectRef>
-          <a:fontRef idx="minor">
-            <a:schemeClr val="tx1"/>
-          </a:fontRef>
-        </p:style>
-      </p:cxnSp>
-      <p:pic>
-        <p:nvPicPr>
-          <p:cNvPr id="5" name="Content Placeholder 4" descr="A screenshot of a computer&#10;&#10;AI-generated content may be incorrect.">
-            <a:extLst>
-              <a:ext uri="{FF2B5EF4-FFF2-40B4-BE49-F238E27FC236}">
-                <a16:creationId xmlns:a16="http://schemas.microsoft.com/office/drawing/2014/main" id="{8029E9B1-4E33-CC1F-F8FB-B1B63CA8D2C4}"/>
-              </a:ext>
-            </a:extLst>
-          </p:cNvPr>
-          <p:cNvPicPr>
-            <a:picLocks noGrp="1" noChangeAspect="1"/>
-          </p:cNvPicPr>
-          <p:nvPr>
-            <p:ph idx="1"/>
-          </p:nvPr>
-        </p:nvPicPr>
-        <p:blipFill>
-          <a:blip r:embed="rId2">
-            <a:extLst>
-              <a:ext uri="{28A0092B-C50C-407E-A947-70E740481C1C}">
-                <a14:useLocalDpi xmlns:a14="http://schemas.microsoft.com/office/drawing/2010/main" val="0"/>
-              </a:ext>
-            </a:extLst>
-          </a:blip>
-          <a:stretch>
-            <a:fillRect/>
-          </a:stretch>
-        </p:blipFill>
-        <p:spPr>
-          <a:xfrm>
-            <a:off x="5800384" y="985720"/>
-            <a:ext cx="5820112" cy="4103178"/>
-          </a:xfrm>
-          <a:prstGeom prst="rect">
-            <a:avLst/>
-          </a:prstGeom>
-        </p:spPr>
-      </p:pic>
-      <p:cxnSp>
-        <p:nvCxnSpPr>
-          <p:cNvPr id="39" name="Straight Connector 38">
-            <a:extLst>
-              <a:ext uri="{FF2B5EF4-FFF2-40B4-BE49-F238E27FC236}">
-                <a16:creationId xmlns:a16="http://schemas.microsoft.com/office/drawing/2014/main" id="{4BCC744E-5590-4542-B37F-B764470BF05E}"/>
-              </a:ext>
-              <a:ext uri="{C183D7F6-B498-43B3-948B-1728B52AA6E4}">
-                <adec:decorative xmlns:adec="http://schemas.microsoft.com/office/drawing/2017/decorative" val="1"/>
-              </a:ext>
-            </a:extLst>
-          </p:cNvPr>
-          <p:cNvCxnSpPr>
-            <a:cxnSpLocks noGrp="1" noRot="1" noChangeAspect="1" noMove="1" noResize="1" noEditPoints="1" noAdjustHandles="1" noChangeArrowheads="1" noChangeShapeType="1"/>
-          </p:cNvCxnSpPr>
-          <p:nvPr>
-            <p:extLst>
-              <p:ext uri="{386F3935-93C4-4BCD-93E2-E3B085C9AB24}">
-                <p16:designElem xmlns:p16="http://schemas.microsoft.com/office/powerpoint/2015/main" val="1"/>
-              </p:ext>
-            </p:extLst>
-          </p:nvPr>
-        </p:nvCxnSpPr>
-        <p:spPr>
-          <a:xfrm flipH="1">
-            <a:off x="577176" y="6286500"/>
-            <a:ext cx="11043324" cy="0"/>
-          </a:xfrm>
-          <a:prstGeom prst="line">
-            <a:avLst/>
-          </a:prstGeom>
-          <a:ln>
-            <a:solidFill>
-              <a:schemeClr val="tx1"/>
-            </a:solidFill>
-          </a:ln>
-        </p:spPr>
-        <p:style>
-          <a:lnRef idx="1">
-            <a:schemeClr val="accent1"/>
-          </a:lnRef>
-          <a:fillRef idx="0">
-            <a:schemeClr val="accent1"/>
-          </a:fillRef>
-          <a:effectRef idx="0">
-            <a:schemeClr val="accent1"/>
-          </a:effectRef>
-          <a:fontRef idx="minor">
-            <a:schemeClr val="tx1"/>
-          </a:fontRef>
-        </p:style>
-      </p:cxnSp>
-    </p:spTree>
-    <p:extLst>
-      <p:ext uri="{BB962C8B-B14F-4D97-AF65-F5344CB8AC3E}">
-        <p14:creationId xmlns:p14="http://schemas.microsoft.com/office/powerpoint/2010/main" val="423510761"/>
       </p:ext>
     </p:extLst>
   </p:cSld>
@@ -7473,6 +11129,500 @@
       </p:grpSpPr>
       <p:cxnSp>
         <p:nvCxnSpPr>
+          <p:cNvPr id="27" name="Straight Connector 26">
+            <a:extLst>
+              <a:ext uri="{FF2B5EF4-FFF2-40B4-BE49-F238E27FC236}">
+                <a16:creationId xmlns:a16="http://schemas.microsoft.com/office/drawing/2014/main" id="{A240FCEE-B6E2-46D0-9BB0-F45F79545E9D}"/>
+              </a:ext>
+              <a:ext uri="{C183D7F6-B498-43B3-948B-1728B52AA6E4}">
+                <adec:decorative xmlns:adec="http://schemas.microsoft.com/office/drawing/2017/decorative" val="1"/>
+              </a:ext>
+            </a:extLst>
+          </p:cNvPr>
+          <p:cNvCxnSpPr>
+            <a:cxnSpLocks noGrp="1" noRot="1" noChangeAspect="1" noMove="1" noResize="1" noEditPoints="1" noAdjustHandles="1" noChangeArrowheads="1" noChangeShapeType="1"/>
+          </p:cNvCxnSpPr>
+          <p:nvPr>
+            <p:extLst>
+              <p:ext uri="{386F3935-93C4-4BCD-93E2-E3B085C9AB24}">
+                <p16:designElem xmlns:p16="http://schemas.microsoft.com/office/powerpoint/2015/main" val="1"/>
+              </p:ext>
+            </p:extLst>
+          </p:nvPr>
+        </p:nvCxnSpPr>
+        <p:spPr>
+          <a:xfrm flipH="1">
+            <a:off x="571501" y="571500"/>
+            <a:ext cx="11059811" cy="0"/>
+          </a:xfrm>
+          <a:prstGeom prst="line">
+            <a:avLst/>
+          </a:prstGeom>
+          <a:ln>
+            <a:solidFill>
+              <a:schemeClr val="tx1"/>
+            </a:solidFill>
+          </a:ln>
+        </p:spPr>
+        <p:style>
+          <a:lnRef idx="1">
+            <a:schemeClr val="accent1"/>
+          </a:lnRef>
+          <a:fillRef idx="0">
+            <a:schemeClr val="accent1"/>
+          </a:fillRef>
+          <a:effectRef idx="0">
+            <a:schemeClr val="accent1"/>
+          </a:effectRef>
+          <a:fontRef idx="minor">
+            <a:schemeClr val="tx1"/>
+          </a:fontRef>
+        </p:style>
+      </p:cxnSp>
+      <p:cxnSp>
+        <p:nvCxnSpPr>
+          <p:cNvPr id="29" name="Straight Connector 28">
+            <a:extLst>
+              <a:ext uri="{FF2B5EF4-FFF2-40B4-BE49-F238E27FC236}">
+                <a16:creationId xmlns:a16="http://schemas.microsoft.com/office/drawing/2014/main" id="{3BD2FB83-3783-4477-80B5-DA5BF10BAF57}"/>
+              </a:ext>
+              <a:ext uri="{C183D7F6-B498-43B3-948B-1728B52AA6E4}">
+                <adec:decorative xmlns:adec="http://schemas.microsoft.com/office/drawing/2017/decorative" val="1"/>
+              </a:ext>
+            </a:extLst>
+          </p:cNvPr>
+          <p:cNvCxnSpPr>
+            <a:cxnSpLocks noGrp="1" noRot="1" noChangeAspect="1" noMove="1" noResize="1" noEditPoints="1" noAdjustHandles="1" noChangeArrowheads="1" noChangeShapeType="1"/>
+          </p:cNvCxnSpPr>
+          <p:nvPr>
+            <p:extLst>
+              <p:ext uri="{386F3935-93C4-4BCD-93E2-E3B085C9AB24}">
+                <p16:designElem xmlns:p16="http://schemas.microsoft.com/office/powerpoint/2015/main" val="1"/>
+              </p:ext>
+            </p:extLst>
+          </p:nvPr>
+        </p:nvCxnSpPr>
+        <p:spPr>
+          <a:xfrm>
+            <a:off x="7742482" y="571500"/>
+            <a:ext cx="0" cy="5715000"/>
+          </a:xfrm>
+          <a:prstGeom prst="line">
+            <a:avLst/>
+          </a:prstGeom>
+          <a:ln>
+            <a:solidFill>
+              <a:schemeClr val="tx1"/>
+            </a:solidFill>
+          </a:ln>
+        </p:spPr>
+        <p:style>
+          <a:lnRef idx="1">
+            <a:schemeClr val="accent1"/>
+          </a:lnRef>
+          <a:fillRef idx="0">
+            <a:schemeClr val="accent1"/>
+          </a:fillRef>
+          <a:effectRef idx="0">
+            <a:schemeClr val="accent1"/>
+          </a:effectRef>
+          <a:fontRef idx="minor">
+            <a:schemeClr val="tx1"/>
+          </a:fontRef>
+        </p:style>
+      </p:cxnSp>
+      <p:cxnSp>
+        <p:nvCxnSpPr>
+          <p:cNvPr id="31" name="Straight Connector 30">
+            <a:extLst>
+              <a:ext uri="{FF2B5EF4-FFF2-40B4-BE49-F238E27FC236}">
+                <a16:creationId xmlns:a16="http://schemas.microsoft.com/office/drawing/2014/main" id="{E83EA203-71D5-49C0-9626-FFA8E46787B0}"/>
+              </a:ext>
+              <a:ext uri="{C183D7F6-B498-43B3-948B-1728B52AA6E4}">
+                <adec:decorative xmlns:adec="http://schemas.microsoft.com/office/drawing/2017/decorative" val="1"/>
+              </a:ext>
+            </a:extLst>
+          </p:cNvPr>
+          <p:cNvCxnSpPr>
+            <a:cxnSpLocks noGrp="1" noRot="1" noChangeAspect="1" noMove="1" noResize="1" noEditPoints="1" noAdjustHandles="1" noChangeArrowheads="1" noChangeShapeType="1"/>
+          </p:cNvCxnSpPr>
+          <p:nvPr>
+            <p:extLst>
+              <p:ext uri="{386F3935-93C4-4BCD-93E2-E3B085C9AB24}">
+                <p16:designElem xmlns:p16="http://schemas.microsoft.com/office/powerpoint/2015/main" val="1"/>
+              </p:ext>
+            </p:extLst>
+          </p:nvPr>
+        </p:nvCxnSpPr>
+        <p:spPr>
+          <a:xfrm flipH="1">
+            <a:off x="577485" y="6283518"/>
+            <a:ext cx="11059811" cy="0"/>
+          </a:xfrm>
+          <a:prstGeom prst="line">
+            <a:avLst/>
+          </a:prstGeom>
+          <a:ln>
+            <a:solidFill>
+              <a:schemeClr val="tx1"/>
+            </a:solidFill>
+          </a:ln>
+        </p:spPr>
+        <p:style>
+          <a:lnRef idx="1">
+            <a:schemeClr val="accent1"/>
+          </a:lnRef>
+          <a:fillRef idx="0">
+            <a:schemeClr val="accent1"/>
+          </a:fillRef>
+          <a:effectRef idx="0">
+            <a:schemeClr val="accent1"/>
+          </a:effectRef>
+          <a:fontRef idx="minor">
+            <a:schemeClr val="tx1"/>
+          </a:fontRef>
+        </p:style>
+      </p:cxnSp>
+      <p:sp useBgFill="1">
+        <p:nvSpPr>
+          <p:cNvPr id="33" name="Rectangle 32">
+            <a:extLst>
+              <a:ext uri="{FF2B5EF4-FFF2-40B4-BE49-F238E27FC236}">
+                <a16:creationId xmlns:a16="http://schemas.microsoft.com/office/drawing/2014/main" id="{D26BC87E-DCC8-4E66-972D-A587756DF30A}"/>
+              </a:ext>
+              <a:ext uri="{C183D7F6-B498-43B3-948B-1728B52AA6E4}">
+                <adec:decorative xmlns:adec="http://schemas.microsoft.com/office/drawing/2017/decorative" val="1"/>
+              </a:ext>
+            </a:extLst>
+          </p:cNvPr>
+          <p:cNvSpPr>
+            <a:spLocks noGrp="1" noRot="1" noChangeAspect="1" noMove="1" noResize="1" noEditPoints="1" noAdjustHandles="1" noChangeArrowheads="1" noChangeShapeType="1" noTextEdit="1"/>
+          </p:cNvSpPr>
+          <p:nvPr>
+            <p:extLst>
+              <p:ext uri="{386F3935-93C4-4BCD-93E2-E3B085C9AB24}">
+                <p16:designElem xmlns:p16="http://schemas.microsoft.com/office/powerpoint/2015/main" val="1"/>
+              </p:ext>
+            </p:extLst>
+          </p:nvPr>
+        </p:nvSpPr>
+        <p:spPr>
+          <a:xfrm>
+            <a:off x="-6782" y="0"/>
+            <a:ext cx="12198783" cy="6858000"/>
+          </a:xfrm>
+          <a:prstGeom prst="rect">
+            <a:avLst/>
+          </a:prstGeom>
+          <a:ln>
+            <a:noFill/>
+          </a:ln>
+        </p:spPr>
+        <p:style>
+          <a:lnRef idx="2">
+            <a:schemeClr val="accent1">
+              <a:shade val="50000"/>
+            </a:schemeClr>
+          </a:lnRef>
+          <a:fillRef idx="1">
+            <a:schemeClr val="accent1"/>
+          </a:fillRef>
+          <a:effectRef idx="0">
+            <a:schemeClr val="accent1"/>
+          </a:effectRef>
+          <a:fontRef idx="minor">
+            <a:schemeClr val="lt1"/>
+          </a:fontRef>
+        </p:style>
+        <p:txBody>
+          <a:bodyPr rtlCol="0" anchor="ctr"/>
+          <a:lstStyle/>
+          <a:p>
+            <a:pPr algn="ctr"/>
+            <a:endParaRPr lang="en-US"/>
+          </a:p>
+        </p:txBody>
+      </p:sp>
+      <p:sp>
+        <p:nvSpPr>
+          <p:cNvPr id="2" name="Title 1">
+            <a:extLst>
+              <a:ext uri="{FF2B5EF4-FFF2-40B4-BE49-F238E27FC236}">
+                <a16:creationId xmlns:a16="http://schemas.microsoft.com/office/drawing/2014/main" id="{873C606F-CBDB-9A8B-9D80-54D85A4DF1CD}"/>
+              </a:ext>
+            </a:extLst>
+          </p:cNvPr>
+          <p:cNvSpPr>
+            <a:spLocks noGrp="1"/>
+          </p:cNvSpPr>
+          <p:nvPr>
+            <p:ph type="title"/>
+          </p:nvPr>
+        </p:nvSpPr>
+        <p:spPr>
+          <a:xfrm>
+            <a:off x="521208" y="822960"/>
+            <a:ext cx="3898392" cy="5049781"/>
+          </a:xfrm>
+        </p:spPr>
+        <p:txBody>
+          <a:bodyPr vert="horz" lIns="91440" tIns="45720" rIns="91440" bIns="45720" rtlCol="0" anchor="t">
+            <a:normAutofit/>
+          </a:bodyPr>
+          <a:lstStyle/>
+          <a:p>
+            <a:r>
+              <a:rPr lang="en-US" sz="2300" b="1"/>
+              <a:t>Dataset Overview</a:t>
+            </a:r>
+            <a:br>
+              <a:rPr lang="en-US" sz="2300"/>
+            </a:br>
+            <a:r>
+              <a:rPr lang="en-US" sz="2300"/>
+              <a:t>This slide displays the first and last five rows of the dataset using df.head() and df.tail(). It includes columns like mileage, make, model, fuel, gear, offerType, price, hp, and year, showing cars from 2011 (e.g., BMW 316, €6800) to 2016 (e.g., Opel Corsa, €6980), highlighting the dataset's diversity.</a:t>
+            </a:r>
+            <a:br>
+              <a:rPr lang="en-US" sz="2300"/>
+            </a:br>
+            <a:endParaRPr lang="en-US" sz="2300"/>
+          </a:p>
+        </p:txBody>
+      </p:sp>
+      <p:cxnSp>
+        <p:nvCxnSpPr>
+          <p:cNvPr id="35" name="Straight Connector 34">
+            <a:extLst>
+              <a:ext uri="{FF2B5EF4-FFF2-40B4-BE49-F238E27FC236}">
+                <a16:creationId xmlns:a16="http://schemas.microsoft.com/office/drawing/2014/main" id="{8B45C962-0D68-4A01-9627-70DEBBC363C7}"/>
+              </a:ext>
+              <a:ext uri="{C183D7F6-B498-43B3-948B-1728B52AA6E4}">
+                <adec:decorative xmlns:adec="http://schemas.microsoft.com/office/drawing/2017/decorative" val="1"/>
+              </a:ext>
+            </a:extLst>
+          </p:cNvPr>
+          <p:cNvCxnSpPr>
+            <a:cxnSpLocks noGrp="1" noRot="1" noChangeAspect="1" noMove="1" noResize="1" noEditPoints="1" noAdjustHandles="1" noChangeArrowheads="1" noChangeShapeType="1"/>
+          </p:cNvCxnSpPr>
+          <p:nvPr>
+            <p:extLst>
+              <p:ext uri="{386F3935-93C4-4BCD-93E2-E3B085C9AB24}">
+                <p16:designElem xmlns:p16="http://schemas.microsoft.com/office/powerpoint/2015/main" val="1"/>
+              </p:ext>
+            </p:extLst>
+          </p:nvPr>
+        </p:nvCxnSpPr>
+        <p:spPr>
+          <a:xfrm flipH="1">
+            <a:off x="577175" y="571500"/>
+            <a:ext cx="11054799" cy="0"/>
+          </a:xfrm>
+          <a:prstGeom prst="line">
+            <a:avLst/>
+          </a:prstGeom>
+          <a:ln>
+            <a:solidFill>
+              <a:schemeClr val="tx1"/>
+            </a:solidFill>
+          </a:ln>
+        </p:spPr>
+        <p:style>
+          <a:lnRef idx="1">
+            <a:schemeClr val="accent1"/>
+          </a:lnRef>
+          <a:fillRef idx="0">
+            <a:schemeClr val="accent1"/>
+          </a:fillRef>
+          <a:effectRef idx="0">
+            <a:schemeClr val="accent1"/>
+          </a:effectRef>
+          <a:fontRef idx="minor">
+            <a:schemeClr val="tx1"/>
+          </a:fontRef>
+        </p:style>
+      </p:cxnSp>
+      <p:cxnSp>
+        <p:nvCxnSpPr>
+          <p:cNvPr id="37" name="Straight Connector 36">
+            <a:extLst>
+              <a:ext uri="{FF2B5EF4-FFF2-40B4-BE49-F238E27FC236}">
+                <a16:creationId xmlns:a16="http://schemas.microsoft.com/office/drawing/2014/main" id="{F1D89FBF-493B-4E7D-B511-7E40674F6323}"/>
+              </a:ext>
+              <a:ext uri="{C183D7F6-B498-43B3-948B-1728B52AA6E4}">
+                <adec:decorative xmlns:adec="http://schemas.microsoft.com/office/drawing/2017/decorative" val="1"/>
+              </a:ext>
+            </a:extLst>
+          </p:cNvPr>
+          <p:cNvCxnSpPr>
+            <a:cxnSpLocks noGrp="1" noRot="1" noChangeAspect="1" noMove="1" noResize="1" noEditPoints="1" noAdjustHandles="1" noChangeArrowheads="1" noChangeShapeType="1"/>
+          </p:cNvCxnSpPr>
+          <p:nvPr>
+            <p:extLst>
+              <p:ext uri="{386F3935-93C4-4BCD-93E2-E3B085C9AB24}">
+                <p16:designElem xmlns:p16="http://schemas.microsoft.com/office/powerpoint/2015/main" val="1"/>
+              </p:ext>
+            </p:extLst>
+          </p:nvPr>
+        </p:nvCxnSpPr>
+        <p:spPr>
+          <a:xfrm>
+            <a:off x="5524500" y="573971"/>
+            <a:ext cx="0" cy="5712529"/>
+          </a:xfrm>
+          <a:prstGeom prst="line">
+            <a:avLst/>
+          </a:prstGeom>
+          <a:ln>
+            <a:solidFill>
+              <a:schemeClr val="tx1"/>
+            </a:solidFill>
+          </a:ln>
+        </p:spPr>
+        <p:style>
+          <a:lnRef idx="1">
+            <a:schemeClr val="accent1"/>
+          </a:lnRef>
+          <a:fillRef idx="0">
+            <a:schemeClr val="accent1"/>
+          </a:fillRef>
+          <a:effectRef idx="0">
+            <a:schemeClr val="accent1"/>
+          </a:effectRef>
+          <a:fontRef idx="minor">
+            <a:schemeClr val="tx1"/>
+          </a:fontRef>
+        </p:style>
+      </p:cxnSp>
+      <p:pic>
+        <p:nvPicPr>
+          <p:cNvPr id="5" name="Content Placeholder 4" descr="A screenshot of a computer&#10;&#10;AI-generated content may be incorrect.">
+            <a:extLst>
+              <a:ext uri="{FF2B5EF4-FFF2-40B4-BE49-F238E27FC236}">
+                <a16:creationId xmlns:a16="http://schemas.microsoft.com/office/drawing/2014/main" id="{8029E9B1-4E33-CC1F-F8FB-B1B63CA8D2C4}"/>
+              </a:ext>
+            </a:extLst>
+          </p:cNvPr>
+          <p:cNvPicPr>
+            <a:picLocks noGrp="1" noChangeAspect="1"/>
+          </p:cNvPicPr>
+          <p:nvPr>
+            <p:ph idx="1"/>
+          </p:nvPr>
+        </p:nvPicPr>
+        <p:blipFill>
+          <a:blip r:embed="rId2">
+            <a:extLst>
+              <a:ext uri="{28A0092B-C50C-407E-A947-70E740481C1C}">
+                <a14:useLocalDpi xmlns:a14="http://schemas.microsoft.com/office/drawing/2010/main" val="0"/>
+              </a:ext>
+            </a:extLst>
+          </a:blip>
+          <a:stretch>
+            <a:fillRect/>
+          </a:stretch>
+        </p:blipFill>
+        <p:spPr>
+          <a:xfrm>
+            <a:off x="5800384" y="985720"/>
+            <a:ext cx="5820112" cy="4103178"/>
+          </a:xfrm>
+          <a:prstGeom prst="rect">
+            <a:avLst/>
+          </a:prstGeom>
+        </p:spPr>
+      </p:pic>
+      <p:cxnSp>
+        <p:nvCxnSpPr>
+          <p:cNvPr id="39" name="Straight Connector 38">
+            <a:extLst>
+              <a:ext uri="{FF2B5EF4-FFF2-40B4-BE49-F238E27FC236}">
+                <a16:creationId xmlns:a16="http://schemas.microsoft.com/office/drawing/2014/main" id="{4BCC744E-5590-4542-B37F-B764470BF05E}"/>
+              </a:ext>
+              <a:ext uri="{C183D7F6-B498-43B3-948B-1728B52AA6E4}">
+                <adec:decorative xmlns:adec="http://schemas.microsoft.com/office/drawing/2017/decorative" val="1"/>
+              </a:ext>
+            </a:extLst>
+          </p:cNvPr>
+          <p:cNvCxnSpPr>
+            <a:cxnSpLocks noGrp="1" noRot="1" noChangeAspect="1" noMove="1" noResize="1" noEditPoints="1" noAdjustHandles="1" noChangeArrowheads="1" noChangeShapeType="1"/>
+          </p:cNvCxnSpPr>
+          <p:nvPr>
+            <p:extLst>
+              <p:ext uri="{386F3935-93C4-4BCD-93E2-E3B085C9AB24}">
+                <p16:designElem xmlns:p16="http://schemas.microsoft.com/office/powerpoint/2015/main" val="1"/>
+              </p:ext>
+            </p:extLst>
+          </p:nvPr>
+        </p:nvCxnSpPr>
+        <p:spPr>
+          <a:xfrm flipH="1">
+            <a:off x="577176" y="6286500"/>
+            <a:ext cx="11043324" cy="0"/>
+          </a:xfrm>
+          <a:prstGeom prst="line">
+            <a:avLst/>
+          </a:prstGeom>
+          <a:ln>
+            <a:solidFill>
+              <a:schemeClr val="tx1"/>
+            </a:solidFill>
+          </a:ln>
+        </p:spPr>
+        <p:style>
+          <a:lnRef idx="1">
+            <a:schemeClr val="accent1"/>
+          </a:lnRef>
+          <a:fillRef idx="0">
+            <a:schemeClr val="accent1"/>
+          </a:fillRef>
+          <a:effectRef idx="0">
+            <a:schemeClr val="accent1"/>
+          </a:effectRef>
+          <a:fontRef idx="minor">
+            <a:schemeClr val="tx1"/>
+          </a:fontRef>
+        </p:style>
+      </p:cxnSp>
+    </p:spTree>
+    <p:extLst>
+      <p:ext uri="{BB962C8B-B14F-4D97-AF65-F5344CB8AC3E}">
+        <p14:creationId xmlns:p14="http://schemas.microsoft.com/office/powerpoint/2010/main" val="423510761"/>
+      </p:ext>
+    </p:extLst>
+  </p:cSld>
+  <p:clrMapOvr>
+    <a:masterClrMapping/>
+  </p:clrMapOvr>
+</p:sld>
+</file>
+
+<file path=ppt/slides/slide5.xml><?xml version="1.0" encoding="utf-8"?>
+<p:sld xmlns:a="http://schemas.openxmlformats.org/drawingml/2006/main" xmlns:r="http://schemas.openxmlformats.org/officeDocument/2006/relationships" xmlns:p="http://schemas.openxmlformats.org/presentationml/2006/main">
+  <p:cSld>
+    <p:bg>
+      <p:bgPr>
+        <a:solidFill>
+          <a:schemeClr val="bg2"/>
+        </a:solidFill>
+        <a:effectLst/>
+      </p:bgPr>
+    </p:bg>
+    <p:spTree>
+      <p:nvGrpSpPr>
+        <p:cNvPr id="1" name=""/>
+        <p:cNvGrpSpPr/>
+        <p:nvPr/>
+      </p:nvGrpSpPr>
+      <p:grpSpPr>
+        <a:xfrm>
+          <a:off x="0" y="0"/>
+          <a:ext cx="0" cy="0"/>
+          <a:chOff x="0" y="0"/>
+          <a:chExt cx="0" cy="0"/>
+        </a:xfrm>
+      </p:grpSpPr>
+      <p:cxnSp>
+        <p:nvCxnSpPr>
           <p:cNvPr id="10" name="Straight Connector 9">
             <a:extLst>
               <a:ext uri="{FF2B5EF4-FFF2-40B4-BE49-F238E27FC236}">
@@ -7941,7 +12091,7 @@
 </p:sld>
 </file>
 
-<file path=ppt/slides/slide5.xml><?xml version="1.0" encoding="utf-8"?>
+<file path=ppt/slides/slide6.xml><?xml version="1.0" encoding="utf-8"?>
 <p:sld xmlns:a="http://schemas.openxmlformats.org/drawingml/2006/main" xmlns:r="http://schemas.openxmlformats.org/officeDocument/2006/relationships" xmlns:p="http://schemas.openxmlformats.org/presentationml/2006/main">
   <p:cSld>
     <p:bg>
@@ -8452,486 +12602,6 @@
 </p:sld>
 </file>
 
-<file path=ppt/slides/slide6.xml><?xml version="1.0" encoding="utf-8"?>
-<p:sld xmlns:a="http://schemas.openxmlformats.org/drawingml/2006/main" xmlns:r="http://schemas.openxmlformats.org/officeDocument/2006/relationships" xmlns:p="http://schemas.openxmlformats.org/presentationml/2006/main">
-  <p:cSld>
-    <p:bg>
-      <p:bgPr>
-        <a:solidFill>
-          <a:schemeClr val="bg2"/>
-        </a:solidFill>
-        <a:effectLst/>
-      </p:bgPr>
-    </p:bg>
-    <p:spTree>
-      <p:nvGrpSpPr>
-        <p:cNvPr id="1" name=""/>
-        <p:cNvGrpSpPr/>
-        <p:nvPr/>
-      </p:nvGrpSpPr>
-      <p:grpSpPr>
-        <a:xfrm>
-          <a:off x="0" y="0"/>
-          <a:ext cx="0" cy="0"/>
-          <a:chOff x="0" y="0"/>
-          <a:chExt cx="0" cy="0"/>
-        </a:xfrm>
-      </p:grpSpPr>
-      <p:cxnSp>
-        <p:nvCxnSpPr>
-          <p:cNvPr id="27" name="Straight Connector 26">
-            <a:extLst>
-              <a:ext uri="{FF2B5EF4-FFF2-40B4-BE49-F238E27FC236}">
-                <a16:creationId xmlns:a16="http://schemas.microsoft.com/office/drawing/2014/main" id="{A240FCEE-B6E2-46D0-9BB0-F45F79545E9D}"/>
-              </a:ext>
-              <a:ext uri="{C183D7F6-B498-43B3-948B-1728B52AA6E4}">
-                <adec:decorative xmlns:adec="http://schemas.microsoft.com/office/drawing/2017/decorative" val="1"/>
-              </a:ext>
-            </a:extLst>
-          </p:cNvPr>
-          <p:cNvCxnSpPr>
-            <a:cxnSpLocks noGrp="1" noRot="1" noChangeAspect="1" noMove="1" noResize="1" noEditPoints="1" noAdjustHandles="1" noChangeArrowheads="1" noChangeShapeType="1"/>
-          </p:cNvCxnSpPr>
-          <p:nvPr>
-            <p:extLst>
-              <p:ext uri="{386F3935-93C4-4BCD-93E2-E3B085C9AB24}">
-                <p16:designElem xmlns:p16="http://schemas.microsoft.com/office/powerpoint/2015/main" val="1"/>
-              </p:ext>
-            </p:extLst>
-          </p:nvPr>
-        </p:nvCxnSpPr>
-        <p:spPr>
-          <a:xfrm flipH="1">
-            <a:off x="571501" y="571500"/>
-            <a:ext cx="11059811" cy="0"/>
-          </a:xfrm>
-          <a:prstGeom prst="line">
-            <a:avLst/>
-          </a:prstGeom>
-          <a:ln>
-            <a:solidFill>
-              <a:schemeClr val="tx1"/>
-            </a:solidFill>
-          </a:ln>
-        </p:spPr>
-        <p:style>
-          <a:lnRef idx="1">
-            <a:schemeClr val="accent1"/>
-          </a:lnRef>
-          <a:fillRef idx="0">
-            <a:schemeClr val="accent1"/>
-          </a:fillRef>
-          <a:effectRef idx="0">
-            <a:schemeClr val="accent1"/>
-          </a:effectRef>
-          <a:fontRef idx="minor">
-            <a:schemeClr val="tx1"/>
-          </a:fontRef>
-        </p:style>
-      </p:cxnSp>
-      <p:cxnSp>
-        <p:nvCxnSpPr>
-          <p:cNvPr id="29" name="Straight Connector 28">
-            <a:extLst>
-              <a:ext uri="{FF2B5EF4-FFF2-40B4-BE49-F238E27FC236}">
-                <a16:creationId xmlns:a16="http://schemas.microsoft.com/office/drawing/2014/main" id="{3BD2FB83-3783-4477-80B5-DA5BF10BAF57}"/>
-              </a:ext>
-              <a:ext uri="{C183D7F6-B498-43B3-948B-1728B52AA6E4}">
-                <adec:decorative xmlns:adec="http://schemas.microsoft.com/office/drawing/2017/decorative" val="1"/>
-              </a:ext>
-            </a:extLst>
-          </p:cNvPr>
-          <p:cNvCxnSpPr>
-            <a:cxnSpLocks noGrp="1" noRot="1" noChangeAspect="1" noMove="1" noResize="1" noEditPoints="1" noAdjustHandles="1" noChangeArrowheads="1" noChangeShapeType="1"/>
-          </p:cNvCxnSpPr>
-          <p:nvPr>
-            <p:extLst>
-              <p:ext uri="{386F3935-93C4-4BCD-93E2-E3B085C9AB24}">
-                <p16:designElem xmlns:p16="http://schemas.microsoft.com/office/powerpoint/2015/main" val="1"/>
-              </p:ext>
-            </p:extLst>
-          </p:nvPr>
-        </p:nvCxnSpPr>
-        <p:spPr>
-          <a:xfrm>
-            <a:off x="7742482" y="571500"/>
-            <a:ext cx="0" cy="5715000"/>
-          </a:xfrm>
-          <a:prstGeom prst="line">
-            <a:avLst/>
-          </a:prstGeom>
-          <a:ln>
-            <a:solidFill>
-              <a:schemeClr val="tx1"/>
-            </a:solidFill>
-          </a:ln>
-        </p:spPr>
-        <p:style>
-          <a:lnRef idx="1">
-            <a:schemeClr val="accent1"/>
-          </a:lnRef>
-          <a:fillRef idx="0">
-            <a:schemeClr val="accent1"/>
-          </a:fillRef>
-          <a:effectRef idx="0">
-            <a:schemeClr val="accent1"/>
-          </a:effectRef>
-          <a:fontRef idx="minor">
-            <a:schemeClr val="tx1"/>
-          </a:fontRef>
-        </p:style>
-      </p:cxnSp>
-      <p:cxnSp>
-        <p:nvCxnSpPr>
-          <p:cNvPr id="31" name="Straight Connector 30">
-            <a:extLst>
-              <a:ext uri="{FF2B5EF4-FFF2-40B4-BE49-F238E27FC236}">
-                <a16:creationId xmlns:a16="http://schemas.microsoft.com/office/drawing/2014/main" id="{E83EA203-71D5-49C0-9626-FFA8E46787B0}"/>
-              </a:ext>
-              <a:ext uri="{C183D7F6-B498-43B3-948B-1728B52AA6E4}">
-                <adec:decorative xmlns:adec="http://schemas.microsoft.com/office/drawing/2017/decorative" val="1"/>
-              </a:ext>
-            </a:extLst>
-          </p:cNvPr>
-          <p:cNvCxnSpPr>
-            <a:cxnSpLocks noGrp="1" noRot="1" noChangeAspect="1" noMove="1" noResize="1" noEditPoints="1" noAdjustHandles="1" noChangeArrowheads="1" noChangeShapeType="1"/>
-          </p:cNvCxnSpPr>
-          <p:nvPr>
-            <p:extLst>
-              <p:ext uri="{386F3935-93C4-4BCD-93E2-E3B085C9AB24}">
-                <p16:designElem xmlns:p16="http://schemas.microsoft.com/office/powerpoint/2015/main" val="1"/>
-              </p:ext>
-            </p:extLst>
-          </p:nvPr>
-        </p:nvCxnSpPr>
-        <p:spPr>
-          <a:xfrm flipH="1">
-            <a:off x="577485" y="6283518"/>
-            <a:ext cx="11059811" cy="0"/>
-          </a:xfrm>
-          <a:prstGeom prst="line">
-            <a:avLst/>
-          </a:prstGeom>
-          <a:ln>
-            <a:solidFill>
-              <a:schemeClr val="tx1"/>
-            </a:solidFill>
-          </a:ln>
-        </p:spPr>
-        <p:style>
-          <a:lnRef idx="1">
-            <a:schemeClr val="accent1"/>
-          </a:lnRef>
-          <a:fillRef idx="0">
-            <a:schemeClr val="accent1"/>
-          </a:fillRef>
-          <a:effectRef idx="0">
-            <a:schemeClr val="accent1"/>
-          </a:effectRef>
-          <a:fontRef idx="minor">
-            <a:schemeClr val="tx1"/>
-          </a:fontRef>
-        </p:style>
-      </p:cxnSp>
-      <p:sp useBgFill="1">
-        <p:nvSpPr>
-          <p:cNvPr id="33" name="Rectangle 32">
-            <a:extLst>
-              <a:ext uri="{FF2B5EF4-FFF2-40B4-BE49-F238E27FC236}">
-                <a16:creationId xmlns:a16="http://schemas.microsoft.com/office/drawing/2014/main" id="{D26BC87E-DCC8-4E66-972D-A587756DF30A}"/>
-              </a:ext>
-              <a:ext uri="{C183D7F6-B498-43B3-948B-1728B52AA6E4}">
-                <adec:decorative xmlns:adec="http://schemas.microsoft.com/office/drawing/2017/decorative" val="1"/>
-              </a:ext>
-            </a:extLst>
-          </p:cNvPr>
-          <p:cNvSpPr>
-            <a:spLocks noGrp="1" noRot="1" noChangeAspect="1" noMove="1" noResize="1" noEditPoints="1" noAdjustHandles="1" noChangeArrowheads="1" noChangeShapeType="1" noTextEdit="1"/>
-          </p:cNvSpPr>
-          <p:nvPr>
-            <p:extLst>
-              <p:ext uri="{386F3935-93C4-4BCD-93E2-E3B085C9AB24}">
-                <p16:designElem xmlns:p16="http://schemas.microsoft.com/office/powerpoint/2015/main" val="1"/>
-              </p:ext>
-            </p:extLst>
-          </p:nvPr>
-        </p:nvSpPr>
-        <p:spPr>
-          <a:xfrm>
-            <a:off x="-6782" y="0"/>
-            <a:ext cx="12198783" cy="6858000"/>
-          </a:xfrm>
-          <a:prstGeom prst="rect">
-            <a:avLst/>
-          </a:prstGeom>
-          <a:ln>
-            <a:noFill/>
-          </a:ln>
-        </p:spPr>
-        <p:style>
-          <a:lnRef idx="2">
-            <a:schemeClr val="accent1">
-              <a:shade val="50000"/>
-            </a:schemeClr>
-          </a:lnRef>
-          <a:fillRef idx="1">
-            <a:schemeClr val="accent1"/>
-          </a:fillRef>
-          <a:effectRef idx="0">
-            <a:schemeClr val="accent1"/>
-          </a:effectRef>
-          <a:fontRef idx="minor">
-            <a:schemeClr val="lt1"/>
-          </a:fontRef>
-        </p:style>
-        <p:txBody>
-          <a:bodyPr rtlCol="0" anchor="ctr"/>
-          <a:lstStyle/>
-          <a:p>
-            <a:pPr algn="ctr"/>
-            <a:endParaRPr lang="en-US"/>
-          </a:p>
-        </p:txBody>
-      </p:sp>
-      <p:sp>
-        <p:nvSpPr>
-          <p:cNvPr id="2" name="Title 1">
-            <a:extLst>
-              <a:ext uri="{FF2B5EF4-FFF2-40B4-BE49-F238E27FC236}">
-                <a16:creationId xmlns:a16="http://schemas.microsoft.com/office/drawing/2014/main" id="{1118B1EE-64D8-1D14-DB75-96CE21665C23}"/>
-              </a:ext>
-            </a:extLst>
-          </p:cNvPr>
-          <p:cNvSpPr>
-            <a:spLocks noGrp="1"/>
-          </p:cNvSpPr>
-          <p:nvPr>
-            <p:ph type="title"/>
-          </p:nvPr>
-        </p:nvSpPr>
-        <p:spPr>
-          <a:xfrm>
-            <a:off x="521209" y="822959"/>
-            <a:ext cx="4069374" cy="4047619"/>
-          </a:xfrm>
-        </p:spPr>
-        <p:txBody>
-          <a:bodyPr vert="horz" lIns="91440" tIns="45720" rIns="91440" bIns="45720" rtlCol="0" anchor="t">
-            <a:normAutofit/>
-          </a:bodyPr>
-          <a:lstStyle/>
-          <a:p>
-            <a:r>
-              <a:rPr lang="en-US" sz="2000"/>
-              <a:t>This slide details additional cleaning steps: df.duplicated().sum() identifies 503 duplicates, which are removed using df.drop_duplicates(), leaving zero duplicates. Numerical columns (price, hp) are converted using pd.to_numeric() with error handling, filled with mean values if needed, and all relevant columns (mileage, price, hp, year) are cast to integer type using astype(int).</a:t>
-            </a:r>
-            <a:br>
-              <a:rPr lang="en-US" sz="2000"/>
-            </a:br>
-            <a:endParaRPr lang="en-US" sz="2000"/>
-          </a:p>
-        </p:txBody>
-      </p:sp>
-      <p:cxnSp>
-        <p:nvCxnSpPr>
-          <p:cNvPr id="35" name="Straight Connector 34">
-            <a:extLst>
-              <a:ext uri="{FF2B5EF4-FFF2-40B4-BE49-F238E27FC236}">
-                <a16:creationId xmlns:a16="http://schemas.microsoft.com/office/drawing/2014/main" id="{8B45C962-0D68-4A01-9627-70DEBBC363C7}"/>
-              </a:ext>
-              <a:ext uri="{C183D7F6-B498-43B3-948B-1728B52AA6E4}">
-                <adec:decorative xmlns:adec="http://schemas.microsoft.com/office/drawing/2017/decorative" val="1"/>
-              </a:ext>
-            </a:extLst>
-          </p:cNvPr>
-          <p:cNvCxnSpPr>
-            <a:cxnSpLocks noGrp="1" noRot="1" noChangeAspect="1" noMove="1" noResize="1" noEditPoints="1" noAdjustHandles="1" noChangeArrowheads="1" noChangeShapeType="1"/>
-          </p:cNvCxnSpPr>
-          <p:nvPr>
-            <p:extLst>
-              <p:ext uri="{386F3935-93C4-4BCD-93E2-E3B085C9AB24}">
-                <p16:designElem xmlns:p16="http://schemas.microsoft.com/office/powerpoint/2015/main" val="1"/>
-              </p:ext>
-            </p:extLst>
-          </p:nvPr>
-        </p:nvCxnSpPr>
-        <p:spPr>
-          <a:xfrm flipH="1">
-            <a:off x="577175" y="571500"/>
-            <a:ext cx="11054799" cy="0"/>
-          </a:xfrm>
-          <a:prstGeom prst="line">
-            <a:avLst/>
-          </a:prstGeom>
-          <a:ln>
-            <a:solidFill>
-              <a:schemeClr val="tx1"/>
-            </a:solidFill>
-          </a:ln>
-        </p:spPr>
-        <p:style>
-          <a:lnRef idx="1">
-            <a:schemeClr val="accent1"/>
-          </a:lnRef>
-          <a:fillRef idx="0">
-            <a:schemeClr val="accent1"/>
-          </a:fillRef>
-          <a:effectRef idx="0">
-            <a:schemeClr val="accent1"/>
-          </a:effectRef>
-          <a:fontRef idx="minor">
-            <a:schemeClr val="tx1"/>
-          </a:fontRef>
-        </p:style>
-      </p:cxnSp>
-      <p:cxnSp>
-        <p:nvCxnSpPr>
-          <p:cNvPr id="37" name="Straight Connector 36">
-            <a:extLst>
-              <a:ext uri="{FF2B5EF4-FFF2-40B4-BE49-F238E27FC236}">
-                <a16:creationId xmlns:a16="http://schemas.microsoft.com/office/drawing/2014/main" id="{F1D89FBF-493B-4E7D-B511-7E40674F6323}"/>
-              </a:ext>
-              <a:ext uri="{C183D7F6-B498-43B3-948B-1728B52AA6E4}">
-                <adec:decorative xmlns:adec="http://schemas.microsoft.com/office/drawing/2017/decorative" val="1"/>
-              </a:ext>
-            </a:extLst>
-          </p:cNvPr>
-          <p:cNvCxnSpPr>
-            <a:cxnSpLocks noGrp="1" noRot="1" noChangeAspect="1" noMove="1" noResize="1" noEditPoints="1" noAdjustHandles="1" noChangeArrowheads="1" noChangeShapeType="1"/>
-          </p:cNvCxnSpPr>
-          <p:nvPr>
-            <p:extLst>
-              <p:ext uri="{386F3935-93C4-4BCD-93E2-E3B085C9AB24}">
-                <p16:designElem xmlns:p16="http://schemas.microsoft.com/office/powerpoint/2015/main" val="1"/>
-              </p:ext>
-            </p:extLst>
-          </p:nvPr>
-        </p:nvCxnSpPr>
-        <p:spPr>
-          <a:xfrm>
-            <a:off x="5524500" y="573971"/>
-            <a:ext cx="0" cy="5712529"/>
-          </a:xfrm>
-          <a:prstGeom prst="line">
-            <a:avLst/>
-          </a:prstGeom>
-          <a:ln>
-            <a:solidFill>
-              <a:schemeClr val="tx1"/>
-            </a:solidFill>
-          </a:ln>
-        </p:spPr>
-        <p:style>
-          <a:lnRef idx="1">
-            <a:schemeClr val="accent1"/>
-          </a:lnRef>
-          <a:fillRef idx="0">
-            <a:schemeClr val="accent1"/>
-          </a:fillRef>
-          <a:effectRef idx="0">
-            <a:schemeClr val="accent1"/>
-          </a:effectRef>
-          <a:fontRef idx="minor">
-            <a:schemeClr val="tx1"/>
-          </a:fontRef>
-        </p:style>
-      </p:cxnSp>
-      <p:pic>
-        <p:nvPicPr>
-          <p:cNvPr id="9" name="Content Placeholder 8">
-            <a:extLst>
-              <a:ext uri="{FF2B5EF4-FFF2-40B4-BE49-F238E27FC236}">
-                <a16:creationId xmlns:a16="http://schemas.microsoft.com/office/drawing/2014/main" id="{735BD938-8F60-66DD-C747-C3B384B74D9B}"/>
-              </a:ext>
-            </a:extLst>
-          </p:cNvPr>
-          <p:cNvPicPr>
-            <a:picLocks noGrp="1" noChangeAspect="1"/>
-          </p:cNvPicPr>
-          <p:nvPr>
-            <p:ph idx="1"/>
-          </p:nvPr>
-        </p:nvPicPr>
-        <p:blipFill>
-          <a:blip r:embed="rId2"/>
-          <a:srcRect t="917" r="3" b="3"/>
-          <a:stretch/>
-        </p:blipFill>
-        <p:spPr>
-          <a:xfrm>
-            <a:off x="5825877" y="871874"/>
-            <a:ext cx="5794623" cy="4320489"/>
-          </a:xfrm>
-          <a:prstGeom prst="rect">
-            <a:avLst/>
-          </a:prstGeom>
-        </p:spPr>
-      </p:pic>
-      <p:cxnSp>
-        <p:nvCxnSpPr>
-          <p:cNvPr id="39" name="Straight Connector 38">
-            <a:extLst>
-              <a:ext uri="{FF2B5EF4-FFF2-40B4-BE49-F238E27FC236}">
-                <a16:creationId xmlns:a16="http://schemas.microsoft.com/office/drawing/2014/main" id="{4BCC744E-5590-4542-B37F-B764470BF05E}"/>
-              </a:ext>
-              <a:ext uri="{C183D7F6-B498-43B3-948B-1728B52AA6E4}">
-                <adec:decorative xmlns:adec="http://schemas.microsoft.com/office/drawing/2017/decorative" val="1"/>
-              </a:ext>
-            </a:extLst>
-          </p:cNvPr>
-          <p:cNvCxnSpPr>
-            <a:cxnSpLocks noGrp="1" noRot="1" noChangeAspect="1" noMove="1" noResize="1" noEditPoints="1" noAdjustHandles="1" noChangeArrowheads="1" noChangeShapeType="1"/>
-          </p:cNvCxnSpPr>
-          <p:nvPr>
-            <p:extLst>
-              <p:ext uri="{386F3935-93C4-4BCD-93E2-E3B085C9AB24}">
-                <p16:designElem xmlns:p16="http://schemas.microsoft.com/office/powerpoint/2015/main" val="1"/>
-              </p:ext>
-            </p:extLst>
-          </p:nvPr>
-        </p:nvCxnSpPr>
-        <p:spPr>
-          <a:xfrm flipH="1">
-            <a:off x="577176" y="6286500"/>
-            <a:ext cx="11043324" cy="0"/>
-          </a:xfrm>
-          <a:prstGeom prst="line">
-            <a:avLst/>
-          </a:prstGeom>
-          <a:ln>
-            <a:solidFill>
-              <a:schemeClr val="tx1"/>
-            </a:solidFill>
-          </a:ln>
-        </p:spPr>
-        <p:style>
-          <a:lnRef idx="1">
-            <a:schemeClr val="accent1"/>
-          </a:lnRef>
-          <a:fillRef idx="0">
-            <a:schemeClr val="accent1"/>
-          </a:fillRef>
-          <a:effectRef idx="0">
-            <a:schemeClr val="accent1"/>
-          </a:effectRef>
-          <a:fontRef idx="minor">
-            <a:schemeClr val="tx1"/>
-          </a:fontRef>
-        </p:style>
-      </p:cxnSp>
-    </p:spTree>
-    <p:extLst>
-      <p:ext uri="{BB962C8B-B14F-4D97-AF65-F5344CB8AC3E}">
-        <p14:creationId xmlns:p14="http://schemas.microsoft.com/office/powerpoint/2010/main" val="1102367583"/>
-      </p:ext>
-    </p:extLst>
-  </p:cSld>
-  <p:clrMapOvr>
-    <a:masterClrMapping/>
-  </p:clrMapOvr>
-</p:sld>
-</file>
-
 <file path=ppt/slides/slide7.xml><?xml version="1.0" encoding="utf-8"?>
 <p:sld xmlns:a="http://schemas.openxmlformats.org/drawingml/2006/main" xmlns:r="http://schemas.openxmlformats.org/officeDocument/2006/relationships" xmlns:p="http://schemas.openxmlformats.org/presentationml/2006/main">
   <p:cSld>
@@ -9178,7 +12848,7 @@
           <p:cNvPr id="2" name="Title 1">
             <a:extLst>
               <a:ext uri="{FF2B5EF4-FFF2-40B4-BE49-F238E27FC236}">
-                <a16:creationId xmlns:a16="http://schemas.microsoft.com/office/drawing/2014/main" id="{9FA79230-D62C-9D65-379D-5FE34B9D2368}"/>
+                <a16:creationId xmlns:a16="http://schemas.microsoft.com/office/drawing/2014/main" id="{1118B1EE-64D8-1D14-DB75-96CE21665C23}"/>
               </a:ext>
             </a:extLst>
           </p:cNvPr>
@@ -9191,8 +12861,8 @@
         </p:nvSpPr>
         <p:spPr>
           <a:xfrm>
-            <a:off x="521208" y="822960"/>
-            <a:ext cx="3898392" cy="5049781"/>
+            <a:off x="521209" y="822959"/>
+            <a:ext cx="4069374" cy="4047619"/>
           </a:xfrm>
         </p:spPr>
         <p:txBody>
@@ -9202,16 +12872,13 @@
           <a:lstStyle/>
           <a:p>
             <a:r>
-              <a:rPr lang="en-US" sz="2300"/>
-              <a:t>This image displays a pie chart illustrating the distribution of gear types in car offers. The percentages show that 70.7% of the cars have a Manual gear, 29.2% have an Automatic gear, and only 0.1% have a Semi-automatic gear. The chart was created using Python with the pandas and matplotlib libraries.</a:t>
+              <a:rPr lang="en-US" sz="2000"/>
+              <a:t>This slide details additional cleaning steps: df.duplicated().sum() identifies 503 duplicates, which are removed using df.drop_duplicates(), leaving zero duplicates. Numerical columns (price, hp) are converted using pd.to_numeric() with error handling, filled with mean values if needed, and all relevant columns (mileage, price, hp, year) are cast to integer type using astype(int).</a:t>
             </a:r>
             <a:br>
-              <a:rPr lang="en-US" sz="2300"/>
+              <a:rPr lang="en-US" sz="2000"/>
             </a:br>
-            <a:br>
-              <a:rPr lang="en-US" sz="2300" dirty="0"/>
-            </a:br>
-            <a:endParaRPr lang="en-US" sz="2300" dirty="0"/>
+            <a:endParaRPr lang="en-US" sz="2000"/>
           </a:p>
         </p:txBody>
       </p:sp>
@@ -9321,10 +12988,10 @@
       </p:cxnSp>
       <p:pic>
         <p:nvPicPr>
-          <p:cNvPr id="7" name="Content Placeholder 6">
-            <a:extLst>
-              <a:ext uri="{FF2B5EF4-FFF2-40B4-BE49-F238E27FC236}">
-                <a16:creationId xmlns:a16="http://schemas.microsoft.com/office/drawing/2014/main" id="{356F9E21-6D3A-32B7-7F14-FEBFAE48EECE}"/>
+          <p:cNvPr id="9" name="Content Placeholder 8">
+            <a:extLst>
+              <a:ext uri="{FF2B5EF4-FFF2-40B4-BE49-F238E27FC236}">
+                <a16:creationId xmlns:a16="http://schemas.microsoft.com/office/drawing/2014/main" id="{735BD938-8F60-66DD-C747-C3B384B74D9B}"/>
               </a:ext>
             </a:extLst>
           </p:cNvPr>
@@ -9337,14 +13004,13 @@
         </p:nvPicPr>
         <p:blipFill>
           <a:blip r:embed="rId2"/>
-          <a:stretch>
-            <a:fillRect/>
-          </a:stretch>
+          <a:srcRect t="917" r="3" b="3"/>
+          <a:stretch/>
         </p:blipFill>
         <p:spPr>
           <a:xfrm>
-            <a:off x="5827777" y="853692"/>
-            <a:ext cx="5765326" cy="4367235"/>
+            <a:off x="5825877" y="871874"/>
+            <a:ext cx="5794623" cy="4320489"/>
           </a:xfrm>
           <a:prstGeom prst="rect">
             <a:avLst/>
@@ -9406,7 +13072,7 @@
     </p:spTree>
     <p:extLst>
       <p:ext uri="{BB962C8B-B14F-4D97-AF65-F5344CB8AC3E}">
-        <p14:creationId xmlns:p14="http://schemas.microsoft.com/office/powerpoint/2010/main" val="2294621156"/>
+        <p14:creationId xmlns:p14="http://schemas.microsoft.com/office/powerpoint/2010/main" val="1102367583"/>
       </p:ext>
     </p:extLst>
   </p:cSld>
@@ -9443,7 +13109,7 @@
       </p:grpSpPr>
       <p:cxnSp>
         <p:nvCxnSpPr>
-          <p:cNvPr id="10" name="Straight Connector 9">
+          <p:cNvPr id="27" name="Straight Connector 26">
             <a:extLst>
               <a:ext uri="{FF2B5EF4-FFF2-40B4-BE49-F238E27FC236}">
                 <a16:creationId xmlns:a16="http://schemas.microsoft.com/office/drawing/2014/main" id="{A240FCEE-B6E2-46D0-9BB0-F45F79545E9D}"/>
@@ -9495,7 +13161,7 @@
       </p:cxnSp>
       <p:cxnSp>
         <p:nvCxnSpPr>
-          <p:cNvPr id="12" name="Straight Connector 11">
+          <p:cNvPr id="29" name="Straight Connector 28">
             <a:extLst>
               <a:ext uri="{FF2B5EF4-FFF2-40B4-BE49-F238E27FC236}">
                 <a16:creationId xmlns:a16="http://schemas.microsoft.com/office/drawing/2014/main" id="{3BD2FB83-3783-4477-80B5-DA5BF10BAF57}"/>
@@ -9547,7 +13213,7 @@
       </p:cxnSp>
       <p:cxnSp>
         <p:nvCxnSpPr>
-          <p:cNvPr id="14" name="Straight Connector 13">
+          <p:cNvPr id="31" name="Straight Connector 30">
             <a:extLst>
               <a:ext uri="{FF2B5EF4-FFF2-40B4-BE49-F238E27FC236}">
                 <a16:creationId xmlns:a16="http://schemas.microsoft.com/office/drawing/2014/main" id="{E83EA203-71D5-49C0-9626-FFA8E46787B0}"/>
@@ -9599,10 +13265,10 @@
       </p:cxnSp>
       <p:sp useBgFill="1">
         <p:nvSpPr>
-          <p:cNvPr id="16" name="Rectangle 15">
-            <a:extLst>
-              <a:ext uri="{FF2B5EF4-FFF2-40B4-BE49-F238E27FC236}">
-                <a16:creationId xmlns:a16="http://schemas.microsoft.com/office/drawing/2014/main" id="{7D2EF33D-68BD-428C-B26E-2F4962407A12}"/>
+          <p:cNvPr id="33" name="Rectangle 32">
+            <a:extLst>
+              <a:ext uri="{FF2B5EF4-FFF2-40B4-BE49-F238E27FC236}">
+                <a16:creationId xmlns:a16="http://schemas.microsoft.com/office/drawing/2014/main" id="{D26BC87E-DCC8-4E66-972D-A587756DF30A}"/>
               </a:ext>
               <a:ext uri="{C183D7F6-B498-43B3-948B-1728B52AA6E4}">
                 <adec:decorative xmlns:adec="http://schemas.microsoft.com/office/drawing/2017/decorative" val="1"/>
@@ -9662,7 +13328,7 @@
           <p:cNvPr id="2" name="Title 1">
             <a:extLst>
               <a:ext uri="{FF2B5EF4-FFF2-40B4-BE49-F238E27FC236}">
-                <a16:creationId xmlns:a16="http://schemas.microsoft.com/office/drawing/2014/main" id="{C087D1A6-F4C5-949B-ACC1-B773FB4D0D94}"/>
+                <a16:creationId xmlns:a16="http://schemas.microsoft.com/office/drawing/2014/main" id="{9FA79230-D62C-9D65-379D-5FE34B9D2368}"/>
               </a:ext>
             </a:extLst>
           </p:cNvPr>
@@ -9675,8 +13341,8 @@
         </p:nvSpPr>
         <p:spPr>
           <a:xfrm>
-            <a:off x="521207" y="822960"/>
-            <a:ext cx="5536359" cy="4703629"/>
+            <a:off x="521208" y="822960"/>
+            <a:ext cx="3898392" cy="5049781"/>
           </a:xfrm>
         </p:spPr>
         <p:txBody>
@@ -9686,16 +13352,12 @@
           <a:lstStyle/>
           <a:p>
             <a:r>
-              <a:rPr lang="en-US" sz="2300" b="1" dirty="0"/>
-              <a:t>EDA: Top Price by Make</a:t>
+              <a:rPr lang="en-US" sz="2300"/>
+              <a:t>This image displays a pie chart illustrating the distribution of gear types in car offers. The percentages show that 70.7% of the cars have a Manual gear, 29.2% have an Automatic gear, and only 0.1% have a Semi-automatic gear. The chart was created using Python with the pandas and matplotlib libraries.</a:t>
             </a:r>
             <a:br>
-              <a:rPr lang="en-US" sz="2300" dirty="0"/>
+              <a:rPr lang="en-US" sz="2300"/>
             </a:br>
-            <a:r>
-              <a:rPr lang="en-US" sz="2300" dirty="0"/>
-              <a:t>This slide displays a horizontal bar plot showing the top 10 car makes by total price, using seaborn and matplotlib. Volkswagen leads with the highest total price (around 2e7), followed by Audi, Ford, and Mercedes-Benz, while Hyundai and SEAT have the lowest among the top 10. The plot uses a red color palette.</a:t>
-            </a:r>
             <a:br>
               <a:rPr lang="en-US" sz="2300" dirty="0"/>
             </a:br>
@@ -9705,10 +13367,10 @@
       </p:sp>
       <p:cxnSp>
         <p:nvCxnSpPr>
-          <p:cNvPr id="18" name="Straight Connector 17">
-            <a:extLst>
-              <a:ext uri="{FF2B5EF4-FFF2-40B4-BE49-F238E27FC236}">
-                <a16:creationId xmlns:a16="http://schemas.microsoft.com/office/drawing/2014/main" id="{BB0822C5-45F8-48C5-867F-0DE853868476}"/>
+          <p:cNvPr id="35" name="Straight Connector 34">
+            <a:extLst>
+              <a:ext uri="{FF2B5EF4-FFF2-40B4-BE49-F238E27FC236}">
+                <a16:creationId xmlns:a16="http://schemas.microsoft.com/office/drawing/2014/main" id="{8B45C962-0D68-4A01-9627-70DEBBC363C7}"/>
               </a:ext>
               <a:ext uri="{C183D7F6-B498-43B3-948B-1728B52AA6E4}">
                 <adec:decorative xmlns:adec="http://schemas.microsoft.com/office/drawing/2017/decorative" val="1"/>
@@ -9727,9 +13389,9 @@
           </p:nvPr>
         </p:nvCxnSpPr>
         <p:spPr>
-          <a:xfrm>
-            <a:off x="6629400" y="573488"/>
-            <a:ext cx="0" cy="5717041"/>
+          <a:xfrm flipH="1">
+            <a:off x="577175" y="571500"/>
+            <a:ext cx="11054799" cy="0"/>
           </a:xfrm>
           <a:prstGeom prst="line">
             <a:avLst/>
@@ -9757,10 +13419,10 @@
       </p:cxnSp>
       <p:cxnSp>
         <p:nvCxnSpPr>
-          <p:cNvPr id="20" name="Straight Connector 19">
-            <a:extLst>
-              <a:ext uri="{FF2B5EF4-FFF2-40B4-BE49-F238E27FC236}">
-                <a16:creationId xmlns:a16="http://schemas.microsoft.com/office/drawing/2014/main" id="{A91E38C7-3164-416B-A453-D3B6F612D325}"/>
+          <p:cNvPr id="37" name="Straight Connector 36">
+            <a:extLst>
+              <a:ext uri="{FF2B5EF4-FFF2-40B4-BE49-F238E27FC236}">
+                <a16:creationId xmlns:a16="http://schemas.microsoft.com/office/drawing/2014/main" id="{F1D89FBF-493B-4E7D-B511-7E40674F6323}"/>
               </a:ext>
               <a:ext uri="{C183D7F6-B498-43B3-948B-1728B52AA6E4}">
                 <adec:decorative xmlns:adec="http://schemas.microsoft.com/office/drawing/2017/decorative" val="1"/>
@@ -9779,9 +13441,9 @@
           </p:nvPr>
         </p:nvCxnSpPr>
         <p:spPr>
-          <a:xfrm flipH="1">
-            <a:off x="577175" y="571500"/>
-            <a:ext cx="11054799" cy="0"/>
+          <a:xfrm>
+            <a:off x="5524500" y="573971"/>
+            <a:ext cx="0" cy="5712529"/>
           </a:xfrm>
           <a:prstGeom prst="line">
             <a:avLst/>
@@ -9809,10 +13471,10 @@
       </p:cxnSp>
       <p:pic>
         <p:nvPicPr>
-          <p:cNvPr id="5" name="Content Placeholder 4" descr="A screenshot of a computer&#10;&#10;AI-generated content may be incorrect.">
-            <a:extLst>
-              <a:ext uri="{FF2B5EF4-FFF2-40B4-BE49-F238E27FC236}">
-                <a16:creationId xmlns:a16="http://schemas.microsoft.com/office/drawing/2014/main" id="{C008BCEA-E6A8-844C-3183-4B4E882C90FE}"/>
+          <p:cNvPr id="7" name="Content Placeholder 6">
+            <a:extLst>
+              <a:ext uri="{FF2B5EF4-FFF2-40B4-BE49-F238E27FC236}">
+                <a16:creationId xmlns:a16="http://schemas.microsoft.com/office/drawing/2014/main" id="{356F9E21-6D3A-32B7-7F14-FEBFAE48EECE}"/>
               </a:ext>
             </a:extLst>
           </p:cNvPr>
@@ -9824,21 +13486,15 @@
           </p:nvPr>
         </p:nvPicPr>
         <p:blipFill>
-          <a:blip r:embed="rId2">
-            <a:extLst>
-              <a:ext uri="{28A0092B-C50C-407E-A947-70E740481C1C}">
-                <a14:useLocalDpi xmlns:a14="http://schemas.microsoft.com/office/drawing/2010/main" val="0"/>
-              </a:ext>
-            </a:extLst>
-          </a:blip>
+          <a:blip r:embed="rId2"/>
           <a:stretch>
             <a:fillRect/>
           </a:stretch>
         </p:blipFill>
         <p:spPr>
           <a:xfrm>
-            <a:off x="6905283" y="822960"/>
-            <a:ext cx="5204195" cy="5115616"/>
+            <a:off x="5827777" y="853692"/>
+            <a:ext cx="5765326" cy="4367235"/>
           </a:xfrm>
           <a:prstGeom prst="rect">
             <a:avLst/>
@@ -9847,10 +13503,10 @@
       </p:pic>
       <p:cxnSp>
         <p:nvCxnSpPr>
-          <p:cNvPr id="22" name="Straight Connector 21">
-            <a:extLst>
-              <a:ext uri="{FF2B5EF4-FFF2-40B4-BE49-F238E27FC236}">
-                <a16:creationId xmlns:a16="http://schemas.microsoft.com/office/drawing/2014/main" id="{EC3B131B-2BD8-4155-8C64-85668842E2EA}"/>
+          <p:cNvPr id="39" name="Straight Connector 38">
+            <a:extLst>
+              <a:ext uri="{FF2B5EF4-FFF2-40B4-BE49-F238E27FC236}">
+                <a16:creationId xmlns:a16="http://schemas.microsoft.com/office/drawing/2014/main" id="{4BCC744E-5590-4542-B37F-B764470BF05E}"/>
               </a:ext>
               <a:ext uri="{C183D7F6-B498-43B3-948B-1728B52AA6E4}">
                 <adec:decorative xmlns:adec="http://schemas.microsoft.com/office/drawing/2017/decorative" val="1"/>
@@ -9870,8 +13526,8 @@
         </p:nvCxnSpPr>
         <p:spPr>
           <a:xfrm flipH="1">
-            <a:off x="584291" y="6287701"/>
-            <a:ext cx="11023419" cy="0"/>
+            <a:off x="577176" y="6286500"/>
+            <a:ext cx="11043324" cy="0"/>
           </a:xfrm>
           <a:prstGeom prst="line">
             <a:avLst/>
@@ -9900,7 +13556,7 @@
     </p:spTree>
     <p:extLst>
       <p:ext uri="{BB962C8B-B14F-4D97-AF65-F5344CB8AC3E}">
-        <p14:creationId xmlns:p14="http://schemas.microsoft.com/office/powerpoint/2010/main" val="87653696"/>
+        <p14:creationId xmlns:p14="http://schemas.microsoft.com/office/powerpoint/2010/main" val="2294621156"/>
       </p:ext>
     </p:extLst>
   </p:cSld>
@@ -9937,7 +13593,7 @@
       </p:grpSpPr>
       <p:cxnSp>
         <p:nvCxnSpPr>
-          <p:cNvPr id="27" name="Straight Connector 26">
+          <p:cNvPr id="10" name="Straight Connector 9">
             <a:extLst>
               <a:ext uri="{FF2B5EF4-FFF2-40B4-BE49-F238E27FC236}">
                 <a16:creationId xmlns:a16="http://schemas.microsoft.com/office/drawing/2014/main" id="{A240FCEE-B6E2-46D0-9BB0-F45F79545E9D}"/>
@@ -9989,7 +13645,7 @@
       </p:cxnSp>
       <p:cxnSp>
         <p:nvCxnSpPr>
-          <p:cNvPr id="29" name="Straight Connector 28">
+          <p:cNvPr id="12" name="Straight Connector 11">
             <a:extLst>
               <a:ext uri="{FF2B5EF4-FFF2-40B4-BE49-F238E27FC236}">
                 <a16:creationId xmlns:a16="http://schemas.microsoft.com/office/drawing/2014/main" id="{3BD2FB83-3783-4477-80B5-DA5BF10BAF57}"/>
@@ -10041,7 +13697,7 @@
       </p:cxnSp>
       <p:cxnSp>
         <p:nvCxnSpPr>
-          <p:cNvPr id="31" name="Straight Connector 30">
+          <p:cNvPr id="14" name="Straight Connector 13">
             <a:extLst>
               <a:ext uri="{FF2B5EF4-FFF2-40B4-BE49-F238E27FC236}">
                 <a16:creationId xmlns:a16="http://schemas.microsoft.com/office/drawing/2014/main" id="{E83EA203-71D5-49C0-9626-FFA8E46787B0}"/>
@@ -10093,10 +13749,10 @@
       </p:cxnSp>
       <p:sp useBgFill="1">
         <p:nvSpPr>
-          <p:cNvPr id="33" name="Rectangle 32">
-            <a:extLst>
-              <a:ext uri="{FF2B5EF4-FFF2-40B4-BE49-F238E27FC236}">
-                <a16:creationId xmlns:a16="http://schemas.microsoft.com/office/drawing/2014/main" id="{D26BC87E-DCC8-4E66-972D-A587756DF30A}"/>
+          <p:cNvPr id="16" name="Rectangle 15">
+            <a:extLst>
+              <a:ext uri="{FF2B5EF4-FFF2-40B4-BE49-F238E27FC236}">
+                <a16:creationId xmlns:a16="http://schemas.microsoft.com/office/drawing/2014/main" id="{7D2EF33D-68BD-428C-B26E-2F4962407A12}"/>
               </a:ext>
               <a:ext uri="{C183D7F6-B498-43B3-948B-1728B52AA6E4}">
                 <adec:decorative xmlns:adec="http://schemas.microsoft.com/office/drawing/2017/decorative" val="1"/>
@@ -10156,7 +13812,7 @@
           <p:cNvPr id="2" name="Title 1">
             <a:extLst>
               <a:ext uri="{FF2B5EF4-FFF2-40B4-BE49-F238E27FC236}">
-                <a16:creationId xmlns:a16="http://schemas.microsoft.com/office/drawing/2014/main" id="{14A8D8E0-FB43-CE4B-FB3A-5D2CE8A53E63}"/>
+                <a16:creationId xmlns:a16="http://schemas.microsoft.com/office/drawing/2014/main" id="{C087D1A6-F4C5-949B-ACC1-B773FB4D0D94}"/>
               </a:ext>
             </a:extLst>
           </p:cNvPr>
@@ -10169,8 +13825,8 @@
         </p:nvSpPr>
         <p:spPr>
           <a:xfrm>
-            <a:off x="521208" y="822960"/>
-            <a:ext cx="3898392" cy="5049781"/>
+            <a:off x="521207" y="822960"/>
+            <a:ext cx="5536359" cy="4703629"/>
           </a:xfrm>
         </p:spPr>
         <p:txBody>
@@ -10181,14 +13837,14 @@
           <a:p>
             <a:r>
               <a:rPr lang="en-US" sz="2300" b="1" dirty="0"/>
-              <a:t>EDA: Price vs. Year of Manufacture</a:t>
+              <a:t>EDA: Top Price by Make</a:t>
             </a:r>
             <a:br>
               <a:rPr lang="en-US" sz="2300" dirty="0"/>
             </a:br>
             <a:r>
               <a:rPr lang="en-US" sz="2300" dirty="0"/>
-              <a:t>This slide presents a scatter plot of car prices against their manufacturing year, created using seaborn and matplotlib. It shows a trend where newer cars (2018-2021) generally have higher prices, with most prices clustering below €100,000, and a few outliers reaching up to €400,000, particularly for newer models.</a:t>
+              <a:t>This slide displays a horizontal bar plot showing the top 10 car makes by total price, using seaborn and matplotlib. Volkswagen leads with the highest total price (around 2e7), followed by Audi, Ford, and Mercedes-Benz, while Hyundai and SEAT have the lowest among the top 10. The plot uses a red color palette.</a:t>
             </a:r>
             <a:br>
               <a:rPr lang="en-US" sz="2300" dirty="0"/>
@@ -10199,10 +13855,10 @@
       </p:sp>
       <p:cxnSp>
         <p:nvCxnSpPr>
-          <p:cNvPr id="35" name="Straight Connector 34">
-            <a:extLst>
-              <a:ext uri="{FF2B5EF4-FFF2-40B4-BE49-F238E27FC236}">
-                <a16:creationId xmlns:a16="http://schemas.microsoft.com/office/drawing/2014/main" id="{8B45C962-0D68-4A01-9627-70DEBBC363C7}"/>
+          <p:cNvPr id="18" name="Straight Connector 17">
+            <a:extLst>
+              <a:ext uri="{FF2B5EF4-FFF2-40B4-BE49-F238E27FC236}">
+                <a16:creationId xmlns:a16="http://schemas.microsoft.com/office/drawing/2014/main" id="{BB0822C5-45F8-48C5-867F-0DE853868476}"/>
               </a:ext>
               <a:ext uri="{C183D7F6-B498-43B3-948B-1728B52AA6E4}">
                 <adec:decorative xmlns:adec="http://schemas.microsoft.com/office/drawing/2017/decorative" val="1"/>
@@ -10221,9 +13877,9 @@
           </p:nvPr>
         </p:nvCxnSpPr>
         <p:spPr>
-          <a:xfrm flipH="1">
-            <a:off x="577175" y="571500"/>
-            <a:ext cx="11054799" cy="0"/>
+          <a:xfrm>
+            <a:off x="6629400" y="573488"/>
+            <a:ext cx="0" cy="5717041"/>
           </a:xfrm>
           <a:prstGeom prst="line">
             <a:avLst/>
@@ -10251,10 +13907,10 @@
       </p:cxnSp>
       <p:cxnSp>
         <p:nvCxnSpPr>
-          <p:cNvPr id="37" name="Straight Connector 36">
-            <a:extLst>
-              <a:ext uri="{FF2B5EF4-FFF2-40B4-BE49-F238E27FC236}">
-                <a16:creationId xmlns:a16="http://schemas.microsoft.com/office/drawing/2014/main" id="{F1D89FBF-493B-4E7D-B511-7E40674F6323}"/>
+          <p:cNvPr id="20" name="Straight Connector 19">
+            <a:extLst>
+              <a:ext uri="{FF2B5EF4-FFF2-40B4-BE49-F238E27FC236}">
+                <a16:creationId xmlns:a16="http://schemas.microsoft.com/office/drawing/2014/main" id="{A91E38C7-3164-416B-A453-D3B6F612D325}"/>
               </a:ext>
               <a:ext uri="{C183D7F6-B498-43B3-948B-1728B52AA6E4}">
                 <adec:decorative xmlns:adec="http://schemas.microsoft.com/office/drawing/2017/decorative" val="1"/>
@@ -10273,9 +13929,9 @@
           </p:nvPr>
         </p:nvCxnSpPr>
         <p:spPr>
-          <a:xfrm>
-            <a:off x="5524500" y="573971"/>
-            <a:ext cx="0" cy="5712529"/>
+          <a:xfrm flipH="1">
+            <a:off x="577175" y="571500"/>
+            <a:ext cx="11054799" cy="0"/>
           </a:xfrm>
           <a:prstGeom prst="line">
             <a:avLst/>
@@ -10303,10 +13959,10 @@
       </p:cxnSp>
       <p:pic>
         <p:nvPicPr>
-          <p:cNvPr id="7" name="Content Placeholder 6">
-            <a:extLst>
-              <a:ext uri="{FF2B5EF4-FFF2-40B4-BE49-F238E27FC236}">
-                <a16:creationId xmlns:a16="http://schemas.microsoft.com/office/drawing/2014/main" id="{CB9DB76F-76E5-D455-AE38-BB2FB827A30E}"/>
+          <p:cNvPr id="5" name="Content Placeholder 4" descr="A screenshot of a computer&#10;&#10;AI-generated content may be incorrect.">
+            <a:extLst>
+              <a:ext uri="{FF2B5EF4-FFF2-40B4-BE49-F238E27FC236}">
+                <a16:creationId xmlns:a16="http://schemas.microsoft.com/office/drawing/2014/main" id="{C008BCEA-E6A8-844C-3183-4B4E882C90FE}"/>
               </a:ext>
             </a:extLst>
           </p:cNvPr>
@@ -10318,15 +13974,21 @@
           </p:nvPr>
         </p:nvPicPr>
         <p:blipFill>
-          <a:blip r:embed="rId2"/>
+          <a:blip r:embed="rId2">
+            <a:extLst>
+              <a:ext uri="{28A0092B-C50C-407E-A947-70E740481C1C}">
+                <a14:useLocalDpi xmlns:a14="http://schemas.microsoft.com/office/drawing/2010/main" val="0"/>
+              </a:ext>
+            </a:extLst>
+          </a:blip>
           <a:stretch>
             <a:fillRect/>
           </a:stretch>
         </p:blipFill>
         <p:spPr>
           <a:xfrm>
-            <a:off x="5800383" y="930404"/>
-            <a:ext cx="6168095" cy="4788792"/>
+            <a:off x="6905283" y="822960"/>
+            <a:ext cx="5204195" cy="5115616"/>
           </a:xfrm>
           <a:prstGeom prst="rect">
             <a:avLst/>
@@ -10335,10 +13997,10 @@
       </p:pic>
       <p:cxnSp>
         <p:nvCxnSpPr>
-          <p:cNvPr id="39" name="Straight Connector 38">
-            <a:extLst>
-              <a:ext uri="{FF2B5EF4-FFF2-40B4-BE49-F238E27FC236}">
-                <a16:creationId xmlns:a16="http://schemas.microsoft.com/office/drawing/2014/main" id="{4BCC744E-5590-4542-B37F-B764470BF05E}"/>
+          <p:cNvPr id="22" name="Straight Connector 21">
+            <a:extLst>
+              <a:ext uri="{FF2B5EF4-FFF2-40B4-BE49-F238E27FC236}">
+                <a16:creationId xmlns:a16="http://schemas.microsoft.com/office/drawing/2014/main" id="{EC3B131B-2BD8-4155-8C64-85668842E2EA}"/>
               </a:ext>
               <a:ext uri="{C183D7F6-B498-43B3-948B-1728B52AA6E4}">
                 <adec:decorative xmlns:adec="http://schemas.microsoft.com/office/drawing/2017/decorative" val="1"/>
@@ -10358,8 +14020,8 @@
         </p:nvCxnSpPr>
         <p:spPr>
           <a:xfrm flipH="1">
-            <a:off x="577176" y="6286500"/>
-            <a:ext cx="11043324" cy="0"/>
+            <a:off x="584291" y="6287701"/>
+            <a:ext cx="11023419" cy="0"/>
           </a:xfrm>
           <a:prstGeom prst="line">
             <a:avLst/>
@@ -10388,7 +14050,7 @@
     </p:spTree>
     <p:extLst>
       <p:ext uri="{BB962C8B-B14F-4D97-AF65-F5344CB8AC3E}">
-        <p14:creationId xmlns:p14="http://schemas.microsoft.com/office/powerpoint/2010/main" val="515126627"/>
+        <p14:creationId xmlns:p14="http://schemas.microsoft.com/office/powerpoint/2010/main" val="87653696"/>
       </p:ext>
     </p:extLst>
   </p:cSld>

--- a/Cars price.pptx
+++ b/Cars price.pptx
@@ -3860,7 +3860,7 @@
           <a:p>
             <a:fld id="{1C8322F6-1C60-46CF-968C-BC20E470F443}" type="datetimeFigureOut">
               <a:rPr lang="en-US" smtClean="0"/>
-              <a:t>5/2/2025</a:t>
+              <a:t>5/4/2025</a:t>
             </a:fld>
             <a:endParaRPr lang="en-US"/>
           </a:p>
@@ -4194,7 +4194,7 @@
           <a:p>
             <a:fld id="{1C8322F6-1C60-46CF-968C-BC20E470F443}" type="datetimeFigureOut">
               <a:rPr lang="en-US" smtClean="0"/>
-              <a:t>5/2/2025</a:t>
+              <a:t>5/4/2025</a:t>
             </a:fld>
             <a:endParaRPr lang="en-US"/>
           </a:p>
@@ -4447,7 +4447,7 @@
           <a:p>
             <a:fld id="{1C8322F6-1C60-46CF-968C-BC20E470F443}" type="datetimeFigureOut">
               <a:rPr lang="en-US" smtClean="0"/>
-              <a:t>5/2/2025</a:t>
+              <a:t>5/4/2025</a:t>
             </a:fld>
             <a:endParaRPr lang="en-US"/>
           </a:p>
@@ -4781,7 +4781,7 @@
           <a:p>
             <a:fld id="{1C8322F6-1C60-46CF-968C-BC20E470F443}" type="datetimeFigureOut">
               <a:rPr lang="en-US" smtClean="0"/>
-              <a:t>5/2/2025</a:t>
+              <a:t>5/4/2025</a:t>
             </a:fld>
             <a:endParaRPr lang="en-US"/>
           </a:p>
@@ -5062,7 +5062,7 @@
           <a:p>
             <a:fld id="{1C8322F6-1C60-46CF-968C-BC20E470F443}" type="datetimeFigureOut">
               <a:rPr lang="en-US" smtClean="0"/>
-              <a:t>5/2/2025</a:t>
+              <a:t>5/4/2025</a:t>
             </a:fld>
             <a:endParaRPr lang="en-US"/>
           </a:p>
@@ -5464,7 +5464,7 @@
           <a:p>
             <a:fld id="{1C8322F6-1C60-46CF-968C-BC20E470F443}" type="datetimeFigureOut">
               <a:rPr lang="en-US" smtClean="0"/>
-              <a:t>5/2/2025</a:t>
+              <a:t>5/4/2025</a:t>
             </a:fld>
             <a:endParaRPr lang="en-US"/>
           </a:p>
@@ -5925,7 +5925,7 @@
           <a:p>
             <a:fld id="{1C8322F6-1C60-46CF-968C-BC20E470F443}" type="datetimeFigureOut">
               <a:rPr lang="en-US" smtClean="0"/>
-              <a:t>5/2/2025</a:t>
+              <a:t>5/4/2025</a:t>
             </a:fld>
             <a:endParaRPr lang="en-US"/>
           </a:p>
@@ -6158,7 +6158,7 @@
           <a:p>
             <a:fld id="{1C8322F6-1C60-46CF-968C-BC20E470F443}" type="datetimeFigureOut">
               <a:rPr lang="en-US" smtClean="0"/>
-              <a:t>5/2/2025</a:t>
+              <a:t>5/4/2025</a:t>
             </a:fld>
             <a:endParaRPr lang="en-US"/>
           </a:p>
@@ -6357,7 +6357,7 @@
           <a:p>
             <a:fld id="{1C8322F6-1C60-46CF-968C-BC20E470F443}" type="datetimeFigureOut">
               <a:rPr lang="en-US" smtClean="0"/>
-              <a:t>5/2/2025</a:t>
+              <a:t>5/4/2025</a:t>
             </a:fld>
             <a:endParaRPr lang="en-US"/>
           </a:p>
@@ -6670,7 +6670,7 @@
           <a:p>
             <a:fld id="{1C8322F6-1C60-46CF-968C-BC20E470F443}" type="datetimeFigureOut">
               <a:rPr lang="en-US" smtClean="0"/>
-              <a:t>5/2/2025</a:t>
+              <a:t>5/4/2025</a:t>
             </a:fld>
             <a:endParaRPr lang="en-US"/>
           </a:p>
@@ -7134,7 +7134,7 @@
           <a:p>
             <a:fld id="{1C8322F6-1C60-46CF-968C-BC20E470F443}" type="datetimeFigureOut">
               <a:rPr lang="en-US" smtClean="0"/>
-              <a:t>5/2/2025</a:t>
+              <a:t>5/4/2025</a:t>
             </a:fld>
             <a:endParaRPr lang="en-US"/>
           </a:p>
@@ -7547,7 +7547,7 @@
           <a:p>
             <a:fld id="{1C8322F6-1C60-46CF-968C-BC20E470F443}" type="datetimeFigureOut">
               <a:rPr lang="en-US" smtClean="0"/>
-              <a:t>5/2/2025</a:t>
+              <a:t>5/4/2025</a:t>
             </a:fld>
             <a:endParaRPr lang="en-US"/>
           </a:p>
@@ -9693,7 +9693,7 @@
       </p:grpSpPr>
       <p:cxnSp>
         <p:nvCxnSpPr>
-          <p:cNvPr id="10" name="Straight Connector 9">
+          <p:cNvPr id="44" name="Straight Connector 43">
             <a:extLst>
               <a:ext uri="{FF2B5EF4-FFF2-40B4-BE49-F238E27FC236}">
                 <a16:creationId xmlns:a16="http://schemas.microsoft.com/office/drawing/2014/main" id="{A240FCEE-B6E2-46D0-9BB0-F45F79545E9D}"/>
@@ -9745,7 +9745,7 @@
       </p:cxnSp>
       <p:cxnSp>
         <p:nvCxnSpPr>
-          <p:cNvPr id="12" name="Straight Connector 11">
+          <p:cNvPr id="46" name="Straight Connector 45">
             <a:extLst>
               <a:ext uri="{FF2B5EF4-FFF2-40B4-BE49-F238E27FC236}">
                 <a16:creationId xmlns:a16="http://schemas.microsoft.com/office/drawing/2014/main" id="{3BD2FB83-3783-4477-80B5-DA5BF10BAF57}"/>
@@ -9797,7 +9797,7 @@
       </p:cxnSp>
       <p:cxnSp>
         <p:nvCxnSpPr>
-          <p:cNvPr id="14" name="Straight Connector 13">
+          <p:cNvPr id="48" name="Straight Connector 47">
             <a:extLst>
               <a:ext uri="{FF2B5EF4-FFF2-40B4-BE49-F238E27FC236}">
                 <a16:creationId xmlns:a16="http://schemas.microsoft.com/office/drawing/2014/main" id="{E83EA203-71D5-49C0-9626-FFA8E46787B0}"/>
@@ -9849,10 +9849,10 @@
       </p:cxnSp>
       <p:sp useBgFill="1">
         <p:nvSpPr>
-          <p:cNvPr id="16" name="Rectangle 15">
-            <a:extLst>
-              <a:ext uri="{FF2B5EF4-FFF2-40B4-BE49-F238E27FC236}">
-                <a16:creationId xmlns:a16="http://schemas.microsoft.com/office/drawing/2014/main" id="{D26BC87E-DCC8-4E66-972D-A587756DF30A}"/>
+          <p:cNvPr id="50" name="Rectangle 49">
+            <a:extLst>
+              <a:ext uri="{FF2B5EF4-FFF2-40B4-BE49-F238E27FC236}">
+                <a16:creationId xmlns:a16="http://schemas.microsoft.com/office/drawing/2014/main" id="{7D2EF33D-68BD-428C-B26E-2F4962407A12}"/>
               </a:ext>
               <a:ext uri="{C183D7F6-B498-43B3-948B-1728B52AA6E4}">
                 <adec:decorative xmlns:adec="http://schemas.microsoft.com/office/drawing/2017/decorative" val="1"/>
@@ -9925,8 +9925,8 @@
         </p:nvSpPr>
         <p:spPr>
           <a:xfrm>
-            <a:off x="521208" y="822960"/>
-            <a:ext cx="3898392" cy="5049781"/>
+            <a:off x="521208" y="822961"/>
+            <a:ext cx="5003290" cy="4282440"/>
           </a:xfrm>
         </p:spPr>
         <p:txBody>
@@ -9936,53 +9936,29 @@
           <a:lstStyle/>
           <a:p>
             <a:r>
-              <a:rPr lang="en-US" sz="1900" b="1" dirty="0"/>
+              <a:rPr lang="en-US" sz="2300" b="1"/>
               <a:t>Modeling and Evaluation</a:t>
             </a:r>
             <a:br>
-              <a:rPr lang="en-US" sz="1900" dirty="0"/>
+              <a:rPr lang="en-US" sz="2300"/>
             </a:br>
             <a:r>
-              <a:rPr lang="en-US" sz="1900" dirty="0"/>
-              <a:t>This slide details the modeling process: features (model, hp, year, mileage, </a:t>
-            </a:r>
-            <a:r>
-              <a:rPr lang="en-US" sz="1900" dirty="0" err="1"/>
-              <a:t>offerType</a:t>
-            </a:r>
-            <a:r>
-              <a:rPr lang="en-US" sz="1900" dirty="0"/>
-              <a:t>) and target (price) are selected, split into training and test sets (70-30 split), and scaled using </a:t>
-            </a:r>
-            <a:r>
-              <a:rPr lang="en-US" sz="1900" dirty="0" err="1"/>
-              <a:t>StandardScaler</a:t>
-            </a:r>
-            <a:r>
-              <a:rPr lang="en-US" sz="1900" dirty="0"/>
-              <a:t>. A </a:t>
-            </a:r>
-            <a:r>
-              <a:rPr lang="en-US" sz="1900" dirty="0" err="1"/>
-              <a:t>RandomForestRegressor</a:t>
-            </a:r>
-            <a:r>
-              <a:rPr lang="en-US" sz="1900" dirty="0"/>
-              <a:t> model is trained, achieving a 91.66% accuracy (R² score) on the test set, with comparisons to a KNeighborsRegressor model.</a:t>
+              <a:rPr lang="en-US" sz="2300"/>
+              <a:t>This slide details the modeling process: features (model, hp, year, mileage, offerType) and target (price) are selected, split into training and test sets (70-30 split), and scaled using StandardScaler. A RandomForestRegressor model is trained, achieving a 91.66% accuracy (R² score) on the test set, with comparisons to a KNeighborsRegressor model.</a:t>
             </a:r>
             <a:br>
-              <a:rPr lang="en-US" sz="1900" dirty="0"/>
+              <a:rPr lang="en-US" sz="2300"/>
             </a:br>
-            <a:endParaRPr lang="en-US" sz="1900" dirty="0"/>
+            <a:endParaRPr lang="en-US" sz="2300"/>
           </a:p>
         </p:txBody>
       </p:sp>
       <p:cxnSp>
         <p:nvCxnSpPr>
-          <p:cNvPr id="18" name="Straight Connector 17">
-            <a:extLst>
-              <a:ext uri="{FF2B5EF4-FFF2-40B4-BE49-F238E27FC236}">
-                <a16:creationId xmlns:a16="http://schemas.microsoft.com/office/drawing/2014/main" id="{8B45C962-0D68-4A01-9627-70DEBBC363C7}"/>
+          <p:cNvPr id="52" name="Straight Connector 51">
+            <a:extLst>
+              <a:ext uri="{FF2B5EF4-FFF2-40B4-BE49-F238E27FC236}">
+                <a16:creationId xmlns:a16="http://schemas.microsoft.com/office/drawing/2014/main" id="{BB0822C5-45F8-48C5-867F-0DE853868476}"/>
               </a:ext>
               <a:ext uri="{C183D7F6-B498-43B3-948B-1728B52AA6E4}">
                 <adec:decorative xmlns:adec="http://schemas.microsoft.com/office/drawing/2017/decorative" val="1"/>
@@ -10001,9 +9977,9 @@
           </p:nvPr>
         </p:nvCxnSpPr>
         <p:spPr>
-          <a:xfrm flipH="1">
-            <a:off x="577175" y="571500"/>
-            <a:ext cx="11054799" cy="0"/>
+          <a:xfrm>
+            <a:off x="6629400" y="573488"/>
+            <a:ext cx="0" cy="5717041"/>
           </a:xfrm>
           <a:prstGeom prst="line">
             <a:avLst/>
@@ -10031,10 +10007,10 @@
       </p:cxnSp>
       <p:cxnSp>
         <p:nvCxnSpPr>
-          <p:cNvPr id="20" name="Straight Connector 19">
-            <a:extLst>
-              <a:ext uri="{FF2B5EF4-FFF2-40B4-BE49-F238E27FC236}">
-                <a16:creationId xmlns:a16="http://schemas.microsoft.com/office/drawing/2014/main" id="{F1D89FBF-493B-4E7D-B511-7E40674F6323}"/>
+          <p:cNvPr id="54" name="Straight Connector 53">
+            <a:extLst>
+              <a:ext uri="{FF2B5EF4-FFF2-40B4-BE49-F238E27FC236}">
+                <a16:creationId xmlns:a16="http://schemas.microsoft.com/office/drawing/2014/main" id="{A91E38C7-3164-416B-A453-D3B6F612D325}"/>
               </a:ext>
               <a:ext uri="{C183D7F6-B498-43B3-948B-1728B52AA6E4}">
                 <adec:decorative xmlns:adec="http://schemas.microsoft.com/office/drawing/2017/decorative" val="1"/>
@@ -10053,9 +10029,9 @@
           </p:nvPr>
         </p:nvCxnSpPr>
         <p:spPr>
-          <a:xfrm>
-            <a:off x="5524500" y="573971"/>
-            <a:ext cx="0" cy="5712529"/>
+          <a:xfrm flipH="1">
+            <a:off x="577175" y="571500"/>
+            <a:ext cx="11054799" cy="0"/>
           </a:xfrm>
           <a:prstGeom prst="line">
             <a:avLst/>
@@ -10083,10 +10059,10 @@
       </p:cxnSp>
       <p:pic>
         <p:nvPicPr>
-          <p:cNvPr id="5" name="Content Placeholder 4" descr="A screenshot of a computer program&#10;&#10;AI-generated content may be incorrect.">
-            <a:extLst>
-              <a:ext uri="{FF2B5EF4-FFF2-40B4-BE49-F238E27FC236}">
-                <a16:creationId xmlns:a16="http://schemas.microsoft.com/office/drawing/2014/main" id="{57CEAB2C-086F-7854-2881-41897B0F42C1}"/>
+          <p:cNvPr id="7" name="Content Placeholder 6" descr="A screen shot of a computer program&#10;&#10;AI-generated content may be incorrect.">
+            <a:extLst>
+              <a:ext uri="{FF2B5EF4-FFF2-40B4-BE49-F238E27FC236}">
+                <a16:creationId xmlns:a16="http://schemas.microsoft.com/office/drawing/2014/main" id="{79BBD27C-DA30-437F-4164-D420E63C15AC}"/>
               </a:ext>
             </a:extLst>
           </p:cNvPr>
@@ -10098,21 +10074,14 @@
           </p:nvPr>
         </p:nvPicPr>
         <p:blipFill>
-          <a:blip r:embed="rId2">
-            <a:extLst>
-              <a:ext uri="{28A0092B-C50C-407E-A947-70E740481C1C}">
-                <a14:useLocalDpi xmlns:a14="http://schemas.microsoft.com/office/drawing/2010/main" val="0"/>
-              </a:ext>
-            </a:extLst>
-          </a:blip>
-          <a:stretch>
-            <a:fillRect/>
-          </a:stretch>
+          <a:blip r:embed="rId2"/>
+          <a:srcRect r="8254" b="-3"/>
+          <a:stretch/>
         </p:blipFill>
         <p:spPr>
           <a:xfrm>
-            <a:off x="6063631" y="853692"/>
-            <a:ext cx="5293618" cy="4367235"/>
+            <a:off x="6905284" y="1671095"/>
+            <a:ext cx="4714892" cy="3507521"/>
           </a:xfrm>
           <a:prstGeom prst="rect">
             <a:avLst/>
@@ -10121,10 +10090,10 @@
       </p:pic>
       <p:cxnSp>
         <p:nvCxnSpPr>
-          <p:cNvPr id="22" name="Straight Connector 21">
-            <a:extLst>
-              <a:ext uri="{FF2B5EF4-FFF2-40B4-BE49-F238E27FC236}">
-                <a16:creationId xmlns:a16="http://schemas.microsoft.com/office/drawing/2014/main" id="{4BCC744E-5590-4542-B37F-B764470BF05E}"/>
+          <p:cNvPr id="56" name="Straight Connector 55">
+            <a:extLst>
+              <a:ext uri="{FF2B5EF4-FFF2-40B4-BE49-F238E27FC236}">
+                <a16:creationId xmlns:a16="http://schemas.microsoft.com/office/drawing/2014/main" id="{EC3B131B-2BD8-4155-8C64-85668842E2EA}"/>
               </a:ext>
               <a:ext uri="{C183D7F6-B498-43B3-948B-1728B52AA6E4}">
                 <adec:decorative xmlns:adec="http://schemas.microsoft.com/office/drawing/2017/decorative" val="1"/>
@@ -10144,8 +10113,8 @@
         </p:nvCxnSpPr>
         <p:spPr>
           <a:xfrm flipH="1">
-            <a:off x="577176" y="6286500"/>
-            <a:ext cx="11043324" cy="0"/>
+            <a:off x="584291" y="6287701"/>
+            <a:ext cx="11023419" cy="0"/>
           </a:xfrm>
           <a:prstGeom prst="line">
             <a:avLst/>

--- a/Cars price.pptx
+++ b/Cars price.pptx
@@ -3860,7 +3860,7 @@
           <a:p>
             <a:fld id="{1C8322F6-1C60-46CF-968C-BC20E470F443}" type="datetimeFigureOut">
               <a:rPr lang="en-US" smtClean="0"/>
-              <a:t>5/4/2025</a:t>
+              <a:t>5/7/2025</a:t>
             </a:fld>
             <a:endParaRPr lang="en-US"/>
           </a:p>
@@ -4194,7 +4194,7 @@
           <a:p>
             <a:fld id="{1C8322F6-1C60-46CF-968C-BC20E470F443}" type="datetimeFigureOut">
               <a:rPr lang="en-US" smtClean="0"/>
-              <a:t>5/4/2025</a:t>
+              <a:t>5/7/2025</a:t>
             </a:fld>
             <a:endParaRPr lang="en-US"/>
           </a:p>
@@ -4447,7 +4447,7 @@
           <a:p>
             <a:fld id="{1C8322F6-1C60-46CF-968C-BC20E470F443}" type="datetimeFigureOut">
               <a:rPr lang="en-US" smtClean="0"/>
-              <a:t>5/4/2025</a:t>
+              <a:t>5/7/2025</a:t>
             </a:fld>
             <a:endParaRPr lang="en-US"/>
           </a:p>
@@ -4781,7 +4781,7 @@
           <a:p>
             <a:fld id="{1C8322F6-1C60-46CF-968C-BC20E470F443}" type="datetimeFigureOut">
               <a:rPr lang="en-US" smtClean="0"/>
-              <a:t>5/4/2025</a:t>
+              <a:t>5/7/2025</a:t>
             </a:fld>
             <a:endParaRPr lang="en-US"/>
           </a:p>
@@ -5062,7 +5062,7 @@
           <a:p>
             <a:fld id="{1C8322F6-1C60-46CF-968C-BC20E470F443}" type="datetimeFigureOut">
               <a:rPr lang="en-US" smtClean="0"/>
-              <a:t>5/4/2025</a:t>
+              <a:t>5/7/2025</a:t>
             </a:fld>
             <a:endParaRPr lang="en-US"/>
           </a:p>
@@ -5464,7 +5464,7 @@
           <a:p>
             <a:fld id="{1C8322F6-1C60-46CF-968C-BC20E470F443}" type="datetimeFigureOut">
               <a:rPr lang="en-US" smtClean="0"/>
-              <a:t>5/4/2025</a:t>
+              <a:t>5/7/2025</a:t>
             </a:fld>
             <a:endParaRPr lang="en-US"/>
           </a:p>
@@ -5925,7 +5925,7 @@
           <a:p>
             <a:fld id="{1C8322F6-1C60-46CF-968C-BC20E470F443}" type="datetimeFigureOut">
               <a:rPr lang="en-US" smtClean="0"/>
-              <a:t>5/4/2025</a:t>
+              <a:t>5/7/2025</a:t>
             </a:fld>
             <a:endParaRPr lang="en-US"/>
           </a:p>
@@ -6158,7 +6158,7 @@
           <a:p>
             <a:fld id="{1C8322F6-1C60-46CF-968C-BC20E470F443}" type="datetimeFigureOut">
               <a:rPr lang="en-US" smtClean="0"/>
-              <a:t>5/4/2025</a:t>
+              <a:t>5/7/2025</a:t>
             </a:fld>
             <a:endParaRPr lang="en-US"/>
           </a:p>
@@ -6357,7 +6357,7 @@
           <a:p>
             <a:fld id="{1C8322F6-1C60-46CF-968C-BC20E470F443}" type="datetimeFigureOut">
               <a:rPr lang="en-US" smtClean="0"/>
-              <a:t>5/4/2025</a:t>
+              <a:t>5/7/2025</a:t>
             </a:fld>
             <a:endParaRPr lang="en-US"/>
           </a:p>
@@ -6670,7 +6670,7 @@
           <a:p>
             <a:fld id="{1C8322F6-1C60-46CF-968C-BC20E470F443}" type="datetimeFigureOut">
               <a:rPr lang="en-US" smtClean="0"/>
-              <a:t>5/4/2025</a:t>
+              <a:t>5/7/2025</a:t>
             </a:fld>
             <a:endParaRPr lang="en-US"/>
           </a:p>
@@ -7134,7 +7134,7 @@
           <a:p>
             <a:fld id="{1C8322F6-1C60-46CF-968C-BC20E470F443}" type="datetimeFigureOut">
               <a:rPr lang="en-US" smtClean="0"/>
-              <a:t>5/4/2025</a:t>
+              <a:t>5/7/2025</a:t>
             </a:fld>
             <a:endParaRPr lang="en-US"/>
           </a:p>
@@ -7547,7 +7547,7 @@
           <a:p>
             <a:fld id="{1C8322F6-1C60-46CF-968C-BC20E470F443}" type="datetimeFigureOut">
               <a:rPr lang="en-US" smtClean="0"/>
-              <a:t>5/4/2025</a:t>
+              <a:t>5/7/2025</a:t>
             </a:fld>
             <a:endParaRPr lang="en-US"/>
           </a:p>
@@ -9167,7 +9167,7 @@
       </p:grpSpPr>
       <p:cxnSp>
         <p:nvCxnSpPr>
-          <p:cNvPr id="12" name="Straight Connector 11">
+          <p:cNvPr id="29" name="Straight Connector 28">
             <a:extLst>
               <a:ext uri="{FF2B5EF4-FFF2-40B4-BE49-F238E27FC236}">
                 <a16:creationId xmlns:a16="http://schemas.microsoft.com/office/drawing/2014/main" id="{A240FCEE-B6E2-46D0-9BB0-F45F79545E9D}"/>
@@ -9219,7 +9219,7 @@
       </p:cxnSp>
       <p:cxnSp>
         <p:nvCxnSpPr>
-          <p:cNvPr id="14" name="Straight Connector 13">
+          <p:cNvPr id="31" name="Straight Connector 30">
             <a:extLst>
               <a:ext uri="{FF2B5EF4-FFF2-40B4-BE49-F238E27FC236}">
                 <a16:creationId xmlns:a16="http://schemas.microsoft.com/office/drawing/2014/main" id="{3BD2FB83-3783-4477-80B5-DA5BF10BAF57}"/>
@@ -9271,7 +9271,7 @@
       </p:cxnSp>
       <p:cxnSp>
         <p:nvCxnSpPr>
-          <p:cNvPr id="16" name="Straight Connector 15">
+          <p:cNvPr id="33" name="Straight Connector 32">
             <a:extLst>
               <a:ext uri="{FF2B5EF4-FFF2-40B4-BE49-F238E27FC236}">
                 <a16:creationId xmlns:a16="http://schemas.microsoft.com/office/drawing/2014/main" id="{E83EA203-71D5-49C0-9626-FFA8E46787B0}"/>
@@ -9323,10 +9323,10 @@
       </p:cxnSp>
       <p:sp useBgFill="1">
         <p:nvSpPr>
-          <p:cNvPr id="18" name="Rectangle 17">
-            <a:extLst>
-              <a:ext uri="{FF2B5EF4-FFF2-40B4-BE49-F238E27FC236}">
-                <a16:creationId xmlns:a16="http://schemas.microsoft.com/office/drawing/2014/main" id="{C63AB9E1-499E-41EB-A74E-905920CCDF67}"/>
+          <p:cNvPr id="35" name="Rectangle 34">
+            <a:extLst>
+              <a:ext uri="{FF2B5EF4-FFF2-40B4-BE49-F238E27FC236}">
+                <a16:creationId xmlns:a16="http://schemas.microsoft.com/office/drawing/2014/main" id="{D26BC87E-DCC8-4E66-972D-A587756DF30A}"/>
               </a:ext>
               <a:ext uri="{C183D7F6-B498-43B3-948B-1728B52AA6E4}">
                 <adec:decorative xmlns:adec="http://schemas.microsoft.com/office/drawing/2017/decorative" val="1"/>
@@ -9399,8 +9399,8 @@
         </p:nvSpPr>
         <p:spPr>
           <a:xfrm>
-            <a:off x="576072" y="822959"/>
-            <a:ext cx="10956558" cy="1598957"/>
+            <a:off x="521208" y="822960"/>
+            <a:ext cx="3898392" cy="5049781"/>
           </a:xfrm>
         </p:spPr>
         <p:txBody>
@@ -9410,61 +9410,29 @@
           <a:lstStyle/>
           <a:p>
             <a:r>
-              <a:rPr lang="en-US" sz="1200" b="1" dirty="0"/>
+              <a:rPr lang="en-US" sz="2300" b="1"/>
               <a:t>Data Preprocessing: Encoding Categorical Variables</a:t>
             </a:r>
             <a:br>
-              <a:rPr lang="en-US" sz="1200" dirty="0"/>
+              <a:rPr lang="en-US" sz="2300"/>
             </a:br>
             <a:r>
-              <a:rPr lang="en-US" sz="1200" dirty="0"/>
-              <a:t>This slide shows the conversion of categorical columns "model" and "</a:t>
-            </a:r>
-            <a:r>
-              <a:rPr lang="en-US" sz="1200" dirty="0" err="1"/>
-              <a:t>offerType</a:t>
-            </a:r>
-            <a:r>
-              <a:rPr lang="en-US" sz="1200" dirty="0"/>
-              <a:t>" into numerical codes using </a:t>
-            </a:r>
-            <a:r>
-              <a:rPr lang="en-US" sz="1200" dirty="0" err="1"/>
-              <a:t>astype</a:t>
-            </a:r>
-            <a:r>
-              <a:rPr lang="en-US" sz="1200" dirty="0"/>
-              <a:t>('category').</a:t>
-            </a:r>
-            <a:r>
-              <a:rPr lang="en-US" sz="1200" dirty="0" err="1"/>
-              <a:t>cat.codes</a:t>
-            </a:r>
-            <a:r>
-              <a:rPr lang="en-US" sz="1200" dirty="0"/>
-              <a:t>, enabling these features to be used in the </a:t>
-            </a:r>
-            <a:r>
-              <a:rPr lang="en-US" sz="1200" dirty="0" err="1"/>
-              <a:t>RandomForestRegressor</a:t>
-            </a:r>
-            <a:r>
-              <a:rPr lang="en-US" sz="1200" dirty="0"/>
-              <a:t> model for price prediction.</a:t>
+              <a:rPr lang="en-US" sz="2300"/>
+              <a:t>This slide shows the conversion of categorical columns "model" and "offerType" into numerical codes using astype('category').cat.codes, enabling these features to be used in the RandomForestRegressor model for price prediction.</a:t>
             </a:r>
             <a:br>
-              <a:rPr lang="en-US" sz="1200" dirty="0"/>
+              <a:rPr lang="en-US" sz="2300"/>
             </a:br>
-            <a:endParaRPr lang="en-US" sz="1200" dirty="0"/>
+            <a:endParaRPr lang="en-US" sz="2300"/>
           </a:p>
         </p:txBody>
       </p:sp>
       <p:cxnSp>
         <p:nvCxnSpPr>
-          <p:cNvPr id="20" name="Straight Connector 19">
-            <a:extLst>
-              <a:ext uri="{FF2B5EF4-FFF2-40B4-BE49-F238E27FC236}">
-                <a16:creationId xmlns:a16="http://schemas.microsoft.com/office/drawing/2014/main" id="{CEEA40C4-6B9E-4B9E-8CDF-A0C572462EAD}"/>
+          <p:cNvPr id="37" name="Straight Connector 36">
+            <a:extLst>
+              <a:ext uri="{FF2B5EF4-FFF2-40B4-BE49-F238E27FC236}">
+                <a16:creationId xmlns:a16="http://schemas.microsoft.com/office/drawing/2014/main" id="{8B45C962-0D68-4A01-9627-70DEBBC363C7}"/>
               </a:ext>
               <a:ext uri="{C183D7F6-B498-43B3-948B-1728B52AA6E4}">
                 <adec:decorative xmlns:adec="http://schemas.microsoft.com/office/drawing/2017/decorative" val="1"/>
@@ -9484,8 +9452,60 @@
         </p:nvCxnSpPr>
         <p:spPr>
           <a:xfrm flipH="1">
-            <a:off x="565869" y="573757"/>
+            <a:off x="577175" y="571500"/>
             <a:ext cx="11054799" cy="0"/>
+          </a:xfrm>
+          <a:prstGeom prst="line">
+            <a:avLst/>
+          </a:prstGeom>
+          <a:ln>
+            <a:solidFill>
+              <a:schemeClr val="tx1"/>
+            </a:solidFill>
+          </a:ln>
+        </p:spPr>
+        <p:style>
+          <a:lnRef idx="1">
+            <a:schemeClr val="accent1"/>
+          </a:lnRef>
+          <a:fillRef idx="0">
+            <a:schemeClr val="accent1"/>
+          </a:fillRef>
+          <a:effectRef idx="0">
+            <a:schemeClr val="accent1"/>
+          </a:effectRef>
+          <a:fontRef idx="minor">
+            <a:schemeClr val="tx1"/>
+          </a:fontRef>
+        </p:style>
+      </p:cxnSp>
+      <p:cxnSp>
+        <p:nvCxnSpPr>
+          <p:cNvPr id="39" name="Straight Connector 38">
+            <a:extLst>
+              <a:ext uri="{FF2B5EF4-FFF2-40B4-BE49-F238E27FC236}">
+                <a16:creationId xmlns:a16="http://schemas.microsoft.com/office/drawing/2014/main" id="{F1D89FBF-493B-4E7D-B511-7E40674F6323}"/>
+              </a:ext>
+              <a:ext uri="{C183D7F6-B498-43B3-948B-1728B52AA6E4}">
+                <adec:decorative xmlns:adec="http://schemas.microsoft.com/office/drawing/2017/decorative" val="1"/>
+              </a:ext>
+            </a:extLst>
+          </p:cNvPr>
+          <p:cNvCxnSpPr>
+            <a:cxnSpLocks noGrp="1" noRot="1" noChangeAspect="1" noMove="1" noResize="1" noEditPoints="1" noAdjustHandles="1" noChangeArrowheads="1" noChangeShapeType="1"/>
+          </p:cNvCxnSpPr>
+          <p:nvPr>
+            <p:extLst>
+              <p:ext uri="{386F3935-93C4-4BCD-93E2-E3B085C9AB24}">
+                <p16:designElem xmlns:p16="http://schemas.microsoft.com/office/powerpoint/2015/main" val="1"/>
+              </p:ext>
+            </p:extLst>
+          </p:nvPr>
+        </p:nvCxnSpPr>
+        <p:spPr>
+          <a:xfrm>
+            <a:off x="5524500" y="573971"/>
+            <a:ext cx="0" cy="5712529"/>
           </a:xfrm>
           <a:prstGeom prst="line">
             <a:avLst/>
@@ -9541,8 +9561,8 @@
         </p:blipFill>
         <p:spPr>
           <a:xfrm>
-            <a:off x="580406" y="2702796"/>
-            <a:ext cx="11027305" cy="1598958"/>
+            <a:off x="5800384" y="2615351"/>
+            <a:ext cx="5820112" cy="843916"/>
           </a:xfrm>
           <a:prstGeom prst="rect">
             <a:avLst/>
@@ -9551,10 +9571,10 @@
       </p:pic>
       <p:cxnSp>
         <p:nvCxnSpPr>
-          <p:cNvPr id="22" name="Straight Connector 21">
-            <a:extLst>
-              <a:ext uri="{FF2B5EF4-FFF2-40B4-BE49-F238E27FC236}">
-                <a16:creationId xmlns:a16="http://schemas.microsoft.com/office/drawing/2014/main" id="{179A2A06-A424-4BBD-A8A4-293F16F1BE2B}"/>
+          <p:cNvPr id="41" name="Straight Connector 40">
+            <a:extLst>
+              <a:ext uri="{FF2B5EF4-FFF2-40B4-BE49-F238E27FC236}">
+                <a16:creationId xmlns:a16="http://schemas.microsoft.com/office/drawing/2014/main" id="{4BCC744E-5590-4542-B37F-B764470BF05E}"/>
               </a:ext>
               <a:ext uri="{C183D7F6-B498-43B3-948B-1728B52AA6E4}">
                 <adec:decorative xmlns:adec="http://schemas.microsoft.com/office/drawing/2017/decorative" val="1"/>
@@ -9574,60 +9594,8 @@
         </p:nvCxnSpPr>
         <p:spPr>
           <a:xfrm flipH="1">
-            <a:off x="571501" y="5240579"/>
-            <a:ext cx="11036211" cy="0"/>
-          </a:xfrm>
-          <a:prstGeom prst="line">
-            <a:avLst/>
-          </a:prstGeom>
-          <a:ln>
-            <a:solidFill>
-              <a:schemeClr val="tx1"/>
-            </a:solidFill>
-          </a:ln>
-        </p:spPr>
-        <p:style>
-          <a:lnRef idx="1">
-            <a:schemeClr val="accent1"/>
-          </a:lnRef>
-          <a:fillRef idx="0">
-            <a:schemeClr val="accent1"/>
-          </a:fillRef>
-          <a:effectRef idx="0">
-            <a:schemeClr val="accent1"/>
-          </a:effectRef>
-          <a:fontRef idx="minor">
-            <a:schemeClr val="tx1"/>
-          </a:fontRef>
-        </p:style>
-      </p:cxnSp>
-      <p:cxnSp>
-        <p:nvCxnSpPr>
-          <p:cNvPr id="24" name="Straight Connector 23">
-            <a:extLst>
-              <a:ext uri="{FF2B5EF4-FFF2-40B4-BE49-F238E27FC236}">
-                <a16:creationId xmlns:a16="http://schemas.microsoft.com/office/drawing/2014/main" id="{AE458AAC-F667-498F-A263-A8C7AB4FC960}"/>
-              </a:ext>
-              <a:ext uri="{C183D7F6-B498-43B3-948B-1728B52AA6E4}">
-                <adec:decorative xmlns:adec="http://schemas.microsoft.com/office/drawing/2017/decorative" val="1"/>
-              </a:ext>
-            </a:extLst>
-          </p:cNvPr>
-          <p:cNvCxnSpPr>
-            <a:cxnSpLocks noGrp="1" noRot="1" noChangeAspect="1" noMove="1" noResize="1" noEditPoints="1" noAdjustHandles="1" noChangeArrowheads="1" noChangeShapeType="1"/>
-          </p:cNvCxnSpPr>
-          <p:nvPr>
-            <p:extLst>
-              <p:ext uri="{386F3935-93C4-4BCD-93E2-E3B085C9AB24}">
-                <p16:designElem xmlns:p16="http://schemas.microsoft.com/office/powerpoint/2015/main" val="1"/>
-              </p:ext>
-            </p:extLst>
-          </p:nvPr>
-        </p:nvCxnSpPr>
-        <p:spPr>
-          <a:xfrm flipH="1">
-            <a:off x="561819" y="6289514"/>
-            <a:ext cx="11054799" cy="0"/>
+            <a:off x="577176" y="6286500"/>
+            <a:ext cx="11043324" cy="0"/>
           </a:xfrm>
           <a:prstGeom prst="line">
             <a:avLst/>
@@ -9693,7 +9661,7 @@
       </p:grpSpPr>
       <p:cxnSp>
         <p:nvCxnSpPr>
-          <p:cNvPr id="44" name="Straight Connector 43">
+          <p:cNvPr id="78" name="Straight Connector 77">
             <a:extLst>
               <a:ext uri="{FF2B5EF4-FFF2-40B4-BE49-F238E27FC236}">
                 <a16:creationId xmlns:a16="http://schemas.microsoft.com/office/drawing/2014/main" id="{A240FCEE-B6E2-46D0-9BB0-F45F79545E9D}"/>
@@ -9745,7 +9713,7 @@
       </p:cxnSp>
       <p:cxnSp>
         <p:nvCxnSpPr>
-          <p:cNvPr id="46" name="Straight Connector 45">
+          <p:cNvPr id="80" name="Straight Connector 79">
             <a:extLst>
               <a:ext uri="{FF2B5EF4-FFF2-40B4-BE49-F238E27FC236}">
                 <a16:creationId xmlns:a16="http://schemas.microsoft.com/office/drawing/2014/main" id="{3BD2FB83-3783-4477-80B5-DA5BF10BAF57}"/>
@@ -9797,7 +9765,7 @@
       </p:cxnSp>
       <p:cxnSp>
         <p:nvCxnSpPr>
-          <p:cNvPr id="48" name="Straight Connector 47">
+          <p:cNvPr id="82" name="Straight Connector 81">
             <a:extLst>
               <a:ext uri="{FF2B5EF4-FFF2-40B4-BE49-F238E27FC236}">
                 <a16:creationId xmlns:a16="http://schemas.microsoft.com/office/drawing/2014/main" id="{E83EA203-71D5-49C0-9626-FFA8E46787B0}"/>
@@ -9849,10 +9817,10 @@
       </p:cxnSp>
       <p:sp useBgFill="1">
         <p:nvSpPr>
-          <p:cNvPr id="50" name="Rectangle 49">
-            <a:extLst>
-              <a:ext uri="{FF2B5EF4-FFF2-40B4-BE49-F238E27FC236}">
-                <a16:creationId xmlns:a16="http://schemas.microsoft.com/office/drawing/2014/main" id="{7D2EF33D-68BD-428C-B26E-2F4962407A12}"/>
+          <p:cNvPr id="84" name="Rectangle 83">
+            <a:extLst>
+              <a:ext uri="{FF2B5EF4-FFF2-40B4-BE49-F238E27FC236}">
+                <a16:creationId xmlns:a16="http://schemas.microsoft.com/office/drawing/2014/main" id="{D26BC87E-DCC8-4E66-972D-A587756DF30A}"/>
               </a:ext>
               <a:ext uri="{C183D7F6-B498-43B3-948B-1728B52AA6E4}">
                 <adec:decorative xmlns:adec="http://schemas.microsoft.com/office/drawing/2017/decorative" val="1"/>
@@ -9925,8 +9893,8 @@
         </p:nvSpPr>
         <p:spPr>
           <a:xfrm>
-            <a:off x="521208" y="822961"/>
-            <a:ext cx="5003290" cy="4282440"/>
+            <a:off x="521208" y="822960"/>
+            <a:ext cx="3898392" cy="5049781"/>
           </a:xfrm>
         </p:spPr>
         <p:txBody>
@@ -9936,29 +9904,60 @@
           <a:lstStyle/>
           <a:p>
             <a:r>
-              <a:rPr lang="en-US" sz="2300" b="1"/>
+              <a:rPr lang="en-US" sz="1900" b="1" dirty="0"/>
               <a:t>Modeling and Evaluation</a:t>
             </a:r>
             <a:br>
-              <a:rPr lang="en-US" sz="2300"/>
+              <a:rPr lang="en-US" sz="1900" dirty="0"/>
             </a:br>
             <a:r>
-              <a:rPr lang="en-US" sz="2300"/>
-              <a:t>This slide details the modeling process: features (model, hp, year, mileage, offerType) and target (price) are selected, split into training and test sets (70-30 split), and scaled using StandardScaler. A RandomForestRegressor model is trained, achieving a 91.66% accuracy (R² score) on the test set, with comparisons to a KNeighborsRegressor model.</a:t>
+              <a:rPr lang="en-US" sz="1900" dirty="0">
+                <a:effectLst/>
+              </a:rPr>
+              <a:t>The image shows Python code for training a machine learning model using Scikit-learn. The code loads data (e.g., "model", "hp", "year", "mileage") to predict "price". It splits the data into training and testing sets with a 30% test size, then scales the data using </a:t>
+            </a:r>
+            <a:r>
+              <a:rPr lang="en-US" sz="1900" dirty="0" err="1">
+                <a:effectLst/>
+              </a:rPr>
+              <a:t>StandardScaler</a:t>
+            </a:r>
+            <a:r>
+              <a:rPr lang="en-US" sz="1900" dirty="0">
+                <a:effectLst/>
+              </a:rPr>
+              <a:t>. A </a:t>
+            </a:r>
+            <a:r>
+              <a:rPr lang="en-US" sz="1900" dirty="0" err="1">
+                <a:effectLst/>
+              </a:rPr>
+              <a:t>RandomForestRegressor</a:t>
+            </a:r>
+            <a:r>
+              <a:rPr lang="en-US" sz="1900" dirty="0">
+                <a:effectLst/>
+              </a:rPr>
+              <a:t> model is trained, and its accuracy is evaluated using the R² score, achieving 92.33%.</a:t>
             </a:r>
             <a:br>
-              <a:rPr lang="en-US" sz="2300"/>
+              <a:rPr lang="en-US" sz="1900" dirty="0">
+                <a:effectLst/>
+              </a:rPr>
             </a:br>
-            <a:endParaRPr lang="en-US" sz="2300"/>
+            <a:br>
+              <a:rPr lang="en-US" sz="1900" dirty="0"/>
+            </a:br>
+            <a:endParaRPr lang="en-US" sz="1900" dirty="0"/>
           </a:p>
         </p:txBody>
       </p:sp>
       <p:cxnSp>
         <p:nvCxnSpPr>
-          <p:cNvPr id="52" name="Straight Connector 51">
-            <a:extLst>
-              <a:ext uri="{FF2B5EF4-FFF2-40B4-BE49-F238E27FC236}">
-                <a16:creationId xmlns:a16="http://schemas.microsoft.com/office/drawing/2014/main" id="{BB0822C5-45F8-48C5-867F-0DE853868476}"/>
+          <p:cNvPr id="86" name="Straight Connector 85">
+            <a:extLst>
+              <a:ext uri="{FF2B5EF4-FFF2-40B4-BE49-F238E27FC236}">
+                <a16:creationId xmlns:a16="http://schemas.microsoft.com/office/drawing/2014/main" id="{8B45C962-0D68-4A01-9627-70DEBBC363C7}"/>
               </a:ext>
               <a:ext uri="{C183D7F6-B498-43B3-948B-1728B52AA6E4}">
                 <adec:decorative xmlns:adec="http://schemas.microsoft.com/office/drawing/2017/decorative" val="1"/>
@@ -9977,9 +9976,9 @@
           </p:nvPr>
         </p:nvCxnSpPr>
         <p:spPr>
-          <a:xfrm>
-            <a:off x="6629400" y="573488"/>
-            <a:ext cx="0" cy="5717041"/>
+          <a:xfrm flipH="1">
+            <a:off x="577175" y="571500"/>
+            <a:ext cx="11054799" cy="0"/>
           </a:xfrm>
           <a:prstGeom prst="line">
             <a:avLst/>
@@ -10007,10 +10006,10 @@
       </p:cxnSp>
       <p:cxnSp>
         <p:nvCxnSpPr>
-          <p:cNvPr id="54" name="Straight Connector 53">
-            <a:extLst>
-              <a:ext uri="{FF2B5EF4-FFF2-40B4-BE49-F238E27FC236}">
-                <a16:creationId xmlns:a16="http://schemas.microsoft.com/office/drawing/2014/main" id="{A91E38C7-3164-416B-A453-D3B6F612D325}"/>
+          <p:cNvPr id="88" name="Straight Connector 87">
+            <a:extLst>
+              <a:ext uri="{FF2B5EF4-FFF2-40B4-BE49-F238E27FC236}">
+                <a16:creationId xmlns:a16="http://schemas.microsoft.com/office/drawing/2014/main" id="{F1D89FBF-493B-4E7D-B511-7E40674F6323}"/>
               </a:ext>
               <a:ext uri="{C183D7F6-B498-43B3-948B-1728B52AA6E4}">
                 <adec:decorative xmlns:adec="http://schemas.microsoft.com/office/drawing/2017/decorative" val="1"/>
@@ -10029,9 +10028,9 @@
           </p:nvPr>
         </p:nvCxnSpPr>
         <p:spPr>
-          <a:xfrm flipH="1">
-            <a:off x="577175" y="571500"/>
-            <a:ext cx="11054799" cy="0"/>
+          <a:xfrm>
+            <a:off x="5524500" y="573971"/>
+            <a:ext cx="0" cy="5712529"/>
           </a:xfrm>
           <a:prstGeom prst="line">
             <a:avLst/>
@@ -10059,10 +10058,10 @@
       </p:cxnSp>
       <p:pic>
         <p:nvPicPr>
-          <p:cNvPr id="7" name="Content Placeholder 6" descr="A screen shot of a computer program&#10;&#10;AI-generated content may be incorrect.">
-            <a:extLst>
-              <a:ext uri="{FF2B5EF4-FFF2-40B4-BE49-F238E27FC236}">
-                <a16:creationId xmlns:a16="http://schemas.microsoft.com/office/drawing/2014/main" id="{79BBD27C-DA30-437F-4164-D420E63C15AC}"/>
+          <p:cNvPr id="6" name="Content Placeholder 5" descr="A screenshot of a computer program&#10;&#10;AI-generated content may be incorrect.">
+            <a:extLst>
+              <a:ext uri="{FF2B5EF4-FFF2-40B4-BE49-F238E27FC236}">
+                <a16:creationId xmlns:a16="http://schemas.microsoft.com/office/drawing/2014/main" id="{57DB124F-9B83-0269-EDFD-E583F046CCDC}"/>
               </a:ext>
             </a:extLst>
           </p:cNvPr>
@@ -10075,13 +10074,14 @@
         </p:nvPicPr>
         <p:blipFill>
           <a:blip r:embed="rId2"/>
-          <a:srcRect r="8254" b="-3"/>
-          <a:stretch/>
+          <a:stretch>
+            <a:fillRect/>
+          </a:stretch>
         </p:blipFill>
         <p:spPr>
           <a:xfrm>
-            <a:off x="6905284" y="1671095"/>
-            <a:ext cx="4714892" cy="3507521"/>
+            <a:off x="5846679" y="853692"/>
+            <a:ext cx="5727522" cy="4367235"/>
           </a:xfrm>
           <a:prstGeom prst="rect">
             <a:avLst/>
@@ -10090,10 +10090,10 @@
       </p:pic>
       <p:cxnSp>
         <p:nvCxnSpPr>
-          <p:cNvPr id="56" name="Straight Connector 55">
-            <a:extLst>
-              <a:ext uri="{FF2B5EF4-FFF2-40B4-BE49-F238E27FC236}">
-                <a16:creationId xmlns:a16="http://schemas.microsoft.com/office/drawing/2014/main" id="{EC3B131B-2BD8-4155-8C64-85668842E2EA}"/>
+          <p:cNvPr id="90" name="Straight Connector 89">
+            <a:extLst>
+              <a:ext uri="{FF2B5EF4-FFF2-40B4-BE49-F238E27FC236}">
+                <a16:creationId xmlns:a16="http://schemas.microsoft.com/office/drawing/2014/main" id="{4BCC744E-5590-4542-B37F-B764470BF05E}"/>
               </a:ext>
               <a:ext uri="{C183D7F6-B498-43B3-948B-1728B52AA6E4}">
                 <adec:decorative xmlns:adec="http://schemas.microsoft.com/office/drawing/2017/decorative" val="1"/>
@@ -10113,8 +10113,8 @@
         </p:nvCxnSpPr>
         <p:spPr>
           <a:xfrm flipH="1">
-            <a:off x="584291" y="6287701"/>
-            <a:ext cx="11023419" cy="0"/>
+            <a:off x="577176" y="6286500"/>
+            <a:ext cx="11043324" cy="0"/>
           </a:xfrm>
           <a:prstGeom prst="line">
             <a:avLst/>

--- a/Cars price.pptx
+++ b/Cars price.pptx
@@ -9165,168 +9165,12 @@
           <a:chExt cx="0" cy="0"/>
         </a:xfrm>
       </p:grpSpPr>
-      <p:cxnSp>
-        <p:nvCxnSpPr>
-          <p:cNvPr id="29" name="Straight Connector 28">
-            <a:extLst>
-              <a:ext uri="{FF2B5EF4-FFF2-40B4-BE49-F238E27FC236}">
-                <a16:creationId xmlns:a16="http://schemas.microsoft.com/office/drawing/2014/main" id="{A240FCEE-B6E2-46D0-9BB0-F45F79545E9D}"/>
-              </a:ext>
-              <a:ext uri="{C183D7F6-B498-43B3-948B-1728B52AA6E4}">
-                <adec:decorative xmlns:adec="http://schemas.microsoft.com/office/drawing/2017/decorative" val="1"/>
-              </a:ext>
-            </a:extLst>
-          </p:cNvPr>
-          <p:cNvCxnSpPr>
-            <a:cxnSpLocks noGrp="1" noRot="1" noChangeAspect="1" noMove="1" noResize="1" noEditPoints="1" noAdjustHandles="1" noChangeArrowheads="1" noChangeShapeType="1"/>
-          </p:cNvCxnSpPr>
-          <p:nvPr>
-            <p:extLst>
-              <p:ext uri="{386F3935-93C4-4BCD-93E2-E3B085C9AB24}">
-                <p16:designElem xmlns:p16="http://schemas.microsoft.com/office/powerpoint/2015/main" val="1"/>
-              </p:ext>
-            </p:extLst>
-          </p:nvPr>
-        </p:nvCxnSpPr>
-        <p:spPr>
-          <a:xfrm flipH="1">
-            <a:off x="571501" y="571500"/>
-            <a:ext cx="11059811" cy="0"/>
-          </a:xfrm>
-          <a:prstGeom prst="line">
-            <a:avLst/>
-          </a:prstGeom>
-          <a:ln>
-            <a:solidFill>
-              <a:schemeClr val="tx1"/>
-            </a:solidFill>
-          </a:ln>
-        </p:spPr>
-        <p:style>
-          <a:lnRef idx="1">
-            <a:schemeClr val="accent1"/>
-          </a:lnRef>
-          <a:fillRef idx="0">
-            <a:schemeClr val="accent1"/>
-          </a:fillRef>
-          <a:effectRef idx="0">
-            <a:schemeClr val="accent1"/>
-          </a:effectRef>
-          <a:fontRef idx="minor">
-            <a:schemeClr val="tx1"/>
-          </a:fontRef>
-        </p:style>
-      </p:cxnSp>
-      <p:cxnSp>
-        <p:nvCxnSpPr>
-          <p:cNvPr id="31" name="Straight Connector 30">
-            <a:extLst>
-              <a:ext uri="{FF2B5EF4-FFF2-40B4-BE49-F238E27FC236}">
-                <a16:creationId xmlns:a16="http://schemas.microsoft.com/office/drawing/2014/main" id="{3BD2FB83-3783-4477-80B5-DA5BF10BAF57}"/>
-              </a:ext>
-              <a:ext uri="{C183D7F6-B498-43B3-948B-1728B52AA6E4}">
-                <adec:decorative xmlns:adec="http://schemas.microsoft.com/office/drawing/2017/decorative" val="1"/>
-              </a:ext>
-            </a:extLst>
-          </p:cNvPr>
-          <p:cNvCxnSpPr>
-            <a:cxnSpLocks noGrp="1" noRot="1" noChangeAspect="1" noMove="1" noResize="1" noEditPoints="1" noAdjustHandles="1" noChangeArrowheads="1" noChangeShapeType="1"/>
-          </p:cNvCxnSpPr>
-          <p:nvPr>
-            <p:extLst>
-              <p:ext uri="{386F3935-93C4-4BCD-93E2-E3B085C9AB24}">
-                <p16:designElem xmlns:p16="http://schemas.microsoft.com/office/powerpoint/2015/main" val="1"/>
-              </p:ext>
-            </p:extLst>
-          </p:nvPr>
-        </p:nvCxnSpPr>
-        <p:spPr>
-          <a:xfrm>
-            <a:off x="7742482" y="571500"/>
-            <a:ext cx="0" cy="5715000"/>
-          </a:xfrm>
-          <a:prstGeom prst="line">
-            <a:avLst/>
-          </a:prstGeom>
-          <a:ln>
-            <a:solidFill>
-              <a:schemeClr val="tx1"/>
-            </a:solidFill>
-          </a:ln>
-        </p:spPr>
-        <p:style>
-          <a:lnRef idx="1">
-            <a:schemeClr val="accent1"/>
-          </a:lnRef>
-          <a:fillRef idx="0">
-            <a:schemeClr val="accent1"/>
-          </a:fillRef>
-          <a:effectRef idx="0">
-            <a:schemeClr val="accent1"/>
-          </a:effectRef>
-          <a:fontRef idx="minor">
-            <a:schemeClr val="tx1"/>
-          </a:fontRef>
-        </p:style>
-      </p:cxnSp>
-      <p:cxnSp>
-        <p:nvCxnSpPr>
-          <p:cNvPr id="33" name="Straight Connector 32">
-            <a:extLst>
-              <a:ext uri="{FF2B5EF4-FFF2-40B4-BE49-F238E27FC236}">
-                <a16:creationId xmlns:a16="http://schemas.microsoft.com/office/drawing/2014/main" id="{E83EA203-71D5-49C0-9626-FFA8E46787B0}"/>
-              </a:ext>
-              <a:ext uri="{C183D7F6-B498-43B3-948B-1728B52AA6E4}">
-                <adec:decorative xmlns:adec="http://schemas.microsoft.com/office/drawing/2017/decorative" val="1"/>
-              </a:ext>
-            </a:extLst>
-          </p:cNvPr>
-          <p:cNvCxnSpPr>
-            <a:cxnSpLocks noGrp="1" noRot="1" noChangeAspect="1" noMove="1" noResize="1" noEditPoints="1" noAdjustHandles="1" noChangeArrowheads="1" noChangeShapeType="1"/>
-          </p:cNvCxnSpPr>
-          <p:nvPr>
-            <p:extLst>
-              <p:ext uri="{386F3935-93C4-4BCD-93E2-E3B085C9AB24}">
-                <p16:designElem xmlns:p16="http://schemas.microsoft.com/office/powerpoint/2015/main" val="1"/>
-              </p:ext>
-            </p:extLst>
-          </p:nvPr>
-        </p:nvCxnSpPr>
-        <p:spPr>
-          <a:xfrm flipH="1">
-            <a:off x="577485" y="6283518"/>
-            <a:ext cx="11059811" cy="0"/>
-          </a:xfrm>
-          <a:prstGeom prst="line">
-            <a:avLst/>
-          </a:prstGeom>
-          <a:ln>
-            <a:solidFill>
-              <a:schemeClr val="tx1"/>
-            </a:solidFill>
-          </a:ln>
-        </p:spPr>
-        <p:style>
-          <a:lnRef idx="1">
-            <a:schemeClr val="accent1"/>
-          </a:lnRef>
-          <a:fillRef idx="0">
-            <a:schemeClr val="accent1"/>
-          </a:fillRef>
-          <a:effectRef idx="0">
-            <a:schemeClr val="accent1"/>
-          </a:effectRef>
-          <a:fontRef idx="minor">
-            <a:schemeClr val="tx1"/>
-          </a:fontRef>
-        </p:style>
-      </p:cxnSp>
       <p:sp useBgFill="1">
         <p:nvSpPr>
-          <p:cNvPr id="35" name="Rectangle 34">
-            <a:extLst>
-              <a:ext uri="{FF2B5EF4-FFF2-40B4-BE49-F238E27FC236}">
-                <a16:creationId xmlns:a16="http://schemas.microsoft.com/office/drawing/2014/main" id="{D26BC87E-DCC8-4E66-972D-A587756DF30A}"/>
+          <p:cNvPr id="46" name="Rectangle 45">
+            <a:extLst>
+              <a:ext uri="{FF2B5EF4-FFF2-40B4-BE49-F238E27FC236}">
+                <a16:creationId xmlns:a16="http://schemas.microsoft.com/office/drawing/2014/main" id="{5D28D120-1389-4B3F-BECB-0949DCCAC752}"/>
               </a:ext>
               <a:ext uri="{C183D7F6-B498-43B3-948B-1728B52AA6E4}">
                 <adec:decorative xmlns:adec="http://schemas.microsoft.com/office/drawing/2017/decorative" val="1"/>
@@ -9399,8 +9243,8 @@
         </p:nvSpPr>
         <p:spPr>
           <a:xfrm>
-            <a:off x="521208" y="822960"/>
-            <a:ext cx="3898392" cy="5049781"/>
+            <a:off x="518551" y="784857"/>
+            <a:ext cx="3562038" cy="5151580"/>
           </a:xfrm>
         </p:spPr>
         <p:txBody>
@@ -9410,29 +9254,29 @@
           <a:lstStyle/>
           <a:p>
             <a:r>
-              <a:rPr lang="en-US" sz="2300" b="1"/>
+              <a:rPr lang="en-US" sz="2200" b="1"/>
               <a:t>Data Preprocessing: Encoding Categorical Variables</a:t>
             </a:r>
             <a:br>
-              <a:rPr lang="en-US" sz="2300"/>
+              <a:rPr lang="en-US" sz="2200"/>
             </a:br>
             <a:r>
-              <a:rPr lang="en-US" sz="2300"/>
+              <a:rPr lang="en-US" sz="2200"/>
               <a:t>This slide shows the conversion of categorical columns "model" and "offerType" into numerical codes using astype('category').cat.codes, enabling these features to be used in the RandomForestRegressor model for price prediction.</a:t>
             </a:r>
             <a:br>
-              <a:rPr lang="en-US" sz="2300"/>
+              <a:rPr lang="en-US" sz="2200"/>
             </a:br>
-            <a:endParaRPr lang="en-US" sz="2300"/>
+            <a:endParaRPr lang="en-US" sz="2200"/>
           </a:p>
         </p:txBody>
       </p:sp>
       <p:cxnSp>
         <p:nvCxnSpPr>
-          <p:cNvPr id="37" name="Straight Connector 36">
-            <a:extLst>
-              <a:ext uri="{FF2B5EF4-FFF2-40B4-BE49-F238E27FC236}">
-                <a16:creationId xmlns:a16="http://schemas.microsoft.com/office/drawing/2014/main" id="{8B45C962-0D68-4A01-9627-70DEBBC363C7}"/>
+          <p:cNvPr id="48" name="Straight Connector 47">
+            <a:extLst>
+              <a:ext uri="{FF2B5EF4-FFF2-40B4-BE49-F238E27FC236}">
+                <a16:creationId xmlns:a16="http://schemas.microsoft.com/office/drawing/2014/main" id="{D927055D-9ECF-487E-91DD-FFA84AB92DB8}"/>
               </a:ext>
               <a:ext uri="{C183D7F6-B498-43B3-948B-1728B52AA6E4}">
                 <adec:decorative xmlns:adec="http://schemas.microsoft.com/office/drawing/2017/decorative" val="1"/>
@@ -9452,7 +9296,7 @@
         </p:nvCxnSpPr>
         <p:spPr>
           <a:xfrm flipH="1">
-            <a:off x="577175" y="571500"/>
+            <a:off x="571333" y="571500"/>
             <a:ext cx="11054799" cy="0"/>
           </a:xfrm>
           <a:prstGeom prst="line">
@@ -9479,12 +9323,74 @@
           </a:fontRef>
         </p:style>
       </p:cxnSp>
+      <p:pic>
+        <p:nvPicPr>
+          <p:cNvPr id="6" name="Picture 5">
+            <a:extLst>
+              <a:ext uri="{FF2B5EF4-FFF2-40B4-BE49-F238E27FC236}">
+                <a16:creationId xmlns:a16="http://schemas.microsoft.com/office/drawing/2014/main" id="{0A3A924E-C75A-E0F9-19BE-8CAB4893ADE9}"/>
+              </a:ext>
+            </a:extLst>
+          </p:cNvPr>
+          <p:cNvPicPr>
+            <a:picLocks noChangeAspect="1"/>
+          </p:cNvPicPr>
+          <p:nvPr/>
+        </p:nvPicPr>
+        <p:blipFill>
+          <a:blip r:embed="rId2"/>
+          <a:stretch>
+            <a:fillRect/>
+          </a:stretch>
+        </p:blipFill>
+        <p:spPr>
+          <a:xfrm>
+            <a:off x="4758612" y="1995131"/>
+            <a:ext cx="6867517" cy="806932"/>
+          </a:xfrm>
+          <a:prstGeom prst="rect">
+            <a:avLst/>
+          </a:prstGeom>
+        </p:spPr>
+      </p:pic>
+      <p:sp>
+        <p:nvSpPr>
+          <p:cNvPr id="4" name="Content Placeholder 3">
+            <a:extLst>
+              <a:ext uri="{FF2B5EF4-FFF2-40B4-BE49-F238E27FC236}">
+                <a16:creationId xmlns:a16="http://schemas.microsoft.com/office/drawing/2014/main" id="{AB4113A3-DF0D-22C5-23B2-D207FDF04061}"/>
+              </a:ext>
+            </a:extLst>
+          </p:cNvPr>
+          <p:cNvSpPr>
+            <a:spLocks noGrp="1"/>
+          </p:cNvSpPr>
+          <p:nvPr>
+            <p:ph idx="1"/>
+          </p:nvPr>
+        </p:nvSpPr>
+        <p:spPr>
+          <a:xfrm>
+            <a:off x="4698255" y="4225693"/>
+            <a:ext cx="6933055" cy="1775059"/>
+          </a:xfrm>
+        </p:spPr>
+        <p:txBody>
+          <a:bodyPr anchor="t">
+            <a:normAutofit/>
+          </a:bodyPr>
+          <a:lstStyle/>
+          <a:p>
+            <a:endParaRPr lang="en-US" sz="1800"/>
+          </a:p>
+        </p:txBody>
+      </p:sp>
       <p:cxnSp>
         <p:nvCxnSpPr>
-          <p:cNvPr id="39" name="Straight Connector 38">
-            <a:extLst>
-              <a:ext uri="{FF2B5EF4-FFF2-40B4-BE49-F238E27FC236}">
-                <a16:creationId xmlns:a16="http://schemas.microsoft.com/office/drawing/2014/main" id="{F1D89FBF-493B-4E7D-B511-7E40674F6323}"/>
+          <p:cNvPr id="50" name="Straight Connector 49">
+            <a:extLst>
+              <a:ext uri="{FF2B5EF4-FFF2-40B4-BE49-F238E27FC236}">
+                <a16:creationId xmlns:a16="http://schemas.microsoft.com/office/drawing/2014/main" id="{F0DC1883-8AF7-483D-9074-3C6D8AF57596}"/>
               </a:ext>
               <a:ext uri="{C183D7F6-B498-43B3-948B-1728B52AA6E4}">
                 <adec:decorative xmlns:adec="http://schemas.microsoft.com/office/drawing/2017/decorative" val="1"/>
@@ -9503,9 +9409,9 @@
           </p:nvPr>
         </p:nvCxnSpPr>
         <p:spPr>
-          <a:xfrm>
-            <a:off x="5524500" y="573971"/>
-            <a:ext cx="0" cy="5712529"/>
+          <a:xfrm flipH="1">
+            <a:off x="571500" y="6286500"/>
+            <a:ext cx="11054799" cy="0"/>
           </a:xfrm>
           <a:prstGeom prst="line">
             <a:avLst/>
@@ -9531,50 +9437,12 @@
           </a:fontRef>
         </p:style>
       </p:cxnSp>
-      <p:pic>
-        <p:nvPicPr>
-          <p:cNvPr id="7" name="Content Placeholder 6" descr="A computer screen shot of a computer code&#10;&#10;AI-generated content may be incorrect.">
-            <a:extLst>
-              <a:ext uri="{FF2B5EF4-FFF2-40B4-BE49-F238E27FC236}">
-                <a16:creationId xmlns:a16="http://schemas.microsoft.com/office/drawing/2014/main" id="{DA080EBA-2075-797D-7BFD-52804642C517}"/>
-              </a:ext>
-            </a:extLst>
-          </p:cNvPr>
-          <p:cNvPicPr>
-            <a:picLocks noGrp="1" noChangeAspect="1"/>
-          </p:cNvPicPr>
-          <p:nvPr>
-            <p:ph idx="1"/>
-          </p:nvPr>
-        </p:nvPicPr>
-        <p:blipFill>
-          <a:blip r:embed="rId2">
-            <a:extLst>
-              <a:ext uri="{28A0092B-C50C-407E-A947-70E740481C1C}">
-                <a14:useLocalDpi xmlns:a14="http://schemas.microsoft.com/office/drawing/2010/main" val="0"/>
-              </a:ext>
-            </a:extLst>
-          </a:blip>
-          <a:stretch>
-            <a:fillRect/>
-          </a:stretch>
-        </p:blipFill>
-        <p:spPr>
-          <a:xfrm>
-            <a:off x="5800384" y="2615351"/>
-            <a:ext cx="5820112" cy="843916"/>
-          </a:xfrm>
-          <a:prstGeom prst="rect">
-            <a:avLst/>
-          </a:prstGeom>
-        </p:spPr>
-      </p:pic>
       <p:cxnSp>
         <p:nvCxnSpPr>
-          <p:cNvPr id="41" name="Straight Connector 40">
-            <a:extLst>
-              <a:ext uri="{FF2B5EF4-FFF2-40B4-BE49-F238E27FC236}">
-                <a16:creationId xmlns:a16="http://schemas.microsoft.com/office/drawing/2014/main" id="{4BCC744E-5590-4542-B37F-B764470BF05E}"/>
+          <p:cNvPr id="52" name="Straight Connector 51">
+            <a:extLst>
+              <a:ext uri="{FF2B5EF4-FFF2-40B4-BE49-F238E27FC236}">
+                <a16:creationId xmlns:a16="http://schemas.microsoft.com/office/drawing/2014/main" id="{1CF89D75-E5AC-4C45-9D87-228849A4C7A5}"/>
               </a:ext>
               <a:ext uri="{C183D7F6-B498-43B3-948B-1728B52AA6E4}">
                 <adec:decorative xmlns:adec="http://schemas.microsoft.com/office/drawing/2017/decorative" val="1"/>
@@ -9593,9 +9461,9 @@
           </p:nvPr>
         </p:nvCxnSpPr>
         <p:spPr>
-          <a:xfrm flipH="1">
-            <a:off x="577176" y="6286500"/>
-            <a:ext cx="11043324" cy="0"/>
+          <a:xfrm>
+            <a:off x="4419600" y="571500"/>
+            <a:ext cx="0" cy="5715000"/>
           </a:xfrm>
           <a:prstGeom prst="line">
             <a:avLst/>
